--- a/deliverables/milestone_2/Final Presentation.pptx
+++ b/deliverables/milestone_2/Final Presentation.pptx
@@ -2,10 +2,18 @@
 <file path=ppt/presentation.xml><?xml version="1.0" encoding="utf-8"?>
 <p:presentation xmlns:a="http://schemas.openxmlformats.org/drawingml/2006/main" xmlns:r="http://schemas.openxmlformats.org/officeDocument/2006/relationships" xmlns:p="http://schemas.openxmlformats.org/presentationml/2006/main" saveSubsetFonts="1">
   <p:sldMasterIdLst>
-    <p:sldMasterId id="2147483648" r:id="rId1"/>
+    <p:sldMasterId id="2147483696" r:id="rId1"/>
   </p:sldMasterIdLst>
   <p:sldIdLst>
     <p:sldId id="256" r:id="rId2"/>
+    <p:sldId id="258" r:id="rId3"/>
+    <p:sldId id="259" r:id="rId4"/>
+    <p:sldId id="260" r:id="rId5"/>
+    <p:sldId id="261" r:id="rId6"/>
+    <p:sldId id="264" r:id="rId7"/>
+    <p:sldId id="265" r:id="rId8"/>
+    <p:sldId id="262" r:id="rId9"/>
+    <p:sldId id="263" r:id="rId10"/>
   </p:sldIdLst>
   <p:sldSz cx="12192000" cy="6858000"/>
   <p:notesSz cx="6858000" cy="9144000"/>
@@ -13,7 +21,7 @@
     <a:defPPr>
       <a:defRPr lang="en-US"/>
     </a:defPPr>
-    <a:lvl1pPr marL="0" algn="l" defTabSz="914400" rtl="0" eaLnBrk="1" latinLnBrk="0" hangingPunct="1">
+    <a:lvl1pPr marL="0" algn="l" defTabSz="457200" rtl="0" eaLnBrk="1" latinLnBrk="0" hangingPunct="1">
       <a:defRPr sz="1800" kern="1200">
         <a:solidFill>
           <a:schemeClr val="tx1"/>
@@ -23,7 +31,7 @@
         <a:cs typeface="+mn-cs"/>
       </a:defRPr>
     </a:lvl1pPr>
-    <a:lvl2pPr marL="457200" algn="l" defTabSz="914400" rtl="0" eaLnBrk="1" latinLnBrk="0" hangingPunct="1">
+    <a:lvl2pPr marL="457200" algn="l" defTabSz="457200" rtl="0" eaLnBrk="1" latinLnBrk="0" hangingPunct="1">
       <a:defRPr sz="1800" kern="1200">
         <a:solidFill>
           <a:schemeClr val="tx1"/>
@@ -33,7 +41,7 @@
         <a:cs typeface="+mn-cs"/>
       </a:defRPr>
     </a:lvl2pPr>
-    <a:lvl3pPr marL="914400" algn="l" defTabSz="914400" rtl="0" eaLnBrk="1" latinLnBrk="0" hangingPunct="1">
+    <a:lvl3pPr marL="914400" algn="l" defTabSz="457200" rtl="0" eaLnBrk="1" latinLnBrk="0" hangingPunct="1">
       <a:defRPr sz="1800" kern="1200">
         <a:solidFill>
           <a:schemeClr val="tx1"/>
@@ -43,7 +51,7 @@
         <a:cs typeface="+mn-cs"/>
       </a:defRPr>
     </a:lvl3pPr>
-    <a:lvl4pPr marL="1371600" algn="l" defTabSz="914400" rtl="0" eaLnBrk="1" latinLnBrk="0" hangingPunct="1">
+    <a:lvl4pPr marL="1371600" algn="l" defTabSz="457200" rtl="0" eaLnBrk="1" latinLnBrk="0" hangingPunct="1">
       <a:defRPr sz="1800" kern="1200">
         <a:solidFill>
           <a:schemeClr val="tx1"/>
@@ -53,7 +61,7 @@
         <a:cs typeface="+mn-cs"/>
       </a:defRPr>
     </a:lvl4pPr>
-    <a:lvl5pPr marL="1828800" algn="l" defTabSz="914400" rtl="0" eaLnBrk="1" latinLnBrk="0" hangingPunct="1">
+    <a:lvl5pPr marL="1828800" algn="l" defTabSz="457200" rtl="0" eaLnBrk="1" latinLnBrk="0" hangingPunct="1">
       <a:defRPr sz="1800" kern="1200">
         <a:solidFill>
           <a:schemeClr val="tx1"/>
@@ -63,7 +71,7 @@
         <a:cs typeface="+mn-cs"/>
       </a:defRPr>
     </a:lvl5pPr>
-    <a:lvl6pPr marL="2286000" algn="l" defTabSz="914400" rtl="0" eaLnBrk="1" latinLnBrk="0" hangingPunct="1">
+    <a:lvl6pPr marL="2286000" algn="l" defTabSz="457200" rtl="0" eaLnBrk="1" latinLnBrk="0" hangingPunct="1">
       <a:defRPr sz="1800" kern="1200">
         <a:solidFill>
           <a:schemeClr val="tx1"/>
@@ -73,7 +81,7 @@
         <a:cs typeface="+mn-cs"/>
       </a:defRPr>
     </a:lvl6pPr>
-    <a:lvl7pPr marL="2743200" algn="l" defTabSz="914400" rtl="0" eaLnBrk="1" latinLnBrk="0" hangingPunct="1">
+    <a:lvl7pPr marL="2743200" algn="l" defTabSz="457200" rtl="0" eaLnBrk="1" latinLnBrk="0" hangingPunct="1">
       <a:defRPr sz="1800" kern="1200">
         <a:solidFill>
           <a:schemeClr val="tx1"/>
@@ -83,7 +91,7 @@
         <a:cs typeface="+mn-cs"/>
       </a:defRPr>
     </a:lvl7pPr>
-    <a:lvl8pPr marL="3200400" algn="l" defTabSz="914400" rtl="0" eaLnBrk="1" latinLnBrk="0" hangingPunct="1">
+    <a:lvl8pPr marL="3200400" algn="l" defTabSz="457200" rtl="0" eaLnBrk="1" latinLnBrk="0" hangingPunct="1">
       <a:defRPr sz="1800" kern="1200">
         <a:solidFill>
           <a:schemeClr val="tx1"/>
@@ -93,7 +101,7 @@
         <a:cs typeface="+mn-cs"/>
       </a:defRPr>
     </a:lvl8pPr>
-    <a:lvl9pPr marL="3657600" algn="l" defTabSz="914400" rtl="0" eaLnBrk="1" latinLnBrk="0" hangingPunct="1">
+    <a:lvl9pPr marL="3657600" algn="l" defTabSz="457200" rtl="0" eaLnBrk="1" latinLnBrk="0" hangingPunct="1">
       <a:defRPr sz="1800" kern="1200">
         <a:solidFill>
           <a:schemeClr val="tx1"/>
@@ -104,11 +112,429 @@
       </a:defRPr>
     </a:lvl9pPr>
   </p:defaultTextStyle>
+  <p:extLst>
+    <p:ext uri="{EFAFB233-063F-42B5-8137-9DF3F51BA10A}">
+      <p15:sldGuideLst xmlns:p15="http://schemas.microsoft.com/office/powerpoint/2012/main"/>
+    </p:ext>
+  </p:extLst>
 </p:presentation>
 </file>
 
+<file path=ppt/revisionInfo.xml><?xml version="1.0" encoding="utf-8"?>
+<p1510:revInfo xmlns:a="http://schemas.openxmlformats.org/drawingml/2006/main" xmlns:r="http://schemas.openxmlformats.org/officeDocument/2006/relationships" xmlns:p1510="http://schemas.microsoft.com/office/powerpoint/2015/10/main">
+  <p1510:revLst>
+    <p1510:client id="{5EC26DEC-36D1-E45A-DE19-74EBC1057BA9}" v="17" dt="2022-12-04T20:37:23.382"/>
+    <p1510:client id="{74B77358-6B7D-470A-8E41-6CD01E0EF01A}" v="5" dt="2022-12-05T01:22:26.644"/>
+    <p1510:client id="{C5264299-6FE5-9F96-CE03-25CE28416441}" v="294" dt="2022-12-07T22:25:35.576"/>
+  </p1510:revLst>
+</p1510:revInfo>
+</file>
+
+<file path=ppt/changesInfos/changesInfo1.xml><?xml version="1.0" encoding="utf-8"?>
+<pc:chgInfo xmlns:a="http://schemas.openxmlformats.org/drawingml/2006/main" xmlns:r="http://schemas.openxmlformats.org/officeDocument/2006/relationships" xmlns:ac="http://schemas.microsoft.com/office/drawing/2013/main/command" xmlns:pc="http://schemas.microsoft.com/office/powerpoint/2013/main/command">
+  <pc:docChgLst>
+    <pc:chgData name="Alex Daly" userId="a793e76d-94f8-4b77-9a24-460fb4ed85b6" providerId="ADAL" clId="{74B77358-6B7D-470A-8E41-6CD01E0EF01A}"/>
+    <pc:docChg chg="undo custSel addSld delSld modSld">
+      <pc:chgData name="Alex Daly" userId="a793e76d-94f8-4b77-9a24-460fb4ed85b6" providerId="ADAL" clId="{74B77358-6B7D-470A-8E41-6CD01E0EF01A}" dt="2022-12-05T01:29:03.957" v="893" actId="20577"/>
+      <pc:docMkLst>
+        <pc:docMk/>
+      </pc:docMkLst>
+      <pc:sldChg chg="addSp delSp modSp mod setBg addAnim setClrOvrMap delDesignElem">
+        <pc:chgData name="Alex Daly" userId="a793e76d-94f8-4b77-9a24-460fb4ed85b6" providerId="ADAL" clId="{74B77358-6B7D-470A-8E41-6CD01E0EF01A}" dt="2022-12-05T01:22:26.644" v="141" actId="20577"/>
+        <pc:sldMkLst>
+          <pc:docMk/>
+          <pc:sldMk cId="3637328124" sldId="256"/>
+        </pc:sldMkLst>
+        <pc:spChg chg="mod">
+          <ac:chgData name="Alex Daly" userId="a793e76d-94f8-4b77-9a24-460fb4ed85b6" providerId="ADAL" clId="{74B77358-6B7D-470A-8E41-6CD01E0EF01A}" dt="2022-12-05T01:18:38.309" v="102" actId="26606"/>
+          <ac:spMkLst>
+            <pc:docMk/>
+            <pc:sldMk cId="3637328124" sldId="256"/>
+            <ac:spMk id="2" creationId="{38906F79-BE83-3C9E-2FCF-E021689EF945}"/>
+          </ac:spMkLst>
+        </pc:spChg>
+        <pc:spChg chg="mod">
+          <ac:chgData name="Alex Daly" userId="a793e76d-94f8-4b77-9a24-460fb4ed85b6" providerId="ADAL" clId="{74B77358-6B7D-470A-8E41-6CD01E0EF01A}" dt="2022-12-05T01:22:26.644" v="141" actId="20577"/>
+          <ac:spMkLst>
+            <pc:docMk/>
+            <pc:sldMk cId="3637328124" sldId="256"/>
+            <ac:spMk id="3" creationId="{4D225035-D4BD-810C-86BF-D7144AF367D6}"/>
+          </ac:spMkLst>
+        </pc:spChg>
+        <pc:spChg chg="add del">
+          <ac:chgData name="Alex Daly" userId="a793e76d-94f8-4b77-9a24-460fb4ed85b6" providerId="ADAL" clId="{74B77358-6B7D-470A-8E41-6CD01E0EF01A}" dt="2022-12-05T01:18:42.051" v="104"/>
+          <ac:spMkLst>
+            <pc:docMk/>
+            <pc:sldMk cId="3637328124" sldId="256"/>
+            <ac:spMk id="7" creationId="{424EB265-F02F-4B59-A508-C6EB995F2183}"/>
+          </ac:spMkLst>
+        </pc:spChg>
+        <pc:spChg chg="add">
+          <ac:chgData name="Alex Daly" userId="a793e76d-94f8-4b77-9a24-460fb4ed85b6" providerId="ADAL" clId="{74B77358-6B7D-470A-8E41-6CD01E0EF01A}" dt="2022-12-05T01:18:45.292" v="105" actId="26606"/>
+          <ac:spMkLst>
+            <pc:docMk/>
+            <pc:sldMk cId="3637328124" sldId="256"/>
+            <ac:spMk id="8" creationId="{4FEB7930-F0D6-4044-8BA9-D730103DBF13}"/>
+          </ac:spMkLst>
+        </pc:spChg>
+        <pc:spChg chg="add del">
+          <ac:chgData name="Alex Daly" userId="a793e76d-94f8-4b77-9a24-460fb4ed85b6" providerId="ADAL" clId="{74B77358-6B7D-470A-8E41-6CD01E0EF01A}" dt="2022-12-05T01:18:26.101" v="97"/>
+          <ac:spMkLst>
+            <pc:docMk/>
+            <pc:sldMk cId="3637328124" sldId="256"/>
+            <ac:spMk id="9" creationId="{E58348C3-6249-4952-AA86-C63DB35EA9F2}"/>
+          </ac:spMkLst>
+        </pc:spChg>
+        <pc:grpChg chg="add del">
+          <ac:chgData name="Alex Daly" userId="a793e76d-94f8-4b77-9a24-460fb4ed85b6" providerId="ADAL" clId="{74B77358-6B7D-470A-8E41-6CD01E0EF01A}" dt="2022-12-05T01:18:36.460" v="99" actId="26606"/>
+          <ac:grpSpMkLst>
+            <pc:docMk/>
+            <pc:sldMk cId="3637328124" sldId="256"/>
+            <ac:grpSpMk id="10" creationId="{2D6AE5D8-40C2-4D62-AA3B-20655AAF4193}"/>
+          </ac:grpSpMkLst>
+        </pc:grpChg>
+        <pc:grpChg chg="add del">
+          <ac:chgData name="Alex Daly" userId="a793e76d-94f8-4b77-9a24-460fb4ed85b6" providerId="ADAL" clId="{74B77358-6B7D-470A-8E41-6CD01E0EF01A}" dt="2022-12-05T01:18:26.101" v="97"/>
+          <ac:grpSpMkLst>
+            <pc:docMk/>
+            <pc:sldMk cId="3637328124" sldId="256"/>
+            <ac:grpSpMk id="11" creationId="{DE6174AD-DBB0-43E6-98C2-738DB3A15244}"/>
+          </ac:grpSpMkLst>
+        </pc:grpChg>
+        <pc:grpChg chg="add del">
+          <ac:chgData name="Alex Daly" userId="a793e76d-94f8-4b77-9a24-460fb4ed85b6" providerId="ADAL" clId="{74B77358-6B7D-470A-8E41-6CD01E0EF01A}" dt="2022-12-05T01:18:42.051" v="104"/>
+          <ac:grpSpMkLst>
+            <pc:docMk/>
+            <pc:sldMk cId="3637328124" sldId="256"/>
+            <ac:grpSpMk id="12" creationId="{2C998072-124D-48E2-A6E2-8F1E8ED837F6}"/>
+          </ac:grpSpMkLst>
+        </pc:grpChg>
+        <pc:grpChg chg="add">
+          <ac:chgData name="Alex Daly" userId="a793e76d-94f8-4b77-9a24-460fb4ed85b6" providerId="ADAL" clId="{74B77358-6B7D-470A-8E41-6CD01E0EF01A}" dt="2022-12-05T01:18:45.292" v="105" actId="26606"/>
+          <ac:grpSpMkLst>
+            <pc:docMk/>
+            <pc:sldMk cId="3637328124" sldId="256"/>
+            <ac:grpSpMk id="15" creationId="{3D37B8A0-A486-4042-834D-0C08DD3B4302}"/>
+          </ac:grpSpMkLst>
+        </pc:grpChg>
+        <pc:grpChg chg="add del">
+          <ac:chgData name="Alex Daly" userId="a793e76d-94f8-4b77-9a24-460fb4ed85b6" providerId="ADAL" clId="{74B77358-6B7D-470A-8E41-6CD01E0EF01A}" dt="2022-12-05T01:18:42.051" v="104"/>
+          <ac:grpSpMkLst>
+            <pc:docMk/>
+            <pc:sldMk cId="3637328124" sldId="256"/>
+            <ac:grpSpMk id="16" creationId="{7C1932C4-6593-4E91-A419-A6DD5ACF2AA1}"/>
+          </ac:grpSpMkLst>
+        </pc:grpChg>
+        <pc:grpChg chg="add">
+          <ac:chgData name="Alex Daly" userId="a793e76d-94f8-4b77-9a24-460fb4ed85b6" providerId="ADAL" clId="{74B77358-6B7D-470A-8E41-6CD01E0EF01A}" dt="2022-12-05T01:18:45.292" v="105" actId="26606"/>
+          <ac:grpSpMkLst>
+            <pc:docMk/>
+            <pc:sldMk cId="3637328124" sldId="256"/>
+            <ac:grpSpMk id="25" creationId="{945CE9A4-4A26-4B57-A688-E6D3A8498AB1}"/>
+          </ac:grpSpMkLst>
+        </pc:grpChg>
+        <pc:picChg chg="add mod ord">
+          <ac:chgData name="Alex Daly" userId="a793e76d-94f8-4b77-9a24-460fb4ed85b6" providerId="ADAL" clId="{74B77358-6B7D-470A-8E41-6CD01E0EF01A}" dt="2022-12-05T01:18:38.309" v="102" actId="26606"/>
+          <ac:picMkLst>
+            <pc:docMk/>
+            <pc:sldMk cId="3637328124" sldId="256"/>
+            <ac:picMk id="5" creationId="{52BF8C0E-833D-D920-30B8-4171F6E6F79C}"/>
+          </ac:picMkLst>
+        </pc:picChg>
+      </pc:sldChg>
+      <pc:sldChg chg="addSp modSp del mod setBg">
+        <pc:chgData name="Alex Daly" userId="a793e76d-94f8-4b77-9a24-460fb4ed85b6" providerId="ADAL" clId="{74B77358-6B7D-470A-8E41-6CD01E0EF01A}" dt="2022-12-05T01:19:11.767" v="107" actId="2696"/>
+        <pc:sldMkLst>
+          <pc:docMk/>
+          <pc:sldMk cId="2978766832" sldId="257"/>
+        </pc:sldMkLst>
+        <pc:spChg chg="mod">
+          <ac:chgData name="Alex Daly" userId="a793e76d-94f8-4b77-9a24-460fb4ed85b6" providerId="ADAL" clId="{74B77358-6B7D-470A-8E41-6CD01E0EF01A}" dt="2022-12-05T01:19:04.965" v="106" actId="26606"/>
+          <ac:spMkLst>
+            <pc:docMk/>
+            <pc:sldMk cId="2978766832" sldId="257"/>
+            <ac:spMk id="2" creationId="{51126873-669E-8BDD-0309-323747FDFD43}"/>
+          </ac:spMkLst>
+        </pc:spChg>
+        <pc:spChg chg="mod">
+          <ac:chgData name="Alex Daly" userId="a793e76d-94f8-4b77-9a24-460fb4ed85b6" providerId="ADAL" clId="{74B77358-6B7D-470A-8E41-6CD01E0EF01A}" dt="2022-12-05T01:19:04.965" v="106" actId="26606"/>
+          <ac:spMkLst>
+            <pc:docMk/>
+            <pc:sldMk cId="2978766832" sldId="257"/>
+            <ac:spMk id="3" creationId="{37559CF4-8673-4922-A63F-5C6652784A14}"/>
+          </ac:spMkLst>
+        </pc:spChg>
+        <pc:spChg chg="add">
+          <ac:chgData name="Alex Daly" userId="a793e76d-94f8-4b77-9a24-460fb4ed85b6" providerId="ADAL" clId="{74B77358-6B7D-470A-8E41-6CD01E0EF01A}" dt="2022-12-05T01:19:04.965" v="106" actId="26606"/>
+          <ac:spMkLst>
+            <pc:docMk/>
+            <pc:sldMk cId="2978766832" sldId="257"/>
+            <ac:spMk id="8" creationId="{01355D4F-439D-46D1-9007-6D39B8422A19}"/>
+          </ac:spMkLst>
+        </pc:spChg>
+        <pc:grpChg chg="add">
+          <ac:chgData name="Alex Daly" userId="a793e76d-94f8-4b77-9a24-460fb4ed85b6" providerId="ADAL" clId="{74B77358-6B7D-470A-8E41-6CD01E0EF01A}" dt="2022-12-05T01:19:04.965" v="106" actId="26606"/>
+          <ac:grpSpMkLst>
+            <pc:docMk/>
+            <pc:sldMk cId="2978766832" sldId="257"/>
+            <ac:grpSpMk id="10" creationId="{BAACB4EA-FD87-4345-AC16-8265F9596779}"/>
+          </ac:grpSpMkLst>
+        </pc:grpChg>
+      </pc:sldChg>
+      <pc:sldChg chg="modSp mod">
+        <pc:chgData name="Alex Daly" userId="a793e76d-94f8-4b77-9a24-460fb4ed85b6" providerId="ADAL" clId="{74B77358-6B7D-470A-8E41-6CD01E0EF01A}" dt="2022-12-05T01:29:03.957" v="893" actId="20577"/>
+        <pc:sldMkLst>
+          <pc:docMk/>
+          <pc:sldMk cId="2532035497" sldId="258"/>
+        </pc:sldMkLst>
+        <pc:spChg chg="mod">
+          <ac:chgData name="Alex Daly" userId="a793e76d-94f8-4b77-9a24-460fb4ed85b6" providerId="ADAL" clId="{74B77358-6B7D-470A-8E41-6CD01E0EF01A}" dt="2022-12-05T01:19:36.426" v="113" actId="20577"/>
+          <ac:spMkLst>
+            <pc:docMk/>
+            <pc:sldMk cId="2532035497" sldId="258"/>
+            <ac:spMk id="2" creationId="{8005C1A6-65AA-AF17-A929-F7CD27AE197D}"/>
+          </ac:spMkLst>
+        </pc:spChg>
+        <pc:spChg chg="mod">
+          <ac:chgData name="Alex Daly" userId="a793e76d-94f8-4b77-9a24-460fb4ed85b6" providerId="ADAL" clId="{74B77358-6B7D-470A-8E41-6CD01E0EF01A}" dt="2022-12-05T01:29:03.957" v="893" actId="20577"/>
+          <ac:spMkLst>
+            <pc:docMk/>
+            <pc:sldMk cId="2532035497" sldId="258"/>
+            <ac:spMk id="3" creationId="{2CA7B038-8EA6-4308-BD4D-E056055B20CA}"/>
+          </ac:spMkLst>
+        </pc:spChg>
+      </pc:sldChg>
+      <pc:sldChg chg="modSp new mod">
+        <pc:chgData name="Alex Daly" userId="a793e76d-94f8-4b77-9a24-460fb4ed85b6" providerId="ADAL" clId="{74B77358-6B7D-470A-8E41-6CD01E0EF01A}" dt="2022-12-05T01:23:00.574" v="166" actId="20577"/>
+        <pc:sldMkLst>
+          <pc:docMk/>
+          <pc:sldMk cId="3678845139" sldId="259"/>
+        </pc:sldMkLst>
+        <pc:spChg chg="mod">
+          <ac:chgData name="Alex Daly" userId="a793e76d-94f8-4b77-9a24-460fb4ed85b6" providerId="ADAL" clId="{74B77358-6B7D-470A-8E41-6CD01E0EF01A}" dt="2022-12-05T01:23:00.574" v="166" actId="20577"/>
+          <ac:spMkLst>
+            <pc:docMk/>
+            <pc:sldMk cId="3678845139" sldId="259"/>
+            <ac:spMk id="2" creationId="{B198FF85-EA62-67A7-63C0-2C519B85ADC9}"/>
+          </ac:spMkLst>
+        </pc:spChg>
+      </pc:sldChg>
+      <pc:sldChg chg="modSp new mod">
+        <pc:chgData name="Alex Daly" userId="a793e76d-94f8-4b77-9a24-460fb4ed85b6" providerId="ADAL" clId="{74B77358-6B7D-470A-8E41-6CD01E0EF01A}" dt="2022-12-05T01:23:19.243" v="189" actId="313"/>
+        <pc:sldMkLst>
+          <pc:docMk/>
+          <pc:sldMk cId="2091668939" sldId="260"/>
+        </pc:sldMkLst>
+        <pc:spChg chg="mod">
+          <ac:chgData name="Alex Daly" userId="a793e76d-94f8-4b77-9a24-460fb4ed85b6" providerId="ADAL" clId="{74B77358-6B7D-470A-8E41-6CD01E0EF01A}" dt="2022-12-05T01:23:19.243" v="189" actId="313"/>
+          <ac:spMkLst>
+            <pc:docMk/>
+            <pc:sldMk cId="2091668939" sldId="260"/>
+            <ac:spMk id="2" creationId="{D053BB6D-C95D-6580-47FD-DBC4AFC28408}"/>
+          </ac:spMkLst>
+        </pc:spChg>
+      </pc:sldChg>
+      <pc:sldChg chg="modSp new mod">
+        <pc:chgData name="Alex Daly" userId="a793e76d-94f8-4b77-9a24-460fb4ed85b6" providerId="ADAL" clId="{74B77358-6B7D-470A-8E41-6CD01E0EF01A}" dt="2022-12-05T01:24:38.337" v="468" actId="20577"/>
+        <pc:sldMkLst>
+          <pc:docMk/>
+          <pc:sldMk cId="221988739" sldId="261"/>
+        </pc:sldMkLst>
+        <pc:spChg chg="mod">
+          <ac:chgData name="Alex Daly" userId="a793e76d-94f8-4b77-9a24-460fb4ed85b6" providerId="ADAL" clId="{74B77358-6B7D-470A-8E41-6CD01E0EF01A}" dt="2022-12-05T01:24:38.337" v="468" actId="20577"/>
+          <ac:spMkLst>
+            <pc:docMk/>
+            <pc:sldMk cId="221988739" sldId="261"/>
+            <ac:spMk id="2" creationId="{7867E369-892A-12FD-CBED-11DF602C00C8}"/>
+          </ac:spMkLst>
+        </pc:spChg>
+      </pc:sldChg>
+      <pc:sldChg chg="modSp new mod">
+        <pc:chgData name="Alex Daly" userId="a793e76d-94f8-4b77-9a24-460fb4ed85b6" providerId="ADAL" clId="{74B77358-6B7D-470A-8E41-6CD01E0EF01A}" dt="2022-12-05T01:26:36.885" v="639" actId="20577"/>
+        <pc:sldMkLst>
+          <pc:docMk/>
+          <pc:sldMk cId="1746589209" sldId="262"/>
+        </pc:sldMkLst>
+        <pc:spChg chg="mod">
+          <ac:chgData name="Alex Daly" userId="a793e76d-94f8-4b77-9a24-460fb4ed85b6" providerId="ADAL" clId="{74B77358-6B7D-470A-8E41-6CD01E0EF01A}" dt="2022-12-05T01:25:50.108" v="575" actId="27636"/>
+          <ac:spMkLst>
+            <pc:docMk/>
+            <pc:sldMk cId="1746589209" sldId="262"/>
+            <ac:spMk id="2" creationId="{0BF3936F-A5F9-7A42-88D9-D65F255245C7}"/>
+          </ac:spMkLst>
+        </pc:spChg>
+        <pc:spChg chg="mod">
+          <ac:chgData name="Alex Daly" userId="a793e76d-94f8-4b77-9a24-460fb4ed85b6" providerId="ADAL" clId="{74B77358-6B7D-470A-8E41-6CD01E0EF01A}" dt="2022-12-05T01:26:36.885" v="639" actId="20577"/>
+          <ac:spMkLst>
+            <pc:docMk/>
+            <pc:sldMk cId="1746589209" sldId="262"/>
+            <ac:spMk id="3" creationId="{CBDFEA35-EC50-22B3-2A1B-8D95F61027A9}"/>
+          </ac:spMkLst>
+        </pc:spChg>
+      </pc:sldChg>
+      <pc:sldChg chg="modSp new mod">
+        <pc:chgData name="Alex Daly" userId="a793e76d-94f8-4b77-9a24-460fb4ed85b6" providerId="ADAL" clId="{74B77358-6B7D-470A-8E41-6CD01E0EF01A}" dt="2022-12-05T01:26:46.272" v="651" actId="20577"/>
+        <pc:sldMkLst>
+          <pc:docMk/>
+          <pc:sldMk cId="2247401716" sldId="263"/>
+        </pc:sldMkLst>
+        <pc:spChg chg="mod">
+          <ac:chgData name="Alex Daly" userId="a793e76d-94f8-4b77-9a24-460fb4ed85b6" providerId="ADAL" clId="{74B77358-6B7D-470A-8E41-6CD01E0EF01A}" dt="2022-12-05T01:26:46.272" v="651" actId="20577"/>
+          <ac:spMkLst>
+            <pc:docMk/>
+            <pc:sldMk cId="2247401716" sldId="263"/>
+            <ac:spMk id="2" creationId="{9B91BB3F-EB0C-D80B-9A00-66874CD448AB}"/>
+          </ac:spMkLst>
+        </pc:spChg>
+      </pc:sldChg>
+    </pc:docChg>
+  </pc:docChgLst>
+  <pc:docChgLst>
+    <pc:chgData name="Satwik chowdary Chandra" userId="S::satwikchowdarychan@unomaha.edu::e5153756-a635-4132-8d6d-7ba29aa35683" providerId="AD" clId="Web-{5EC26DEC-36D1-E45A-DE19-74EBC1057BA9}"/>
+    <pc:docChg chg="addSld modSld">
+      <pc:chgData name="Satwik chowdary Chandra" userId="S::satwikchowdarychan@unomaha.edu::e5153756-a635-4132-8d6d-7ba29aa35683" providerId="AD" clId="Web-{5EC26DEC-36D1-E45A-DE19-74EBC1057BA9}" dt="2022-12-04T20:37:23.382" v="16" actId="20577"/>
+      <pc:docMkLst>
+        <pc:docMk/>
+      </pc:docMkLst>
+      <pc:sldChg chg="modSp new">
+        <pc:chgData name="Satwik chowdary Chandra" userId="S::satwikchowdarychan@unomaha.edu::e5153756-a635-4132-8d6d-7ba29aa35683" providerId="AD" clId="Web-{5EC26DEC-36D1-E45A-DE19-74EBC1057BA9}" dt="2022-12-04T20:37:23.382" v="16" actId="20577"/>
+        <pc:sldMkLst>
+          <pc:docMk/>
+          <pc:sldMk cId="2978766832" sldId="257"/>
+        </pc:sldMkLst>
+        <pc:spChg chg="mod">
+          <ac:chgData name="Satwik chowdary Chandra" userId="S::satwikchowdarychan@unomaha.edu::e5153756-a635-4132-8d6d-7ba29aa35683" providerId="AD" clId="Web-{5EC26DEC-36D1-E45A-DE19-74EBC1057BA9}" dt="2022-12-04T20:37:23.382" v="16" actId="20577"/>
+          <ac:spMkLst>
+            <pc:docMk/>
+            <pc:sldMk cId="2978766832" sldId="257"/>
+            <ac:spMk id="2" creationId="{51126873-669E-8BDD-0309-323747FDFD43}"/>
+          </ac:spMkLst>
+        </pc:spChg>
+      </pc:sldChg>
+      <pc:sldChg chg="modSp new">
+        <pc:chgData name="Satwik chowdary Chandra" userId="S::satwikchowdarychan@unomaha.edu::e5153756-a635-4132-8d6d-7ba29aa35683" providerId="AD" clId="Web-{5EC26DEC-36D1-E45A-DE19-74EBC1057BA9}" dt="2022-12-04T20:34:20.112" v="2" actId="20577"/>
+        <pc:sldMkLst>
+          <pc:docMk/>
+          <pc:sldMk cId="2532035497" sldId="258"/>
+        </pc:sldMkLst>
+        <pc:spChg chg="mod">
+          <ac:chgData name="Satwik chowdary Chandra" userId="S::satwikchowdarychan@unomaha.edu::e5153756-a635-4132-8d6d-7ba29aa35683" providerId="AD" clId="Web-{5EC26DEC-36D1-E45A-DE19-74EBC1057BA9}" dt="2022-12-04T20:34:20.112" v="2" actId="20577"/>
+          <ac:spMkLst>
+            <pc:docMk/>
+            <pc:sldMk cId="2532035497" sldId="258"/>
+            <ac:spMk id="3" creationId="{2CA7B038-8EA6-4308-BD4D-E056055B20CA}"/>
+          </ac:spMkLst>
+        </pc:spChg>
+      </pc:sldChg>
+    </pc:docChg>
+  </pc:docChgLst>
+  <pc:docChgLst>
+    <pc:chgData name="Satwik chowdary Chandra" userId="S::satwikchowdarychan@unomaha.edu::e5153756-a635-4132-8d6d-7ba29aa35683" providerId="AD" clId="Web-{C5264299-6FE5-9F96-CE03-25CE28416441}"/>
+    <pc:docChg chg="addSld modSld">
+      <pc:chgData name="Satwik chowdary Chandra" userId="S::satwikchowdarychan@unomaha.edu::e5153756-a635-4132-8d6d-7ba29aa35683" providerId="AD" clId="Web-{C5264299-6FE5-9F96-CE03-25CE28416441}" dt="2022-12-07T22:25:30.795" v="259" actId="20577"/>
+      <pc:docMkLst>
+        <pc:docMk/>
+      </pc:docMkLst>
+      <pc:sldChg chg="modSp">
+        <pc:chgData name="Satwik chowdary Chandra" userId="S::satwikchowdarychan@unomaha.edu::e5153756-a635-4132-8d6d-7ba29aa35683" providerId="AD" clId="Web-{C5264299-6FE5-9F96-CE03-25CE28416441}" dt="2022-12-07T21:32:33.388" v="134" actId="14100"/>
+        <pc:sldMkLst>
+          <pc:docMk/>
+          <pc:sldMk cId="221988739" sldId="261"/>
+        </pc:sldMkLst>
+        <pc:spChg chg="mod">
+          <ac:chgData name="Satwik chowdary Chandra" userId="S::satwikchowdarychan@unomaha.edu::e5153756-a635-4132-8d6d-7ba29aa35683" providerId="AD" clId="Web-{C5264299-6FE5-9F96-CE03-25CE28416441}" dt="2022-12-07T21:32:33.388" v="134" actId="14100"/>
+          <ac:spMkLst>
+            <pc:docMk/>
+            <pc:sldMk cId="221988739" sldId="261"/>
+            <ac:spMk id="3" creationId="{3D9DE302-848E-A65F-56E5-7AB7E8727057}"/>
+          </ac:spMkLst>
+        </pc:spChg>
+      </pc:sldChg>
+      <pc:sldChg chg="addSp delSp modSp new mod setBg">
+        <pc:chgData name="Satwik chowdary Chandra" userId="S::satwikchowdarychan@unomaha.edu::e5153756-a635-4132-8d6d-7ba29aa35683" providerId="AD" clId="Web-{C5264299-6FE5-9F96-CE03-25CE28416441}" dt="2022-12-07T22:23:19.057" v="234" actId="1076"/>
+        <pc:sldMkLst>
+          <pc:docMk/>
+          <pc:sldMk cId="1226312778" sldId="264"/>
+        </pc:sldMkLst>
+        <pc:spChg chg="mod">
+          <ac:chgData name="Satwik chowdary Chandra" userId="S::satwikchowdarychan@unomaha.edu::e5153756-a635-4132-8d6d-7ba29aa35683" providerId="AD" clId="Web-{C5264299-6FE5-9F96-CE03-25CE28416441}" dt="2022-12-07T22:18:19.956" v="232" actId="20577"/>
+          <ac:spMkLst>
+            <pc:docMk/>
+            <pc:sldMk cId="1226312778" sldId="264"/>
+            <ac:spMk id="2" creationId="{78BA59DF-B92E-6CB9-C3BC-F0ADC5C73664}"/>
+          </ac:spMkLst>
+        </pc:spChg>
+        <pc:spChg chg="del">
+          <ac:chgData name="Satwik chowdary Chandra" userId="S::satwikchowdarychan@unomaha.edu::e5153756-a635-4132-8d6d-7ba29aa35683" providerId="AD" clId="Web-{C5264299-6FE5-9F96-CE03-25CE28416441}" dt="2022-12-07T21:45:01.266" v="137"/>
+          <ac:spMkLst>
+            <pc:docMk/>
+            <pc:sldMk cId="1226312778" sldId="264"/>
+            <ac:spMk id="3" creationId="{11D1A395-CFDA-31E9-0335-39B21584CBC5}"/>
+          </ac:spMkLst>
+        </pc:spChg>
+        <pc:spChg chg="add mod">
+          <ac:chgData name="Satwik chowdary Chandra" userId="S::satwikchowdarychan@unomaha.edu::e5153756-a635-4132-8d6d-7ba29aa35683" providerId="AD" clId="Web-{C5264299-6FE5-9F96-CE03-25CE28416441}" dt="2022-12-07T22:23:08.979" v="233" actId="20577"/>
+          <ac:spMkLst>
+            <pc:docMk/>
+            <pc:sldMk cId="1226312778" sldId="264"/>
+            <ac:spMk id="5" creationId="{3DB26896-F8CF-AE54-94E7-DB0D64145D51}"/>
+          </ac:spMkLst>
+        </pc:spChg>
+        <pc:spChg chg="add del">
+          <ac:chgData name="Satwik chowdary Chandra" userId="S::satwikchowdarychan@unomaha.edu::e5153756-a635-4132-8d6d-7ba29aa35683" providerId="AD" clId="Web-{C5264299-6FE5-9F96-CE03-25CE28416441}" dt="2022-12-07T22:17:17.830" v="223"/>
+          <ac:spMkLst>
+            <pc:docMk/>
+            <pc:sldMk cId="1226312778" sldId="264"/>
+            <ac:spMk id="18" creationId="{D2B7F823-B53C-4005-8901-18403A29B221}"/>
+          </ac:spMkLst>
+        </pc:spChg>
+        <pc:grpChg chg="add del">
+          <ac:chgData name="Satwik chowdary Chandra" userId="S::satwikchowdarychan@unomaha.edu::e5153756-a635-4132-8d6d-7ba29aa35683" providerId="AD" clId="Web-{C5264299-6FE5-9F96-CE03-25CE28416441}" dt="2022-12-07T22:17:17.830" v="223"/>
+          <ac:grpSpMkLst>
+            <pc:docMk/>
+            <pc:sldMk cId="1226312778" sldId="264"/>
+            <ac:grpSpMk id="10" creationId="{03E2EFC0-DD7B-4696-8C4D-CBBD0FF69403}"/>
+          </ac:grpSpMkLst>
+        </pc:grpChg>
+        <pc:picChg chg="add mod ord">
+          <ac:chgData name="Satwik chowdary Chandra" userId="S::satwikchowdarychan@unomaha.edu::e5153756-a635-4132-8d6d-7ba29aa35683" providerId="AD" clId="Web-{C5264299-6FE5-9F96-CE03-25CE28416441}" dt="2022-12-07T22:23:19.057" v="234" actId="1076"/>
+          <ac:picMkLst>
+            <pc:docMk/>
+            <pc:sldMk cId="1226312778" sldId="264"/>
+            <ac:picMk id="4" creationId="{54DFB9AA-6B4C-47AE-BCE8-199E6C9D8469}"/>
+          </ac:picMkLst>
+        </pc:picChg>
+      </pc:sldChg>
+      <pc:sldChg chg="modSp new">
+        <pc:chgData name="Satwik chowdary Chandra" userId="S::satwikchowdarychan@unomaha.edu::e5153756-a635-4132-8d6d-7ba29aa35683" providerId="AD" clId="Web-{C5264299-6FE5-9F96-CE03-25CE28416441}" dt="2022-12-07T22:25:30.795" v="259" actId="20577"/>
+        <pc:sldMkLst>
+          <pc:docMk/>
+          <pc:sldMk cId="2130654067" sldId="265"/>
+        </pc:sldMkLst>
+        <pc:spChg chg="mod">
+          <ac:chgData name="Satwik chowdary Chandra" userId="S::satwikchowdarychan@unomaha.edu::e5153756-a635-4132-8d6d-7ba29aa35683" providerId="AD" clId="Web-{C5264299-6FE5-9F96-CE03-25CE28416441}" dt="2022-12-07T22:24:26.512" v="254" actId="14100"/>
+          <ac:spMkLst>
+            <pc:docMk/>
+            <pc:sldMk cId="2130654067" sldId="265"/>
+            <ac:spMk id="2" creationId="{79B3D488-497C-0AE9-BAF8-5D264422ED4E}"/>
+          </ac:spMkLst>
+        </pc:spChg>
+        <pc:spChg chg="mod">
+          <ac:chgData name="Satwik chowdary Chandra" userId="S::satwikchowdarychan@unomaha.edu::e5153756-a635-4132-8d6d-7ba29aa35683" providerId="AD" clId="Web-{C5264299-6FE5-9F96-CE03-25CE28416441}" dt="2022-12-07T22:25:30.795" v="259" actId="20577"/>
+          <ac:spMkLst>
+            <pc:docMk/>
+            <pc:sldMk cId="2130654067" sldId="265"/>
+            <ac:spMk id="3" creationId="{8F0B9DF0-522E-1207-E6A5-DEA41687F0E2}"/>
+          </ac:spMkLst>
+        </pc:spChg>
+      </pc:sldChg>
+    </pc:docChg>
+  </pc:docChgLst>
+</pc:chgInfo>
+</file>
+
 <file path=ppt/slideLayouts/slideLayout1.xml><?xml version="1.0" encoding="utf-8"?>
-<p:sldLayout xmlns:a="http://schemas.openxmlformats.org/drawingml/2006/main" xmlns:r="http://schemas.openxmlformats.org/officeDocument/2006/relationships" xmlns:p="http://schemas.openxmlformats.org/presentationml/2006/main" type="title" preserve="1">
+<p:sldLayout xmlns:a="http://schemas.openxmlformats.org/drawingml/2006/main" xmlns:r="http://schemas.openxmlformats.org/officeDocument/2006/relationships" xmlns:p="http://schemas.openxmlformats.org/presentationml/2006/main" showMasterSp="0" type="title" preserve="1">
   <p:cSld name="Title Slide">
     <p:spTree>
       <p:nvGrpSpPr>
@@ -124,15 +550,322 @@
           <a:chExt cx="0" cy="0"/>
         </a:xfrm>
       </p:grpSpPr>
-      <p:sp>
-        <p:nvSpPr>
-          <p:cNvPr id="2" name="Title 1">
-            <a:extLst>
-              <a:ext uri="{FF2B5EF4-FFF2-40B4-BE49-F238E27FC236}">
-                <a16:creationId xmlns:a16="http://schemas.microsoft.com/office/drawing/2014/main" id="{A4166422-8E8C-177D-D071-16FA34BABE71}"/>
-              </a:ext>
-            </a:extLst>
-          </p:cNvPr>
+      <p:grpSp>
+        <p:nvGrpSpPr>
+          <p:cNvPr id="19" name="Group 18"/>
+          <p:cNvGrpSpPr/>
+          <p:nvPr/>
+        </p:nvGrpSpPr>
+        <p:grpSpPr>
+          <a:xfrm>
+            <a:off x="546100" y="-4763"/>
+            <a:ext cx="5014912" cy="6862763"/>
+            <a:chOff x="2928938" y="-4763"/>
+            <a:chExt cx="5014912" cy="6862763"/>
+          </a:xfrm>
+        </p:grpSpPr>
+        <p:sp>
+          <p:nvSpPr>
+            <p:cNvPr id="22" name="Freeform 6"/>
+            <p:cNvSpPr/>
+            <p:nvPr/>
+          </p:nvSpPr>
+          <p:spPr bwMode="auto">
+            <a:xfrm>
+              <a:off x="3367088" y="-4763"/>
+              <a:ext cx="1063625" cy="2782888"/>
+            </a:xfrm>
+            <a:custGeom>
+              <a:avLst/>
+              <a:gdLst/>
+              <a:ahLst/>
+              <a:cxnLst/>
+              <a:rect l="0" t="0" r="r" b="b"/>
+              <a:pathLst>
+                <a:path w="670" h="1753">
+                  <a:moveTo>
+                    <a:pt x="0" y="1696"/>
+                  </a:moveTo>
+                  <a:lnTo>
+                    <a:pt x="225" y="1753"/>
+                  </a:lnTo>
+                  <a:lnTo>
+                    <a:pt x="670" y="0"/>
+                  </a:lnTo>
+                  <a:lnTo>
+                    <a:pt x="430" y="0"/>
+                  </a:lnTo>
+                  <a:lnTo>
+                    <a:pt x="0" y="1696"/>
+                  </a:lnTo>
+                  <a:close/>
+                </a:path>
+              </a:pathLst>
+            </a:custGeom>
+            <a:solidFill>
+              <a:schemeClr val="accent1"/>
+            </a:solidFill>
+            <a:ln>
+              <a:noFill/>
+            </a:ln>
+          </p:spPr>
+        </p:sp>
+        <p:sp>
+          <p:nvSpPr>
+            <p:cNvPr id="23" name="Freeform 7"/>
+            <p:cNvSpPr/>
+            <p:nvPr/>
+          </p:nvSpPr>
+          <p:spPr bwMode="auto">
+            <a:xfrm>
+              <a:off x="2928938" y="-4763"/>
+              <a:ext cx="1035050" cy="2673350"/>
+            </a:xfrm>
+            <a:custGeom>
+              <a:avLst/>
+              <a:gdLst/>
+              <a:ahLst/>
+              <a:cxnLst/>
+              <a:rect l="0" t="0" r="r" b="b"/>
+              <a:pathLst>
+                <a:path w="652" h="1684">
+                  <a:moveTo>
+                    <a:pt x="225" y="1684"/>
+                  </a:moveTo>
+                  <a:lnTo>
+                    <a:pt x="652" y="0"/>
+                  </a:lnTo>
+                  <a:lnTo>
+                    <a:pt x="411" y="0"/>
+                  </a:lnTo>
+                  <a:lnTo>
+                    <a:pt x="0" y="1627"/>
+                  </a:lnTo>
+                  <a:lnTo>
+                    <a:pt x="219" y="1681"/>
+                  </a:lnTo>
+                  <a:lnTo>
+                    <a:pt x="225" y="1684"/>
+                  </a:lnTo>
+                  <a:close/>
+                </a:path>
+              </a:pathLst>
+            </a:custGeom>
+            <a:solidFill>
+              <a:schemeClr val="tx1">
+                <a:lumMod val="65000"/>
+                <a:lumOff val="35000"/>
+              </a:schemeClr>
+            </a:solidFill>
+            <a:ln>
+              <a:noFill/>
+            </a:ln>
+          </p:spPr>
+        </p:sp>
+        <p:sp>
+          <p:nvSpPr>
+            <p:cNvPr id="24" name="Freeform 9"/>
+            <p:cNvSpPr/>
+            <p:nvPr/>
+          </p:nvSpPr>
+          <p:spPr bwMode="auto">
+            <a:xfrm>
+              <a:off x="2928938" y="2582862"/>
+              <a:ext cx="2693987" cy="4275138"/>
+            </a:xfrm>
+            <a:custGeom>
+              <a:avLst/>
+              <a:gdLst/>
+              <a:ahLst/>
+              <a:cxnLst/>
+              <a:rect l="0" t="0" r="r" b="b"/>
+              <a:pathLst>
+                <a:path w="1697" h="2693">
+                  <a:moveTo>
+                    <a:pt x="0" y="0"/>
+                  </a:moveTo>
+                  <a:lnTo>
+                    <a:pt x="1622" y="2693"/>
+                  </a:lnTo>
+                  <a:lnTo>
+                    <a:pt x="1697" y="2693"/>
+                  </a:lnTo>
+                  <a:lnTo>
+                    <a:pt x="0" y="0"/>
+                  </a:lnTo>
+                  <a:close/>
+                </a:path>
+              </a:pathLst>
+            </a:custGeom>
+            <a:solidFill>
+              <a:schemeClr val="tx1">
+                <a:lumMod val="85000"/>
+                <a:lumOff val="15000"/>
+              </a:schemeClr>
+            </a:solidFill>
+            <a:ln>
+              <a:noFill/>
+            </a:ln>
+          </p:spPr>
+        </p:sp>
+        <p:sp>
+          <p:nvSpPr>
+            <p:cNvPr id="25" name="Freeform 10"/>
+            <p:cNvSpPr/>
+            <p:nvPr/>
+          </p:nvSpPr>
+          <p:spPr bwMode="auto">
+            <a:xfrm>
+              <a:off x="3371850" y="2692400"/>
+              <a:ext cx="3332162" cy="4165600"/>
+            </a:xfrm>
+            <a:custGeom>
+              <a:avLst/>
+              <a:gdLst/>
+              <a:ahLst/>
+              <a:cxnLst/>
+              <a:rect l="0" t="0" r="r" b="b"/>
+              <a:pathLst>
+                <a:path w="2099" h="2624">
+                  <a:moveTo>
+                    <a:pt x="2099" y="2624"/>
+                  </a:moveTo>
+                  <a:lnTo>
+                    <a:pt x="0" y="0"/>
+                  </a:lnTo>
+                  <a:lnTo>
+                    <a:pt x="2021" y="2624"/>
+                  </a:lnTo>
+                  <a:lnTo>
+                    <a:pt x="2099" y="2624"/>
+                  </a:lnTo>
+                  <a:close/>
+                </a:path>
+              </a:pathLst>
+            </a:custGeom>
+            <a:solidFill>
+              <a:schemeClr val="accent1">
+                <a:lumMod val="50000"/>
+              </a:schemeClr>
+            </a:solidFill>
+            <a:ln>
+              <a:noFill/>
+            </a:ln>
+          </p:spPr>
+        </p:sp>
+        <p:sp>
+          <p:nvSpPr>
+            <p:cNvPr id="26" name="Freeform 11"/>
+            <p:cNvSpPr/>
+            <p:nvPr/>
+          </p:nvSpPr>
+          <p:spPr bwMode="auto">
+            <a:xfrm>
+              <a:off x="3367088" y="2687637"/>
+              <a:ext cx="4576762" cy="4170363"/>
+            </a:xfrm>
+            <a:custGeom>
+              <a:avLst/>
+              <a:gdLst/>
+              <a:ahLst/>
+              <a:cxnLst/>
+              <a:rect l="0" t="0" r="r" b="b"/>
+              <a:pathLst>
+                <a:path w="2883" h="2627">
+                  <a:moveTo>
+                    <a:pt x="0" y="0"/>
+                  </a:moveTo>
+                  <a:lnTo>
+                    <a:pt x="3" y="3"/>
+                  </a:lnTo>
+                  <a:lnTo>
+                    <a:pt x="2102" y="2627"/>
+                  </a:lnTo>
+                  <a:lnTo>
+                    <a:pt x="2883" y="2627"/>
+                  </a:lnTo>
+                  <a:lnTo>
+                    <a:pt x="225" y="57"/>
+                  </a:lnTo>
+                  <a:lnTo>
+                    <a:pt x="0" y="0"/>
+                  </a:lnTo>
+                  <a:close/>
+                </a:path>
+              </a:pathLst>
+            </a:custGeom>
+            <a:solidFill>
+              <a:schemeClr val="accent1">
+                <a:lumMod val="75000"/>
+              </a:schemeClr>
+            </a:solidFill>
+            <a:ln>
+              <a:noFill/>
+            </a:ln>
+          </p:spPr>
+        </p:sp>
+        <p:sp>
+          <p:nvSpPr>
+            <p:cNvPr id="27" name="Freeform 12"/>
+            <p:cNvSpPr/>
+            <p:nvPr/>
+          </p:nvSpPr>
+          <p:spPr bwMode="auto">
+            <a:xfrm>
+              <a:off x="2928938" y="2578100"/>
+              <a:ext cx="3584575" cy="4279900"/>
+            </a:xfrm>
+            <a:custGeom>
+              <a:avLst/>
+              <a:gdLst/>
+              <a:ahLst/>
+              <a:cxnLst/>
+              <a:rect l="0" t="0" r="r" b="b"/>
+              <a:pathLst>
+                <a:path w="2258" h="2696">
+                  <a:moveTo>
+                    <a:pt x="2258" y="2696"/>
+                  </a:moveTo>
+                  <a:lnTo>
+                    <a:pt x="264" y="111"/>
+                  </a:lnTo>
+                  <a:lnTo>
+                    <a:pt x="228" y="60"/>
+                  </a:lnTo>
+                  <a:lnTo>
+                    <a:pt x="225" y="57"/>
+                  </a:lnTo>
+                  <a:lnTo>
+                    <a:pt x="0" y="0"/>
+                  </a:lnTo>
+                  <a:lnTo>
+                    <a:pt x="0" y="3"/>
+                  </a:lnTo>
+                  <a:lnTo>
+                    <a:pt x="1697" y="2696"/>
+                  </a:lnTo>
+                  <a:lnTo>
+                    <a:pt x="2258" y="2696"/>
+                  </a:lnTo>
+                  <a:close/>
+                </a:path>
+              </a:pathLst>
+            </a:custGeom>
+            <a:solidFill>
+              <a:schemeClr val="tx1">
+                <a:lumMod val="75000"/>
+                <a:lumOff val="25000"/>
+              </a:schemeClr>
+            </a:solidFill>
+            <a:ln>
+              <a:noFill/>
+            </a:ln>
+          </p:spPr>
+        </p:sp>
+      </p:grpSp>
+      <p:sp>
+        <p:nvSpPr>
+          <p:cNvPr id="2" name="Title 1"/>
           <p:cNvSpPr>
             <a:spLocks noGrp="1"/>
           </p:cNvSpPr>
@@ -142,15 +875,19 @@
         </p:nvSpPr>
         <p:spPr>
           <a:xfrm>
-            <a:off x="1524000" y="1122363"/>
-            <a:ext cx="9144000" cy="2387600"/>
+            <a:off x="2928401" y="1380068"/>
+            <a:ext cx="8574622" cy="2616199"/>
           </a:xfrm>
         </p:spPr>
         <p:txBody>
-          <a:bodyPr anchor="b"/>
+          <a:bodyPr anchor="b">
+            <a:normAutofit/>
+          </a:bodyPr>
           <a:lstStyle>
-            <a:lvl1pPr algn="ctr">
-              <a:defRPr sz="6000"/>
+            <a:lvl1pPr algn="r">
+              <a:defRPr sz="6000">
+                <a:effectLst/>
+              </a:defRPr>
             </a:lvl1pPr>
           </a:lstStyle>
           <a:p>
@@ -158,18 +895,13 @@
               <a:rPr lang="en-US"/>
               <a:t>Click to edit Master title style</a:t>
             </a:r>
-          </a:p>
-        </p:txBody>
-      </p:sp>
-      <p:sp>
-        <p:nvSpPr>
-          <p:cNvPr id="3" name="Subtitle 2">
-            <a:extLst>
-              <a:ext uri="{FF2B5EF4-FFF2-40B4-BE49-F238E27FC236}">
-                <a16:creationId xmlns:a16="http://schemas.microsoft.com/office/drawing/2014/main" id="{EB3FBE65-A39F-4E60-B92D-0CD158785AC3}"/>
-              </a:ext>
-            </a:extLst>
-          </p:cNvPr>
+            <a:endParaRPr lang="en-US" dirty="0"/>
+          </a:p>
+        </p:txBody>
+      </p:sp>
+      <p:sp>
+        <p:nvSpPr>
+          <p:cNvPr id="3" name="Subtitle 2"/>
           <p:cNvSpPr>
             <a:spLocks noGrp="1"/>
           </p:cNvSpPr>
@@ -179,48 +911,102 @@
         </p:nvSpPr>
         <p:spPr>
           <a:xfrm>
-            <a:off x="1524000" y="3602038"/>
-            <a:ext cx="9144000" cy="1655762"/>
+            <a:off x="4515377" y="3996267"/>
+            <a:ext cx="6987645" cy="1388534"/>
           </a:xfrm>
         </p:spPr>
         <p:txBody>
-          <a:bodyPr/>
+          <a:bodyPr anchor="t">
+            <a:normAutofit/>
+          </a:bodyPr>
           <a:lstStyle>
-            <a:lvl1pPr marL="0" indent="0" algn="ctr">
-              <a:buNone/>
-              <a:defRPr sz="2400"/>
+            <a:lvl1pPr marL="0" indent="0" algn="r">
+              <a:buNone/>
+              <a:defRPr sz="2100">
+                <a:solidFill>
+                  <a:schemeClr val="tx1"/>
+                </a:solidFill>
+              </a:defRPr>
             </a:lvl1pPr>
             <a:lvl2pPr marL="457200" indent="0" algn="ctr">
               <a:buNone/>
-              <a:defRPr sz="2000"/>
+              <a:defRPr>
+                <a:solidFill>
+                  <a:schemeClr val="tx1">
+                    <a:tint val="75000"/>
+                  </a:schemeClr>
+                </a:solidFill>
+              </a:defRPr>
             </a:lvl2pPr>
             <a:lvl3pPr marL="914400" indent="0" algn="ctr">
               <a:buNone/>
-              <a:defRPr sz="1800"/>
+              <a:defRPr>
+                <a:solidFill>
+                  <a:schemeClr val="tx1">
+                    <a:tint val="75000"/>
+                  </a:schemeClr>
+                </a:solidFill>
+              </a:defRPr>
             </a:lvl3pPr>
             <a:lvl4pPr marL="1371600" indent="0" algn="ctr">
               <a:buNone/>
-              <a:defRPr sz="1600"/>
+              <a:defRPr>
+                <a:solidFill>
+                  <a:schemeClr val="tx1">
+                    <a:tint val="75000"/>
+                  </a:schemeClr>
+                </a:solidFill>
+              </a:defRPr>
             </a:lvl4pPr>
             <a:lvl5pPr marL="1828800" indent="0" algn="ctr">
               <a:buNone/>
-              <a:defRPr sz="1600"/>
+              <a:defRPr>
+                <a:solidFill>
+                  <a:schemeClr val="tx1">
+                    <a:tint val="75000"/>
+                  </a:schemeClr>
+                </a:solidFill>
+              </a:defRPr>
             </a:lvl5pPr>
             <a:lvl6pPr marL="2286000" indent="0" algn="ctr">
               <a:buNone/>
-              <a:defRPr sz="1600"/>
+              <a:defRPr>
+                <a:solidFill>
+                  <a:schemeClr val="tx1">
+                    <a:tint val="75000"/>
+                  </a:schemeClr>
+                </a:solidFill>
+              </a:defRPr>
             </a:lvl6pPr>
             <a:lvl7pPr marL="2743200" indent="0" algn="ctr">
               <a:buNone/>
-              <a:defRPr sz="1600"/>
+              <a:defRPr>
+                <a:solidFill>
+                  <a:schemeClr val="tx1">
+                    <a:tint val="75000"/>
+                  </a:schemeClr>
+                </a:solidFill>
+              </a:defRPr>
             </a:lvl7pPr>
             <a:lvl8pPr marL="3200400" indent="0" algn="ctr">
               <a:buNone/>
-              <a:defRPr sz="1600"/>
+              <a:defRPr>
+                <a:solidFill>
+                  <a:schemeClr val="tx1">
+                    <a:tint val="75000"/>
+                  </a:schemeClr>
+                </a:solidFill>
+              </a:defRPr>
             </a:lvl8pPr>
             <a:lvl9pPr marL="3657600" indent="0" algn="ctr">
               <a:buNone/>
-              <a:defRPr sz="1600"/>
+              <a:defRPr>
+                <a:solidFill>
+                  <a:schemeClr val="tx1">
+                    <a:tint val="75000"/>
+                  </a:schemeClr>
+                </a:solidFill>
+              </a:defRPr>
             </a:lvl9pPr>
           </a:lstStyle>
           <a:p>
@@ -228,18 +1014,13 @@
               <a:rPr lang="en-US"/>
               <a:t>Click to edit Master subtitle style</a:t>
             </a:r>
-          </a:p>
-        </p:txBody>
-      </p:sp>
-      <p:sp>
-        <p:nvSpPr>
-          <p:cNvPr id="4" name="Date Placeholder 3">
-            <a:extLst>
-              <a:ext uri="{FF2B5EF4-FFF2-40B4-BE49-F238E27FC236}">
-                <a16:creationId xmlns:a16="http://schemas.microsoft.com/office/drawing/2014/main" id="{43E2841B-12C9-D1AA-6404-042F82E2F377}"/>
-              </a:ext>
-            </a:extLst>
-          </p:cNvPr>
+            <a:endParaRPr lang="en-US" dirty="0"/>
+          </a:p>
+        </p:txBody>
+      </p:sp>
+      <p:sp>
+        <p:nvSpPr>
+          <p:cNvPr id="4" name="Date Placeholder 3"/>
           <p:cNvSpPr>
             <a:spLocks noGrp="1"/>
           </p:cNvSpPr>
@@ -254,7 +1035,7 @@
           <a:p>
             <a:fld id="{C8B8EC27-8CCA-42C5-BCCF-D9ABF9BEDDC9}" type="datetimeFigureOut">
               <a:rPr lang="en-US" smtClean="0"/>
-              <a:t>11/30/2022</a:t>
+              <a:t>12/7/2022</a:t>
             </a:fld>
             <a:endParaRPr lang="en-US"/>
           </a:p>
@@ -262,13 +1043,7 @@
       </p:sp>
       <p:sp>
         <p:nvSpPr>
-          <p:cNvPr id="5" name="Footer Placeholder 4">
-            <a:extLst>
-              <a:ext uri="{FF2B5EF4-FFF2-40B4-BE49-F238E27FC236}">
-                <a16:creationId xmlns:a16="http://schemas.microsoft.com/office/drawing/2014/main" id="{BF290867-DC22-6D7A-9DF9-F6D69904E08B}"/>
-              </a:ext>
-            </a:extLst>
-          </p:cNvPr>
+          <p:cNvPr id="5" name="Footer Placeholder 4"/>
           <p:cNvSpPr>
             <a:spLocks noGrp="1"/>
           </p:cNvSpPr>
@@ -276,7 +1051,12 @@
             <p:ph type="ftr" sz="quarter" idx="11"/>
           </p:nvPr>
         </p:nvSpPr>
-        <p:spPr/>
+        <p:spPr>
+          <a:xfrm>
+            <a:off x="5332412" y="5883275"/>
+            <a:ext cx="4324044" cy="365125"/>
+          </a:xfrm>
+        </p:spPr>
         <p:txBody>
           <a:bodyPr/>
           <a:lstStyle/>
@@ -287,13 +1067,7 @@
       </p:sp>
       <p:sp>
         <p:nvSpPr>
-          <p:cNvPr id="6" name="Slide Number Placeholder 5">
-            <a:extLst>
-              <a:ext uri="{FF2B5EF4-FFF2-40B4-BE49-F238E27FC236}">
-                <a16:creationId xmlns:a16="http://schemas.microsoft.com/office/drawing/2014/main" id="{9D660215-BC96-91AA-0421-A6F456407488}"/>
-              </a:ext>
-            </a:extLst>
-          </p:cNvPr>
+          <p:cNvPr id="6" name="Slide Number Placeholder 5"/>
           <p:cNvSpPr>
             <a:spLocks noGrp="1"/>
           </p:cNvSpPr>
@@ -317,7 +1091,7 @@
     </p:spTree>
     <p:extLst>
       <p:ext uri="{BB962C8B-B14F-4D97-AF65-F5344CB8AC3E}">
-        <p14:creationId xmlns:p14="http://schemas.microsoft.com/office/powerpoint/2010/main" val="1543172360"/>
+        <p14:creationId xmlns:p14="http://schemas.microsoft.com/office/powerpoint/2010/main" val="2912344829"/>
       </p:ext>
     </p:extLst>
   </p:cSld>
@@ -328,6 +1102,2162 @@
 </file>
 
 <file path=ppt/slideLayouts/slideLayout10.xml><?xml version="1.0" encoding="utf-8"?>
+<p:sldLayout xmlns:a="http://schemas.openxmlformats.org/drawingml/2006/main" xmlns:r="http://schemas.openxmlformats.org/officeDocument/2006/relationships" xmlns:p="http://schemas.openxmlformats.org/presentationml/2006/main" preserve="1">
+  <p:cSld name="Panoramic Picture with Caption">
+    <p:spTree>
+      <p:nvGrpSpPr>
+        <p:cNvPr id="1" name=""/>
+        <p:cNvGrpSpPr/>
+        <p:nvPr/>
+      </p:nvGrpSpPr>
+      <p:grpSpPr>
+        <a:xfrm>
+          <a:off x="0" y="0"/>
+          <a:ext cx="0" cy="0"/>
+          <a:chOff x="0" y="0"/>
+          <a:chExt cx="0" cy="0"/>
+        </a:xfrm>
+      </p:grpSpPr>
+      <p:sp>
+        <p:nvSpPr>
+          <p:cNvPr id="2" name="Title 1"/>
+          <p:cNvSpPr>
+            <a:spLocks noGrp="1"/>
+          </p:cNvSpPr>
+          <p:nvPr>
+            <p:ph type="title"/>
+          </p:nvPr>
+        </p:nvSpPr>
+        <p:spPr>
+          <a:xfrm>
+            <a:off x="1484311" y="4732865"/>
+            <a:ext cx="10018711" cy="566738"/>
+          </a:xfrm>
+        </p:spPr>
+        <p:txBody>
+          <a:bodyPr anchor="b">
+            <a:normAutofit/>
+          </a:bodyPr>
+          <a:lstStyle>
+            <a:lvl1pPr algn="ctr">
+              <a:defRPr sz="2400" b="0"/>
+            </a:lvl1pPr>
+          </a:lstStyle>
+          <a:p>
+            <a:r>
+              <a:rPr lang="en-US"/>
+              <a:t>Click to edit Master title style</a:t>
+            </a:r>
+            <a:endParaRPr lang="en-US" dirty="0"/>
+          </a:p>
+        </p:txBody>
+      </p:sp>
+      <p:sp>
+        <p:nvSpPr>
+          <p:cNvPr id="3" name="Picture Placeholder 2"/>
+          <p:cNvSpPr>
+            <a:spLocks noGrp="1" noChangeAspect="1"/>
+          </p:cNvSpPr>
+          <p:nvPr>
+            <p:ph type="pic" idx="1"/>
+          </p:nvPr>
+        </p:nvSpPr>
+        <p:spPr>
+          <a:xfrm>
+            <a:off x="2386012" y="932112"/>
+            <a:ext cx="8225944" cy="3164976"/>
+          </a:xfrm>
+          <a:prstGeom prst="roundRect">
+            <a:avLst>
+              <a:gd name="adj" fmla="val 4380"/>
+            </a:avLst>
+          </a:prstGeom>
+          <a:ln w="38100">
+            <a:gradFill flip="none" rotWithShape="1">
+              <a:gsLst>
+                <a:gs pos="0">
+                  <a:schemeClr val="bg2"/>
+                </a:gs>
+                <a:gs pos="100000">
+                  <a:schemeClr val="bg2">
+                    <a:lumMod val="75000"/>
+                  </a:schemeClr>
+                </a:gs>
+              </a:gsLst>
+              <a:lin ang="5400000" scaled="0"/>
+              <a:tileRect/>
+            </a:gradFill>
+          </a:ln>
+          <a:effectLst>
+            <a:innerShdw blurRad="57150" dist="38100" dir="14460000">
+              <a:srgbClr val="000000">
+                <a:alpha val="70000"/>
+              </a:srgbClr>
+            </a:innerShdw>
+          </a:effectLst>
+        </p:spPr>
+        <p:txBody>
+          <a:bodyPr anchor="t">
+            <a:normAutofit/>
+          </a:bodyPr>
+          <a:lstStyle>
+            <a:lvl1pPr marL="0" indent="0" algn="ctr">
+              <a:buNone/>
+              <a:defRPr sz="1600"/>
+            </a:lvl1pPr>
+            <a:lvl2pPr marL="457200" indent="0">
+              <a:buNone/>
+              <a:defRPr sz="1600"/>
+            </a:lvl2pPr>
+            <a:lvl3pPr marL="914400" indent="0">
+              <a:buNone/>
+              <a:defRPr sz="1600"/>
+            </a:lvl3pPr>
+            <a:lvl4pPr marL="1371600" indent="0">
+              <a:buNone/>
+              <a:defRPr sz="1600"/>
+            </a:lvl4pPr>
+            <a:lvl5pPr marL="1828800" indent="0">
+              <a:buNone/>
+              <a:defRPr sz="1600"/>
+            </a:lvl5pPr>
+            <a:lvl6pPr marL="2286000" indent="0">
+              <a:buNone/>
+              <a:defRPr sz="1600"/>
+            </a:lvl6pPr>
+            <a:lvl7pPr marL="2743200" indent="0">
+              <a:buNone/>
+              <a:defRPr sz="1600"/>
+            </a:lvl7pPr>
+            <a:lvl8pPr marL="3200400" indent="0">
+              <a:buNone/>
+              <a:defRPr sz="1600"/>
+            </a:lvl8pPr>
+            <a:lvl9pPr marL="3657600" indent="0">
+              <a:buNone/>
+              <a:defRPr sz="1600"/>
+            </a:lvl9pPr>
+          </a:lstStyle>
+          <a:p>
+            <a:r>
+              <a:rPr lang="en-US"/>
+              <a:t>Click icon to add picture</a:t>
+            </a:r>
+            <a:endParaRPr lang="en-US" dirty="0"/>
+          </a:p>
+        </p:txBody>
+      </p:sp>
+      <p:sp>
+        <p:nvSpPr>
+          <p:cNvPr id="4" name="Text Placeholder 3"/>
+          <p:cNvSpPr>
+            <a:spLocks noGrp="1"/>
+          </p:cNvSpPr>
+          <p:nvPr>
+            <p:ph type="body" sz="half" idx="2"/>
+          </p:nvPr>
+        </p:nvSpPr>
+        <p:spPr>
+          <a:xfrm>
+            <a:off x="1484311" y="5299603"/>
+            <a:ext cx="10018711" cy="493712"/>
+          </a:xfrm>
+        </p:spPr>
+        <p:txBody>
+          <a:bodyPr>
+            <a:normAutofit/>
+          </a:bodyPr>
+          <a:lstStyle>
+            <a:lvl1pPr marL="0" indent="0" algn="ctr">
+              <a:buNone/>
+              <a:defRPr sz="1400"/>
+            </a:lvl1pPr>
+            <a:lvl2pPr marL="457200" indent="0">
+              <a:buNone/>
+              <a:defRPr sz="1200"/>
+            </a:lvl2pPr>
+            <a:lvl3pPr marL="914400" indent="0">
+              <a:buNone/>
+              <a:defRPr sz="1000"/>
+            </a:lvl3pPr>
+            <a:lvl4pPr marL="1371600" indent="0">
+              <a:buNone/>
+              <a:defRPr sz="900"/>
+            </a:lvl4pPr>
+            <a:lvl5pPr marL="1828800" indent="0">
+              <a:buNone/>
+              <a:defRPr sz="900"/>
+            </a:lvl5pPr>
+            <a:lvl6pPr marL="2286000" indent="0">
+              <a:buNone/>
+              <a:defRPr sz="900"/>
+            </a:lvl6pPr>
+            <a:lvl7pPr marL="2743200" indent="0">
+              <a:buNone/>
+              <a:defRPr sz="900"/>
+            </a:lvl7pPr>
+            <a:lvl8pPr marL="3200400" indent="0">
+              <a:buNone/>
+              <a:defRPr sz="900"/>
+            </a:lvl8pPr>
+            <a:lvl9pPr marL="3657600" indent="0">
+              <a:buNone/>
+              <a:defRPr sz="900"/>
+            </a:lvl9pPr>
+          </a:lstStyle>
+          <a:p>
+            <a:pPr lvl="0"/>
+            <a:r>
+              <a:rPr lang="en-US"/>
+              <a:t>Click to edit Master text styles</a:t>
+            </a:r>
+          </a:p>
+        </p:txBody>
+      </p:sp>
+      <p:sp>
+        <p:nvSpPr>
+          <p:cNvPr id="5" name="Date Placeholder 4"/>
+          <p:cNvSpPr>
+            <a:spLocks noGrp="1"/>
+          </p:cNvSpPr>
+          <p:nvPr>
+            <p:ph type="dt" sz="half" idx="10"/>
+          </p:nvPr>
+        </p:nvSpPr>
+        <p:spPr/>
+        <p:txBody>
+          <a:bodyPr/>
+          <a:lstStyle/>
+          <a:p>
+            <a:fld id="{C8B8EC27-8CCA-42C5-BCCF-D9ABF9BEDDC9}" type="datetimeFigureOut">
+              <a:rPr lang="en-US" smtClean="0"/>
+              <a:t>12/7/2022</a:t>
+            </a:fld>
+            <a:endParaRPr lang="en-US"/>
+          </a:p>
+        </p:txBody>
+      </p:sp>
+      <p:sp>
+        <p:nvSpPr>
+          <p:cNvPr id="6" name="Footer Placeholder 5"/>
+          <p:cNvSpPr>
+            <a:spLocks noGrp="1"/>
+          </p:cNvSpPr>
+          <p:nvPr>
+            <p:ph type="ftr" sz="quarter" idx="11"/>
+          </p:nvPr>
+        </p:nvSpPr>
+        <p:spPr/>
+        <p:txBody>
+          <a:bodyPr/>
+          <a:lstStyle/>
+          <a:p>
+            <a:endParaRPr lang="en-US"/>
+          </a:p>
+        </p:txBody>
+      </p:sp>
+      <p:sp>
+        <p:nvSpPr>
+          <p:cNvPr id="7" name="Slide Number Placeholder 6"/>
+          <p:cNvSpPr>
+            <a:spLocks noGrp="1"/>
+          </p:cNvSpPr>
+          <p:nvPr>
+            <p:ph type="sldNum" sz="quarter" idx="12"/>
+          </p:nvPr>
+        </p:nvSpPr>
+        <p:spPr/>
+        <p:txBody>
+          <a:bodyPr/>
+          <a:lstStyle/>
+          <a:p>
+            <a:fld id="{CE2AAD13-6BA3-48D2-8994-C3D8DA062501}" type="slidenum">
+              <a:rPr lang="en-US" smtClean="0"/>
+              <a:t>‹#›</a:t>
+            </a:fld>
+            <a:endParaRPr lang="en-US"/>
+          </a:p>
+        </p:txBody>
+      </p:sp>
+    </p:spTree>
+    <p:extLst>
+      <p:ext uri="{BB962C8B-B14F-4D97-AF65-F5344CB8AC3E}">
+        <p14:creationId xmlns:p14="http://schemas.microsoft.com/office/powerpoint/2010/main" val="2703684959"/>
+      </p:ext>
+    </p:extLst>
+  </p:cSld>
+  <p:clrMapOvr>
+    <a:masterClrMapping/>
+  </p:clrMapOvr>
+</p:sldLayout>
+</file>
+
+<file path=ppt/slideLayouts/slideLayout11.xml><?xml version="1.0" encoding="utf-8"?>
+<p:sldLayout xmlns:a="http://schemas.openxmlformats.org/drawingml/2006/main" xmlns:r="http://schemas.openxmlformats.org/officeDocument/2006/relationships" xmlns:p="http://schemas.openxmlformats.org/presentationml/2006/main" preserve="1">
+  <p:cSld name="Title and Caption">
+    <p:spTree>
+      <p:nvGrpSpPr>
+        <p:cNvPr id="1" name=""/>
+        <p:cNvGrpSpPr/>
+        <p:nvPr/>
+      </p:nvGrpSpPr>
+      <p:grpSpPr>
+        <a:xfrm>
+          <a:off x="0" y="0"/>
+          <a:ext cx="0" cy="0"/>
+          <a:chOff x="0" y="0"/>
+          <a:chExt cx="0" cy="0"/>
+        </a:xfrm>
+      </p:grpSpPr>
+      <p:sp>
+        <p:nvSpPr>
+          <p:cNvPr id="2" name="Title 1"/>
+          <p:cNvSpPr>
+            <a:spLocks noGrp="1"/>
+          </p:cNvSpPr>
+          <p:nvPr>
+            <p:ph type="title"/>
+          </p:nvPr>
+        </p:nvSpPr>
+        <p:spPr>
+          <a:xfrm>
+            <a:off x="1484312" y="685800"/>
+            <a:ext cx="10018711" cy="3048000"/>
+          </a:xfrm>
+        </p:spPr>
+        <p:txBody>
+          <a:bodyPr anchor="ctr">
+            <a:normAutofit/>
+          </a:bodyPr>
+          <a:lstStyle>
+            <a:lvl1pPr algn="ctr">
+              <a:defRPr sz="3200" b="0" cap="none"/>
+            </a:lvl1pPr>
+          </a:lstStyle>
+          <a:p>
+            <a:r>
+              <a:rPr lang="en-US"/>
+              <a:t>Click to edit Master title style</a:t>
+            </a:r>
+            <a:endParaRPr lang="en-US" dirty="0"/>
+          </a:p>
+        </p:txBody>
+      </p:sp>
+      <p:sp>
+        <p:nvSpPr>
+          <p:cNvPr id="3" name="Text Placeholder 2"/>
+          <p:cNvSpPr>
+            <a:spLocks noGrp="1"/>
+          </p:cNvSpPr>
+          <p:nvPr>
+            <p:ph type="body" idx="1"/>
+          </p:nvPr>
+        </p:nvSpPr>
+        <p:spPr>
+          <a:xfrm>
+            <a:off x="1484312" y="4343400"/>
+            <a:ext cx="10018713" cy="1447800"/>
+          </a:xfrm>
+        </p:spPr>
+        <p:txBody>
+          <a:bodyPr anchor="ctr">
+            <a:normAutofit/>
+          </a:bodyPr>
+          <a:lstStyle>
+            <a:lvl1pPr marL="0" indent="0" algn="ctr">
+              <a:buNone/>
+              <a:defRPr sz="2000">
+                <a:solidFill>
+                  <a:schemeClr val="tx1"/>
+                </a:solidFill>
+              </a:defRPr>
+            </a:lvl1pPr>
+            <a:lvl2pPr marL="457200" indent="0">
+              <a:buNone/>
+              <a:defRPr sz="1800">
+                <a:solidFill>
+                  <a:schemeClr val="tx1">
+                    <a:tint val="75000"/>
+                  </a:schemeClr>
+                </a:solidFill>
+              </a:defRPr>
+            </a:lvl2pPr>
+            <a:lvl3pPr marL="914400" indent="0">
+              <a:buNone/>
+              <a:defRPr sz="1600">
+                <a:solidFill>
+                  <a:schemeClr val="tx1">
+                    <a:tint val="75000"/>
+                  </a:schemeClr>
+                </a:solidFill>
+              </a:defRPr>
+            </a:lvl3pPr>
+            <a:lvl4pPr marL="1371600" indent="0">
+              <a:buNone/>
+              <a:defRPr sz="1400">
+                <a:solidFill>
+                  <a:schemeClr val="tx1">
+                    <a:tint val="75000"/>
+                  </a:schemeClr>
+                </a:solidFill>
+              </a:defRPr>
+            </a:lvl4pPr>
+            <a:lvl5pPr marL="1828800" indent="0">
+              <a:buNone/>
+              <a:defRPr sz="1400">
+                <a:solidFill>
+                  <a:schemeClr val="tx1">
+                    <a:tint val="75000"/>
+                  </a:schemeClr>
+                </a:solidFill>
+              </a:defRPr>
+            </a:lvl5pPr>
+            <a:lvl6pPr marL="2286000" indent="0">
+              <a:buNone/>
+              <a:defRPr sz="1400">
+                <a:solidFill>
+                  <a:schemeClr val="tx1">
+                    <a:tint val="75000"/>
+                  </a:schemeClr>
+                </a:solidFill>
+              </a:defRPr>
+            </a:lvl6pPr>
+            <a:lvl7pPr marL="2743200" indent="0">
+              <a:buNone/>
+              <a:defRPr sz="1400">
+                <a:solidFill>
+                  <a:schemeClr val="tx1">
+                    <a:tint val="75000"/>
+                  </a:schemeClr>
+                </a:solidFill>
+              </a:defRPr>
+            </a:lvl7pPr>
+            <a:lvl8pPr marL="3200400" indent="0">
+              <a:buNone/>
+              <a:defRPr sz="1400">
+                <a:solidFill>
+                  <a:schemeClr val="tx1">
+                    <a:tint val="75000"/>
+                  </a:schemeClr>
+                </a:solidFill>
+              </a:defRPr>
+            </a:lvl8pPr>
+            <a:lvl9pPr marL="3657600" indent="0">
+              <a:buNone/>
+              <a:defRPr sz="1400">
+                <a:solidFill>
+                  <a:schemeClr val="tx1">
+                    <a:tint val="75000"/>
+                  </a:schemeClr>
+                </a:solidFill>
+              </a:defRPr>
+            </a:lvl9pPr>
+          </a:lstStyle>
+          <a:p>
+            <a:pPr lvl="0"/>
+            <a:r>
+              <a:rPr lang="en-US"/>
+              <a:t>Click to edit Master text styles</a:t>
+            </a:r>
+          </a:p>
+        </p:txBody>
+      </p:sp>
+      <p:sp>
+        <p:nvSpPr>
+          <p:cNvPr id="4" name="Date Placeholder 3"/>
+          <p:cNvSpPr>
+            <a:spLocks noGrp="1"/>
+          </p:cNvSpPr>
+          <p:nvPr>
+            <p:ph type="dt" sz="half" idx="10"/>
+          </p:nvPr>
+        </p:nvSpPr>
+        <p:spPr/>
+        <p:txBody>
+          <a:bodyPr/>
+          <a:lstStyle/>
+          <a:p>
+            <a:fld id="{C8B8EC27-8CCA-42C5-BCCF-D9ABF9BEDDC9}" type="datetimeFigureOut">
+              <a:rPr lang="en-US" smtClean="0"/>
+              <a:t>12/7/2022</a:t>
+            </a:fld>
+            <a:endParaRPr lang="en-US"/>
+          </a:p>
+        </p:txBody>
+      </p:sp>
+      <p:sp>
+        <p:nvSpPr>
+          <p:cNvPr id="5" name="Footer Placeholder 4"/>
+          <p:cNvSpPr>
+            <a:spLocks noGrp="1"/>
+          </p:cNvSpPr>
+          <p:nvPr>
+            <p:ph type="ftr" sz="quarter" idx="11"/>
+          </p:nvPr>
+        </p:nvSpPr>
+        <p:spPr/>
+        <p:txBody>
+          <a:bodyPr/>
+          <a:lstStyle/>
+          <a:p>
+            <a:endParaRPr lang="en-US"/>
+          </a:p>
+        </p:txBody>
+      </p:sp>
+      <p:sp>
+        <p:nvSpPr>
+          <p:cNvPr id="6" name="Slide Number Placeholder 5"/>
+          <p:cNvSpPr>
+            <a:spLocks noGrp="1"/>
+          </p:cNvSpPr>
+          <p:nvPr>
+            <p:ph type="sldNum" sz="quarter" idx="12"/>
+          </p:nvPr>
+        </p:nvSpPr>
+        <p:spPr/>
+        <p:txBody>
+          <a:bodyPr/>
+          <a:lstStyle/>
+          <a:p>
+            <a:fld id="{CE2AAD13-6BA3-48D2-8994-C3D8DA062501}" type="slidenum">
+              <a:rPr lang="en-US" smtClean="0"/>
+              <a:t>‹#›</a:t>
+            </a:fld>
+            <a:endParaRPr lang="en-US"/>
+          </a:p>
+        </p:txBody>
+      </p:sp>
+    </p:spTree>
+    <p:extLst>
+      <p:ext uri="{BB962C8B-B14F-4D97-AF65-F5344CB8AC3E}">
+        <p14:creationId xmlns:p14="http://schemas.microsoft.com/office/powerpoint/2010/main" val="3925001348"/>
+      </p:ext>
+    </p:extLst>
+  </p:cSld>
+  <p:clrMapOvr>
+    <a:masterClrMapping/>
+  </p:clrMapOvr>
+</p:sldLayout>
+</file>
+
+<file path=ppt/slideLayouts/slideLayout12.xml><?xml version="1.0" encoding="utf-8"?>
+<p:sldLayout xmlns:a="http://schemas.openxmlformats.org/drawingml/2006/main" xmlns:r="http://schemas.openxmlformats.org/officeDocument/2006/relationships" xmlns:p="http://schemas.openxmlformats.org/presentationml/2006/main" preserve="1">
+  <p:cSld name="Quote with Caption">
+    <p:spTree>
+      <p:nvGrpSpPr>
+        <p:cNvPr id="1" name=""/>
+        <p:cNvGrpSpPr/>
+        <p:nvPr/>
+      </p:nvGrpSpPr>
+      <p:grpSpPr>
+        <a:xfrm>
+          <a:off x="0" y="0"/>
+          <a:ext cx="0" cy="0"/>
+          <a:chOff x="0" y="0"/>
+          <a:chExt cx="0" cy="0"/>
+        </a:xfrm>
+      </p:grpSpPr>
+      <p:sp>
+        <p:nvSpPr>
+          <p:cNvPr id="14" name="TextBox 13"/>
+          <p:cNvSpPr txBox="1"/>
+          <p:nvPr/>
+        </p:nvSpPr>
+        <p:spPr>
+          <a:xfrm>
+            <a:off x="1598612" y="863023"/>
+            <a:ext cx="609600" cy="584776"/>
+          </a:xfrm>
+          <a:prstGeom prst="rect">
+            <a:avLst/>
+          </a:prstGeom>
+        </p:spPr>
+        <p:txBody>
+          <a:bodyPr vert="horz" lIns="91440" tIns="45720" rIns="91440" bIns="45720" rtlCol="0" anchor="ctr">
+            <a:noAutofit/>
+          </a:bodyPr>
+          <a:lstStyle>
+            <a:lvl1pPr>
+              <a:spcBef>
+                <a:spcPct val="0"/>
+              </a:spcBef>
+              <a:buNone/>
+              <a:defRPr sz="3200" b="0" cap="all">
+                <a:ln w="3175" cmpd="sng">
+                  <a:noFill/>
+                </a:ln>
+                <a:effectLst>
+                  <a:glow rad="38100">
+                    <a:schemeClr val="bg1">
+                      <a:lumMod val="65000"/>
+                      <a:lumOff val="35000"/>
+                      <a:alpha val="40000"/>
+                    </a:schemeClr>
+                  </a:glow>
+                  <a:outerShdw blurRad="28575" dist="38100" dir="14040000" algn="tl" rotWithShape="0">
+                    <a:srgbClr val="000000">
+                      <a:alpha val="25000"/>
+                    </a:srgbClr>
+                  </a:outerShdw>
+                </a:effectLst>
+              </a:defRPr>
+            </a:lvl1pPr>
+            <a:lvl2pPr>
+              <a:defRPr>
+                <a:solidFill>
+                  <a:schemeClr val="tx2"/>
+                </a:solidFill>
+              </a:defRPr>
+            </a:lvl2pPr>
+            <a:lvl3pPr>
+              <a:defRPr>
+                <a:solidFill>
+                  <a:schemeClr val="tx2"/>
+                </a:solidFill>
+              </a:defRPr>
+            </a:lvl3pPr>
+            <a:lvl4pPr>
+              <a:defRPr>
+                <a:solidFill>
+                  <a:schemeClr val="tx2"/>
+                </a:solidFill>
+              </a:defRPr>
+            </a:lvl4pPr>
+            <a:lvl5pPr>
+              <a:defRPr>
+                <a:solidFill>
+                  <a:schemeClr val="tx2"/>
+                </a:solidFill>
+              </a:defRPr>
+            </a:lvl5pPr>
+            <a:lvl6pPr>
+              <a:defRPr>
+                <a:solidFill>
+                  <a:schemeClr val="tx2"/>
+                </a:solidFill>
+              </a:defRPr>
+            </a:lvl6pPr>
+            <a:lvl7pPr>
+              <a:defRPr>
+                <a:solidFill>
+                  <a:schemeClr val="tx2"/>
+                </a:solidFill>
+              </a:defRPr>
+            </a:lvl7pPr>
+            <a:lvl8pPr>
+              <a:defRPr>
+                <a:solidFill>
+                  <a:schemeClr val="tx2"/>
+                </a:solidFill>
+              </a:defRPr>
+            </a:lvl8pPr>
+            <a:lvl9pPr>
+              <a:defRPr>
+                <a:solidFill>
+                  <a:schemeClr val="tx2"/>
+                </a:solidFill>
+              </a:defRPr>
+            </a:lvl9pPr>
+          </a:lstStyle>
+          <a:p>
+            <a:pPr lvl="0"/>
+            <a:r>
+              <a:rPr lang="en-US" sz="8000" dirty="0">
+                <a:solidFill>
+                  <a:schemeClr val="tx1"/>
+                </a:solidFill>
+                <a:effectLst/>
+              </a:rPr>
+              <a:t>“</a:t>
+            </a:r>
+          </a:p>
+        </p:txBody>
+      </p:sp>
+      <p:sp>
+        <p:nvSpPr>
+          <p:cNvPr id="15" name="TextBox 14"/>
+          <p:cNvSpPr txBox="1"/>
+          <p:nvPr/>
+        </p:nvSpPr>
+        <p:spPr>
+          <a:xfrm>
+            <a:off x="10893425" y="2819399"/>
+            <a:ext cx="609600" cy="584776"/>
+          </a:xfrm>
+          <a:prstGeom prst="rect">
+            <a:avLst/>
+          </a:prstGeom>
+        </p:spPr>
+        <p:txBody>
+          <a:bodyPr vert="horz" lIns="91440" tIns="45720" rIns="91440" bIns="45720" rtlCol="0" anchor="ctr">
+            <a:noAutofit/>
+          </a:bodyPr>
+          <a:lstStyle>
+            <a:lvl1pPr>
+              <a:spcBef>
+                <a:spcPct val="0"/>
+              </a:spcBef>
+              <a:buNone/>
+              <a:defRPr sz="3200" b="0" cap="all">
+                <a:ln w="3175" cmpd="sng">
+                  <a:noFill/>
+                </a:ln>
+                <a:effectLst>
+                  <a:glow rad="38100">
+                    <a:schemeClr val="bg1">
+                      <a:lumMod val="65000"/>
+                      <a:lumOff val="35000"/>
+                      <a:alpha val="40000"/>
+                    </a:schemeClr>
+                  </a:glow>
+                  <a:outerShdw blurRad="28575" dist="38100" dir="14040000" algn="tl" rotWithShape="0">
+                    <a:srgbClr val="000000">
+                      <a:alpha val="25000"/>
+                    </a:srgbClr>
+                  </a:outerShdw>
+                </a:effectLst>
+              </a:defRPr>
+            </a:lvl1pPr>
+            <a:lvl2pPr>
+              <a:defRPr>
+                <a:solidFill>
+                  <a:schemeClr val="tx2"/>
+                </a:solidFill>
+              </a:defRPr>
+            </a:lvl2pPr>
+            <a:lvl3pPr>
+              <a:defRPr>
+                <a:solidFill>
+                  <a:schemeClr val="tx2"/>
+                </a:solidFill>
+              </a:defRPr>
+            </a:lvl3pPr>
+            <a:lvl4pPr>
+              <a:defRPr>
+                <a:solidFill>
+                  <a:schemeClr val="tx2"/>
+                </a:solidFill>
+              </a:defRPr>
+            </a:lvl4pPr>
+            <a:lvl5pPr>
+              <a:defRPr>
+                <a:solidFill>
+                  <a:schemeClr val="tx2"/>
+                </a:solidFill>
+              </a:defRPr>
+            </a:lvl5pPr>
+            <a:lvl6pPr>
+              <a:defRPr>
+                <a:solidFill>
+                  <a:schemeClr val="tx2"/>
+                </a:solidFill>
+              </a:defRPr>
+            </a:lvl6pPr>
+            <a:lvl7pPr>
+              <a:defRPr>
+                <a:solidFill>
+                  <a:schemeClr val="tx2"/>
+                </a:solidFill>
+              </a:defRPr>
+            </a:lvl7pPr>
+            <a:lvl8pPr>
+              <a:defRPr>
+                <a:solidFill>
+                  <a:schemeClr val="tx2"/>
+                </a:solidFill>
+              </a:defRPr>
+            </a:lvl8pPr>
+            <a:lvl9pPr>
+              <a:defRPr>
+                <a:solidFill>
+                  <a:schemeClr val="tx2"/>
+                </a:solidFill>
+              </a:defRPr>
+            </a:lvl9pPr>
+          </a:lstStyle>
+          <a:p>
+            <a:pPr lvl="0" algn="r"/>
+            <a:r>
+              <a:rPr lang="en-US" sz="8000" dirty="0">
+                <a:solidFill>
+                  <a:schemeClr val="tx1"/>
+                </a:solidFill>
+                <a:effectLst/>
+              </a:rPr>
+              <a:t>”</a:t>
+            </a:r>
+          </a:p>
+        </p:txBody>
+      </p:sp>
+      <p:sp>
+        <p:nvSpPr>
+          <p:cNvPr id="2" name="Title 1"/>
+          <p:cNvSpPr>
+            <a:spLocks noGrp="1"/>
+          </p:cNvSpPr>
+          <p:nvPr>
+            <p:ph type="title"/>
+          </p:nvPr>
+        </p:nvSpPr>
+        <p:spPr>
+          <a:xfrm>
+            <a:off x="2208212" y="685800"/>
+            <a:ext cx="8990012" cy="2743199"/>
+          </a:xfrm>
+        </p:spPr>
+        <p:txBody>
+          <a:bodyPr anchor="ctr">
+            <a:normAutofit/>
+          </a:bodyPr>
+          <a:lstStyle>
+            <a:lvl1pPr algn="ctr">
+              <a:defRPr sz="3200" b="0" cap="none">
+                <a:solidFill>
+                  <a:schemeClr val="tx1"/>
+                </a:solidFill>
+              </a:defRPr>
+            </a:lvl1pPr>
+          </a:lstStyle>
+          <a:p>
+            <a:r>
+              <a:rPr lang="en-US"/>
+              <a:t>Click to edit Master title style</a:t>
+            </a:r>
+            <a:endParaRPr lang="en-US" dirty="0"/>
+          </a:p>
+        </p:txBody>
+      </p:sp>
+      <p:sp>
+        <p:nvSpPr>
+          <p:cNvPr id="10" name="Text Placeholder 9"/>
+          <p:cNvSpPr>
+            <a:spLocks noGrp="1"/>
+          </p:cNvSpPr>
+          <p:nvPr>
+            <p:ph type="body" sz="quarter" idx="13"/>
+          </p:nvPr>
+        </p:nvSpPr>
+        <p:spPr>
+          <a:xfrm>
+            <a:off x="2436811" y="3428999"/>
+            <a:ext cx="8532815" cy="381000"/>
+          </a:xfrm>
+        </p:spPr>
+        <p:txBody>
+          <a:bodyPr anchor="ctr">
+            <a:normAutofit/>
+          </a:bodyPr>
+          <a:lstStyle>
+            <a:lvl1pPr marL="0" indent="0">
+              <a:buFontTx/>
+              <a:buNone/>
+              <a:defRPr sz="1800"/>
+            </a:lvl1pPr>
+            <a:lvl2pPr marL="457200" indent="0">
+              <a:buFontTx/>
+              <a:buNone/>
+              <a:defRPr/>
+            </a:lvl2pPr>
+            <a:lvl3pPr marL="914400" indent="0">
+              <a:buFontTx/>
+              <a:buNone/>
+              <a:defRPr/>
+            </a:lvl3pPr>
+            <a:lvl4pPr marL="1371600" indent="0">
+              <a:buFontTx/>
+              <a:buNone/>
+              <a:defRPr/>
+            </a:lvl4pPr>
+            <a:lvl5pPr marL="1828800" indent="0">
+              <a:buFontTx/>
+              <a:buNone/>
+              <a:defRPr/>
+            </a:lvl5pPr>
+          </a:lstStyle>
+          <a:p>
+            <a:pPr lvl="0"/>
+            <a:r>
+              <a:rPr lang="en-US"/>
+              <a:t>Click to edit Master text styles</a:t>
+            </a:r>
+          </a:p>
+        </p:txBody>
+      </p:sp>
+      <p:sp>
+        <p:nvSpPr>
+          <p:cNvPr id="3" name="Text Placeholder 2"/>
+          <p:cNvSpPr>
+            <a:spLocks noGrp="1"/>
+          </p:cNvSpPr>
+          <p:nvPr>
+            <p:ph type="body" idx="1"/>
+          </p:nvPr>
+        </p:nvSpPr>
+        <p:spPr>
+          <a:xfrm>
+            <a:off x="1484311" y="4343400"/>
+            <a:ext cx="10018711" cy="1447800"/>
+          </a:xfrm>
+        </p:spPr>
+        <p:txBody>
+          <a:bodyPr anchor="ctr">
+            <a:normAutofit/>
+          </a:bodyPr>
+          <a:lstStyle>
+            <a:lvl1pPr marL="0" indent="0" algn="ctr">
+              <a:buNone/>
+              <a:defRPr sz="2000">
+                <a:solidFill>
+                  <a:schemeClr val="tx1"/>
+                </a:solidFill>
+              </a:defRPr>
+            </a:lvl1pPr>
+            <a:lvl2pPr marL="457200" indent="0">
+              <a:buNone/>
+              <a:defRPr sz="1800">
+                <a:solidFill>
+                  <a:schemeClr val="tx1">
+                    <a:tint val="75000"/>
+                  </a:schemeClr>
+                </a:solidFill>
+              </a:defRPr>
+            </a:lvl2pPr>
+            <a:lvl3pPr marL="914400" indent="0">
+              <a:buNone/>
+              <a:defRPr sz="1600">
+                <a:solidFill>
+                  <a:schemeClr val="tx1">
+                    <a:tint val="75000"/>
+                  </a:schemeClr>
+                </a:solidFill>
+              </a:defRPr>
+            </a:lvl3pPr>
+            <a:lvl4pPr marL="1371600" indent="0">
+              <a:buNone/>
+              <a:defRPr sz="1400">
+                <a:solidFill>
+                  <a:schemeClr val="tx1">
+                    <a:tint val="75000"/>
+                  </a:schemeClr>
+                </a:solidFill>
+              </a:defRPr>
+            </a:lvl4pPr>
+            <a:lvl5pPr marL="1828800" indent="0">
+              <a:buNone/>
+              <a:defRPr sz="1400">
+                <a:solidFill>
+                  <a:schemeClr val="tx1">
+                    <a:tint val="75000"/>
+                  </a:schemeClr>
+                </a:solidFill>
+              </a:defRPr>
+            </a:lvl5pPr>
+            <a:lvl6pPr marL="2286000" indent="0">
+              <a:buNone/>
+              <a:defRPr sz="1400">
+                <a:solidFill>
+                  <a:schemeClr val="tx1">
+                    <a:tint val="75000"/>
+                  </a:schemeClr>
+                </a:solidFill>
+              </a:defRPr>
+            </a:lvl6pPr>
+            <a:lvl7pPr marL="2743200" indent="0">
+              <a:buNone/>
+              <a:defRPr sz="1400">
+                <a:solidFill>
+                  <a:schemeClr val="tx1">
+                    <a:tint val="75000"/>
+                  </a:schemeClr>
+                </a:solidFill>
+              </a:defRPr>
+            </a:lvl7pPr>
+            <a:lvl8pPr marL="3200400" indent="0">
+              <a:buNone/>
+              <a:defRPr sz="1400">
+                <a:solidFill>
+                  <a:schemeClr val="tx1">
+                    <a:tint val="75000"/>
+                  </a:schemeClr>
+                </a:solidFill>
+              </a:defRPr>
+            </a:lvl8pPr>
+            <a:lvl9pPr marL="3657600" indent="0">
+              <a:buNone/>
+              <a:defRPr sz="1400">
+                <a:solidFill>
+                  <a:schemeClr val="tx1">
+                    <a:tint val="75000"/>
+                  </a:schemeClr>
+                </a:solidFill>
+              </a:defRPr>
+            </a:lvl9pPr>
+          </a:lstStyle>
+          <a:p>
+            <a:pPr lvl="0"/>
+            <a:r>
+              <a:rPr lang="en-US"/>
+              <a:t>Click to edit Master text styles</a:t>
+            </a:r>
+          </a:p>
+        </p:txBody>
+      </p:sp>
+      <p:sp>
+        <p:nvSpPr>
+          <p:cNvPr id="4" name="Date Placeholder 3"/>
+          <p:cNvSpPr>
+            <a:spLocks noGrp="1"/>
+          </p:cNvSpPr>
+          <p:nvPr>
+            <p:ph type="dt" sz="half" idx="10"/>
+          </p:nvPr>
+        </p:nvSpPr>
+        <p:spPr/>
+        <p:txBody>
+          <a:bodyPr/>
+          <a:lstStyle/>
+          <a:p>
+            <a:fld id="{C8B8EC27-8CCA-42C5-BCCF-D9ABF9BEDDC9}" type="datetimeFigureOut">
+              <a:rPr lang="en-US" smtClean="0"/>
+              <a:t>12/7/2022</a:t>
+            </a:fld>
+            <a:endParaRPr lang="en-US"/>
+          </a:p>
+        </p:txBody>
+      </p:sp>
+      <p:sp>
+        <p:nvSpPr>
+          <p:cNvPr id="5" name="Footer Placeholder 4"/>
+          <p:cNvSpPr>
+            <a:spLocks noGrp="1"/>
+          </p:cNvSpPr>
+          <p:nvPr>
+            <p:ph type="ftr" sz="quarter" idx="11"/>
+          </p:nvPr>
+        </p:nvSpPr>
+        <p:spPr/>
+        <p:txBody>
+          <a:bodyPr/>
+          <a:lstStyle/>
+          <a:p>
+            <a:endParaRPr lang="en-US"/>
+          </a:p>
+        </p:txBody>
+      </p:sp>
+      <p:sp>
+        <p:nvSpPr>
+          <p:cNvPr id="6" name="Slide Number Placeholder 5"/>
+          <p:cNvSpPr>
+            <a:spLocks noGrp="1"/>
+          </p:cNvSpPr>
+          <p:nvPr>
+            <p:ph type="sldNum" sz="quarter" idx="12"/>
+          </p:nvPr>
+        </p:nvSpPr>
+        <p:spPr/>
+        <p:txBody>
+          <a:bodyPr/>
+          <a:lstStyle/>
+          <a:p>
+            <a:fld id="{CE2AAD13-6BA3-48D2-8994-C3D8DA062501}" type="slidenum">
+              <a:rPr lang="en-US" smtClean="0"/>
+              <a:t>‹#›</a:t>
+            </a:fld>
+            <a:endParaRPr lang="en-US"/>
+          </a:p>
+        </p:txBody>
+      </p:sp>
+    </p:spTree>
+    <p:extLst>
+      <p:ext uri="{BB962C8B-B14F-4D97-AF65-F5344CB8AC3E}">
+        <p14:creationId xmlns:p14="http://schemas.microsoft.com/office/powerpoint/2010/main" val="1451887136"/>
+      </p:ext>
+    </p:extLst>
+  </p:cSld>
+  <p:clrMapOvr>
+    <a:masterClrMapping/>
+  </p:clrMapOvr>
+</p:sldLayout>
+</file>
+
+<file path=ppt/slideLayouts/slideLayout13.xml><?xml version="1.0" encoding="utf-8"?>
+<p:sldLayout xmlns:a="http://schemas.openxmlformats.org/drawingml/2006/main" xmlns:r="http://schemas.openxmlformats.org/officeDocument/2006/relationships" xmlns:p="http://schemas.openxmlformats.org/presentationml/2006/main" preserve="1">
+  <p:cSld name="Name Card">
+    <p:spTree>
+      <p:nvGrpSpPr>
+        <p:cNvPr id="1" name=""/>
+        <p:cNvGrpSpPr/>
+        <p:nvPr/>
+      </p:nvGrpSpPr>
+      <p:grpSpPr>
+        <a:xfrm>
+          <a:off x="0" y="0"/>
+          <a:ext cx="0" cy="0"/>
+          <a:chOff x="0" y="0"/>
+          <a:chExt cx="0" cy="0"/>
+        </a:xfrm>
+      </p:grpSpPr>
+      <p:sp>
+        <p:nvSpPr>
+          <p:cNvPr id="2" name="Title 1"/>
+          <p:cNvSpPr>
+            <a:spLocks noGrp="1"/>
+          </p:cNvSpPr>
+          <p:nvPr>
+            <p:ph type="title"/>
+          </p:nvPr>
+        </p:nvSpPr>
+        <p:spPr>
+          <a:xfrm>
+            <a:off x="1484313" y="3308581"/>
+            <a:ext cx="10018709" cy="1468800"/>
+          </a:xfrm>
+        </p:spPr>
+        <p:txBody>
+          <a:bodyPr anchor="b">
+            <a:normAutofit/>
+          </a:bodyPr>
+          <a:lstStyle>
+            <a:lvl1pPr algn="r">
+              <a:defRPr sz="3200" b="0" cap="none"/>
+            </a:lvl1pPr>
+          </a:lstStyle>
+          <a:p>
+            <a:r>
+              <a:rPr lang="en-US"/>
+              <a:t>Click to edit Master title style</a:t>
+            </a:r>
+            <a:endParaRPr lang="en-US" dirty="0"/>
+          </a:p>
+        </p:txBody>
+      </p:sp>
+      <p:sp>
+        <p:nvSpPr>
+          <p:cNvPr id="3" name="Text Placeholder 2"/>
+          <p:cNvSpPr>
+            <a:spLocks noGrp="1"/>
+          </p:cNvSpPr>
+          <p:nvPr>
+            <p:ph type="body" idx="1"/>
+          </p:nvPr>
+        </p:nvSpPr>
+        <p:spPr>
+          <a:xfrm>
+            <a:off x="1484312" y="4777381"/>
+            <a:ext cx="10018710" cy="860400"/>
+          </a:xfrm>
+        </p:spPr>
+        <p:txBody>
+          <a:bodyPr anchor="t">
+            <a:normAutofit/>
+          </a:bodyPr>
+          <a:lstStyle>
+            <a:lvl1pPr marL="0" indent="0" algn="r">
+              <a:buNone/>
+              <a:defRPr sz="2000">
+                <a:solidFill>
+                  <a:schemeClr val="tx1"/>
+                </a:solidFill>
+              </a:defRPr>
+            </a:lvl1pPr>
+            <a:lvl2pPr marL="457200" indent="0">
+              <a:buNone/>
+              <a:defRPr sz="1800">
+                <a:solidFill>
+                  <a:schemeClr val="tx1">
+                    <a:tint val="75000"/>
+                  </a:schemeClr>
+                </a:solidFill>
+              </a:defRPr>
+            </a:lvl2pPr>
+            <a:lvl3pPr marL="914400" indent="0">
+              <a:buNone/>
+              <a:defRPr sz="1600">
+                <a:solidFill>
+                  <a:schemeClr val="tx1">
+                    <a:tint val="75000"/>
+                  </a:schemeClr>
+                </a:solidFill>
+              </a:defRPr>
+            </a:lvl3pPr>
+            <a:lvl4pPr marL="1371600" indent="0">
+              <a:buNone/>
+              <a:defRPr sz="1400">
+                <a:solidFill>
+                  <a:schemeClr val="tx1">
+                    <a:tint val="75000"/>
+                  </a:schemeClr>
+                </a:solidFill>
+              </a:defRPr>
+            </a:lvl4pPr>
+            <a:lvl5pPr marL="1828800" indent="0">
+              <a:buNone/>
+              <a:defRPr sz="1400">
+                <a:solidFill>
+                  <a:schemeClr val="tx1">
+                    <a:tint val="75000"/>
+                  </a:schemeClr>
+                </a:solidFill>
+              </a:defRPr>
+            </a:lvl5pPr>
+            <a:lvl6pPr marL="2286000" indent="0">
+              <a:buNone/>
+              <a:defRPr sz="1400">
+                <a:solidFill>
+                  <a:schemeClr val="tx1">
+                    <a:tint val="75000"/>
+                  </a:schemeClr>
+                </a:solidFill>
+              </a:defRPr>
+            </a:lvl6pPr>
+            <a:lvl7pPr marL="2743200" indent="0">
+              <a:buNone/>
+              <a:defRPr sz="1400">
+                <a:solidFill>
+                  <a:schemeClr val="tx1">
+                    <a:tint val="75000"/>
+                  </a:schemeClr>
+                </a:solidFill>
+              </a:defRPr>
+            </a:lvl7pPr>
+            <a:lvl8pPr marL="3200400" indent="0">
+              <a:buNone/>
+              <a:defRPr sz="1400">
+                <a:solidFill>
+                  <a:schemeClr val="tx1">
+                    <a:tint val="75000"/>
+                  </a:schemeClr>
+                </a:solidFill>
+              </a:defRPr>
+            </a:lvl8pPr>
+            <a:lvl9pPr marL="3657600" indent="0">
+              <a:buNone/>
+              <a:defRPr sz="1400">
+                <a:solidFill>
+                  <a:schemeClr val="tx1">
+                    <a:tint val="75000"/>
+                  </a:schemeClr>
+                </a:solidFill>
+              </a:defRPr>
+            </a:lvl9pPr>
+          </a:lstStyle>
+          <a:p>
+            <a:pPr lvl="0"/>
+            <a:r>
+              <a:rPr lang="en-US"/>
+              <a:t>Click to edit Master text styles</a:t>
+            </a:r>
+          </a:p>
+        </p:txBody>
+      </p:sp>
+      <p:sp>
+        <p:nvSpPr>
+          <p:cNvPr id="4" name="Date Placeholder 3"/>
+          <p:cNvSpPr>
+            <a:spLocks noGrp="1"/>
+          </p:cNvSpPr>
+          <p:nvPr>
+            <p:ph type="dt" sz="half" idx="10"/>
+          </p:nvPr>
+        </p:nvSpPr>
+        <p:spPr/>
+        <p:txBody>
+          <a:bodyPr/>
+          <a:lstStyle/>
+          <a:p>
+            <a:fld id="{C8B8EC27-8CCA-42C5-BCCF-D9ABF9BEDDC9}" type="datetimeFigureOut">
+              <a:rPr lang="en-US" smtClean="0"/>
+              <a:t>12/7/2022</a:t>
+            </a:fld>
+            <a:endParaRPr lang="en-US"/>
+          </a:p>
+        </p:txBody>
+      </p:sp>
+      <p:sp>
+        <p:nvSpPr>
+          <p:cNvPr id="5" name="Footer Placeholder 4"/>
+          <p:cNvSpPr>
+            <a:spLocks noGrp="1"/>
+          </p:cNvSpPr>
+          <p:nvPr>
+            <p:ph type="ftr" sz="quarter" idx="11"/>
+          </p:nvPr>
+        </p:nvSpPr>
+        <p:spPr/>
+        <p:txBody>
+          <a:bodyPr/>
+          <a:lstStyle/>
+          <a:p>
+            <a:endParaRPr lang="en-US"/>
+          </a:p>
+        </p:txBody>
+      </p:sp>
+      <p:sp>
+        <p:nvSpPr>
+          <p:cNvPr id="6" name="Slide Number Placeholder 5"/>
+          <p:cNvSpPr>
+            <a:spLocks noGrp="1"/>
+          </p:cNvSpPr>
+          <p:nvPr>
+            <p:ph type="sldNum" sz="quarter" idx="12"/>
+          </p:nvPr>
+        </p:nvSpPr>
+        <p:spPr/>
+        <p:txBody>
+          <a:bodyPr/>
+          <a:lstStyle/>
+          <a:p>
+            <a:fld id="{CE2AAD13-6BA3-48D2-8994-C3D8DA062501}" type="slidenum">
+              <a:rPr lang="en-US" smtClean="0"/>
+              <a:t>‹#›</a:t>
+            </a:fld>
+            <a:endParaRPr lang="en-US"/>
+          </a:p>
+        </p:txBody>
+      </p:sp>
+    </p:spTree>
+    <p:extLst>
+      <p:ext uri="{BB962C8B-B14F-4D97-AF65-F5344CB8AC3E}">
+        <p14:creationId xmlns:p14="http://schemas.microsoft.com/office/powerpoint/2010/main" val="3977388776"/>
+      </p:ext>
+    </p:extLst>
+  </p:cSld>
+  <p:clrMapOvr>
+    <a:masterClrMapping/>
+  </p:clrMapOvr>
+</p:sldLayout>
+</file>
+
+<file path=ppt/slideLayouts/slideLayout14.xml><?xml version="1.0" encoding="utf-8"?>
+<p:sldLayout xmlns:a="http://schemas.openxmlformats.org/drawingml/2006/main" xmlns:r="http://schemas.openxmlformats.org/officeDocument/2006/relationships" xmlns:p="http://schemas.openxmlformats.org/presentationml/2006/main" preserve="1">
+  <p:cSld name="Quote Name Card">
+    <p:spTree>
+      <p:nvGrpSpPr>
+        <p:cNvPr id="1" name=""/>
+        <p:cNvGrpSpPr/>
+        <p:nvPr/>
+      </p:nvGrpSpPr>
+      <p:grpSpPr>
+        <a:xfrm>
+          <a:off x="0" y="0"/>
+          <a:ext cx="0" cy="0"/>
+          <a:chOff x="0" y="0"/>
+          <a:chExt cx="0" cy="0"/>
+        </a:xfrm>
+      </p:grpSpPr>
+      <p:sp>
+        <p:nvSpPr>
+          <p:cNvPr id="14" name="TextBox 13"/>
+          <p:cNvSpPr txBox="1"/>
+          <p:nvPr/>
+        </p:nvSpPr>
+        <p:spPr>
+          <a:xfrm>
+            <a:off x="1598612" y="863023"/>
+            <a:ext cx="609600" cy="584776"/>
+          </a:xfrm>
+          <a:prstGeom prst="rect">
+            <a:avLst/>
+          </a:prstGeom>
+        </p:spPr>
+        <p:txBody>
+          <a:bodyPr vert="horz" lIns="91440" tIns="45720" rIns="91440" bIns="45720" rtlCol="0" anchor="ctr">
+            <a:noAutofit/>
+          </a:bodyPr>
+          <a:lstStyle>
+            <a:lvl1pPr>
+              <a:spcBef>
+                <a:spcPct val="0"/>
+              </a:spcBef>
+              <a:buNone/>
+              <a:defRPr sz="3200" b="0" cap="all">
+                <a:ln w="3175" cmpd="sng">
+                  <a:noFill/>
+                </a:ln>
+                <a:effectLst>
+                  <a:glow rad="38100">
+                    <a:schemeClr val="bg1">
+                      <a:lumMod val="65000"/>
+                      <a:lumOff val="35000"/>
+                      <a:alpha val="40000"/>
+                    </a:schemeClr>
+                  </a:glow>
+                  <a:outerShdw blurRad="28575" dist="38100" dir="14040000" algn="tl" rotWithShape="0">
+                    <a:srgbClr val="000000">
+                      <a:alpha val="25000"/>
+                    </a:srgbClr>
+                  </a:outerShdw>
+                </a:effectLst>
+              </a:defRPr>
+            </a:lvl1pPr>
+            <a:lvl2pPr>
+              <a:defRPr>
+                <a:solidFill>
+                  <a:schemeClr val="tx2"/>
+                </a:solidFill>
+              </a:defRPr>
+            </a:lvl2pPr>
+            <a:lvl3pPr>
+              <a:defRPr>
+                <a:solidFill>
+                  <a:schemeClr val="tx2"/>
+                </a:solidFill>
+              </a:defRPr>
+            </a:lvl3pPr>
+            <a:lvl4pPr>
+              <a:defRPr>
+                <a:solidFill>
+                  <a:schemeClr val="tx2"/>
+                </a:solidFill>
+              </a:defRPr>
+            </a:lvl4pPr>
+            <a:lvl5pPr>
+              <a:defRPr>
+                <a:solidFill>
+                  <a:schemeClr val="tx2"/>
+                </a:solidFill>
+              </a:defRPr>
+            </a:lvl5pPr>
+            <a:lvl6pPr>
+              <a:defRPr>
+                <a:solidFill>
+                  <a:schemeClr val="tx2"/>
+                </a:solidFill>
+              </a:defRPr>
+            </a:lvl6pPr>
+            <a:lvl7pPr>
+              <a:defRPr>
+                <a:solidFill>
+                  <a:schemeClr val="tx2"/>
+                </a:solidFill>
+              </a:defRPr>
+            </a:lvl7pPr>
+            <a:lvl8pPr>
+              <a:defRPr>
+                <a:solidFill>
+                  <a:schemeClr val="tx2"/>
+                </a:solidFill>
+              </a:defRPr>
+            </a:lvl8pPr>
+            <a:lvl9pPr>
+              <a:defRPr>
+                <a:solidFill>
+                  <a:schemeClr val="tx2"/>
+                </a:solidFill>
+              </a:defRPr>
+            </a:lvl9pPr>
+          </a:lstStyle>
+          <a:p>
+            <a:pPr lvl="0"/>
+            <a:r>
+              <a:rPr lang="en-US" sz="8000" dirty="0">
+                <a:solidFill>
+                  <a:schemeClr val="tx1"/>
+                </a:solidFill>
+                <a:effectLst/>
+              </a:rPr>
+              <a:t>“</a:t>
+            </a:r>
+          </a:p>
+        </p:txBody>
+      </p:sp>
+      <p:sp>
+        <p:nvSpPr>
+          <p:cNvPr id="15" name="TextBox 14"/>
+          <p:cNvSpPr txBox="1"/>
+          <p:nvPr/>
+        </p:nvSpPr>
+        <p:spPr>
+          <a:xfrm>
+            <a:off x="10893425" y="2819399"/>
+            <a:ext cx="609600" cy="584776"/>
+          </a:xfrm>
+          <a:prstGeom prst="rect">
+            <a:avLst/>
+          </a:prstGeom>
+        </p:spPr>
+        <p:txBody>
+          <a:bodyPr vert="horz" lIns="91440" tIns="45720" rIns="91440" bIns="45720" rtlCol="0" anchor="ctr">
+            <a:noAutofit/>
+          </a:bodyPr>
+          <a:lstStyle>
+            <a:lvl1pPr>
+              <a:spcBef>
+                <a:spcPct val="0"/>
+              </a:spcBef>
+              <a:buNone/>
+              <a:defRPr sz="3200" b="0" cap="all">
+                <a:ln w="3175" cmpd="sng">
+                  <a:noFill/>
+                </a:ln>
+                <a:effectLst>
+                  <a:glow rad="38100">
+                    <a:schemeClr val="bg1">
+                      <a:lumMod val="65000"/>
+                      <a:lumOff val="35000"/>
+                      <a:alpha val="40000"/>
+                    </a:schemeClr>
+                  </a:glow>
+                  <a:outerShdw blurRad="28575" dist="38100" dir="14040000" algn="tl" rotWithShape="0">
+                    <a:srgbClr val="000000">
+                      <a:alpha val="25000"/>
+                    </a:srgbClr>
+                  </a:outerShdw>
+                </a:effectLst>
+              </a:defRPr>
+            </a:lvl1pPr>
+            <a:lvl2pPr>
+              <a:defRPr>
+                <a:solidFill>
+                  <a:schemeClr val="tx2"/>
+                </a:solidFill>
+              </a:defRPr>
+            </a:lvl2pPr>
+            <a:lvl3pPr>
+              <a:defRPr>
+                <a:solidFill>
+                  <a:schemeClr val="tx2"/>
+                </a:solidFill>
+              </a:defRPr>
+            </a:lvl3pPr>
+            <a:lvl4pPr>
+              <a:defRPr>
+                <a:solidFill>
+                  <a:schemeClr val="tx2"/>
+                </a:solidFill>
+              </a:defRPr>
+            </a:lvl4pPr>
+            <a:lvl5pPr>
+              <a:defRPr>
+                <a:solidFill>
+                  <a:schemeClr val="tx2"/>
+                </a:solidFill>
+              </a:defRPr>
+            </a:lvl5pPr>
+            <a:lvl6pPr>
+              <a:defRPr>
+                <a:solidFill>
+                  <a:schemeClr val="tx2"/>
+                </a:solidFill>
+              </a:defRPr>
+            </a:lvl6pPr>
+            <a:lvl7pPr>
+              <a:defRPr>
+                <a:solidFill>
+                  <a:schemeClr val="tx2"/>
+                </a:solidFill>
+              </a:defRPr>
+            </a:lvl7pPr>
+            <a:lvl8pPr>
+              <a:defRPr>
+                <a:solidFill>
+                  <a:schemeClr val="tx2"/>
+                </a:solidFill>
+              </a:defRPr>
+            </a:lvl8pPr>
+            <a:lvl9pPr>
+              <a:defRPr>
+                <a:solidFill>
+                  <a:schemeClr val="tx2"/>
+                </a:solidFill>
+              </a:defRPr>
+            </a:lvl9pPr>
+          </a:lstStyle>
+          <a:p>
+            <a:pPr lvl="0" algn="r"/>
+            <a:r>
+              <a:rPr lang="en-US" sz="8000" dirty="0">
+                <a:solidFill>
+                  <a:schemeClr val="tx1"/>
+                </a:solidFill>
+                <a:effectLst/>
+              </a:rPr>
+              <a:t>”</a:t>
+            </a:r>
+          </a:p>
+        </p:txBody>
+      </p:sp>
+      <p:sp>
+        <p:nvSpPr>
+          <p:cNvPr id="2" name="Title 1"/>
+          <p:cNvSpPr>
+            <a:spLocks noGrp="1"/>
+          </p:cNvSpPr>
+          <p:nvPr>
+            <p:ph type="title"/>
+          </p:nvPr>
+        </p:nvSpPr>
+        <p:spPr>
+          <a:xfrm>
+            <a:off x="2208212" y="685800"/>
+            <a:ext cx="8990012" cy="2743199"/>
+          </a:xfrm>
+        </p:spPr>
+        <p:txBody>
+          <a:bodyPr anchor="ctr">
+            <a:normAutofit/>
+          </a:bodyPr>
+          <a:lstStyle>
+            <a:lvl1pPr algn="ctr">
+              <a:defRPr sz="3200" b="0" cap="none">
+                <a:solidFill>
+                  <a:schemeClr val="tx1"/>
+                </a:solidFill>
+              </a:defRPr>
+            </a:lvl1pPr>
+          </a:lstStyle>
+          <a:p>
+            <a:r>
+              <a:rPr lang="en-US"/>
+              <a:t>Click to edit Master title style</a:t>
+            </a:r>
+            <a:endParaRPr lang="en-US" dirty="0"/>
+          </a:p>
+        </p:txBody>
+      </p:sp>
+      <p:sp>
+        <p:nvSpPr>
+          <p:cNvPr id="10" name="Text Placeholder 9"/>
+          <p:cNvSpPr>
+            <a:spLocks noGrp="1"/>
+          </p:cNvSpPr>
+          <p:nvPr>
+            <p:ph type="body" sz="quarter" idx="13"/>
+          </p:nvPr>
+        </p:nvSpPr>
+        <p:spPr>
+          <a:xfrm>
+            <a:off x="1484313" y="3886200"/>
+            <a:ext cx="10018710" cy="889000"/>
+          </a:xfrm>
+        </p:spPr>
+        <p:txBody>
+          <a:bodyPr vert="horz" lIns="91440" tIns="45720" rIns="91440" bIns="45720" rtlCol="0" anchor="b">
+            <a:normAutofit/>
+          </a:bodyPr>
+          <a:lstStyle>
+            <a:lvl1pPr algn="r">
+              <a:buNone/>
+              <a:defRPr lang="en-US" sz="2400" b="0" cap="none" dirty="0">
+                <a:ln w="3175" cmpd="sng">
+                  <a:noFill/>
+                </a:ln>
+                <a:solidFill>
+                  <a:schemeClr val="tx1"/>
+                </a:solidFill>
+                <a:effectLst/>
+              </a:defRPr>
+            </a:lvl1pPr>
+          </a:lstStyle>
+          <a:p>
+            <a:pPr marL="0" lvl="0">
+              <a:spcBef>
+                <a:spcPct val="0"/>
+              </a:spcBef>
+              <a:buNone/>
+            </a:pPr>
+            <a:r>
+              <a:rPr lang="en-US"/>
+              <a:t>Click to edit Master text styles</a:t>
+            </a:r>
+          </a:p>
+        </p:txBody>
+      </p:sp>
+      <p:sp>
+        <p:nvSpPr>
+          <p:cNvPr id="3" name="Text Placeholder 2"/>
+          <p:cNvSpPr>
+            <a:spLocks noGrp="1"/>
+          </p:cNvSpPr>
+          <p:nvPr>
+            <p:ph type="body" idx="1"/>
+          </p:nvPr>
+        </p:nvSpPr>
+        <p:spPr>
+          <a:xfrm>
+            <a:off x="1484312" y="4775200"/>
+            <a:ext cx="10018710" cy="1016000"/>
+          </a:xfrm>
+        </p:spPr>
+        <p:txBody>
+          <a:bodyPr anchor="t">
+            <a:normAutofit/>
+          </a:bodyPr>
+          <a:lstStyle>
+            <a:lvl1pPr marL="0" indent="0" algn="r">
+              <a:buNone/>
+              <a:defRPr sz="1800">
+                <a:solidFill>
+                  <a:schemeClr val="tx1"/>
+                </a:solidFill>
+              </a:defRPr>
+            </a:lvl1pPr>
+            <a:lvl2pPr marL="457200" indent="0">
+              <a:buNone/>
+              <a:defRPr sz="1800">
+                <a:solidFill>
+                  <a:schemeClr val="tx1">
+                    <a:tint val="75000"/>
+                  </a:schemeClr>
+                </a:solidFill>
+              </a:defRPr>
+            </a:lvl2pPr>
+            <a:lvl3pPr marL="914400" indent="0">
+              <a:buNone/>
+              <a:defRPr sz="1600">
+                <a:solidFill>
+                  <a:schemeClr val="tx1">
+                    <a:tint val="75000"/>
+                  </a:schemeClr>
+                </a:solidFill>
+              </a:defRPr>
+            </a:lvl3pPr>
+            <a:lvl4pPr marL="1371600" indent="0">
+              <a:buNone/>
+              <a:defRPr sz="1400">
+                <a:solidFill>
+                  <a:schemeClr val="tx1">
+                    <a:tint val="75000"/>
+                  </a:schemeClr>
+                </a:solidFill>
+              </a:defRPr>
+            </a:lvl4pPr>
+            <a:lvl5pPr marL="1828800" indent="0">
+              <a:buNone/>
+              <a:defRPr sz="1400">
+                <a:solidFill>
+                  <a:schemeClr val="tx1">
+                    <a:tint val="75000"/>
+                  </a:schemeClr>
+                </a:solidFill>
+              </a:defRPr>
+            </a:lvl5pPr>
+            <a:lvl6pPr marL="2286000" indent="0">
+              <a:buNone/>
+              <a:defRPr sz="1400">
+                <a:solidFill>
+                  <a:schemeClr val="tx1">
+                    <a:tint val="75000"/>
+                  </a:schemeClr>
+                </a:solidFill>
+              </a:defRPr>
+            </a:lvl6pPr>
+            <a:lvl7pPr marL="2743200" indent="0">
+              <a:buNone/>
+              <a:defRPr sz="1400">
+                <a:solidFill>
+                  <a:schemeClr val="tx1">
+                    <a:tint val="75000"/>
+                  </a:schemeClr>
+                </a:solidFill>
+              </a:defRPr>
+            </a:lvl7pPr>
+            <a:lvl8pPr marL="3200400" indent="0">
+              <a:buNone/>
+              <a:defRPr sz="1400">
+                <a:solidFill>
+                  <a:schemeClr val="tx1">
+                    <a:tint val="75000"/>
+                  </a:schemeClr>
+                </a:solidFill>
+              </a:defRPr>
+            </a:lvl8pPr>
+            <a:lvl9pPr marL="3657600" indent="0">
+              <a:buNone/>
+              <a:defRPr sz="1400">
+                <a:solidFill>
+                  <a:schemeClr val="tx1">
+                    <a:tint val="75000"/>
+                  </a:schemeClr>
+                </a:solidFill>
+              </a:defRPr>
+            </a:lvl9pPr>
+          </a:lstStyle>
+          <a:p>
+            <a:pPr lvl="0"/>
+            <a:r>
+              <a:rPr lang="en-US"/>
+              <a:t>Click to edit Master text styles</a:t>
+            </a:r>
+          </a:p>
+        </p:txBody>
+      </p:sp>
+      <p:sp>
+        <p:nvSpPr>
+          <p:cNvPr id="4" name="Date Placeholder 3"/>
+          <p:cNvSpPr>
+            <a:spLocks noGrp="1"/>
+          </p:cNvSpPr>
+          <p:nvPr>
+            <p:ph type="dt" sz="half" idx="10"/>
+          </p:nvPr>
+        </p:nvSpPr>
+        <p:spPr/>
+        <p:txBody>
+          <a:bodyPr/>
+          <a:lstStyle/>
+          <a:p>
+            <a:fld id="{C8B8EC27-8CCA-42C5-BCCF-D9ABF9BEDDC9}" type="datetimeFigureOut">
+              <a:rPr lang="en-US" smtClean="0"/>
+              <a:t>12/7/2022</a:t>
+            </a:fld>
+            <a:endParaRPr lang="en-US"/>
+          </a:p>
+        </p:txBody>
+      </p:sp>
+      <p:sp>
+        <p:nvSpPr>
+          <p:cNvPr id="5" name="Footer Placeholder 4"/>
+          <p:cNvSpPr>
+            <a:spLocks noGrp="1"/>
+          </p:cNvSpPr>
+          <p:nvPr>
+            <p:ph type="ftr" sz="quarter" idx="11"/>
+          </p:nvPr>
+        </p:nvSpPr>
+        <p:spPr/>
+        <p:txBody>
+          <a:bodyPr/>
+          <a:lstStyle/>
+          <a:p>
+            <a:endParaRPr lang="en-US"/>
+          </a:p>
+        </p:txBody>
+      </p:sp>
+      <p:sp>
+        <p:nvSpPr>
+          <p:cNvPr id="6" name="Slide Number Placeholder 5"/>
+          <p:cNvSpPr>
+            <a:spLocks noGrp="1"/>
+          </p:cNvSpPr>
+          <p:nvPr>
+            <p:ph type="sldNum" sz="quarter" idx="12"/>
+          </p:nvPr>
+        </p:nvSpPr>
+        <p:spPr/>
+        <p:txBody>
+          <a:bodyPr/>
+          <a:lstStyle/>
+          <a:p>
+            <a:fld id="{CE2AAD13-6BA3-48D2-8994-C3D8DA062501}" type="slidenum">
+              <a:rPr lang="en-US" smtClean="0"/>
+              <a:t>‹#›</a:t>
+            </a:fld>
+            <a:endParaRPr lang="en-US"/>
+          </a:p>
+        </p:txBody>
+      </p:sp>
+    </p:spTree>
+    <p:extLst>
+      <p:ext uri="{BB962C8B-B14F-4D97-AF65-F5344CB8AC3E}">
+        <p14:creationId xmlns:p14="http://schemas.microsoft.com/office/powerpoint/2010/main" val="515960890"/>
+      </p:ext>
+    </p:extLst>
+  </p:cSld>
+  <p:clrMapOvr>
+    <a:masterClrMapping/>
+  </p:clrMapOvr>
+</p:sldLayout>
+</file>
+
+<file path=ppt/slideLayouts/slideLayout15.xml><?xml version="1.0" encoding="utf-8"?>
+<p:sldLayout xmlns:a="http://schemas.openxmlformats.org/drawingml/2006/main" xmlns:r="http://schemas.openxmlformats.org/officeDocument/2006/relationships" xmlns:p="http://schemas.openxmlformats.org/presentationml/2006/main" preserve="1">
+  <p:cSld name="True or False">
+    <p:spTree>
+      <p:nvGrpSpPr>
+        <p:cNvPr id="1" name=""/>
+        <p:cNvGrpSpPr/>
+        <p:nvPr/>
+      </p:nvGrpSpPr>
+      <p:grpSpPr>
+        <a:xfrm>
+          <a:off x="0" y="0"/>
+          <a:ext cx="0" cy="0"/>
+          <a:chOff x="0" y="0"/>
+          <a:chExt cx="0" cy="0"/>
+        </a:xfrm>
+      </p:grpSpPr>
+      <p:sp>
+        <p:nvSpPr>
+          <p:cNvPr id="2" name="Title 1"/>
+          <p:cNvSpPr>
+            <a:spLocks noGrp="1"/>
+          </p:cNvSpPr>
+          <p:nvPr>
+            <p:ph type="title"/>
+          </p:nvPr>
+        </p:nvSpPr>
+        <p:spPr>
+          <a:xfrm>
+            <a:off x="1484313" y="685800"/>
+            <a:ext cx="10018712" cy="2727325"/>
+          </a:xfrm>
+        </p:spPr>
+        <p:txBody>
+          <a:bodyPr vert="horz" lIns="91440" tIns="45720" rIns="91440" bIns="45720" rtlCol="0" anchor="ctr">
+            <a:normAutofit/>
+          </a:bodyPr>
+          <a:lstStyle>
+            <a:lvl1pPr>
+              <a:defRPr lang="en-US" b="0" dirty="0"/>
+            </a:lvl1pPr>
+          </a:lstStyle>
+          <a:p>
+            <a:pPr marL="0" lvl="0"/>
+            <a:r>
+              <a:rPr lang="en-US"/>
+              <a:t>Click to edit Master title style</a:t>
+            </a:r>
+            <a:endParaRPr lang="en-US" dirty="0"/>
+          </a:p>
+        </p:txBody>
+      </p:sp>
+      <p:sp>
+        <p:nvSpPr>
+          <p:cNvPr id="10" name="Text Placeholder 9"/>
+          <p:cNvSpPr>
+            <a:spLocks noGrp="1"/>
+          </p:cNvSpPr>
+          <p:nvPr>
+            <p:ph type="body" sz="quarter" idx="13"/>
+          </p:nvPr>
+        </p:nvSpPr>
+        <p:spPr>
+          <a:xfrm>
+            <a:off x="1484312" y="3505200"/>
+            <a:ext cx="10018713" cy="838200"/>
+          </a:xfrm>
+        </p:spPr>
+        <p:txBody>
+          <a:bodyPr vert="horz" lIns="91440" tIns="45720" rIns="91440" bIns="45720" rtlCol="0" anchor="b">
+            <a:normAutofit/>
+          </a:bodyPr>
+          <a:lstStyle>
+            <a:lvl1pPr>
+              <a:buNone/>
+              <a:defRPr lang="en-US" sz="2800" b="0" cap="none" dirty="0">
+                <a:ln w="3175" cmpd="sng">
+                  <a:noFill/>
+                </a:ln>
+                <a:solidFill>
+                  <a:schemeClr val="tx1"/>
+                </a:solidFill>
+                <a:effectLst/>
+              </a:defRPr>
+            </a:lvl1pPr>
+          </a:lstStyle>
+          <a:p>
+            <a:pPr marL="0" lvl="0">
+              <a:spcBef>
+                <a:spcPct val="0"/>
+              </a:spcBef>
+              <a:buNone/>
+            </a:pPr>
+            <a:r>
+              <a:rPr lang="en-US"/>
+              <a:t>Click to edit Master text styles</a:t>
+            </a:r>
+          </a:p>
+        </p:txBody>
+      </p:sp>
+      <p:sp>
+        <p:nvSpPr>
+          <p:cNvPr id="3" name="Text Placeholder 2"/>
+          <p:cNvSpPr>
+            <a:spLocks noGrp="1"/>
+          </p:cNvSpPr>
+          <p:nvPr>
+            <p:ph type="body" idx="1"/>
+          </p:nvPr>
+        </p:nvSpPr>
+        <p:spPr>
+          <a:xfrm>
+            <a:off x="1484311" y="4343400"/>
+            <a:ext cx="10018713" cy="1447800"/>
+          </a:xfrm>
+        </p:spPr>
+        <p:txBody>
+          <a:bodyPr anchor="t">
+            <a:normAutofit/>
+          </a:bodyPr>
+          <a:lstStyle>
+            <a:lvl1pPr marL="0" indent="0" algn="l">
+              <a:buNone/>
+              <a:defRPr sz="1800">
+                <a:solidFill>
+                  <a:schemeClr val="tx1"/>
+                </a:solidFill>
+              </a:defRPr>
+            </a:lvl1pPr>
+            <a:lvl2pPr marL="457200" indent="0">
+              <a:buNone/>
+              <a:defRPr sz="1800">
+                <a:solidFill>
+                  <a:schemeClr val="tx1">
+                    <a:tint val="75000"/>
+                  </a:schemeClr>
+                </a:solidFill>
+              </a:defRPr>
+            </a:lvl2pPr>
+            <a:lvl3pPr marL="914400" indent="0">
+              <a:buNone/>
+              <a:defRPr sz="1600">
+                <a:solidFill>
+                  <a:schemeClr val="tx1">
+                    <a:tint val="75000"/>
+                  </a:schemeClr>
+                </a:solidFill>
+              </a:defRPr>
+            </a:lvl3pPr>
+            <a:lvl4pPr marL="1371600" indent="0">
+              <a:buNone/>
+              <a:defRPr sz="1400">
+                <a:solidFill>
+                  <a:schemeClr val="tx1">
+                    <a:tint val="75000"/>
+                  </a:schemeClr>
+                </a:solidFill>
+              </a:defRPr>
+            </a:lvl4pPr>
+            <a:lvl5pPr marL="1828800" indent="0">
+              <a:buNone/>
+              <a:defRPr sz="1400">
+                <a:solidFill>
+                  <a:schemeClr val="tx1">
+                    <a:tint val="75000"/>
+                  </a:schemeClr>
+                </a:solidFill>
+              </a:defRPr>
+            </a:lvl5pPr>
+            <a:lvl6pPr marL="2286000" indent="0">
+              <a:buNone/>
+              <a:defRPr sz="1400">
+                <a:solidFill>
+                  <a:schemeClr val="tx1">
+                    <a:tint val="75000"/>
+                  </a:schemeClr>
+                </a:solidFill>
+              </a:defRPr>
+            </a:lvl6pPr>
+            <a:lvl7pPr marL="2743200" indent="0">
+              <a:buNone/>
+              <a:defRPr sz="1400">
+                <a:solidFill>
+                  <a:schemeClr val="tx1">
+                    <a:tint val="75000"/>
+                  </a:schemeClr>
+                </a:solidFill>
+              </a:defRPr>
+            </a:lvl7pPr>
+            <a:lvl8pPr marL="3200400" indent="0">
+              <a:buNone/>
+              <a:defRPr sz="1400">
+                <a:solidFill>
+                  <a:schemeClr val="tx1">
+                    <a:tint val="75000"/>
+                  </a:schemeClr>
+                </a:solidFill>
+              </a:defRPr>
+            </a:lvl8pPr>
+            <a:lvl9pPr marL="3657600" indent="0">
+              <a:buNone/>
+              <a:defRPr sz="1400">
+                <a:solidFill>
+                  <a:schemeClr val="tx1">
+                    <a:tint val="75000"/>
+                  </a:schemeClr>
+                </a:solidFill>
+              </a:defRPr>
+            </a:lvl9pPr>
+          </a:lstStyle>
+          <a:p>
+            <a:pPr lvl="0"/>
+            <a:r>
+              <a:rPr lang="en-US"/>
+              <a:t>Click to edit Master text styles</a:t>
+            </a:r>
+          </a:p>
+        </p:txBody>
+      </p:sp>
+      <p:sp>
+        <p:nvSpPr>
+          <p:cNvPr id="4" name="Date Placeholder 3"/>
+          <p:cNvSpPr>
+            <a:spLocks noGrp="1"/>
+          </p:cNvSpPr>
+          <p:nvPr>
+            <p:ph type="dt" sz="half" idx="10"/>
+          </p:nvPr>
+        </p:nvSpPr>
+        <p:spPr/>
+        <p:txBody>
+          <a:bodyPr/>
+          <a:lstStyle/>
+          <a:p>
+            <a:fld id="{C8B8EC27-8CCA-42C5-BCCF-D9ABF9BEDDC9}" type="datetimeFigureOut">
+              <a:rPr lang="en-US" smtClean="0"/>
+              <a:t>12/7/2022</a:t>
+            </a:fld>
+            <a:endParaRPr lang="en-US"/>
+          </a:p>
+        </p:txBody>
+      </p:sp>
+      <p:sp>
+        <p:nvSpPr>
+          <p:cNvPr id="5" name="Footer Placeholder 4"/>
+          <p:cNvSpPr>
+            <a:spLocks noGrp="1"/>
+          </p:cNvSpPr>
+          <p:nvPr>
+            <p:ph type="ftr" sz="quarter" idx="11"/>
+          </p:nvPr>
+        </p:nvSpPr>
+        <p:spPr/>
+        <p:txBody>
+          <a:bodyPr/>
+          <a:lstStyle/>
+          <a:p>
+            <a:endParaRPr lang="en-US"/>
+          </a:p>
+        </p:txBody>
+      </p:sp>
+      <p:sp>
+        <p:nvSpPr>
+          <p:cNvPr id="6" name="Slide Number Placeholder 5"/>
+          <p:cNvSpPr>
+            <a:spLocks noGrp="1"/>
+          </p:cNvSpPr>
+          <p:nvPr>
+            <p:ph type="sldNum" sz="quarter" idx="12"/>
+          </p:nvPr>
+        </p:nvSpPr>
+        <p:spPr/>
+        <p:txBody>
+          <a:bodyPr/>
+          <a:lstStyle/>
+          <a:p>
+            <a:fld id="{CE2AAD13-6BA3-48D2-8994-C3D8DA062501}" type="slidenum">
+              <a:rPr lang="en-US" smtClean="0"/>
+              <a:t>‹#›</a:t>
+            </a:fld>
+            <a:endParaRPr lang="en-US"/>
+          </a:p>
+        </p:txBody>
+      </p:sp>
+    </p:spTree>
+    <p:extLst>
+      <p:ext uri="{BB962C8B-B14F-4D97-AF65-F5344CB8AC3E}">
+        <p14:creationId xmlns:p14="http://schemas.microsoft.com/office/powerpoint/2010/main" val="3294829840"/>
+      </p:ext>
+    </p:extLst>
+  </p:cSld>
+  <p:clrMapOvr>
+    <a:masterClrMapping/>
+  </p:clrMapOvr>
+</p:sldLayout>
+</file>
+
+<file path=ppt/slideLayouts/slideLayout16.xml><?xml version="1.0" encoding="utf-8"?>
 <p:sldLayout xmlns:a="http://schemas.openxmlformats.org/drawingml/2006/main" xmlns:r="http://schemas.openxmlformats.org/officeDocument/2006/relationships" xmlns:p="http://schemas.openxmlformats.org/presentationml/2006/main" type="vertTx" preserve="1">
   <p:cSld name="Title and Vertical Text">
     <p:spTree>
@@ -346,18 +3276,91 @@
       </p:grpSpPr>
       <p:sp>
         <p:nvSpPr>
-          <p:cNvPr id="2" name="Title 1">
-            <a:extLst>
-              <a:ext uri="{FF2B5EF4-FFF2-40B4-BE49-F238E27FC236}">
-                <a16:creationId xmlns:a16="http://schemas.microsoft.com/office/drawing/2014/main" id="{46351C9F-6ED0-3451-26DA-602B3D3E3223}"/>
-              </a:ext>
-            </a:extLst>
-          </p:cNvPr>
+          <p:cNvPr id="2" name="Title 1"/>
           <p:cNvSpPr>
             <a:spLocks noGrp="1"/>
           </p:cNvSpPr>
           <p:nvPr>
             <p:ph type="title"/>
+          </p:nvPr>
+        </p:nvSpPr>
+        <p:spPr/>
+        <p:txBody>
+          <a:bodyPr/>
+          <a:lstStyle>
+            <a:lvl1pPr algn="ctr">
+              <a:defRPr/>
+            </a:lvl1pPr>
+          </a:lstStyle>
+          <a:p>
+            <a:r>
+              <a:rPr lang="en-US"/>
+              <a:t>Click to edit Master title style</a:t>
+            </a:r>
+            <a:endParaRPr lang="en-US" dirty="0"/>
+          </a:p>
+        </p:txBody>
+      </p:sp>
+      <p:sp>
+        <p:nvSpPr>
+          <p:cNvPr id="3" name="Vertical Text Placeholder 2"/>
+          <p:cNvSpPr>
+            <a:spLocks noGrp="1"/>
+          </p:cNvSpPr>
+          <p:nvPr>
+            <p:ph type="body" orient="vert" idx="1"/>
+          </p:nvPr>
+        </p:nvSpPr>
+        <p:spPr/>
+        <p:txBody>
+          <a:bodyPr vert="eaVert" anchor="t"/>
+          <a:lstStyle/>
+          <a:p>
+            <a:pPr lvl="0"/>
+            <a:r>
+              <a:rPr lang="en-US"/>
+              <a:t>Click to edit Master text styles</a:t>
+            </a:r>
+          </a:p>
+          <a:p>
+            <a:pPr lvl="1"/>
+            <a:r>
+              <a:rPr lang="en-US"/>
+              <a:t>Second level</a:t>
+            </a:r>
+          </a:p>
+          <a:p>
+            <a:pPr lvl="2"/>
+            <a:r>
+              <a:rPr lang="en-US"/>
+              <a:t>Third level</a:t>
+            </a:r>
+          </a:p>
+          <a:p>
+            <a:pPr lvl="3"/>
+            <a:r>
+              <a:rPr lang="en-US"/>
+              <a:t>Fourth level</a:t>
+            </a:r>
+          </a:p>
+          <a:p>
+            <a:pPr lvl="4"/>
+            <a:r>
+              <a:rPr lang="en-US"/>
+              <a:t>Fifth level</a:t>
+            </a:r>
+            <a:endParaRPr lang="en-US" dirty="0"/>
+          </a:p>
+        </p:txBody>
+      </p:sp>
+      <p:sp>
+        <p:nvSpPr>
+          <p:cNvPr id="4" name="Date Placeholder 3"/>
+          <p:cNvSpPr>
+            <a:spLocks noGrp="1"/>
+          </p:cNvSpPr>
+          <p:nvPr>
+            <p:ph type="dt" sz="half" idx="10"/>
           </p:nvPr>
         </p:nvSpPr>
         <p:spPr/>
@@ -365,84 +3368,22 @@
           <a:bodyPr/>
           <a:lstStyle/>
           <a:p>
-            <a:r>
-              <a:rPr lang="en-US"/>
-              <a:t>Click to edit Master title style</a:t>
-            </a:r>
-          </a:p>
-        </p:txBody>
-      </p:sp>
-      <p:sp>
-        <p:nvSpPr>
-          <p:cNvPr id="3" name="Vertical Text Placeholder 2">
-            <a:extLst>
-              <a:ext uri="{FF2B5EF4-FFF2-40B4-BE49-F238E27FC236}">
-                <a16:creationId xmlns:a16="http://schemas.microsoft.com/office/drawing/2014/main" id="{E5DCC666-FA65-33E1-96DC-E540BBFA580B}"/>
-              </a:ext>
-            </a:extLst>
-          </p:cNvPr>
-          <p:cNvSpPr>
-            <a:spLocks noGrp="1"/>
-          </p:cNvSpPr>
-          <p:nvPr>
-            <p:ph type="body" orient="vert" idx="1"/>
-          </p:nvPr>
-        </p:nvSpPr>
-        <p:spPr/>
-        <p:txBody>
-          <a:bodyPr vert="eaVert"/>
-          <a:lstStyle/>
-          <a:p>
-            <a:pPr lvl="0"/>
-            <a:r>
-              <a:rPr lang="en-US"/>
-              <a:t>Click to edit Master text styles</a:t>
-            </a:r>
-          </a:p>
-          <a:p>
-            <a:pPr lvl="1"/>
-            <a:r>
-              <a:rPr lang="en-US"/>
-              <a:t>Second level</a:t>
-            </a:r>
-          </a:p>
-          <a:p>
-            <a:pPr lvl="2"/>
-            <a:r>
-              <a:rPr lang="en-US"/>
-              <a:t>Third level</a:t>
-            </a:r>
-          </a:p>
-          <a:p>
-            <a:pPr lvl="3"/>
-            <a:r>
-              <a:rPr lang="en-US"/>
-              <a:t>Fourth level</a:t>
-            </a:r>
-          </a:p>
-          <a:p>
-            <a:pPr lvl="4"/>
-            <a:r>
-              <a:rPr lang="en-US"/>
-              <a:t>Fifth level</a:t>
-            </a:r>
-          </a:p>
-        </p:txBody>
-      </p:sp>
-      <p:sp>
-        <p:nvSpPr>
-          <p:cNvPr id="4" name="Date Placeholder 3">
-            <a:extLst>
-              <a:ext uri="{FF2B5EF4-FFF2-40B4-BE49-F238E27FC236}">
-                <a16:creationId xmlns:a16="http://schemas.microsoft.com/office/drawing/2014/main" id="{8EC35757-8AC1-B4BE-8D1E-8A35FC1B97B9}"/>
-              </a:ext>
-            </a:extLst>
-          </p:cNvPr>
-          <p:cNvSpPr>
-            <a:spLocks noGrp="1"/>
-          </p:cNvSpPr>
-          <p:nvPr>
-            <p:ph type="dt" sz="half" idx="10"/>
+            <a:fld id="{C8B8EC27-8CCA-42C5-BCCF-D9ABF9BEDDC9}" type="datetimeFigureOut">
+              <a:rPr lang="en-US" smtClean="0"/>
+              <a:t>12/7/2022</a:t>
+            </a:fld>
+            <a:endParaRPr lang="en-US"/>
+          </a:p>
+        </p:txBody>
+      </p:sp>
+      <p:sp>
+        <p:nvSpPr>
+          <p:cNvPr id="5" name="Footer Placeholder 4"/>
+          <p:cNvSpPr>
+            <a:spLocks noGrp="1"/>
+          </p:cNvSpPr>
+          <p:nvPr>
+            <p:ph type="ftr" sz="quarter" idx="11"/>
           </p:nvPr>
         </p:nvSpPr>
         <p:spPr/>
@@ -450,48 +3391,13 @@
           <a:bodyPr/>
           <a:lstStyle/>
           <a:p>
-            <a:fld id="{C8B8EC27-8CCA-42C5-BCCF-D9ABF9BEDDC9}" type="datetimeFigureOut">
-              <a:rPr lang="en-US" smtClean="0"/>
-              <a:t>11/30/2022</a:t>
-            </a:fld>
             <a:endParaRPr lang="en-US"/>
           </a:p>
         </p:txBody>
       </p:sp>
       <p:sp>
         <p:nvSpPr>
-          <p:cNvPr id="5" name="Footer Placeholder 4">
-            <a:extLst>
-              <a:ext uri="{FF2B5EF4-FFF2-40B4-BE49-F238E27FC236}">
-                <a16:creationId xmlns:a16="http://schemas.microsoft.com/office/drawing/2014/main" id="{681253A3-6847-EB01-A5D0-33C2C9F9F180}"/>
-              </a:ext>
-            </a:extLst>
-          </p:cNvPr>
-          <p:cNvSpPr>
-            <a:spLocks noGrp="1"/>
-          </p:cNvSpPr>
-          <p:nvPr>
-            <p:ph type="ftr" sz="quarter" idx="11"/>
-          </p:nvPr>
-        </p:nvSpPr>
-        <p:spPr/>
-        <p:txBody>
-          <a:bodyPr/>
-          <a:lstStyle/>
-          <a:p>
-            <a:endParaRPr lang="en-US"/>
-          </a:p>
-        </p:txBody>
-      </p:sp>
-      <p:sp>
-        <p:nvSpPr>
-          <p:cNvPr id="6" name="Slide Number Placeholder 5">
-            <a:extLst>
-              <a:ext uri="{FF2B5EF4-FFF2-40B4-BE49-F238E27FC236}">
-                <a16:creationId xmlns:a16="http://schemas.microsoft.com/office/drawing/2014/main" id="{E89EAA81-5B4B-24E1-7520-A6DD60A2BA1E}"/>
-              </a:ext>
-            </a:extLst>
-          </p:cNvPr>
+          <p:cNvPr id="6" name="Slide Number Placeholder 5"/>
           <p:cNvSpPr>
             <a:spLocks noGrp="1"/>
           </p:cNvSpPr>
@@ -515,7 +3421,7 @@
     </p:spTree>
     <p:extLst>
       <p:ext uri="{BB962C8B-B14F-4D97-AF65-F5344CB8AC3E}">
-        <p14:creationId xmlns:p14="http://schemas.microsoft.com/office/powerpoint/2010/main" val="3551228459"/>
+        <p14:creationId xmlns:p14="http://schemas.microsoft.com/office/powerpoint/2010/main" val="2380217299"/>
       </p:ext>
     </p:extLst>
   </p:cSld>
@@ -525,7 +3431,7 @@
 </p:sldLayout>
 </file>
 
-<file path=ppt/slideLayouts/slideLayout11.xml><?xml version="1.0" encoding="utf-8"?>
+<file path=ppt/slideLayouts/slideLayout17.xml><?xml version="1.0" encoding="utf-8"?>
 <p:sldLayout xmlns:a="http://schemas.openxmlformats.org/drawingml/2006/main" xmlns:r="http://schemas.openxmlformats.org/officeDocument/2006/relationships" xmlns:p="http://schemas.openxmlformats.org/presentationml/2006/main" type="vertTitleAndTx" preserve="1">
   <p:cSld name="Vertical Title and Text">
     <p:spTree>
@@ -544,13 +3450,7 @@
       </p:grpSpPr>
       <p:sp>
         <p:nvSpPr>
-          <p:cNvPr id="2" name="Vertical Title 1">
-            <a:extLst>
-              <a:ext uri="{FF2B5EF4-FFF2-40B4-BE49-F238E27FC236}">
-                <a16:creationId xmlns:a16="http://schemas.microsoft.com/office/drawing/2014/main" id="{4016A6CF-5C43-AD2A-7A0D-91018FE65601}"/>
-              </a:ext>
-            </a:extLst>
-          </p:cNvPr>
+          <p:cNvPr id="2" name="Vertical Title 1"/>
           <p:cNvSpPr>
             <a:spLocks noGrp="1"/>
           </p:cNvSpPr>
@@ -560,8 +3460,8 @@
         </p:nvSpPr>
         <p:spPr>
           <a:xfrm>
-            <a:off x="8724900" y="365125"/>
-            <a:ext cx="2628900" cy="5811838"/>
+            <a:off x="9732655" y="685800"/>
+            <a:ext cx="1770369" cy="5105400"/>
           </a:xfrm>
         </p:spPr>
         <p:txBody>
@@ -572,18 +3472,13 @@
               <a:rPr lang="en-US"/>
               <a:t>Click to edit Master title style</a:t>
             </a:r>
-          </a:p>
-        </p:txBody>
-      </p:sp>
-      <p:sp>
-        <p:nvSpPr>
-          <p:cNvPr id="3" name="Vertical Text Placeholder 2">
-            <a:extLst>
-              <a:ext uri="{FF2B5EF4-FFF2-40B4-BE49-F238E27FC236}">
-                <a16:creationId xmlns:a16="http://schemas.microsoft.com/office/drawing/2014/main" id="{969E9A65-BBBC-4945-99E4-EA6FE58A0172}"/>
-              </a:ext>
-            </a:extLst>
-          </p:cNvPr>
+            <a:endParaRPr lang="en-US" dirty="0"/>
+          </a:p>
+        </p:txBody>
+      </p:sp>
+      <p:sp>
+        <p:nvSpPr>
+          <p:cNvPr id="3" name="Vertical Text Placeholder 2"/>
           <p:cNvSpPr>
             <a:spLocks noGrp="1"/>
           </p:cNvSpPr>
@@ -593,12 +3488,12 @@
         </p:nvSpPr>
         <p:spPr>
           <a:xfrm>
-            <a:off x="838200" y="365125"/>
-            <a:ext cx="7734300" cy="5811838"/>
+            <a:off x="1484312" y="685800"/>
+            <a:ext cx="8019742" cy="5105400"/>
           </a:xfrm>
         </p:spPr>
         <p:txBody>
-          <a:bodyPr vert="eaVert"/>
+          <a:bodyPr vert="eaVert" anchor="t"/>
           <a:lstStyle/>
           <a:p>
             <a:pPr lvl="0"/>
@@ -634,18 +3529,13 @@
               <a:rPr lang="en-US"/>
               <a:t>Fifth level</a:t>
             </a:r>
-          </a:p>
-        </p:txBody>
-      </p:sp>
-      <p:sp>
-        <p:nvSpPr>
-          <p:cNvPr id="4" name="Date Placeholder 3">
-            <a:extLst>
-              <a:ext uri="{FF2B5EF4-FFF2-40B4-BE49-F238E27FC236}">
-                <a16:creationId xmlns:a16="http://schemas.microsoft.com/office/drawing/2014/main" id="{F766C9C8-99FE-D948-6D80-4CBCA7BCBE69}"/>
-              </a:ext>
-            </a:extLst>
-          </p:cNvPr>
+            <a:endParaRPr lang="en-US" dirty="0"/>
+          </a:p>
+        </p:txBody>
+      </p:sp>
+      <p:sp>
+        <p:nvSpPr>
+          <p:cNvPr id="4" name="Date Placeholder 3"/>
           <p:cNvSpPr>
             <a:spLocks noGrp="1"/>
           </p:cNvSpPr>
@@ -660,7 +3550,7 @@
           <a:p>
             <a:fld id="{C8B8EC27-8CCA-42C5-BCCF-D9ABF9BEDDC9}" type="datetimeFigureOut">
               <a:rPr lang="en-US" smtClean="0"/>
-              <a:t>11/30/2022</a:t>
+              <a:t>12/7/2022</a:t>
             </a:fld>
             <a:endParaRPr lang="en-US"/>
           </a:p>
@@ -668,13 +3558,7 @@
       </p:sp>
       <p:sp>
         <p:nvSpPr>
-          <p:cNvPr id="5" name="Footer Placeholder 4">
-            <a:extLst>
-              <a:ext uri="{FF2B5EF4-FFF2-40B4-BE49-F238E27FC236}">
-                <a16:creationId xmlns:a16="http://schemas.microsoft.com/office/drawing/2014/main" id="{69E936F6-34BB-DAD4-74AF-FAAD2C654D3A}"/>
-              </a:ext>
-            </a:extLst>
-          </p:cNvPr>
+          <p:cNvPr id="5" name="Footer Placeholder 4"/>
           <p:cNvSpPr>
             <a:spLocks noGrp="1"/>
           </p:cNvSpPr>
@@ -693,13 +3577,7 @@
       </p:sp>
       <p:sp>
         <p:nvSpPr>
-          <p:cNvPr id="6" name="Slide Number Placeholder 5">
-            <a:extLst>
-              <a:ext uri="{FF2B5EF4-FFF2-40B4-BE49-F238E27FC236}">
-                <a16:creationId xmlns:a16="http://schemas.microsoft.com/office/drawing/2014/main" id="{6728C98E-7E08-CAB9-F51F-990A01531E38}"/>
-              </a:ext>
-            </a:extLst>
-          </p:cNvPr>
+          <p:cNvPr id="6" name="Slide Number Placeholder 5"/>
           <p:cNvSpPr>
             <a:spLocks noGrp="1"/>
           </p:cNvSpPr>
@@ -723,7 +3601,7 @@
     </p:spTree>
     <p:extLst>
       <p:ext uri="{BB962C8B-B14F-4D97-AF65-F5344CB8AC3E}">
-        <p14:creationId xmlns:p14="http://schemas.microsoft.com/office/powerpoint/2010/main" val="3562173640"/>
+        <p14:creationId xmlns:p14="http://schemas.microsoft.com/office/powerpoint/2010/main" val="2128576066"/>
       </p:ext>
     </p:extLst>
   </p:cSld>
@@ -752,13 +3630,7 @@
       </p:grpSpPr>
       <p:sp>
         <p:nvSpPr>
-          <p:cNvPr id="2" name="Title 1">
-            <a:extLst>
-              <a:ext uri="{FF2B5EF4-FFF2-40B4-BE49-F238E27FC236}">
-                <a16:creationId xmlns:a16="http://schemas.microsoft.com/office/drawing/2014/main" id="{CE3C0CE1-4E37-52BC-72BA-E747E0F10FC3}"/>
-              </a:ext>
-            </a:extLst>
-          </p:cNvPr>
+          <p:cNvPr id="2" name="Title 1"/>
           <p:cNvSpPr>
             <a:spLocks noGrp="1"/>
           </p:cNvSpPr>
@@ -775,23 +3647,70 @@
               <a:rPr lang="en-US"/>
               <a:t>Click to edit Master title style</a:t>
             </a:r>
-          </a:p>
-        </p:txBody>
-      </p:sp>
-      <p:sp>
-        <p:nvSpPr>
-          <p:cNvPr id="3" name="Content Placeholder 2">
-            <a:extLst>
-              <a:ext uri="{FF2B5EF4-FFF2-40B4-BE49-F238E27FC236}">
-                <a16:creationId xmlns:a16="http://schemas.microsoft.com/office/drawing/2014/main" id="{156B5EBB-0AB8-27B8-56D9-B68E3A2EA841}"/>
-              </a:ext>
-            </a:extLst>
-          </p:cNvPr>
+            <a:endParaRPr lang="en-US" dirty="0"/>
+          </a:p>
+        </p:txBody>
+      </p:sp>
+      <p:sp>
+        <p:nvSpPr>
+          <p:cNvPr id="3" name="Content Placeholder 2"/>
           <p:cNvSpPr>
             <a:spLocks noGrp="1"/>
           </p:cNvSpPr>
           <p:nvPr>
             <p:ph idx="1"/>
+          </p:nvPr>
+        </p:nvSpPr>
+        <p:spPr/>
+        <p:txBody>
+          <a:bodyPr anchor="ctr"/>
+          <a:lstStyle/>
+          <a:p>
+            <a:pPr lvl="0"/>
+            <a:r>
+              <a:rPr lang="en-US"/>
+              <a:t>Click to edit Master text styles</a:t>
+            </a:r>
+          </a:p>
+          <a:p>
+            <a:pPr lvl="1"/>
+            <a:r>
+              <a:rPr lang="en-US"/>
+              <a:t>Second level</a:t>
+            </a:r>
+          </a:p>
+          <a:p>
+            <a:pPr lvl="2"/>
+            <a:r>
+              <a:rPr lang="en-US"/>
+              <a:t>Third level</a:t>
+            </a:r>
+          </a:p>
+          <a:p>
+            <a:pPr lvl="3"/>
+            <a:r>
+              <a:rPr lang="en-US"/>
+              <a:t>Fourth level</a:t>
+            </a:r>
+          </a:p>
+          <a:p>
+            <a:pPr lvl="4"/>
+            <a:r>
+              <a:rPr lang="en-US"/>
+              <a:t>Fifth level</a:t>
+            </a:r>
+            <a:endParaRPr lang="en-US" dirty="0"/>
+          </a:p>
+        </p:txBody>
+      </p:sp>
+      <p:sp>
+        <p:nvSpPr>
+          <p:cNvPr id="4" name="Date Placeholder 3"/>
+          <p:cNvSpPr>
+            <a:spLocks noGrp="1"/>
+          </p:cNvSpPr>
+          <p:nvPr>
+            <p:ph type="dt" sz="half" idx="10"/>
           </p:nvPr>
         </p:nvSpPr>
         <p:spPr/>
@@ -799,56 +3718,22 @@
           <a:bodyPr/>
           <a:lstStyle/>
           <a:p>
-            <a:pPr lvl="0"/>
-            <a:r>
-              <a:rPr lang="en-US"/>
-              <a:t>Click to edit Master text styles</a:t>
-            </a:r>
-          </a:p>
-          <a:p>
-            <a:pPr lvl="1"/>
-            <a:r>
-              <a:rPr lang="en-US"/>
-              <a:t>Second level</a:t>
-            </a:r>
-          </a:p>
-          <a:p>
-            <a:pPr lvl="2"/>
-            <a:r>
-              <a:rPr lang="en-US"/>
-              <a:t>Third level</a:t>
-            </a:r>
-          </a:p>
-          <a:p>
-            <a:pPr lvl="3"/>
-            <a:r>
-              <a:rPr lang="en-US"/>
-              <a:t>Fourth level</a:t>
-            </a:r>
-          </a:p>
-          <a:p>
-            <a:pPr lvl="4"/>
-            <a:r>
-              <a:rPr lang="en-US"/>
-              <a:t>Fifth level</a:t>
-            </a:r>
-          </a:p>
-        </p:txBody>
-      </p:sp>
-      <p:sp>
-        <p:nvSpPr>
-          <p:cNvPr id="4" name="Date Placeholder 3">
-            <a:extLst>
-              <a:ext uri="{FF2B5EF4-FFF2-40B4-BE49-F238E27FC236}">
-                <a16:creationId xmlns:a16="http://schemas.microsoft.com/office/drawing/2014/main" id="{55645F25-B875-1EE3-8E8C-580FA8E7CD37}"/>
-              </a:ext>
-            </a:extLst>
-          </p:cNvPr>
-          <p:cNvSpPr>
-            <a:spLocks noGrp="1"/>
-          </p:cNvSpPr>
-          <p:nvPr>
-            <p:ph type="dt" sz="half" idx="10"/>
+            <a:fld id="{C8B8EC27-8CCA-42C5-BCCF-D9ABF9BEDDC9}" type="datetimeFigureOut">
+              <a:rPr lang="en-US" smtClean="0"/>
+              <a:t>12/7/2022</a:t>
+            </a:fld>
+            <a:endParaRPr lang="en-US"/>
+          </a:p>
+        </p:txBody>
+      </p:sp>
+      <p:sp>
+        <p:nvSpPr>
+          <p:cNvPr id="5" name="Footer Placeholder 4"/>
+          <p:cNvSpPr>
+            <a:spLocks noGrp="1"/>
+          </p:cNvSpPr>
+          <p:nvPr>
+            <p:ph type="ftr" sz="quarter" idx="11"/>
           </p:nvPr>
         </p:nvSpPr>
         <p:spPr/>
@@ -856,48 +3741,13 @@
           <a:bodyPr/>
           <a:lstStyle/>
           <a:p>
-            <a:fld id="{C8B8EC27-8CCA-42C5-BCCF-D9ABF9BEDDC9}" type="datetimeFigureOut">
-              <a:rPr lang="en-US" smtClean="0"/>
-              <a:t>11/30/2022</a:t>
-            </a:fld>
             <a:endParaRPr lang="en-US"/>
           </a:p>
         </p:txBody>
       </p:sp>
       <p:sp>
         <p:nvSpPr>
-          <p:cNvPr id="5" name="Footer Placeholder 4">
-            <a:extLst>
-              <a:ext uri="{FF2B5EF4-FFF2-40B4-BE49-F238E27FC236}">
-                <a16:creationId xmlns:a16="http://schemas.microsoft.com/office/drawing/2014/main" id="{F0C402AC-6CFA-1B13-2692-CAE4E8D3FE02}"/>
-              </a:ext>
-            </a:extLst>
-          </p:cNvPr>
-          <p:cNvSpPr>
-            <a:spLocks noGrp="1"/>
-          </p:cNvSpPr>
-          <p:nvPr>
-            <p:ph type="ftr" sz="quarter" idx="11"/>
-          </p:nvPr>
-        </p:nvSpPr>
-        <p:spPr/>
-        <p:txBody>
-          <a:bodyPr/>
-          <a:lstStyle/>
-          <a:p>
-            <a:endParaRPr lang="en-US"/>
-          </a:p>
-        </p:txBody>
-      </p:sp>
-      <p:sp>
-        <p:nvSpPr>
-          <p:cNvPr id="6" name="Slide Number Placeholder 5">
-            <a:extLst>
-              <a:ext uri="{FF2B5EF4-FFF2-40B4-BE49-F238E27FC236}">
-                <a16:creationId xmlns:a16="http://schemas.microsoft.com/office/drawing/2014/main" id="{F39B8E14-FE60-2F90-AF6C-44339084FB1E}"/>
-              </a:ext>
-            </a:extLst>
-          </p:cNvPr>
+          <p:cNvPr id="6" name="Slide Number Placeholder 5"/>
           <p:cNvSpPr>
             <a:spLocks noGrp="1"/>
           </p:cNvSpPr>
@@ -905,7 +3755,12 @@
             <p:ph type="sldNum" sz="quarter" idx="12"/>
           </p:nvPr>
         </p:nvSpPr>
-        <p:spPr/>
+        <p:spPr>
+          <a:xfrm>
+            <a:off x="10951856" y="5867131"/>
+            <a:ext cx="551167" cy="365125"/>
+          </a:xfrm>
+        </p:spPr>
         <p:txBody>
           <a:bodyPr/>
           <a:lstStyle/>
@@ -921,7 +3776,7 @@
     </p:spTree>
     <p:extLst>
       <p:ext uri="{BB962C8B-B14F-4D97-AF65-F5344CB8AC3E}">
-        <p14:creationId xmlns:p14="http://schemas.microsoft.com/office/powerpoint/2010/main" val="4033275020"/>
+        <p14:creationId xmlns:p14="http://schemas.microsoft.com/office/powerpoint/2010/main" val="2624998634"/>
       </p:ext>
     </p:extLst>
   </p:cSld>
@@ -950,13 +3805,7 @@
       </p:grpSpPr>
       <p:sp>
         <p:nvSpPr>
-          <p:cNvPr id="2" name="Title 1">
-            <a:extLst>
-              <a:ext uri="{FF2B5EF4-FFF2-40B4-BE49-F238E27FC236}">
-                <a16:creationId xmlns:a16="http://schemas.microsoft.com/office/drawing/2014/main" id="{3F67B334-F78B-95E0-91B6-38FF74E2AFCD}"/>
-              </a:ext>
-            </a:extLst>
-          </p:cNvPr>
+          <p:cNvPr id="2" name="Title 1"/>
           <p:cNvSpPr>
             <a:spLocks noGrp="1"/>
           </p:cNvSpPr>
@@ -966,15 +3815,15 @@
         </p:nvSpPr>
         <p:spPr>
           <a:xfrm>
-            <a:off x="831850" y="1709738"/>
-            <a:ext cx="10515600" cy="2852737"/>
+            <a:off x="2572279" y="2666999"/>
+            <a:ext cx="8930747" cy="2110382"/>
           </a:xfrm>
         </p:spPr>
         <p:txBody>
           <a:bodyPr anchor="b"/>
           <a:lstStyle>
-            <a:lvl1pPr>
-              <a:defRPr sz="6000"/>
+            <a:lvl1pPr algn="r">
+              <a:defRPr sz="4000" b="0" cap="none"/>
             </a:lvl1pPr>
           </a:lstStyle>
           <a:p>
@@ -982,18 +3831,13 @@
               <a:rPr lang="en-US"/>
               <a:t>Click to edit Master title style</a:t>
             </a:r>
-          </a:p>
-        </p:txBody>
-      </p:sp>
-      <p:sp>
-        <p:nvSpPr>
-          <p:cNvPr id="3" name="Text Placeholder 2">
-            <a:extLst>
-              <a:ext uri="{FF2B5EF4-FFF2-40B4-BE49-F238E27FC236}">
-                <a16:creationId xmlns:a16="http://schemas.microsoft.com/office/drawing/2014/main" id="{6722EDE9-666A-2D22-6C55-FD339F98D30F}"/>
-              </a:ext>
-            </a:extLst>
-          </p:cNvPr>
+            <a:endParaRPr lang="en-US" dirty="0"/>
+          </a:p>
+        </p:txBody>
+      </p:sp>
+      <p:sp>
+        <p:nvSpPr>
+          <p:cNvPr id="3" name="Text Placeholder 2"/>
           <p:cNvSpPr>
             <a:spLocks noGrp="1"/>
           </p:cNvSpPr>
@@ -1003,102 +3847,102 @@
         </p:nvSpPr>
         <p:spPr>
           <a:xfrm>
-            <a:off x="831850" y="4589463"/>
-            <a:ext cx="10515600" cy="1500187"/>
+            <a:off x="2572278" y="4777381"/>
+            <a:ext cx="8930748" cy="860400"/>
           </a:xfrm>
         </p:spPr>
         <p:txBody>
-          <a:bodyPr/>
+          <a:bodyPr anchor="t">
+            <a:normAutofit/>
+          </a:bodyPr>
           <a:lstStyle>
-            <a:lvl1pPr marL="0" indent="0">
-              <a:buNone/>
-              <a:defRPr sz="2400">
+            <a:lvl1pPr marL="0" indent="0" algn="r">
+              <a:buNone/>
+              <a:defRPr sz="2000">
+                <a:solidFill>
+                  <a:schemeClr val="tx1"/>
+                </a:solidFill>
+              </a:defRPr>
+            </a:lvl1pPr>
+            <a:lvl2pPr marL="457200" indent="0">
+              <a:buNone/>
+              <a:defRPr sz="1800">
                 <a:solidFill>
                   <a:schemeClr val="tx1">
                     <a:tint val="75000"/>
                   </a:schemeClr>
                 </a:solidFill>
               </a:defRPr>
-            </a:lvl1pPr>
-            <a:lvl2pPr marL="457200" indent="0">
-              <a:buNone/>
-              <a:defRPr sz="2000">
+            </a:lvl2pPr>
+            <a:lvl3pPr marL="914400" indent="0">
+              <a:buNone/>
+              <a:defRPr sz="1600">
                 <a:solidFill>
                   <a:schemeClr val="tx1">
                     <a:tint val="75000"/>
                   </a:schemeClr>
                 </a:solidFill>
               </a:defRPr>
-            </a:lvl2pPr>
-            <a:lvl3pPr marL="914400" indent="0">
-              <a:buNone/>
-              <a:defRPr sz="1800">
+            </a:lvl3pPr>
+            <a:lvl4pPr marL="1371600" indent="0">
+              <a:buNone/>
+              <a:defRPr sz="1400">
                 <a:solidFill>
                   <a:schemeClr val="tx1">
                     <a:tint val="75000"/>
                   </a:schemeClr>
                 </a:solidFill>
               </a:defRPr>
-            </a:lvl3pPr>
-            <a:lvl4pPr marL="1371600" indent="0">
-              <a:buNone/>
-              <a:defRPr sz="1600">
+            </a:lvl4pPr>
+            <a:lvl5pPr marL="1828800" indent="0">
+              <a:buNone/>
+              <a:defRPr sz="1400">
                 <a:solidFill>
                   <a:schemeClr val="tx1">
                     <a:tint val="75000"/>
                   </a:schemeClr>
                 </a:solidFill>
               </a:defRPr>
-            </a:lvl4pPr>
-            <a:lvl5pPr marL="1828800" indent="0">
-              <a:buNone/>
-              <a:defRPr sz="1600">
+            </a:lvl5pPr>
+            <a:lvl6pPr marL="2286000" indent="0">
+              <a:buNone/>
+              <a:defRPr sz="1400">
                 <a:solidFill>
                   <a:schemeClr val="tx1">
                     <a:tint val="75000"/>
                   </a:schemeClr>
                 </a:solidFill>
               </a:defRPr>
-            </a:lvl5pPr>
-            <a:lvl6pPr marL="2286000" indent="0">
-              <a:buNone/>
-              <a:defRPr sz="1600">
+            </a:lvl6pPr>
+            <a:lvl7pPr marL="2743200" indent="0">
+              <a:buNone/>
+              <a:defRPr sz="1400">
                 <a:solidFill>
                   <a:schemeClr val="tx1">
                     <a:tint val="75000"/>
                   </a:schemeClr>
                 </a:solidFill>
               </a:defRPr>
-            </a:lvl6pPr>
-            <a:lvl7pPr marL="2743200" indent="0">
-              <a:buNone/>
-              <a:defRPr sz="1600">
+            </a:lvl7pPr>
+            <a:lvl8pPr marL="3200400" indent="0">
+              <a:buNone/>
+              <a:defRPr sz="1400">
                 <a:solidFill>
                   <a:schemeClr val="tx1">
                     <a:tint val="75000"/>
                   </a:schemeClr>
                 </a:solidFill>
               </a:defRPr>
-            </a:lvl7pPr>
-            <a:lvl8pPr marL="3200400" indent="0">
-              <a:buNone/>
-              <a:defRPr sz="1600">
+            </a:lvl8pPr>
+            <a:lvl9pPr marL="3657600" indent="0">
+              <a:buNone/>
+              <a:defRPr sz="1400">
                 <a:solidFill>
                   <a:schemeClr val="tx1">
                     <a:tint val="75000"/>
                   </a:schemeClr>
                 </a:solidFill>
               </a:defRPr>
-            </a:lvl8pPr>
-            <a:lvl9pPr marL="3657600" indent="0">
-              <a:buNone/>
-              <a:defRPr sz="1600">
-                <a:solidFill>
-                  <a:schemeClr val="tx1">
-                    <a:tint val="75000"/>
-                  </a:schemeClr>
-                </a:solidFill>
-              </a:defRPr>
             </a:lvl9pPr>
           </a:lstStyle>
           <a:p>
@@ -1112,13 +3956,7 @@
       </p:sp>
       <p:sp>
         <p:nvSpPr>
-          <p:cNvPr id="4" name="Date Placeholder 3">
-            <a:extLst>
-              <a:ext uri="{FF2B5EF4-FFF2-40B4-BE49-F238E27FC236}">
-                <a16:creationId xmlns:a16="http://schemas.microsoft.com/office/drawing/2014/main" id="{55F39491-2753-B6C0-2E3B-C042853E234C}"/>
-              </a:ext>
-            </a:extLst>
-          </p:cNvPr>
+          <p:cNvPr id="4" name="Date Placeholder 3"/>
           <p:cNvSpPr>
             <a:spLocks noGrp="1"/>
           </p:cNvSpPr>
@@ -1133,7 +3971,7 @@
           <a:p>
             <a:fld id="{C8B8EC27-8CCA-42C5-BCCF-D9ABF9BEDDC9}" type="datetimeFigureOut">
               <a:rPr lang="en-US" smtClean="0"/>
-              <a:t>11/30/2022</a:t>
+              <a:t>12/7/2022</a:t>
             </a:fld>
             <a:endParaRPr lang="en-US"/>
           </a:p>
@@ -1141,13 +3979,7 @@
       </p:sp>
       <p:sp>
         <p:nvSpPr>
-          <p:cNvPr id="5" name="Footer Placeholder 4">
-            <a:extLst>
-              <a:ext uri="{FF2B5EF4-FFF2-40B4-BE49-F238E27FC236}">
-                <a16:creationId xmlns:a16="http://schemas.microsoft.com/office/drawing/2014/main" id="{15848986-6D4E-3CE4-6A12-74780C3126EB}"/>
-              </a:ext>
-            </a:extLst>
-          </p:cNvPr>
+          <p:cNvPr id="5" name="Footer Placeholder 4"/>
           <p:cNvSpPr>
             <a:spLocks noGrp="1"/>
           </p:cNvSpPr>
@@ -1166,13 +3998,7 @@
       </p:sp>
       <p:sp>
         <p:nvSpPr>
-          <p:cNvPr id="6" name="Slide Number Placeholder 5">
-            <a:extLst>
-              <a:ext uri="{FF2B5EF4-FFF2-40B4-BE49-F238E27FC236}">
-                <a16:creationId xmlns:a16="http://schemas.microsoft.com/office/drawing/2014/main" id="{2F251126-E2A3-3D18-02BB-AA29F5D31A9D}"/>
-              </a:ext>
-            </a:extLst>
-          </p:cNvPr>
+          <p:cNvPr id="6" name="Slide Number Placeholder 5"/>
           <p:cNvSpPr>
             <a:spLocks noGrp="1"/>
           </p:cNvSpPr>
@@ -1196,7 +4022,7 @@
     </p:spTree>
     <p:extLst>
       <p:ext uri="{BB962C8B-B14F-4D97-AF65-F5344CB8AC3E}">
-        <p14:creationId xmlns:p14="http://schemas.microsoft.com/office/powerpoint/2010/main" val="1545111954"/>
+        <p14:creationId xmlns:p14="http://schemas.microsoft.com/office/powerpoint/2010/main" val="2249734475"/>
       </p:ext>
     </p:extLst>
   </p:cSld>
@@ -1225,13 +4051,7 @@
       </p:grpSpPr>
       <p:sp>
         <p:nvSpPr>
-          <p:cNvPr id="2" name="Title 1">
-            <a:extLst>
-              <a:ext uri="{FF2B5EF4-FFF2-40B4-BE49-F238E27FC236}">
-                <a16:creationId xmlns:a16="http://schemas.microsoft.com/office/drawing/2014/main" id="{B2FF9C47-42AE-21B4-042B-31FE9F67543A}"/>
-              </a:ext>
-            </a:extLst>
-          </p:cNvPr>
+          <p:cNvPr id="2" name="Title 1"/>
           <p:cNvSpPr>
             <a:spLocks noGrp="1"/>
           </p:cNvSpPr>
@@ -1239,7 +4059,12 @@
             <p:ph type="title"/>
           </p:nvPr>
         </p:nvSpPr>
-        <p:spPr/>
+        <p:spPr>
+          <a:xfrm>
+            <a:off x="1484311" y="685800"/>
+            <a:ext cx="10018713" cy="1752599"/>
+          </a:xfrm>
+        </p:spPr>
         <p:txBody>
           <a:bodyPr/>
           <a:lstStyle/>
@@ -1248,18 +4073,13 @@
               <a:rPr lang="en-US"/>
               <a:t>Click to edit Master title style</a:t>
             </a:r>
-          </a:p>
-        </p:txBody>
-      </p:sp>
-      <p:sp>
-        <p:nvSpPr>
-          <p:cNvPr id="3" name="Content Placeholder 2">
-            <a:extLst>
-              <a:ext uri="{FF2B5EF4-FFF2-40B4-BE49-F238E27FC236}">
-                <a16:creationId xmlns:a16="http://schemas.microsoft.com/office/drawing/2014/main" id="{8DC73CEE-9154-ADBB-9627-853196E81D30}"/>
-              </a:ext>
-            </a:extLst>
-          </p:cNvPr>
+            <a:endParaRPr lang="en-US" dirty="0"/>
+          </a:p>
+        </p:txBody>
+      </p:sp>
+      <p:sp>
+        <p:nvSpPr>
+          <p:cNvPr id="3" name="Content Placeholder 2"/>
           <p:cNvSpPr>
             <a:spLocks noGrp="1"/>
           </p:cNvSpPr>
@@ -1269,175 +4089,213 @@
         </p:nvSpPr>
         <p:spPr>
           <a:xfrm>
-            <a:off x="838200" y="1825625"/>
-            <a:ext cx="5181600" cy="4351338"/>
+            <a:off x="1484312" y="2666999"/>
+            <a:ext cx="4895055" cy="3124201"/>
           </a:xfrm>
         </p:spPr>
         <p:txBody>
+          <a:bodyPr>
+            <a:normAutofit/>
+          </a:bodyPr>
+          <a:lstStyle>
+            <a:lvl1pPr>
+              <a:defRPr sz="1800"/>
+            </a:lvl1pPr>
+            <a:lvl2pPr>
+              <a:defRPr sz="1600"/>
+            </a:lvl2pPr>
+            <a:lvl3pPr>
+              <a:defRPr sz="1400"/>
+            </a:lvl3pPr>
+            <a:lvl4pPr>
+              <a:defRPr sz="1200"/>
+            </a:lvl4pPr>
+            <a:lvl5pPr>
+              <a:defRPr sz="1200"/>
+            </a:lvl5pPr>
+            <a:lvl6pPr>
+              <a:defRPr sz="1200"/>
+            </a:lvl6pPr>
+            <a:lvl7pPr>
+              <a:defRPr sz="1200"/>
+            </a:lvl7pPr>
+            <a:lvl8pPr>
+              <a:defRPr sz="1200"/>
+            </a:lvl8pPr>
+            <a:lvl9pPr>
+              <a:defRPr sz="1200"/>
+            </a:lvl9pPr>
+          </a:lstStyle>
+          <a:p>
+            <a:pPr lvl="0"/>
+            <a:r>
+              <a:rPr lang="en-US"/>
+              <a:t>Click to edit Master text styles</a:t>
+            </a:r>
+          </a:p>
+          <a:p>
+            <a:pPr lvl="1"/>
+            <a:r>
+              <a:rPr lang="en-US"/>
+              <a:t>Second level</a:t>
+            </a:r>
+          </a:p>
+          <a:p>
+            <a:pPr lvl="2"/>
+            <a:r>
+              <a:rPr lang="en-US"/>
+              <a:t>Third level</a:t>
+            </a:r>
+          </a:p>
+          <a:p>
+            <a:pPr lvl="3"/>
+            <a:r>
+              <a:rPr lang="en-US"/>
+              <a:t>Fourth level</a:t>
+            </a:r>
+          </a:p>
+          <a:p>
+            <a:pPr lvl="4"/>
+            <a:r>
+              <a:rPr lang="en-US"/>
+              <a:t>Fifth level</a:t>
+            </a:r>
+            <a:endParaRPr lang="en-US" dirty="0"/>
+          </a:p>
+        </p:txBody>
+      </p:sp>
+      <p:sp>
+        <p:nvSpPr>
+          <p:cNvPr id="4" name="Content Placeholder 3"/>
+          <p:cNvSpPr>
+            <a:spLocks noGrp="1"/>
+          </p:cNvSpPr>
+          <p:nvPr>
+            <p:ph sz="half" idx="2"/>
+          </p:nvPr>
+        </p:nvSpPr>
+        <p:spPr>
+          <a:xfrm>
+            <a:off x="6607967" y="2667000"/>
+            <a:ext cx="4895056" cy="3124200"/>
+          </a:xfrm>
+        </p:spPr>
+        <p:txBody>
+          <a:bodyPr>
+            <a:normAutofit/>
+          </a:bodyPr>
+          <a:lstStyle>
+            <a:lvl1pPr>
+              <a:defRPr sz="1800"/>
+            </a:lvl1pPr>
+            <a:lvl2pPr>
+              <a:defRPr sz="1600"/>
+            </a:lvl2pPr>
+            <a:lvl3pPr>
+              <a:defRPr sz="1400"/>
+            </a:lvl3pPr>
+            <a:lvl4pPr>
+              <a:defRPr sz="1200"/>
+            </a:lvl4pPr>
+            <a:lvl5pPr>
+              <a:defRPr sz="1200"/>
+            </a:lvl5pPr>
+            <a:lvl6pPr>
+              <a:defRPr sz="1200"/>
+            </a:lvl6pPr>
+            <a:lvl7pPr>
+              <a:defRPr sz="1200"/>
+            </a:lvl7pPr>
+            <a:lvl8pPr>
+              <a:defRPr sz="1200"/>
+            </a:lvl8pPr>
+            <a:lvl9pPr>
+              <a:defRPr sz="1200"/>
+            </a:lvl9pPr>
+          </a:lstStyle>
+          <a:p>
+            <a:pPr lvl="0"/>
+            <a:r>
+              <a:rPr lang="en-US"/>
+              <a:t>Click to edit Master text styles</a:t>
+            </a:r>
+          </a:p>
+          <a:p>
+            <a:pPr lvl="1"/>
+            <a:r>
+              <a:rPr lang="en-US"/>
+              <a:t>Second level</a:t>
+            </a:r>
+          </a:p>
+          <a:p>
+            <a:pPr lvl="2"/>
+            <a:r>
+              <a:rPr lang="en-US"/>
+              <a:t>Third level</a:t>
+            </a:r>
+          </a:p>
+          <a:p>
+            <a:pPr lvl="3"/>
+            <a:r>
+              <a:rPr lang="en-US"/>
+              <a:t>Fourth level</a:t>
+            </a:r>
+          </a:p>
+          <a:p>
+            <a:pPr lvl="4"/>
+            <a:r>
+              <a:rPr lang="en-US"/>
+              <a:t>Fifth level</a:t>
+            </a:r>
+            <a:endParaRPr lang="en-US" dirty="0"/>
+          </a:p>
+        </p:txBody>
+      </p:sp>
+      <p:sp>
+        <p:nvSpPr>
+          <p:cNvPr id="5" name="Date Placeholder 4"/>
+          <p:cNvSpPr>
+            <a:spLocks noGrp="1"/>
+          </p:cNvSpPr>
+          <p:nvPr>
+            <p:ph type="dt" sz="half" idx="10"/>
+          </p:nvPr>
+        </p:nvSpPr>
+        <p:spPr/>
+        <p:txBody>
           <a:bodyPr/>
           <a:lstStyle/>
           <a:p>
-            <a:pPr lvl="0"/>
-            <a:r>
-              <a:rPr lang="en-US"/>
-              <a:t>Click to edit Master text styles</a:t>
-            </a:r>
-          </a:p>
-          <a:p>
-            <a:pPr lvl="1"/>
-            <a:r>
-              <a:rPr lang="en-US"/>
-              <a:t>Second level</a:t>
-            </a:r>
-          </a:p>
-          <a:p>
-            <a:pPr lvl="2"/>
-            <a:r>
-              <a:rPr lang="en-US"/>
-              <a:t>Third level</a:t>
-            </a:r>
-          </a:p>
-          <a:p>
-            <a:pPr lvl="3"/>
-            <a:r>
-              <a:rPr lang="en-US"/>
-              <a:t>Fourth level</a:t>
-            </a:r>
-          </a:p>
-          <a:p>
-            <a:pPr lvl="4"/>
-            <a:r>
-              <a:rPr lang="en-US"/>
-              <a:t>Fifth level</a:t>
-            </a:r>
-          </a:p>
-        </p:txBody>
-      </p:sp>
-      <p:sp>
-        <p:nvSpPr>
-          <p:cNvPr id="4" name="Content Placeholder 3">
-            <a:extLst>
-              <a:ext uri="{FF2B5EF4-FFF2-40B4-BE49-F238E27FC236}">
-                <a16:creationId xmlns:a16="http://schemas.microsoft.com/office/drawing/2014/main" id="{D2FA7601-BA27-B2B8-E675-1F6ACC96F9F9}"/>
-              </a:ext>
-            </a:extLst>
-          </p:cNvPr>
-          <p:cNvSpPr>
-            <a:spLocks noGrp="1"/>
-          </p:cNvSpPr>
-          <p:nvPr>
-            <p:ph sz="half" idx="2"/>
-          </p:nvPr>
-        </p:nvSpPr>
-        <p:spPr>
-          <a:xfrm>
-            <a:off x="6172200" y="1825625"/>
-            <a:ext cx="5181600" cy="4351338"/>
-          </a:xfrm>
-        </p:spPr>
+            <a:fld id="{C8B8EC27-8CCA-42C5-BCCF-D9ABF9BEDDC9}" type="datetimeFigureOut">
+              <a:rPr lang="en-US" smtClean="0"/>
+              <a:t>12/7/2022</a:t>
+            </a:fld>
+            <a:endParaRPr lang="en-US"/>
+          </a:p>
+        </p:txBody>
+      </p:sp>
+      <p:sp>
+        <p:nvSpPr>
+          <p:cNvPr id="6" name="Footer Placeholder 5"/>
+          <p:cNvSpPr>
+            <a:spLocks noGrp="1"/>
+          </p:cNvSpPr>
+          <p:nvPr>
+            <p:ph type="ftr" sz="quarter" idx="11"/>
+          </p:nvPr>
+        </p:nvSpPr>
+        <p:spPr/>
         <p:txBody>
           <a:bodyPr/>
           <a:lstStyle/>
           <a:p>
-            <a:pPr lvl="0"/>
-            <a:r>
-              <a:rPr lang="en-US"/>
-              <a:t>Click to edit Master text styles</a:t>
-            </a:r>
-          </a:p>
-          <a:p>
-            <a:pPr lvl="1"/>
-            <a:r>
-              <a:rPr lang="en-US"/>
-              <a:t>Second level</a:t>
-            </a:r>
-          </a:p>
-          <a:p>
-            <a:pPr lvl="2"/>
-            <a:r>
-              <a:rPr lang="en-US"/>
-              <a:t>Third level</a:t>
-            </a:r>
-          </a:p>
-          <a:p>
-            <a:pPr lvl="3"/>
-            <a:r>
-              <a:rPr lang="en-US"/>
-              <a:t>Fourth level</a:t>
-            </a:r>
-          </a:p>
-          <a:p>
-            <a:pPr lvl="4"/>
-            <a:r>
-              <a:rPr lang="en-US"/>
-              <a:t>Fifth level</a:t>
-            </a:r>
-          </a:p>
-        </p:txBody>
-      </p:sp>
-      <p:sp>
-        <p:nvSpPr>
-          <p:cNvPr id="5" name="Date Placeholder 4">
-            <a:extLst>
-              <a:ext uri="{FF2B5EF4-FFF2-40B4-BE49-F238E27FC236}">
-                <a16:creationId xmlns:a16="http://schemas.microsoft.com/office/drawing/2014/main" id="{42972BEE-7A52-FAB4-D80A-47790A26E0B1}"/>
-              </a:ext>
-            </a:extLst>
-          </p:cNvPr>
-          <p:cNvSpPr>
-            <a:spLocks noGrp="1"/>
-          </p:cNvSpPr>
-          <p:nvPr>
-            <p:ph type="dt" sz="half" idx="10"/>
-          </p:nvPr>
-        </p:nvSpPr>
-        <p:spPr/>
-        <p:txBody>
-          <a:bodyPr/>
-          <a:lstStyle/>
-          <a:p>
-            <a:fld id="{C8B8EC27-8CCA-42C5-BCCF-D9ABF9BEDDC9}" type="datetimeFigureOut">
-              <a:rPr lang="en-US" smtClean="0"/>
-              <a:t>11/30/2022</a:t>
-            </a:fld>
             <a:endParaRPr lang="en-US"/>
           </a:p>
         </p:txBody>
       </p:sp>
       <p:sp>
         <p:nvSpPr>
-          <p:cNvPr id="6" name="Footer Placeholder 5">
-            <a:extLst>
-              <a:ext uri="{FF2B5EF4-FFF2-40B4-BE49-F238E27FC236}">
-                <a16:creationId xmlns:a16="http://schemas.microsoft.com/office/drawing/2014/main" id="{1CBA309C-586B-CCDB-DE7D-35F6324460F3}"/>
-              </a:ext>
-            </a:extLst>
-          </p:cNvPr>
-          <p:cNvSpPr>
-            <a:spLocks noGrp="1"/>
-          </p:cNvSpPr>
-          <p:nvPr>
-            <p:ph type="ftr" sz="quarter" idx="11"/>
-          </p:nvPr>
-        </p:nvSpPr>
-        <p:spPr/>
-        <p:txBody>
-          <a:bodyPr/>
-          <a:lstStyle/>
-          <a:p>
-            <a:endParaRPr lang="en-US"/>
-          </a:p>
-        </p:txBody>
-      </p:sp>
-      <p:sp>
-        <p:nvSpPr>
-          <p:cNvPr id="7" name="Slide Number Placeholder 6">
-            <a:extLst>
-              <a:ext uri="{FF2B5EF4-FFF2-40B4-BE49-F238E27FC236}">
-                <a16:creationId xmlns:a16="http://schemas.microsoft.com/office/drawing/2014/main" id="{2F2B7228-B940-020A-75F7-D0A89AB7D2CB}"/>
-              </a:ext>
-            </a:extLst>
-          </p:cNvPr>
+          <p:cNvPr id="7" name="Slide Number Placeholder 6"/>
           <p:cNvSpPr>
             <a:spLocks noGrp="1"/>
           </p:cNvSpPr>
@@ -1461,7 +4319,7 @@
     </p:spTree>
     <p:extLst>
       <p:ext uri="{BB962C8B-B14F-4D97-AF65-F5344CB8AC3E}">
-        <p14:creationId xmlns:p14="http://schemas.microsoft.com/office/powerpoint/2010/main" val="2677216052"/>
+        <p14:creationId xmlns:p14="http://schemas.microsoft.com/office/powerpoint/2010/main" val="325958225"/>
       </p:ext>
     </p:extLst>
   </p:cSld>
@@ -1490,65 +4348,61 @@
       </p:grpSpPr>
       <p:sp>
         <p:nvSpPr>
-          <p:cNvPr id="2" name="Title 1">
-            <a:extLst>
-              <a:ext uri="{FF2B5EF4-FFF2-40B4-BE49-F238E27FC236}">
-                <a16:creationId xmlns:a16="http://schemas.microsoft.com/office/drawing/2014/main" id="{04388187-B5C2-8E12-3482-F07C8E5D824C}"/>
-              </a:ext>
-            </a:extLst>
-          </p:cNvPr>
+          <p:cNvPr id="2" name="Title 1"/>
           <p:cNvSpPr>
             <a:spLocks noGrp="1"/>
           </p:cNvSpPr>
           <p:nvPr>
             <p:ph type="title"/>
+          </p:nvPr>
+        </p:nvSpPr>
+        <p:spPr/>
+        <p:txBody>
+          <a:bodyPr/>
+          <a:lstStyle>
+            <a:lvl1pPr>
+              <a:defRPr/>
+            </a:lvl1pPr>
+          </a:lstStyle>
+          <a:p>
+            <a:r>
+              <a:rPr lang="en-US"/>
+              <a:t>Click to edit Master title style</a:t>
+            </a:r>
+            <a:endParaRPr lang="en-US" dirty="0"/>
+          </a:p>
+        </p:txBody>
+      </p:sp>
+      <p:sp>
+        <p:nvSpPr>
+          <p:cNvPr id="3" name="Text Placeholder 2"/>
+          <p:cNvSpPr>
+            <a:spLocks noGrp="1"/>
+          </p:cNvSpPr>
+          <p:nvPr>
+            <p:ph type="body" idx="1"/>
           </p:nvPr>
         </p:nvSpPr>
         <p:spPr>
           <a:xfrm>
-            <a:off x="839788" y="365125"/>
-            <a:ext cx="10515600" cy="1325563"/>
+            <a:off x="1772179" y="2658533"/>
+            <a:ext cx="4607188" cy="576262"/>
           </a:xfrm>
         </p:spPr>
         <p:txBody>
-          <a:bodyPr/>
-          <a:lstStyle/>
-          <a:p>
-            <a:r>
-              <a:rPr lang="en-US"/>
-              <a:t>Click to edit Master title style</a:t>
-            </a:r>
-          </a:p>
-        </p:txBody>
-      </p:sp>
-      <p:sp>
-        <p:nvSpPr>
-          <p:cNvPr id="3" name="Text Placeholder 2">
-            <a:extLst>
-              <a:ext uri="{FF2B5EF4-FFF2-40B4-BE49-F238E27FC236}">
-                <a16:creationId xmlns:a16="http://schemas.microsoft.com/office/drawing/2014/main" id="{361B143A-C631-A0EA-EC6D-6B986DB3CB74}"/>
-              </a:ext>
-            </a:extLst>
-          </p:cNvPr>
-          <p:cNvSpPr>
-            <a:spLocks noGrp="1"/>
-          </p:cNvSpPr>
-          <p:nvPr>
-            <p:ph type="body" idx="1"/>
-          </p:nvPr>
-        </p:nvSpPr>
-        <p:spPr>
-          <a:xfrm>
-            <a:off x="839788" y="1681163"/>
-            <a:ext cx="5157787" cy="823912"/>
-          </a:xfrm>
-        </p:spPr>
-        <p:txBody>
-          <a:bodyPr anchor="b"/>
+          <a:bodyPr anchor="b">
+            <a:noAutofit/>
+          </a:bodyPr>
           <a:lstStyle>
             <a:lvl1pPr marL="0" indent="0">
               <a:buNone/>
-              <a:defRPr sz="2400" b="1"/>
+              <a:defRPr sz="2800" b="0">
+                <a:solidFill>
+                  <a:schemeClr val="accent1">
+                    <a:lumMod val="75000"/>
+                  </a:schemeClr>
+                </a:solidFill>
+              </a:defRPr>
             </a:lvl1pPr>
             <a:lvl2pPr marL="457200" indent="0">
               <a:buNone/>
@@ -1594,13 +4448,7 @@
       </p:sp>
       <p:sp>
         <p:nvSpPr>
-          <p:cNvPr id="4" name="Content Placeholder 3">
-            <a:extLst>
-              <a:ext uri="{FF2B5EF4-FFF2-40B4-BE49-F238E27FC236}">
-                <a16:creationId xmlns:a16="http://schemas.microsoft.com/office/drawing/2014/main" id="{E463D24E-28E1-AD46-172A-F88602B876FD}"/>
-              </a:ext>
-            </a:extLst>
-          </p:cNvPr>
+          <p:cNvPr id="4" name="Content Placeholder 3"/>
           <p:cNvSpPr>
             <a:spLocks noGrp="1"/>
           </p:cNvSpPr>
@@ -1610,13 +4458,43 @@
         </p:nvSpPr>
         <p:spPr>
           <a:xfrm>
-            <a:off x="839788" y="2505075"/>
-            <a:ext cx="5157787" cy="3684588"/>
+            <a:off x="1484311" y="3335337"/>
+            <a:ext cx="4895056" cy="2455862"/>
           </a:xfrm>
         </p:spPr>
         <p:txBody>
-          <a:bodyPr/>
-          <a:lstStyle/>
+          <a:bodyPr anchor="t">
+            <a:normAutofit/>
+          </a:bodyPr>
+          <a:lstStyle>
+            <a:lvl1pPr>
+              <a:defRPr sz="1800"/>
+            </a:lvl1pPr>
+            <a:lvl2pPr>
+              <a:defRPr sz="1600"/>
+            </a:lvl2pPr>
+            <a:lvl3pPr>
+              <a:defRPr sz="1400"/>
+            </a:lvl3pPr>
+            <a:lvl4pPr>
+              <a:defRPr sz="1200"/>
+            </a:lvl4pPr>
+            <a:lvl5pPr>
+              <a:defRPr sz="1200"/>
+            </a:lvl5pPr>
+            <a:lvl6pPr>
+              <a:defRPr sz="1200"/>
+            </a:lvl6pPr>
+            <a:lvl7pPr>
+              <a:defRPr sz="1200"/>
+            </a:lvl7pPr>
+            <a:lvl8pPr>
+              <a:defRPr sz="1200"/>
+            </a:lvl8pPr>
+            <a:lvl9pPr>
+              <a:defRPr sz="1200"/>
+            </a:lvl9pPr>
+          </a:lstStyle>
           <a:p>
             <a:pPr lvl="0"/>
             <a:r>
@@ -1651,18 +4529,13 @@
               <a:rPr lang="en-US"/>
               <a:t>Fifth level</a:t>
             </a:r>
-          </a:p>
-        </p:txBody>
-      </p:sp>
-      <p:sp>
-        <p:nvSpPr>
-          <p:cNvPr id="5" name="Text Placeholder 4">
-            <a:extLst>
-              <a:ext uri="{FF2B5EF4-FFF2-40B4-BE49-F238E27FC236}">
-                <a16:creationId xmlns:a16="http://schemas.microsoft.com/office/drawing/2014/main" id="{8312C61F-841D-B96C-87B3-61E2B4B5D8B0}"/>
-              </a:ext>
-            </a:extLst>
-          </p:cNvPr>
+            <a:endParaRPr lang="en-US" dirty="0"/>
+          </a:p>
+        </p:txBody>
+      </p:sp>
+      <p:sp>
+        <p:nvSpPr>
+          <p:cNvPr id="5" name="Text Placeholder 4"/>
           <p:cNvSpPr>
             <a:spLocks noGrp="1"/>
           </p:cNvSpPr>
@@ -1672,16 +4545,24 @@
         </p:nvSpPr>
         <p:spPr>
           <a:xfrm>
-            <a:off x="6172200" y="1681163"/>
-            <a:ext cx="5183188" cy="823912"/>
+            <a:off x="6880487" y="2667000"/>
+            <a:ext cx="4622537" cy="576262"/>
           </a:xfrm>
         </p:spPr>
         <p:txBody>
-          <a:bodyPr anchor="b"/>
+          <a:bodyPr anchor="b">
+            <a:noAutofit/>
+          </a:bodyPr>
           <a:lstStyle>
             <a:lvl1pPr marL="0" indent="0">
               <a:buNone/>
-              <a:defRPr sz="2400" b="1"/>
+              <a:defRPr sz="2800" b="0">
+                <a:solidFill>
+                  <a:schemeClr val="accent1">
+                    <a:lumMod val="75000"/>
+                  </a:schemeClr>
+                </a:solidFill>
+              </a:defRPr>
             </a:lvl1pPr>
             <a:lvl2pPr marL="457200" indent="0">
               <a:buNone/>
@@ -1727,13 +4608,7 @@
       </p:sp>
       <p:sp>
         <p:nvSpPr>
-          <p:cNvPr id="6" name="Content Placeholder 5">
-            <a:extLst>
-              <a:ext uri="{FF2B5EF4-FFF2-40B4-BE49-F238E27FC236}">
-                <a16:creationId xmlns:a16="http://schemas.microsoft.com/office/drawing/2014/main" id="{4FD0FB19-93A2-5FCB-7AAA-5696E4DEB99E}"/>
-              </a:ext>
-            </a:extLst>
-          </p:cNvPr>
+          <p:cNvPr id="6" name="Content Placeholder 5"/>
           <p:cNvSpPr>
             <a:spLocks noGrp="1"/>
           </p:cNvSpPr>
@@ -1743,64 +4618,112 @@
         </p:nvSpPr>
         <p:spPr>
           <a:xfrm>
-            <a:off x="6172200" y="2505075"/>
-            <a:ext cx="5183188" cy="3684588"/>
+            <a:off x="6607967" y="3335337"/>
+            <a:ext cx="4895056" cy="2455862"/>
           </a:xfrm>
         </p:spPr>
         <p:txBody>
+          <a:bodyPr anchor="t">
+            <a:normAutofit/>
+          </a:bodyPr>
+          <a:lstStyle>
+            <a:lvl1pPr>
+              <a:defRPr sz="1800"/>
+            </a:lvl1pPr>
+            <a:lvl2pPr>
+              <a:defRPr sz="1600"/>
+            </a:lvl2pPr>
+            <a:lvl3pPr>
+              <a:defRPr sz="1400"/>
+            </a:lvl3pPr>
+            <a:lvl4pPr>
+              <a:defRPr sz="1200"/>
+            </a:lvl4pPr>
+            <a:lvl5pPr>
+              <a:defRPr sz="1200"/>
+            </a:lvl5pPr>
+            <a:lvl6pPr>
+              <a:defRPr sz="1200"/>
+            </a:lvl6pPr>
+            <a:lvl7pPr>
+              <a:defRPr sz="1200"/>
+            </a:lvl7pPr>
+            <a:lvl8pPr>
+              <a:defRPr sz="1200"/>
+            </a:lvl8pPr>
+            <a:lvl9pPr>
+              <a:defRPr sz="1200"/>
+            </a:lvl9pPr>
+          </a:lstStyle>
+          <a:p>
+            <a:pPr lvl="0"/>
+            <a:r>
+              <a:rPr lang="en-US"/>
+              <a:t>Click to edit Master text styles</a:t>
+            </a:r>
+          </a:p>
+          <a:p>
+            <a:pPr lvl="1"/>
+            <a:r>
+              <a:rPr lang="en-US"/>
+              <a:t>Second level</a:t>
+            </a:r>
+          </a:p>
+          <a:p>
+            <a:pPr lvl="2"/>
+            <a:r>
+              <a:rPr lang="en-US"/>
+              <a:t>Third level</a:t>
+            </a:r>
+          </a:p>
+          <a:p>
+            <a:pPr lvl="3"/>
+            <a:r>
+              <a:rPr lang="en-US"/>
+              <a:t>Fourth level</a:t>
+            </a:r>
+          </a:p>
+          <a:p>
+            <a:pPr lvl="4"/>
+            <a:r>
+              <a:rPr lang="en-US"/>
+              <a:t>Fifth level</a:t>
+            </a:r>
+            <a:endParaRPr lang="en-US" dirty="0"/>
+          </a:p>
+        </p:txBody>
+      </p:sp>
+      <p:sp>
+        <p:nvSpPr>
+          <p:cNvPr id="7" name="Date Placeholder 6"/>
+          <p:cNvSpPr>
+            <a:spLocks noGrp="1"/>
+          </p:cNvSpPr>
+          <p:nvPr>
+            <p:ph type="dt" sz="half" idx="10"/>
+          </p:nvPr>
+        </p:nvSpPr>
+        <p:spPr/>
+        <p:txBody>
           <a:bodyPr/>
           <a:lstStyle/>
           <a:p>
-            <a:pPr lvl="0"/>
-            <a:r>
-              <a:rPr lang="en-US"/>
-              <a:t>Click to edit Master text styles</a:t>
-            </a:r>
-          </a:p>
-          <a:p>
-            <a:pPr lvl="1"/>
-            <a:r>
-              <a:rPr lang="en-US"/>
-              <a:t>Second level</a:t>
-            </a:r>
-          </a:p>
-          <a:p>
-            <a:pPr lvl="2"/>
-            <a:r>
-              <a:rPr lang="en-US"/>
-              <a:t>Third level</a:t>
-            </a:r>
-          </a:p>
-          <a:p>
-            <a:pPr lvl="3"/>
-            <a:r>
-              <a:rPr lang="en-US"/>
-              <a:t>Fourth level</a:t>
-            </a:r>
-          </a:p>
-          <a:p>
-            <a:pPr lvl="4"/>
-            <a:r>
-              <a:rPr lang="en-US"/>
-              <a:t>Fifth level</a:t>
-            </a:r>
-          </a:p>
-        </p:txBody>
-      </p:sp>
-      <p:sp>
-        <p:nvSpPr>
-          <p:cNvPr id="7" name="Date Placeholder 6">
-            <a:extLst>
-              <a:ext uri="{FF2B5EF4-FFF2-40B4-BE49-F238E27FC236}">
-                <a16:creationId xmlns:a16="http://schemas.microsoft.com/office/drawing/2014/main" id="{E192C675-A7BC-D4F8-9688-72B6CD4812FA}"/>
-              </a:ext>
-            </a:extLst>
-          </p:cNvPr>
-          <p:cNvSpPr>
-            <a:spLocks noGrp="1"/>
-          </p:cNvSpPr>
-          <p:nvPr>
-            <p:ph type="dt" sz="half" idx="10"/>
+            <a:fld id="{C8B8EC27-8CCA-42C5-BCCF-D9ABF9BEDDC9}" type="datetimeFigureOut">
+              <a:rPr lang="en-US" smtClean="0"/>
+              <a:t>12/7/2022</a:t>
+            </a:fld>
+            <a:endParaRPr lang="en-US"/>
+          </a:p>
+        </p:txBody>
+      </p:sp>
+      <p:sp>
+        <p:nvSpPr>
+          <p:cNvPr id="8" name="Footer Placeholder 7"/>
+          <p:cNvSpPr>
+            <a:spLocks noGrp="1"/>
+          </p:cNvSpPr>
+          <p:nvPr>
+            <p:ph type="ftr" sz="quarter" idx="11"/>
           </p:nvPr>
         </p:nvSpPr>
         <p:spPr/>
@@ -1808,48 +4731,13 @@
           <a:bodyPr/>
           <a:lstStyle/>
           <a:p>
-            <a:fld id="{C8B8EC27-8CCA-42C5-BCCF-D9ABF9BEDDC9}" type="datetimeFigureOut">
-              <a:rPr lang="en-US" smtClean="0"/>
-              <a:t>11/30/2022</a:t>
-            </a:fld>
             <a:endParaRPr lang="en-US"/>
           </a:p>
         </p:txBody>
       </p:sp>
       <p:sp>
         <p:nvSpPr>
-          <p:cNvPr id="8" name="Footer Placeholder 7">
-            <a:extLst>
-              <a:ext uri="{FF2B5EF4-FFF2-40B4-BE49-F238E27FC236}">
-                <a16:creationId xmlns:a16="http://schemas.microsoft.com/office/drawing/2014/main" id="{09BAA0B1-431F-2371-8076-DA233957E0D9}"/>
-              </a:ext>
-            </a:extLst>
-          </p:cNvPr>
-          <p:cNvSpPr>
-            <a:spLocks noGrp="1"/>
-          </p:cNvSpPr>
-          <p:nvPr>
-            <p:ph type="ftr" sz="quarter" idx="11"/>
-          </p:nvPr>
-        </p:nvSpPr>
-        <p:spPr/>
-        <p:txBody>
-          <a:bodyPr/>
-          <a:lstStyle/>
-          <a:p>
-            <a:endParaRPr lang="en-US"/>
-          </a:p>
-        </p:txBody>
-      </p:sp>
-      <p:sp>
-        <p:nvSpPr>
-          <p:cNvPr id="9" name="Slide Number Placeholder 8">
-            <a:extLst>
-              <a:ext uri="{FF2B5EF4-FFF2-40B4-BE49-F238E27FC236}">
-                <a16:creationId xmlns:a16="http://schemas.microsoft.com/office/drawing/2014/main" id="{8A6EF4CD-55DF-4371-3F60-22A05D2E1814}"/>
-              </a:ext>
-            </a:extLst>
-          </p:cNvPr>
+          <p:cNvPr id="9" name="Slide Number Placeholder 8"/>
           <p:cNvSpPr>
             <a:spLocks noGrp="1"/>
           </p:cNvSpPr>
@@ -1873,7 +4761,7 @@
     </p:spTree>
     <p:extLst>
       <p:ext uri="{BB962C8B-B14F-4D97-AF65-F5344CB8AC3E}">
-        <p14:creationId xmlns:p14="http://schemas.microsoft.com/office/powerpoint/2010/main" val="255228750"/>
+        <p14:creationId xmlns:p14="http://schemas.microsoft.com/office/powerpoint/2010/main" val="1375591058"/>
       </p:ext>
     </p:extLst>
   </p:cSld>
@@ -1902,13 +4790,7 @@
       </p:grpSpPr>
       <p:sp>
         <p:nvSpPr>
-          <p:cNvPr id="2" name="Title 1">
-            <a:extLst>
-              <a:ext uri="{FF2B5EF4-FFF2-40B4-BE49-F238E27FC236}">
-                <a16:creationId xmlns:a16="http://schemas.microsoft.com/office/drawing/2014/main" id="{3719D22E-980B-201E-6BA9-0A9C45F96124}"/>
-              </a:ext>
-            </a:extLst>
-          </p:cNvPr>
+          <p:cNvPr id="2" name="Title 1"/>
           <p:cNvSpPr>
             <a:spLocks noGrp="1"/>
           </p:cNvSpPr>
@@ -1925,18 +4807,13 @@
               <a:rPr lang="en-US"/>
               <a:t>Click to edit Master title style</a:t>
             </a:r>
-          </a:p>
-        </p:txBody>
-      </p:sp>
-      <p:sp>
-        <p:nvSpPr>
-          <p:cNvPr id="3" name="Date Placeholder 2">
-            <a:extLst>
-              <a:ext uri="{FF2B5EF4-FFF2-40B4-BE49-F238E27FC236}">
-                <a16:creationId xmlns:a16="http://schemas.microsoft.com/office/drawing/2014/main" id="{4B1EB424-66D6-BCBB-ED05-9AB4D1EE90A2}"/>
-              </a:ext>
-            </a:extLst>
-          </p:cNvPr>
+            <a:endParaRPr lang="en-US" dirty="0"/>
+          </a:p>
+        </p:txBody>
+      </p:sp>
+      <p:sp>
+        <p:nvSpPr>
+          <p:cNvPr id="3" name="Date Placeholder 2"/>
           <p:cNvSpPr>
             <a:spLocks noGrp="1"/>
           </p:cNvSpPr>
@@ -1951,7 +4828,7 @@
           <a:p>
             <a:fld id="{C8B8EC27-8CCA-42C5-BCCF-D9ABF9BEDDC9}" type="datetimeFigureOut">
               <a:rPr lang="en-US" smtClean="0"/>
-              <a:t>11/30/2022</a:t>
+              <a:t>12/7/2022</a:t>
             </a:fld>
             <a:endParaRPr lang="en-US"/>
           </a:p>
@@ -1959,13 +4836,7 @@
       </p:sp>
       <p:sp>
         <p:nvSpPr>
-          <p:cNvPr id="4" name="Footer Placeholder 3">
-            <a:extLst>
-              <a:ext uri="{FF2B5EF4-FFF2-40B4-BE49-F238E27FC236}">
-                <a16:creationId xmlns:a16="http://schemas.microsoft.com/office/drawing/2014/main" id="{BC70AD1E-FB19-8B92-91DF-7254EDD2BC7A}"/>
-              </a:ext>
-            </a:extLst>
-          </p:cNvPr>
+          <p:cNvPr id="4" name="Footer Placeholder 3"/>
           <p:cNvSpPr>
             <a:spLocks noGrp="1"/>
           </p:cNvSpPr>
@@ -1984,13 +4855,7 @@
       </p:sp>
       <p:sp>
         <p:nvSpPr>
-          <p:cNvPr id="5" name="Slide Number Placeholder 4">
-            <a:extLst>
-              <a:ext uri="{FF2B5EF4-FFF2-40B4-BE49-F238E27FC236}">
-                <a16:creationId xmlns:a16="http://schemas.microsoft.com/office/drawing/2014/main" id="{06E75570-99C8-EFBA-D64E-D21AB6377DDE}"/>
-              </a:ext>
-            </a:extLst>
-          </p:cNvPr>
+          <p:cNvPr id="5" name="Slide Number Placeholder 4"/>
           <p:cNvSpPr>
             <a:spLocks noGrp="1"/>
           </p:cNvSpPr>
@@ -2014,7 +4879,7 @@
     </p:spTree>
     <p:extLst>
       <p:ext uri="{BB962C8B-B14F-4D97-AF65-F5344CB8AC3E}">
-        <p14:creationId xmlns:p14="http://schemas.microsoft.com/office/powerpoint/2010/main" val="3482387506"/>
+        <p14:creationId xmlns:p14="http://schemas.microsoft.com/office/powerpoint/2010/main" val="2456013208"/>
       </p:ext>
     </p:extLst>
   </p:cSld>
@@ -2043,13 +4908,7 @@
       </p:grpSpPr>
       <p:sp>
         <p:nvSpPr>
-          <p:cNvPr id="2" name="Date Placeholder 1">
-            <a:extLst>
-              <a:ext uri="{FF2B5EF4-FFF2-40B4-BE49-F238E27FC236}">
-                <a16:creationId xmlns:a16="http://schemas.microsoft.com/office/drawing/2014/main" id="{3F286369-681A-AA5A-5809-60AAC23AF7D6}"/>
-              </a:ext>
-            </a:extLst>
-          </p:cNvPr>
+          <p:cNvPr id="2" name="Date Placeholder 1"/>
           <p:cNvSpPr>
             <a:spLocks noGrp="1"/>
           </p:cNvSpPr>
@@ -2064,7 +4923,7 @@
           <a:p>
             <a:fld id="{C8B8EC27-8CCA-42C5-BCCF-D9ABF9BEDDC9}" type="datetimeFigureOut">
               <a:rPr lang="en-US" smtClean="0"/>
-              <a:t>11/30/2022</a:t>
+              <a:t>12/7/2022</a:t>
             </a:fld>
             <a:endParaRPr lang="en-US"/>
           </a:p>
@@ -2072,13 +4931,7 @@
       </p:sp>
       <p:sp>
         <p:nvSpPr>
-          <p:cNvPr id="3" name="Footer Placeholder 2">
-            <a:extLst>
-              <a:ext uri="{FF2B5EF4-FFF2-40B4-BE49-F238E27FC236}">
-                <a16:creationId xmlns:a16="http://schemas.microsoft.com/office/drawing/2014/main" id="{86D109DB-8387-DFDE-888B-52A423D9F21A}"/>
-              </a:ext>
-            </a:extLst>
-          </p:cNvPr>
+          <p:cNvPr id="3" name="Footer Placeholder 2"/>
           <p:cNvSpPr>
             <a:spLocks noGrp="1"/>
           </p:cNvSpPr>
@@ -2097,13 +4950,7 @@
       </p:sp>
       <p:sp>
         <p:nvSpPr>
-          <p:cNvPr id="4" name="Slide Number Placeholder 3">
-            <a:extLst>
-              <a:ext uri="{FF2B5EF4-FFF2-40B4-BE49-F238E27FC236}">
-                <a16:creationId xmlns:a16="http://schemas.microsoft.com/office/drawing/2014/main" id="{CBA0875E-87EA-CC7E-4DE9-9052D87DBA48}"/>
-              </a:ext>
-            </a:extLst>
-          </p:cNvPr>
+          <p:cNvPr id="4" name="Slide Number Placeholder 3"/>
           <p:cNvSpPr>
             <a:spLocks noGrp="1"/>
           </p:cNvSpPr>
@@ -2127,7 +4974,7 @@
     </p:spTree>
     <p:extLst>
       <p:ext uri="{BB962C8B-B14F-4D97-AF65-F5344CB8AC3E}">
-        <p14:creationId xmlns:p14="http://schemas.microsoft.com/office/powerpoint/2010/main" val="4092265595"/>
+        <p14:creationId xmlns:p14="http://schemas.microsoft.com/office/powerpoint/2010/main" val="1832986585"/>
       </p:ext>
     </p:extLst>
   </p:cSld>
@@ -2156,13 +5003,7 @@
       </p:grpSpPr>
       <p:sp>
         <p:nvSpPr>
-          <p:cNvPr id="2" name="Title 1">
-            <a:extLst>
-              <a:ext uri="{FF2B5EF4-FFF2-40B4-BE49-F238E27FC236}">
-                <a16:creationId xmlns:a16="http://schemas.microsoft.com/office/drawing/2014/main" id="{E1F9AE28-B5B2-2279-EE8A-8A508E531418}"/>
-              </a:ext>
-            </a:extLst>
-          </p:cNvPr>
+          <p:cNvPr id="2" name="Title 1"/>
           <p:cNvSpPr>
             <a:spLocks noGrp="1"/>
           </p:cNvSpPr>
@@ -2172,175 +5013,171 @@
         </p:nvSpPr>
         <p:spPr>
           <a:xfrm>
-            <a:off x="839788" y="457200"/>
-            <a:ext cx="3932237" cy="1600200"/>
+            <a:off x="1484312" y="1600200"/>
+            <a:ext cx="3549121" cy="1371600"/>
           </a:xfrm>
         </p:spPr>
         <p:txBody>
-          <a:bodyPr anchor="b"/>
+          <a:bodyPr anchor="b">
+            <a:normAutofit/>
+          </a:bodyPr>
+          <a:lstStyle>
+            <a:lvl1pPr algn="ctr">
+              <a:defRPr sz="2400" b="0"/>
+            </a:lvl1pPr>
+          </a:lstStyle>
+          <a:p>
+            <a:r>
+              <a:rPr lang="en-US"/>
+              <a:t>Click to edit Master title style</a:t>
+            </a:r>
+            <a:endParaRPr lang="en-US" dirty="0"/>
+          </a:p>
+        </p:txBody>
+      </p:sp>
+      <p:sp>
+        <p:nvSpPr>
+          <p:cNvPr id="3" name="Content Placeholder 2"/>
+          <p:cNvSpPr>
+            <a:spLocks noGrp="1"/>
+          </p:cNvSpPr>
+          <p:nvPr>
+            <p:ph idx="1"/>
+          </p:nvPr>
+        </p:nvSpPr>
+        <p:spPr>
+          <a:xfrm>
+            <a:off x="5262033" y="685799"/>
+            <a:ext cx="6240990" cy="5105401"/>
+          </a:xfrm>
+        </p:spPr>
+        <p:txBody>
+          <a:bodyPr anchor="ctr">
+            <a:normAutofit/>
+          </a:bodyPr>
           <a:lstStyle>
             <a:lvl1pPr>
-              <a:defRPr sz="3200"/>
+              <a:defRPr sz="2000"/>
             </a:lvl1pPr>
+            <a:lvl2pPr>
+              <a:defRPr sz="1800"/>
+            </a:lvl2pPr>
+            <a:lvl3pPr>
+              <a:defRPr sz="1600"/>
+            </a:lvl3pPr>
+            <a:lvl4pPr>
+              <a:defRPr sz="1400"/>
+            </a:lvl4pPr>
+            <a:lvl5pPr>
+              <a:defRPr sz="1400"/>
+            </a:lvl5pPr>
+            <a:lvl6pPr>
+              <a:defRPr sz="1400"/>
+            </a:lvl6pPr>
+            <a:lvl7pPr>
+              <a:defRPr sz="1400"/>
+            </a:lvl7pPr>
+            <a:lvl8pPr>
+              <a:defRPr sz="1400"/>
+            </a:lvl8pPr>
+            <a:lvl9pPr>
+              <a:defRPr sz="1400"/>
+            </a:lvl9pPr>
           </a:lstStyle>
           <a:p>
+            <a:pPr lvl="0"/>
             <a:r>
               <a:rPr lang="en-US"/>
-              <a:t>Click to edit Master title style</a:t>
-            </a:r>
-          </a:p>
-        </p:txBody>
-      </p:sp>
-      <p:sp>
-        <p:nvSpPr>
-          <p:cNvPr id="3" name="Content Placeholder 2">
-            <a:extLst>
-              <a:ext uri="{FF2B5EF4-FFF2-40B4-BE49-F238E27FC236}">
-                <a16:creationId xmlns:a16="http://schemas.microsoft.com/office/drawing/2014/main" id="{D3F53339-8304-6EE3-A485-AB1378812DFD}"/>
-              </a:ext>
-            </a:extLst>
-          </p:cNvPr>
-          <p:cNvSpPr>
-            <a:spLocks noGrp="1"/>
-          </p:cNvSpPr>
-          <p:nvPr>
-            <p:ph idx="1"/>
+              <a:t>Click to edit Master text styles</a:t>
+            </a:r>
+          </a:p>
+          <a:p>
+            <a:pPr lvl="1"/>
+            <a:r>
+              <a:rPr lang="en-US"/>
+              <a:t>Second level</a:t>
+            </a:r>
+          </a:p>
+          <a:p>
+            <a:pPr lvl="2"/>
+            <a:r>
+              <a:rPr lang="en-US"/>
+              <a:t>Third level</a:t>
+            </a:r>
+          </a:p>
+          <a:p>
+            <a:pPr lvl="3"/>
+            <a:r>
+              <a:rPr lang="en-US"/>
+              <a:t>Fourth level</a:t>
+            </a:r>
+          </a:p>
+          <a:p>
+            <a:pPr lvl="4"/>
+            <a:r>
+              <a:rPr lang="en-US"/>
+              <a:t>Fifth level</a:t>
+            </a:r>
+            <a:endParaRPr lang="en-US" dirty="0"/>
+          </a:p>
+        </p:txBody>
+      </p:sp>
+      <p:sp>
+        <p:nvSpPr>
+          <p:cNvPr id="4" name="Text Placeholder 3"/>
+          <p:cNvSpPr>
+            <a:spLocks noGrp="1"/>
+          </p:cNvSpPr>
+          <p:nvPr>
+            <p:ph type="body" sz="half" idx="2"/>
           </p:nvPr>
         </p:nvSpPr>
         <p:spPr>
           <a:xfrm>
-            <a:off x="5183188" y="987425"/>
-            <a:ext cx="6172200" cy="4873625"/>
+            <a:off x="1484312" y="2971800"/>
+            <a:ext cx="3549121" cy="1828800"/>
           </a:xfrm>
         </p:spPr>
         <p:txBody>
-          <a:bodyPr/>
+          <a:bodyPr>
+            <a:normAutofit/>
+          </a:bodyPr>
           <a:lstStyle>
-            <a:lvl1pPr>
-              <a:defRPr sz="3200"/>
-            </a:lvl1pPr>
-            <a:lvl2pPr>
-              <a:defRPr sz="2800"/>
-            </a:lvl2pPr>
-            <a:lvl3pPr>
-              <a:defRPr sz="2400"/>
-            </a:lvl3pPr>
-            <a:lvl4pPr>
-              <a:defRPr sz="2000"/>
-            </a:lvl4pPr>
-            <a:lvl5pPr>
-              <a:defRPr sz="2000"/>
-            </a:lvl5pPr>
-            <a:lvl6pPr>
-              <a:defRPr sz="2000"/>
-            </a:lvl6pPr>
-            <a:lvl7pPr>
-              <a:defRPr sz="2000"/>
-            </a:lvl7pPr>
-            <a:lvl8pPr>
-              <a:defRPr sz="2000"/>
-            </a:lvl8pPr>
-            <a:lvl9pPr>
-              <a:defRPr sz="2000"/>
-            </a:lvl9pPr>
-          </a:lstStyle>
-          <a:p>
-            <a:pPr lvl="0"/>
-            <a:r>
-              <a:rPr lang="en-US"/>
-              <a:t>Click to edit Master text styles</a:t>
-            </a:r>
-          </a:p>
-          <a:p>
-            <a:pPr lvl="1"/>
-            <a:r>
-              <a:rPr lang="en-US"/>
-              <a:t>Second level</a:t>
-            </a:r>
-          </a:p>
-          <a:p>
-            <a:pPr lvl="2"/>
-            <a:r>
-              <a:rPr lang="en-US"/>
-              <a:t>Third level</a:t>
-            </a:r>
-          </a:p>
-          <a:p>
-            <a:pPr lvl="3"/>
-            <a:r>
-              <a:rPr lang="en-US"/>
-              <a:t>Fourth level</a:t>
-            </a:r>
-          </a:p>
-          <a:p>
-            <a:pPr lvl="4"/>
-            <a:r>
-              <a:rPr lang="en-US"/>
-              <a:t>Fifth level</a:t>
-            </a:r>
-          </a:p>
-        </p:txBody>
-      </p:sp>
-      <p:sp>
-        <p:nvSpPr>
-          <p:cNvPr id="4" name="Text Placeholder 3">
-            <a:extLst>
-              <a:ext uri="{FF2B5EF4-FFF2-40B4-BE49-F238E27FC236}">
-                <a16:creationId xmlns:a16="http://schemas.microsoft.com/office/drawing/2014/main" id="{E524F924-C14D-9495-02C4-C46BF5158652}"/>
-              </a:ext>
-            </a:extLst>
-          </p:cNvPr>
-          <p:cNvSpPr>
-            <a:spLocks noGrp="1"/>
-          </p:cNvSpPr>
-          <p:nvPr>
-            <p:ph type="body" sz="half" idx="2"/>
-          </p:nvPr>
-        </p:nvSpPr>
-        <p:spPr>
-          <a:xfrm>
-            <a:off x="839788" y="2057400"/>
-            <a:ext cx="3932237" cy="3811588"/>
-          </a:xfrm>
-        </p:spPr>
-        <p:txBody>
-          <a:bodyPr/>
-          <a:lstStyle>
-            <a:lvl1pPr marL="0" indent="0">
+            <a:lvl1pPr marL="0" indent="0" algn="ctr">
               <a:buNone/>
               <a:defRPr sz="1600"/>
             </a:lvl1pPr>
             <a:lvl2pPr marL="457200" indent="0">
               <a:buNone/>
-              <a:defRPr sz="1400"/>
+              <a:defRPr sz="1200"/>
             </a:lvl2pPr>
             <a:lvl3pPr marL="914400" indent="0">
               <a:buNone/>
-              <a:defRPr sz="1200"/>
+              <a:defRPr sz="1000"/>
             </a:lvl3pPr>
             <a:lvl4pPr marL="1371600" indent="0">
               <a:buNone/>
-              <a:defRPr sz="1000"/>
+              <a:defRPr sz="900"/>
             </a:lvl4pPr>
             <a:lvl5pPr marL="1828800" indent="0">
               <a:buNone/>
-              <a:defRPr sz="1000"/>
+              <a:defRPr sz="900"/>
             </a:lvl5pPr>
             <a:lvl6pPr marL="2286000" indent="0">
               <a:buNone/>
-              <a:defRPr sz="1000"/>
+              <a:defRPr sz="900"/>
             </a:lvl6pPr>
             <a:lvl7pPr marL="2743200" indent="0">
               <a:buNone/>
-              <a:defRPr sz="1000"/>
+              <a:defRPr sz="900"/>
             </a:lvl7pPr>
             <a:lvl8pPr marL="3200400" indent="0">
               <a:buNone/>
-              <a:defRPr sz="1000"/>
+              <a:defRPr sz="900"/>
             </a:lvl8pPr>
             <a:lvl9pPr marL="3657600" indent="0">
               <a:buNone/>
-              <a:defRPr sz="1000"/>
+              <a:defRPr sz="900"/>
             </a:lvl9pPr>
           </a:lstStyle>
           <a:p>
@@ -2354,13 +5191,7 @@
       </p:sp>
       <p:sp>
         <p:nvSpPr>
-          <p:cNvPr id="5" name="Date Placeholder 4">
-            <a:extLst>
-              <a:ext uri="{FF2B5EF4-FFF2-40B4-BE49-F238E27FC236}">
-                <a16:creationId xmlns:a16="http://schemas.microsoft.com/office/drawing/2014/main" id="{9B4D02D5-664E-5847-8A68-5CE3C2C4D98D}"/>
-              </a:ext>
-            </a:extLst>
-          </p:cNvPr>
+          <p:cNvPr id="5" name="Date Placeholder 4"/>
           <p:cNvSpPr>
             <a:spLocks noGrp="1"/>
           </p:cNvSpPr>
@@ -2375,7 +5206,7 @@
           <a:p>
             <a:fld id="{C8B8EC27-8CCA-42C5-BCCF-D9ABF9BEDDC9}" type="datetimeFigureOut">
               <a:rPr lang="en-US" smtClean="0"/>
-              <a:t>11/30/2022</a:t>
+              <a:t>12/7/2022</a:t>
             </a:fld>
             <a:endParaRPr lang="en-US"/>
           </a:p>
@@ -2383,13 +5214,7 @@
       </p:sp>
       <p:sp>
         <p:nvSpPr>
-          <p:cNvPr id="6" name="Footer Placeholder 5">
-            <a:extLst>
-              <a:ext uri="{FF2B5EF4-FFF2-40B4-BE49-F238E27FC236}">
-                <a16:creationId xmlns:a16="http://schemas.microsoft.com/office/drawing/2014/main" id="{DCD9646D-AFF5-7483-706F-DE3099BDADBF}"/>
-              </a:ext>
-            </a:extLst>
-          </p:cNvPr>
+          <p:cNvPr id="6" name="Footer Placeholder 5"/>
           <p:cNvSpPr>
             <a:spLocks noGrp="1"/>
           </p:cNvSpPr>
@@ -2408,13 +5233,7 @@
       </p:sp>
       <p:sp>
         <p:nvSpPr>
-          <p:cNvPr id="7" name="Slide Number Placeholder 6">
-            <a:extLst>
-              <a:ext uri="{FF2B5EF4-FFF2-40B4-BE49-F238E27FC236}">
-                <a16:creationId xmlns:a16="http://schemas.microsoft.com/office/drawing/2014/main" id="{D3CD0E27-1801-F6C2-0E80-8A642E55AA97}"/>
-              </a:ext>
-            </a:extLst>
-          </p:cNvPr>
+          <p:cNvPr id="7" name="Slide Number Placeholder 6"/>
           <p:cNvSpPr>
             <a:spLocks noGrp="1"/>
           </p:cNvSpPr>
@@ -2438,7 +5257,7 @@
     </p:spTree>
     <p:extLst>
       <p:ext uri="{BB962C8B-B14F-4D97-AF65-F5344CB8AC3E}">
-        <p14:creationId xmlns:p14="http://schemas.microsoft.com/office/powerpoint/2010/main" val="702123023"/>
+        <p14:creationId xmlns:p14="http://schemas.microsoft.com/office/powerpoint/2010/main" val="3475537051"/>
       </p:ext>
     </p:extLst>
   </p:cSld>
@@ -2467,13 +5286,7 @@
       </p:grpSpPr>
       <p:sp>
         <p:nvSpPr>
-          <p:cNvPr id="2" name="Title 1">
-            <a:extLst>
-              <a:ext uri="{FF2B5EF4-FFF2-40B4-BE49-F238E27FC236}">
-                <a16:creationId xmlns:a16="http://schemas.microsoft.com/office/drawing/2014/main" id="{A85A6416-6608-2E26-9A24-9E42149CE3BD}"/>
-              </a:ext>
-            </a:extLst>
-          </p:cNvPr>
+          <p:cNvPr id="2" name="Title 1"/>
           <p:cNvSpPr>
             <a:spLocks noGrp="1"/>
           </p:cNvSpPr>
@@ -2483,15 +5296,17 @@
         </p:nvSpPr>
         <p:spPr>
           <a:xfrm>
-            <a:off x="839788" y="457200"/>
-            <a:ext cx="3932237" cy="1600200"/>
+            <a:off x="1482724" y="1752599"/>
+            <a:ext cx="5426158" cy="1371600"/>
           </a:xfrm>
         </p:spPr>
         <p:txBody>
-          <a:bodyPr anchor="b"/>
+          <a:bodyPr anchor="b">
+            <a:normAutofit/>
+          </a:bodyPr>
           <a:lstStyle>
-            <a:lvl1pPr>
-              <a:defRPr sz="3200"/>
+            <a:lvl1pPr algn="ctr">
+              <a:defRPr sz="2800" b="0"/>
             </a:lvl1pPr>
           </a:lstStyle>
           <a:p>
@@ -2499,20 +5314,15 @@
               <a:rPr lang="en-US"/>
               <a:t>Click to edit Master title style</a:t>
             </a:r>
-          </a:p>
-        </p:txBody>
-      </p:sp>
-      <p:sp>
-        <p:nvSpPr>
-          <p:cNvPr id="3" name="Picture Placeholder 2">
-            <a:extLst>
-              <a:ext uri="{FF2B5EF4-FFF2-40B4-BE49-F238E27FC236}">
-                <a16:creationId xmlns:a16="http://schemas.microsoft.com/office/drawing/2014/main" id="{EBF4EF4E-6ABC-02E7-646F-A56B4A1649E0}"/>
-              </a:ext>
-            </a:extLst>
-          </p:cNvPr>
-          <p:cNvSpPr>
-            <a:spLocks noGrp="1"/>
+            <a:endParaRPr lang="en-US" dirty="0"/>
+          </a:p>
+        </p:txBody>
+      </p:sp>
+      <p:sp>
+        <p:nvSpPr>
+          <p:cNvPr id="14" name="Picture Placeholder 2"/>
+          <p:cNvSpPr>
+            <a:spLocks noGrp="1" noChangeAspect="1"/>
           </p:cNvSpPr>
           <p:nvPr>
             <p:ph type="pic" idx="1"/>
@@ -2520,118 +5330,148 @@
         </p:nvSpPr>
         <p:spPr>
           <a:xfrm>
-            <a:off x="5183188" y="987425"/>
-            <a:ext cx="6172200" cy="4873625"/>
+            <a:off x="7594682" y="914400"/>
+            <a:ext cx="3280974" cy="4572000"/>
           </a:xfrm>
+          <a:prstGeom prst="roundRect">
+            <a:avLst>
+              <a:gd name="adj" fmla="val 4280"/>
+            </a:avLst>
+          </a:prstGeom>
+          <a:ln w="38100">
+            <a:gradFill flip="none" rotWithShape="1">
+              <a:gsLst>
+                <a:gs pos="0">
+                  <a:schemeClr val="bg2"/>
+                </a:gs>
+                <a:gs pos="100000">
+                  <a:schemeClr val="bg2">
+                    <a:lumMod val="75000"/>
+                  </a:schemeClr>
+                </a:gs>
+              </a:gsLst>
+              <a:lin ang="5400000" scaled="0"/>
+              <a:tileRect/>
+            </a:gradFill>
+          </a:ln>
+          <a:effectLst>
+            <a:innerShdw blurRad="57150" dist="38100" dir="14460000">
+              <a:srgbClr val="000000">
+                <a:alpha val="70000"/>
+              </a:srgbClr>
+            </a:innerShdw>
+          </a:effectLst>
         </p:spPr>
         <p:txBody>
-          <a:bodyPr/>
+          <a:bodyPr anchor="t">
+            <a:normAutofit/>
+          </a:bodyPr>
           <a:lstStyle>
-            <a:lvl1pPr marL="0" indent="0">
-              <a:buNone/>
-              <a:defRPr sz="3200"/>
-            </a:lvl1pPr>
-            <a:lvl2pPr marL="457200" indent="0">
-              <a:buNone/>
-              <a:defRPr sz="2800"/>
-            </a:lvl2pPr>
-            <a:lvl3pPr marL="914400" indent="0">
-              <a:buNone/>
-              <a:defRPr sz="2400"/>
-            </a:lvl3pPr>
-            <a:lvl4pPr marL="1371600" indent="0">
-              <a:buNone/>
-              <a:defRPr sz="2000"/>
-            </a:lvl4pPr>
-            <a:lvl5pPr marL="1828800" indent="0">
-              <a:buNone/>
-              <a:defRPr sz="2000"/>
-            </a:lvl5pPr>
-            <a:lvl6pPr marL="2286000" indent="0">
-              <a:buNone/>
-              <a:defRPr sz="2000"/>
-            </a:lvl6pPr>
-            <a:lvl7pPr marL="2743200" indent="0">
-              <a:buNone/>
-              <a:defRPr sz="2000"/>
-            </a:lvl7pPr>
-            <a:lvl8pPr marL="3200400" indent="0">
-              <a:buNone/>
-              <a:defRPr sz="2000"/>
-            </a:lvl8pPr>
-            <a:lvl9pPr marL="3657600" indent="0">
-              <a:buNone/>
-              <a:defRPr sz="2000"/>
-            </a:lvl9pPr>
-          </a:lstStyle>
-          <a:p>
-            <a:endParaRPr lang="en-US"/>
-          </a:p>
-        </p:txBody>
-      </p:sp>
-      <p:sp>
-        <p:nvSpPr>
-          <p:cNvPr id="4" name="Text Placeholder 3">
-            <a:extLst>
-              <a:ext uri="{FF2B5EF4-FFF2-40B4-BE49-F238E27FC236}">
-                <a16:creationId xmlns:a16="http://schemas.microsoft.com/office/drawing/2014/main" id="{05746711-61E1-1723-CB28-2ED506F21461}"/>
-              </a:ext>
-            </a:extLst>
-          </p:cNvPr>
-          <p:cNvSpPr>
-            <a:spLocks noGrp="1"/>
-          </p:cNvSpPr>
-          <p:nvPr>
-            <p:ph type="body" sz="half" idx="2"/>
-          </p:nvPr>
-        </p:nvSpPr>
-        <p:spPr>
-          <a:xfrm>
-            <a:off x="839788" y="2057400"/>
-            <a:ext cx="3932237" cy="3811588"/>
-          </a:xfrm>
-        </p:spPr>
-        <p:txBody>
-          <a:bodyPr/>
-          <a:lstStyle>
-            <a:lvl1pPr marL="0" indent="0">
+            <a:lvl1pPr marL="0" indent="0" algn="ctr">
               <a:buNone/>
               <a:defRPr sz="1600"/>
             </a:lvl1pPr>
             <a:lvl2pPr marL="457200" indent="0">
               <a:buNone/>
-              <a:defRPr sz="1400"/>
+              <a:defRPr sz="1600"/>
             </a:lvl2pPr>
             <a:lvl3pPr marL="914400" indent="0">
               <a:buNone/>
-              <a:defRPr sz="1200"/>
+              <a:defRPr sz="1600"/>
             </a:lvl3pPr>
             <a:lvl4pPr marL="1371600" indent="0">
               <a:buNone/>
-              <a:defRPr sz="1000"/>
+              <a:defRPr sz="1600"/>
             </a:lvl4pPr>
             <a:lvl5pPr marL="1828800" indent="0">
               <a:buNone/>
-              <a:defRPr sz="1000"/>
+              <a:defRPr sz="1600"/>
             </a:lvl5pPr>
             <a:lvl6pPr marL="2286000" indent="0">
               <a:buNone/>
-              <a:defRPr sz="1000"/>
+              <a:defRPr sz="1600"/>
             </a:lvl6pPr>
             <a:lvl7pPr marL="2743200" indent="0">
               <a:buNone/>
-              <a:defRPr sz="1000"/>
+              <a:defRPr sz="1600"/>
             </a:lvl7pPr>
             <a:lvl8pPr marL="3200400" indent="0">
               <a:buNone/>
-              <a:defRPr sz="1000"/>
+              <a:defRPr sz="1600"/>
             </a:lvl8pPr>
             <a:lvl9pPr marL="3657600" indent="0">
               <a:buNone/>
-              <a:defRPr sz="1000"/>
+              <a:defRPr sz="1600"/>
             </a:lvl9pPr>
           </a:lstStyle>
           <a:p>
+            <a:r>
+              <a:rPr lang="en-US"/>
+              <a:t>Click icon to add picture</a:t>
+            </a:r>
+            <a:endParaRPr lang="en-US" dirty="0"/>
+          </a:p>
+        </p:txBody>
+      </p:sp>
+      <p:sp>
+        <p:nvSpPr>
+          <p:cNvPr id="4" name="Text Placeholder 3"/>
+          <p:cNvSpPr>
+            <a:spLocks noGrp="1"/>
+          </p:cNvSpPr>
+          <p:nvPr>
+            <p:ph type="body" sz="half" idx="2"/>
+          </p:nvPr>
+        </p:nvSpPr>
+        <p:spPr>
+          <a:xfrm>
+            <a:off x="1482724" y="3124199"/>
+            <a:ext cx="5426158" cy="1828800"/>
+          </a:xfrm>
+        </p:spPr>
+        <p:txBody>
+          <a:bodyPr>
+            <a:normAutofit/>
+          </a:bodyPr>
+          <a:lstStyle>
+            <a:lvl1pPr marL="0" indent="0" algn="ctr">
+              <a:buNone/>
+              <a:defRPr sz="1800"/>
+            </a:lvl1pPr>
+            <a:lvl2pPr marL="457200" indent="0">
+              <a:buNone/>
+              <a:defRPr sz="1200"/>
+            </a:lvl2pPr>
+            <a:lvl3pPr marL="914400" indent="0">
+              <a:buNone/>
+              <a:defRPr sz="1000"/>
+            </a:lvl3pPr>
+            <a:lvl4pPr marL="1371600" indent="0">
+              <a:buNone/>
+              <a:defRPr sz="900"/>
+            </a:lvl4pPr>
+            <a:lvl5pPr marL="1828800" indent="0">
+              <a:buNone/>
+              <a:defRPr sz="900"/>
+            </a:lvl5pPr>
+            <a:lvl6pPr marL="2286000" indent="0">
+              <a:buNone/>
+              <a:defRPr sz="900"/>
+            </a:lvl6pPr>
+            <a:lvl7pPr marL="2743200" indent="0">
+              <a:buNone/>
+              <a:defRPr sz="900"/>
+            </a:lvl7pPr>
+            <a:lvl8pPr marL="3200400" indent="0">
+              <a:buNone/>
+              <a:defRPr sz="900"/>
+            </a:lvl8pPr>
+            <a:lvl9pPr marL="3657600" indent="0">
+              <a:buNone/>
+              <a:defRPr sz="900"/>
+            </a:lvl9pPr>
+          </a:lstStyle>
+          <a:p>
             <a:pPr lvl="0"/>
             <a:r>
               <a:rPr lang="en-US"/>
@@ -2642,13 +5482,7 @@
       </p:sp>
       <p:sp>
         <p:nvSpPr>
-          <p:cNvPr id="5" name="Date Placeholder 4">
-            <a:extLst>
-              <a:ext uri="{FF2B5EF4-FFF2-40B4-BE49-F238E27FC236}">
-                <a16:creationId xmlns:a16="http://schemas.microsoft.com/office/drawing/2014/main" id="{85E889B1-A24D-E3D4-FA96-D7121CFAB7D9}"/>
-              </a:ext>
-            </a:extLst>
-          </p:cNvPr>
+          <p:cNvPr id="5" name="Date Placeholder 4"/>
           <p:cNvSpPr>
             <a:spLocks noGrp="1"/>
           </p:cNvSpPr>
@@ -2663,7 +5497,7 @@
           <a:p>
             <a:fld id="{C8B8EC27-8CCA-42C5-BCCF-D9ABF9BEDDC9}" type="datetimeFigureOut">
               <a:rPr lang="en-US" smtClean="0"/>
-              <a:t>11/30/2022</a:t>
+              <a:t>12/7/2022</a:t>
             </a:fld>
             <a:endParaRPr lang="en-US"/>
           </a:p>
@@ -2671,13 +5505,7 @@
       </p:sp>
       <p:sp>
         <p:nvSpPr>
-          <p:cNvPr id="6" name="Footer Placeholder 5">
-            <a:extLst>
-              <a:ext uri="{FF2B5EF4-FFF2-40B4-BE49-F238E27FC236}">
-                <a16:creationId xmlns:a16="http://schemas.microsoft.com/office/drawing/2014/main" id="{8CC95CEE-B255-2E7F-CBFC-BAAF07295E6C}"/>
-              </a:ext>
-            </a:extLst>
-          </p:cNvPr>
+          <p:cNvPr id="6" name="Footer Placeholder 5"/>
           <p:cNvSpPr>
             <a:spLocks noGrp="1"/>
           </p:cNvSpPr>
@@ -2696,13 +5524,7 @@
       </p:sp>
       <p:sp>
         <p:nvSpPr>
-          <p:cNvPr id="7" name="Slide Number Placeholder 6">
-            <a:extLst>
-              <a:ext uri="{FF2B5EF4-FFF2-40B4-BE49-F238E27FC236}">
-                <a16:creationId xmlns:a16="http://schemas.microsoft.com/office/drawing/2014/main" id="{2C5125A3-3D85-6926-ECE9-2DDD4E18B780}"/>
-              </a:ext>
-            </a:extLst>
-          </p:cNvPr>
+          <p:cNvPr id="7" name="Slide Number Placeholder 6"/>
           <p:cNvSpPr>
             <a:spLocks noGrp="1"/>
           </p:cNvSpPr>
@@ -2726,7 +5548,7 @@
     </p:spTree>
     <p:extLst>
       <p:ext uri="{BB962C8B-B14F-4D97-AF65-F5344CB8AC3E}">
-        <p14:creationId xmlns:p14="http://schemas.microsoft.com/office/powerpoint/2010/main" val="2896895324"/>
+        <p14:creationId xmlns:p14="http://schemas.microsoft.com/office/powerpoint/2010/main" val="525719959"/>
       </p:ext>
     </p:extLst>
   </p:cSld>
@@ -2740,8 +5562,8 @@
 <p:sldMaster xmlns:a="http://schemas.openxmlformats.org/drawingml/2006/main" xmlns:r="http://schemas.openxmlformats.org/officeDocument/2006/relationships" xmlns:p="http://schemas.openxmlformats.org/presentationml/2006/main">
   <p:cSld>
     <p:bg>
-      <p:bgRef idx="1001">
-        <a:schemeClr val="bg1"/>
+      <p:bgRef idx="1003">
+        <a:schemeClr val="bg2"/>
       </p:bgRef>
     </p:bg>
     <p:spTree>
@@ -2758,15 +5580,325 @@
           <a:chExt cx="0" cy="0"/>
         </a:xfrm>
       </p:grpSpPr>
-      <p:sp>
-        <p:nvSpPr>
-          <p:cNvPr id="2" name="Title Placeholder 1">
-            <a:extLst>
-              <a:ext uri="{FF2B5EF4-FFF2-40B4-BE49-F238E27FC236}">
-                <a16:creationId xmlns:a16="http://schemas.microsoft.com/office/drawing/2014/main" id="{9E3D7FAE-8E9B-1F18-590D-6968FA237574}"/>
-              </a:ext>
-            </a:extLst>
-          </p:cNvPr>
+      <p:grpSp>
+        <p:nvGrpSpPr>
+          <p:cNvPr id="7" name="Group 6"/>
+          <p:cNvGrpSpPr/>
+          <p:nvPr/>
+        </p:nvGrpSpPr>
+        <p:grpSpPr>
+          <a:xfrm>
+            <a:off x="150812" y="0"/>
+            <a:ext cx="2436813" cy="6858001"/>
+            <a:chOff x="1320800" y="0"/>
+            <a:chExt cx="2436813" cy="6858001"/>
+          </a:xfrm>
+        </p:grpSpPr>
+        <p:sp>
+          <p:nvSpPr>
+            <p:cNvPr id="8" name="Freeform 6"/>
+            <p:cNvSpPr/>
+            <p:nvPr/>
+          </p:nvSpPr>
+          <p:spPr bwMode="auto">
+            <a:xfrm>
+              <a:off x="1627188" y="0"/>
+              <a:ext cx="1122363" cy="5329238"/>
+            </a:xfrm>
+            <a:custGeom>
+              <a:avLst/>
+              <a:gdLst/>
+              <a:ahLst/>
+              <a:cxnLst/>
+              <a:rect l="0" t="0" r="r" b="b"/>
+              <a:pathLst>
+                <a:path w="707" h="3357">
+                  <a:moveTo>
+                    <a:pt x="0" y="3330"/>
+                  </a:moveTo>
+                  <a:lnTo>
+                    <a:pt x="156" y="3357"/>
+                  </a:lnTo>
+                  <a:lnTo>
+                    <a:pt x="707" y="0"/>
+                  </a:lnTo>
+                  <a:lnTo>
+                    <a:pt x="547" y="0"/>
+                  </a:lnTo>
+                  <a:lnTo>
+                    <a:pt x="0" y="3330"/>
+                  </a:lnTo>
+                  <a:close/>
+                </a:path>
+              </a:pathLst>
+            </a:custGeom>
+            <a:solidFill>
+              <a:schemeClr val="accent1"/>
+            </a:solidFill>
+            <a:ln>
+              <a:noFill/>
+            </a:ln>
+          </p:spPr>
+        </p:sp>
+        <p:sp>
+          <p:nvSpPr>
+            <p:cNvPr id="9" name="Freeform 7"/>
+            <p:cNvSpPr/>
+            <p:nvPr/>
+          </p:nvSpPr>
+          <p:spPr bwMode="auto">
+            <a:xfrm>
+              <a:off x="1320800" y="0"/>
+              <a:ext cx="1117600" cy="5276850"/>
+            </a:xfrm>
+            <a:custGeom>
+              <a:avLst/>
+              <a:gdLst/>
+              <a:ahLst/>
+              <a:cxnLst/>
+              <a:rect l="0" t="0" r="r" b="b"/>
+              <a:pathLst>
+                <a:path w="704" h="3324">
+                  <a:moveTo>
+                    <a:pt x="704" y="0"/>
+                  </a:moveTo>
+                  <a:lnTo>
+                    <a:pt x="545" y="0"/>
+                  </a:lnTo>
+                  <a:lnTo>
+                    <a:pt x="0" y="3300"/>
+                  </a:lnTo>
+                  <a:lnTo>
+                    <a:pt x="157" y="3324"/>
+                  </a:lnTo>
+                  <a:lnTo>
+                    <a:pt x="704" y="0"/>
+                  </a:lnTo>
+                  <a:close/>
+                </a:path>
+              </a:pathLst>
+            </a:custGeom>
+            <a:solidFill>
+              <a:schemeClr val="tx1">
+                <a:lumMod val="65000"/>
+                <a:lumOff val="35000"/>
+              </a:schemeClr>
+            </a:solidFill>
+            <a:ln>
+              <a:noFill/>
+            </a:ln>
+          </p:spPr>
+        </p:sp>
+        <p:sp>
+          <p:nvSpPr>
+            <p:cNvPr id="10" name="Freeform 8"/>
+            <p:cNvSpPr/>
+            <p:nvPr/>
+          </p:nvSpPr>
+          <p:spPr bwMode="auto">
+            <a:xfrm>
+              <a:off x="1320800" y="5238750"/>
+              <a:ext cx="1228725" cy="1619250"/>
+            </a:xfrm>
+            <a:custGeom>
+              <a:avLst/>
+              <a:gdLst/>
+              <a:ahLst/>
+              <a:cxnLst/>
+              <a:rect l="0" t="0" r="r" b="b"/>
+              <a:pathLst>
+                <a:path w="774" h="1020">
+                  <a:moveTo>
+                    <a:pt x="0" y="0"/>
+                  </a:moveTo>
+                  <a:lnTo>
+                    <a:pt x="740" y="1020"/>
+                  </a:lnTo>
+                  <a:lnTo>
+                    <a:pt x="774" y="1020"/>
+                  </a:lnTo>
+                  <a:lnTo>
+                    <a:pt x="0" y="0"/>
+                  </a:lnTo>
+                  <a:close/>
+                </a:path>
+              </a:pathLst>
+            </a:custGeom>
+            <a:solidFill>
+              <a:schemeClr val="tx1">
+                <a:lumMod val="85000"/>
+                <a:lumOff val="15000"/>
+              </a:schemeClr>
+            </a:solidFill>
+            <a:ln>
+              <a:noFill/>
+            </a:ln>
+          </p:spPr>
+        </p:sp>
+        <p:sp>
+          <p:nvSpPr>
+            <p:cNvPr id="11" name="Freeform 9"/>
+            <p:cNvSpPr/>
+            <p:nvPr/>
+          </p:nvSpPr>
+          <p:spPr bwMode="auto">
+            <a:xfrm>
+              <a:off x="1627188" y="5291138"/>
+              <a:ext cx="1495425" cy="1566863"/>
+            </a:xfrm>
+            <a:custGeom>
+              <a:avLst/>
+              <a:gdLst/>
+              <a:ahLst/>
+              <a:cxnLst/>
+              <a:rect l="0" t="0" r="r" b="b"/>
+              <a:pathLst>
+                <a:path w="942" h="987">
+                  <a:moveTo>
+                    <a:pt x="0" y="0"/>
+                  </a:moveTo>
+                  <a:lnTo>
+                    <a:pt x="909" y="987"/>
+                  </a:lnTo>
+                  <a:lnTo>
+                    <a:pt x="942" y="987"/>
+                  </a:lnTo>
+                  <a:lnTo>
+                    <a:pt x="0" y="0"/>
+                  </a:lnTo>
+                  <a:close/>
+                </a:path>
+              </a:pathLst>
+            </a:custGeom>
+            <a:solidFill>
+              <a:schemeClr val="accent1">
+                <a:lumMod val="50000"/>
+              </a:schemeClr>
+            </a:solidFill>
+            <a:ln>
+              <a:noFill/>
+            </a:ln>
+          </p:spPr>
+        </p:sp>
+        <p:sp>
+          <p:nvSpPr>
+            <p:cNvPr id="12" name="Freeform 10"/>
+            <p:cNvSpPr/>
+            <p:nvPr/>
+          </p:nvSpPr>
+          <p:spPr bwMode="auto">
+            <a:xfrm>
+              <a:off x="1627188" y="5286375"/>
+              <a:ext cx="2130425" cy="1571625"/>
+            </a:xfrm>
+            <a:custGeom>
+              <a:avLst/>
+              <a:gdLst/>
+              <a:ahLst/>
+              <a:cxnLst/>
+              <a:rect l="0" t="0" r="r" b="b"/>
+              <a:pathLst>
+                <a:path w="1342" h="990">
+                  <a:moveTo>
+                    <a:pt x="0" y="3"/>
+                  </a:moveTo>
+                  <a:lnTo>
+                    <a:pt x="942" y="990"/>
+                  </a:lnTo>
+                  <a:lnTo>
+                    <a:pt x="1342" y="990"/>
+                  </a:lnTo>
+                  <a:lnTo>
+                    <a:pt x="156" y="27"/>
+                  </a:lnTo>
+                  <a:lnTo>
+                    <a:pt x="0" y="0"/>
+                  </a:lnTo>
+                  <a:lnTo>
+                    <a:pt x="0" y="3"/>
+                  </a:lnTo>
+                  <a:close/>
+                </a:path>
+              </a:pathLst>
+            </a:custGeom>
+            <a:solidFill>
+              <a:schemeClr val="accent1">
+                <a:lumMod val="75000"/>
+              </a:schemeClr>
+            </a:solidFill>
+            <a:ln>
+              <a:noFill/>
+            </a:ln>
+          </p:spPr>
+        </p:sp>
+        <p:sp>
+          <p:nvSpPr>
+            <p:cNvPr id="13" name="Freeform 11"/>
+            <p:cNvSpPr/>
+            <p:nvPr/>
+          </p:nvSpPr>
+          <p:spPr bwMode="auto">
+            <a:xfrm>
+              <a:off x="1320800" y="5238750"/>
+              <a:ext cx="1695450" cy="1619250"/>
+            </a:xfrm>
+            <a:custGeom>
+              <a:avLst/>
+              <a:gdLst/>
+              <a:ahLst/>
+              <a:cxnLst/>
+              <a:rect l="0" t="0" r="r" b="b"/>
+              <a:pathLst>
+                <a:path w="1068" h="1020">
+                  <a:moveTo>
+                    <a:pt x="1068" y="1020"/>
+                  </a:moveTo>
+                  <a:lnTo>
+                    <a:pt x="184" y="60"/>
+                  </a:lnTo>
+                  <a:lnTo>
+                    <a:pt x="154" y="27"/>
+                  </a:lnTo>
+                  <a:lnTo>
+                    <a:pt x="157" y="27"/>
+                  </a:lnTo>
+                  <a:lnTo>
+                    <a:pt x="157" y="24"/>
+                  </a:lnTo>
+                  <a:lnTo>
+                    <a:pt x="154" y="24"/>
+                  </a:lnTo>
+                  <a:lnTo>
+                    <a:pt x="0" y="0"/>
+                  </a:lnTo>
+                  <a:lnTo>
+                    <a:pt x="0" y="0"/>
+                  </a:lnTo>
+                  <a:lnTo>
+                    <a:pt x="774" y="1020"/>
+                  </a:lnTo>
+                  <a:lnTo>
+                    <a:pt x="1068" y="1020"/>
+                  </a:lnTo>
+                  <a:close/>
+                </a:path>
+              </a:pathLst>
+            </a:custGeom>
+            <a:solidFill>
+              <a:schemeClr val="tx1">
+                <a:lumMod val="75000"/>
+                <a:lumOff val="25000"/>
+              </a:schemeClr>
+            </a:solidFill>
+            <a:ln>
+              <a:noFill/>
+            </a:ln>
+          </p:spPr>
+        </p:sp>
+      </p:grpSp>
+      <p:sp>
+        <p:nvSpPr>
+          <p:cNvPr id="2" name="Title Placeholder 1"/>
           <p:cNvSpPr>
             <a:spLocks noGrp="1"/>
           </p:cNvSpPr>
@@ -2776,8 +5908,42 @@
         </p:nvSpPr>
         <p:spPr>
           <a:xfrm>
-            <a:off x="838200" y="365125"/>
-            <a:ext cx="10515600" cy="1325563"/>
+            <a:off x="1484311" y="685800"/>
+            <a:ext cx="10018713" cy="1752599"/>
+          </a:xfrm>
+          <a:prstGeom prst="rect">
+            <a:avLst/>
+          </a:prstGeom>
+          <a:effectLst/>
+        </p:spPr>
+        <p:txBody>
+          <a:bodyPr vert="horz" lIns="91440" tIns="45720" rIns="91440" bIns="45720" rtlCol="0" anchor="ctr">
+            <a:normAutofit/>
+          </a:bodyPr>
+          <a:lstStyle/>
+          <a:p>
+            <a:r>
+              <a:rPr lang="en-US"/>
+              <a:t>Click to edit Master title style</a:t>
+            </a:r>
+            <a:endParaRPr lang="en-US" dirty="0"/>
+          </a:p>
+        </p:txBody>
+      </p:sp>
+      <p:sp>
+        <p:nvSpPr>
+          <p:cNvPr id="3" name="Text Placeholder 2"/>
+          <p:cNvSpPr>
+            <a:spLocks noGrp="1"/>
+          </p:cNvSpPr>
+          <p:nvPr>
+            <p:ph type="body" idx="1"/>
+          </p:nvPr>
+        </p:nvSpPr>
+        <p:spPr>
+          <a:xfrm>
+            <a:off x="1484310" y="2666999"/>
+            <a:ext cx="10018713" cy="3124201"/>
           </a:xfrm>
           <a:prstGeom prst="rect">
             <a:avLst/>
@@ -2789,100 +5955,98 @@
           </a:bodyPr>
           <a:lstStyle/>
           <a:p>
+            <a:pPr lvl="0"/>
             <a:r>
               <a:rPr lang="en-US"/>
-              <a:t>Click to edit Master title style</a:t>
-            </a:r>
-          </a:p>
-        </p:txBody>
-      </p:sp>
-      <p:sp>
-        <p:nvSpPr>
-          <p:cNvPr id="3" name="Text Placeholder 2">
-            <a:extLst>
-              <a:ext uri="{FF2B5EF4-FFF2-40B4-BE49-F238E27FC236}">
-                <a16:creationId xmlns:a16="http://schemas.microsoft.com/office/drawing/2014/main" id="{64D69F6D-CA80-960D-1977-5F1ADDC97274}"/>
-              </a:ext>
-            </a:extLst>
-          </p:cNvPr>
-          <p:cNvSpPr>
-            <a:spLocks noGrp="1"/>
-          </p:cNvSpPr>
-          <p:nvPr>
-            <p:ph type="body" idx="1"/>
+              <a:t>Click to edit Master text styles</a:t>
+            </a:r>
+          </a:p>
+          <a:p>
+            <a:pPr lvl="1"/>
+            <a:r>
+              <a:rPr lang="en-US"/>
+              <a:t>Second level</a:t>
+            </a:r>
+          </a:p>
+          <a:p>
+            <a:pPr lvl="2"/>
+            <a:r>
+              <a:rPr lang="en-US"/>
+              <a:t>Third level</a:t>
+            </a:r>
+          </a:p>
+          <a:p>
+            <a:pPr lvl="3"/>
+            <a:r>
+              <a:rPr lang="en-US"/>
+              <a:t>Fourth level</a:t>
+            </a:r>
+          </a:p>
+          <a:p>
+            <a:pPr lvl="4"/>
+            <a:r>
+              <a:rPr lang="en-US"/>
+              <a:t>Fifth level</a:t>
+            </a:r>
+            <a:endParaRPr lang="en-US" dirty="0"/>
+          </a:p>
+        </p:txBody>
+      </p:sp>
+      <p:sp>
+        <p:nvSpPr>
+          <p:cNvPr id="4" name="Date Placeholder 3"/>
+          <p:cNvSpPr>
+            <a:spLocks noGrp="1"/>
+          </p:cNvSpPr>
+          <p:nvPr>
+            <p:ph type="dt" sz="half" idx="2"/>
           </p:nvPr>
         </p:nvSpPr>
         <p:spPr>
           <a:xfrm>
-            <a:off x="838200" y="1825625"/>
-            <a:ext cx="10515600" cy="4351338"/>
+            <a:off x="9732656" y="5883275"/>
+            <a:ext cx="1143000" cy="365125"/>
           </a:xfrm>
           <a:prstGeom prst="rect">
             <a:avLst/>
           </a:prstGeom>
         </p:spPr>
         <p:txBody>
-          <a:bodyPr vert="horz" lIns="91440" tIns="45720" rIns="91440" bIns="45720" rtlCol="0">
-            <a:normAutofit/>
-          </a:bodyPr>
-          <a:lstStyle/>
-          <a:p>
-            <a:pPr lvl="0"/>
-            <a:r>
-              <a:rPr lang="en-US"/>
-              <a:t>Click to edit Master text styles</a:t>
-            </a:r>
-          </a:p>
-          <a:p>
-            <a:pPr lvl="1"/>
-            <a:r>
-              <a:rPr lang="en-US"/>
-              <a:t>Second level</a:t>
-            </a:r>
-          </a:p>
-          <a:p>
-            <a:pPr lvl="2"/>
-            <a:r>
-              <a:rPr lang="en-US"/>
-              <a:t>Third level</a:t>
-            </a:r>
-          </a:p>
-          <a:p>
-            <a:pPr lvl="3"/>
-            <a:r>
-              <a:rPr lang="en-US"/>
-              <a:t>Fourth level</a:t>
-            </a:r>
-          </a:p>
-          <a:p>
-            <a:pPr lvl="4"/>
-            <a:r>
-              <a:rPr lang="en-US"/>
-              <a:t>Fifth level</a:t>
-            </a:r>
-          </a:p>
-        </p:txBody>
-      </p:sp>
-      <p:sp>
-        <p:nvSpPr>
-          <p:cNvPr id="4" name="Date Placeholder 3">
-            <a:extLst>
-              <a:ext uri="{FF2B5EF4-FFF2-40B4-BE49-F238E27FC236}">
-                <a16:creationId xmlns:a16="http://schemas.microsoft.com/office/drawing/2014/main" id="{F4481F36-BD8B-08D5-AB14-5449E6949568}"/>
-              </a:ext>
-            </a:extLst>
-          </p:cNvPr>
-          <p:cNvSpPr>
-            <a:spLocks noGrp="1"/>
-          </p:cNvSpPr>
-          <p:nvPr>
-            <p:ph type="dt" sz="half" idx="2"/>
+          <a:bodyPr vert="horz" lIns="91440" tIns="45720" rIns="91440" bIns="45720" rtlCol="0" anchor="ctr"/>
+          <a:lstStyle>
+            <a:lvl1pPr algn="r">
+              <a:defRPr sz="1000" b="0" i="0">
+                <a:solidFill>
+                  <a:schemeClr val="tx1"/>
+                </a:solidFill>
+                <a:effectLst/>
+                <a:latin typeface="+mn-lt"/>
+              </a:defRPr>
+            </a:lvl1pPr>
+          </a:lstStyle>
+          <a:p>
+            <a:fld id="{C8B8EC27-8CCA-42C5-BCCF-D9ABF9BEDDC9}" type="datetimeFigureOut">
+              <a:rPr lang="en-US" smtClean="0"/>
+              <a:t>12/7/2022</a:t>
+            </a:fld>
+            <a:endParaRPr lang="en-US"/>
+          </a:p>
+        </p:txBody>
+      </p:sp>
+      <p:sp>
+        <p:nvSpPr>
+          <p:cNvPr id="5" name="Footer Placeholder 4"/>
+          <p:cNvSpPr>
+            <a:spLocks noGrp="1"/>
+          </p:cNvSpPr>
+          <p:nvPr>
+            <p:ph type="ftr" sz="quarter" idx="3"/>
           </p:nvPr>
         </p:nvSpPr>
         <p:spPr>
           <a:xfrm>
-            <a:off x="838200" y="6356350"/>
-            <a:ext cx="2743200" cy="365125"/>
+            <a:off x="2572279" y="5883275"/>
+            <a:ext cx="7084177" cy="365125"/>
           </a:xfrm>
           <a:prstGeom prst="rect">
             <a:avLst/>
@@ -2892,44 +6056,34 @@
           <a:bodyPr vert="horz" lIns="91440" tIns="45720" rIns="91440" bIns="45720" rtlCol="0" anchor="ctr"/>
           <a:lstStyle>
             <a:lvl1pPr algn="l">
-              <a:defRPr sz="1200">
-                <a:solidFill>
-                  <a:schemeClr val="tx1">
-                    <a:tint val="75000"/>
-                  </a:schemeClr>
-                </a:solidFill>
+              <a:defRPr sz="1000" b="0" i="0">
+                <a:solidFill>
+                  <a:schemeClr val="tx1"/>
+                </a:solidFill>
+                <a:effectLst/>
+                <a:latin typeface="+mn-lt"/>
               </a:defRPr>
             </a:lvl1pPr>
           </a:lstStyle>
           <a:p>
-            <a:fld id="{C8B8EC27-8CCA-42C5-BCCF-D9ABF9BEDDC9}" type="datetimeFigureOut">
-              <a:rPr lang="en-US" smtClean="0"/>
-              <a:t>11/30/2022</a:t>
-            </a:fld>
             <a:endParaRPr lang="en-US"/>
           </a:p>
         </p:txBody>
       </p:sp>
       <p:sp>
         <p:nvSpPr>
-          <p:cNvPr id="5" name="Footer Placeholder 4">
-            <a:extLst>
-              <a:ext uri="{FF2B5EF4-FFF2-40B4-BE49-F238E27FC236}">
-                <a16:creationId xmlns:a16="http://schemas.microsoft.com/office/drawing/2014/main" id="{7F032E0D-462E-9210-4C07-0CEEA642B5EA}"/>
-              </a:ext>
-            </a:extLst>
-          </p:cNvPr>
-          <p:cNvSpPr>
-            <a:spLocks noGrp="1"/>
-          </p:cNvSpPr>
-          <p:nvPr>
-            <p:ph type="ftr" sz="quarter" idx="3"/>
+          <p:cNvPr id="6" name="Slide Number Placeholder 5"/>
+          <p:cNvSpPr>
+            <a:spLocks noGrp="1"/>
+          </p:cNvSpPr>
+          <p:nvPr>
+            <p:ph type="sldNum" sz="quarter" idx="4"/>
           </p:nvPr>
         </p:nvSpPr>
         <p:spPr>
           <a:xfrm>
-            <a:off x="4038600" y="6356350"/>
-            <a:ext cx="4114800" cy="365125"/>
+            <a:off x="10951856" y="5883275"/>
+            <a:ext cx="551167" cy="365125"/>
           </a:xfrm>
           <a:prstGeom prst="rect">
             <a:avLst/>
@@ -2938,56 +6092,13 @@
         <p:txBody>
           <a:bodyPr vert="horz" lIns="91440" tIns="45720" rIns="91440" bIns="45720" rtlCol="0" anchor="ctr"/>
           <a:lstStyle>
-            <a:lvl1pPr algn="ctr">
-              <a:defRPr sz="1200">
-                <a:solidFill>
-                  <a:schemeClr val="tx1">
-                    <a:tint val="75000"/>
-                  </a:schemeClr>
-                </a:solidFill>
-              </a:defRPr>
-            </a:lvl1pPr>
-          </a:lstStyle>
-          <a:p>
-            <a:endParaRPr lang="en-US"/>
-          </a:p>
-        </p:txBody>
-      </p:sp>
-      <p:sp>
-        <p:nvSpPr>
-          <p:cNvPr id="6" name="Slide Number Placeholder 5">
-            <a:extLst>
-              <a:ext uri="{FF2B5EF4-FFF2-40B4-BE49-F238E27FC236}">
-                <a16:creationId xmlns:a16="http://schemas.microsoft.com/office/drawing/2014/main" id="{8F900435-1B9E-BD73-F79B-4C293977DA3D}"/>
-              </a:ext>
-            </a:extLst>
-          </p:cNvPr>
-          <p:cNvSpPr>
-            <a:spLocks noGrp="1"/>
-          </p:cNvSpPr>
-          <p:nvPr>
-            <p:ph type="sldNum" sz="quarter" idx="4"/>
-          </p:nvPr>
-        </p:nvSpPr>
-        <p:spPr>
-          <a:xfrm>
-            <a:off x="8610600" y="6356350"/>
-            <a:ext cx="2743200" cy="365125"/>
-          </a:xfrm>
-          <a:prstGeom prst="rect">
-            <a:avLst/>
-          </a:prstGeom>
-        </p:spPr>
-        <p:txBody>
-          <a:bodyPr vert="horz" lIns="91440" tIns="45720" rIns="91440" bIns="45720" rtlCol="0" anchor="ctr"/>
-          <a:lstStyle>
             <a:lvl1pPr algn="r">
-              <a:defRPr sz="1200">
-                <a:solidFill>
-                  <a:schemeClr val="tx1">
-                    <a:tint val="75000"/>
-                  </a:schemeClr>
-                </a:solidFill>
+              <a:defRPr sz="1000" b="0" i="0">
+                <a:solidFill>
+                  <a:schemeClr val="tx1"/>
+                </a:solidFill>
+                <a:effectLst/>
+                <a:latin typeface="+mn-lt"/>
               </a:defRPr>
             </a:lvl1pPr>
           </a:lstStyle>
@@ -3003,202 +6114,328 @@
     </p:spTree>
     <p:extLst>
       <p:ext uri="{BB962C8B-B14F-4D97-AF65-F5344CB8AC3E}">
-        <p14:creationId xmlns:p14="http://schemas.microsoft.com/office/powerpoint/2010/main" val="2996880701"/>
+        <p14:creationId xmlns:p14="http://schemas.microsoft.com/office/powerpoint/2010/main" val="1688439149"/>
       </p:ext>
     </p:extLst>
   </p:cSld>
   <p:clrMap bg1="lt1" tx1="dk1" bg2="lt2" tx2="dk2" accent1="accent1" accent2="accent2" accent3="accent3" accent4="accent4" accent5="accent5" accent6="accent6" hlink="hlink" folHlink="folHlink"/>
   <p:sldLayoutIdLst>
-    <p:sldLayoutId id="2147483649" r:id="rId1"/>
-    <p:sldLayoutId id="2147483650" r:id="rId2"/>
-    <p:sldLayoutId id="2147483651" r:id="rId3"/>
-    <p:sldLayoutId id="2147483652" r:id="rId4"/>
-    <p:sldLayoutId id="2147483653" r:id="rId5"/>
-    <p:sldLayoutId id="2147483654" r:id="rId6"/>
-    <p:sldLayoutId id="2147483655" r:id="rId7"/>
-    <p:sldLayoutId id="2147483656" r:id="rId8"/>
-    <p:sldLayoutId id="2147483657" r:id="rId9"/>
-    <p:sldLayoutId id="2147483658" r:id="rId10"/>
-    <p:sldLayoutId id="2147483659" r:id="rId11"/>
+    <p:sldLayoutId id="2147483697" r:id="rId1"/>
+    <p:sldLayoutId id="2147483698" r:id="rId2"/>
+    <p:sldLayoutId id="2147483699" r:id="rId3"/>
+    <p:sldLayoutId id="2147483700" r:id="rId4"/>
+    <p:sldLayoutId id="2147483701" r:id="rId5"/>
+    <p:sldLayoutId id="2147483702" r:id="rId6"/>
+    <p:sldLayoutId id="2147483703" r:id="rId7"/>
+    <p:sldLayoutId id="2147483704" r:id="rId8"/>
+    <p:sldLayoutId id="2147483705" r:id="rId9"/>
+    <p:sldLayoutId id="2147483706" r:id="rId10"/>
+    <p:sldLayoutId id="2147483707" r:id="rId11"/>
+    <p:sldLayoutId id="2147483708" r:id="rId12"/>
+    <p:sldLayoutId id="2147483709" r:id="rId13"/>
+    <p:sldLayoutId id="2147483710" r:id="rId14"/>
+    <p:sldLayoutId id="2147483711" r:id="rId15"/>
+    <p:sldLayoutId id="2147483712" r:id="rId16"/>
+    <p:sldLayoutId id="2147483713" r:id="rId17"/>
   </p:sldLayoutIdLst>
   <p:txStyles>
     <p:titleStyle>
-      <a:lvl1pPr algn="l" defTabSz="914400" rtl="0" eaLnBrk="1" latinLnBrk="0" hangingPunct="1">
-        <a:lnSpc>
-          <a:spcPct val="90000"/>
-        </a:lnSpc>
+      <a:lvl1pPr algn="ctr" defTabSz="457200" rtl="0" eaLnBrk="1" latinLnBrk="0" hangingPunct="1">
         <a:spcBef>
           <a:spcPct val="0"/>
         </a:spcBef>
         <a:buNone/>
-        <a:defRPr sz="4400" kern="1200">
+        <a:defRPr sz="4000" kern="1200" cap="none">
+          <a:ln w="3175" cmpd="sng">
+            <a:noFill/>
+          </a:ln>
           <a:solidFill>
             <a:schemeClr val="tx1"/>
           </a:solidFill>
+          <a:effectLst/>
           <a:latin typeface="+mj-lt"/>
           <a:ea typeface="+mj-ea"/>
           <a:cs typeface="+mj-cs"/>
         </a:defRPr>
       </a:lvl1pPr>
+      <a:lvl2pPr eaLnBrk="1" hangingPunct="1">
+        <a:defRPr>
+          <a:solidFill>
+            <a:schemeClr val="tx2"/>
+          </a:solidFill>
+        </a:defRPr>
+      </a:lvl2pPr>
+      <a:lvl3pPr eaLnBrk="1" hangingPunct="1">
+        <a:defRPr>
+          <a:solidFill>
+            <a:schemeClr val="tx2"/>
+          </a:solidFill>
+        </a:defRPr>
+      </a:lvl3pPr>
+      <a:lvl4pPr eaLnBrk="1" hangingPunct="1">
+        <a:defRPr>
+          <a:solidFill>
+            <a:schemeClr val="tx2"/>
+          </a:solidFill>
+        </a:defRPr>
+      </a:lvl4pPr>
+      <a:lvl5pPr eaLnBrk="1" hangingPunct="1">
+        <a:defRPr>
+          <a:solidFill>
+            <a:schemeClr val="tx2"/>
+          </a:solidFill>
+        </a:defRPr>
+      </a:lvl5pPr>
+      <a:lvl6pPr eaLnBrk="1" hangingPunct="1">
+        <a:defRPr>
+          <a:solidFill>
+            <a:schemeClr val="tx2"/>
+          </a:solidFill>
+        </a:defRPr>
+      </a:lvl6pPr>
+      <a:lvl7pPr eaLnBrk="1" hangingPunct="1">
+        <a:defRPr>
+          <a:solidFill>
+            <a:schemeClr val="tx2"/>
+          </a:solidFill>
+        </a:defRPr>
+      </a:lvl7pPr>
+      <a:lvl8pPr eaLnBrk="1" hangingPunct="1">
+        <a:defRPr>
+          <a:solidFill>
+            <a:schemeClr val="tx2"/>
+          </a:solidFill>
+        </a:defRPr>
+      </a:lvl8pPr>
+      <a:lvl9pPr eaLnBrk="1" hangingPunct="1">
+        <a:defRPr>
+          <a:solidFill>
+            <a:schemeClr val="tx2"/>
+          </a:solidFill>
+        </a:defRPr>
+      </a:lvl9pPr>
     </p:titleStyle>
     <p:bodyStyle>
-      <a:lvl1pPr marL="228600" indent="-228600" algn="l" defTabSz="914400" rtl="0" eaLnBrk="1" latinLnBrk="0" hangingPunct="1">
-        <a:lnSpc>
-          <a:spcPct val="90000"/>
-        </a:lnSpc>
+      <a:lvl1pPr marL="285750" indent="-285750" algn="l" defTabSz="457200" rtl="0" eaLnBrk="1" latinLnBrk="0" hangingPunct="1">
         <a:spcBef>
-          <a:spcPts val="1000"/>
+          <a:spcPct val="20000"/>
         </a:spcBef>
-        <a:buFont typeface="Arial" panose="020B0604020202020204" pitchFamily="34" charset="0"/>
+        <a:spcAft>
+          <a:spcPts val="600"/>
+        </a:spcAft>
+        <a:buClr>
+          <a:schemeClr val="accent1">
+            <a:lumMod val="75000"/>
+          </a:schemeClr>
+        </a:buClr>
+        <a:buSzPct val="145000"/>
+        <a:buFont typeface="Arial"/>
         <a:buChar char="•"/>
-        <a:defRPr sz="2800" kern="1200">
+        <a:defRPr sz="2400" kern="1200" cap="none">
           <a:solidFill>
             <a:schemeClr val="tx1"/>
           </a:solidFill>
+          <a:effectLst/>
           <a:latin typeface="+mn-lt"/>
           <a:ea typeface="+mn-ea"/>
           <a:cs typeface="+mn-cs"/>
         </a:defRPr>
       </a:lvl1pPr>
-      <a:lvl2pPr marL="685800" indent="-228600" algn="l" defTabSz="914400" rtl="0" eaLnBrk="1" latinLnBrk="0" hangingPunct="1">
-        <a:lnSpc>
-          <a:spcPct val="90000"/>
-        </a:lnSpc>
+      <a:lvl2pPr marL="742950" indent="-285750" algn="l" defTabSz="457200" rtl="0" eaLnBrk="1" latinLnBrk="0" hangingPunct="1">
         <a:spcBef>
-          <a:spcPts val="500"/>
+          <a:spcPct val="20000"/>
         </a:spcBef>
-        <a:buFont typeface="Arial" panose="020B0604020202020204" pitchFamily="34" charset="0"/>
+        <a:spcAft>
+          <a:spcPts val="600"/>
+        </a:spcAft>
+        <a:buClr>
+          <a:schemeClr val="accent1">
+            <a:lumMod val="75000"/>
+          </a:schemeClr>
+        </a:buClr>
+        <a:buSzPct val="145000"/>
+        <a:buFont typeface="Arial"/>
         <a:buChar char="•"/>
-        <a:defRPr sz="2400" kern="1200">
+        <a:defRPr sz="2000" kern="1200" cap="none">
           <a:solidFill>
             <a:schemeClr val="tx1"/>
           </a:solidFill>
+          <a:effectLst/>
           <a:latin typeface="+mn-lt"/>
           <a:ea typeface="+mn-ea"/>
           <a:cs typeface="+mn-cs"/>
         </a:defRPr>
       </a:lvl2pPr>
-      <a:lvl3pPr marL="1143000" indent="-228600" algn="l" defTabSz="914400" rtl="0" eaLnBrk="1" latinLnBrk="0" hangingPunct="1">
-        <a:lnSpc>
-          <a:spcPct val="90000"/>
-        </a:lnSpc>
+      <a:lvl3pPr marL="1200150" indent="-285750" algn="l" defTabSz="457200" rtl="0" eaLnBrk="1" latinLnBrk="0" hangingPunct="1">
         <a:spcBef>
-          <a:spcPts val="500"/>
+          <a:spcPct val="20000"/>
         </a:spcBef>
-        <a:buFont typeface="Arial" panose="020B0604020202020204" pitchFamily="34" charset="0"/>
+        <a:spcAft>
+          <a:spcPts val="600"/>
+        </a:spcAft>
+        <a:buClr>
+          <a:schemeClr val="accent1">
+            <a:lumMod val="75000"/>
+          </a:schemeClr>
+        </a:buClr>
+        <a:buSzPct val="145000"/>
+        <a:buFont typeface="Arial"/>
         <a:buChar char="•"/>
-        <a:defRPr sz="2000" kern="1200">
+        <a:defRPr sz="1800" kern="1200" cap="none">
           <a:solidFill>
             <a:schemeClr val="tx1"/>
           </a:solidFill>
+          <a:effectLst/>
           <a:latin typeface="+mn-lt"/>
           <a:ea typeface="+mn-ea"/>
           <a:cs typeface="+mn-cs"/>
         </a:defRPr>
       </a:lvl3pPr>
-      <a:lvl4pPr marL="1600200" indent="-228600" algn="l" defTabSz="914400" rtl="0" eaLnBrk="1" latinLnBrk="0" hangingPunct="1">
-        <a:lnSpc>
-          <a:spcPct val="90000"/>
-        </a:lnSpc>
+      <a:lvl4pPr marL="1543050" indent="-171450" algn="l" defTabSz="457200" rtl="0" eaLnBrk="1" latinLnBrk="0" hangingPunct="1">
         <a:spcBef>
-          <a:spcPts val="500"/>
+          <a:spcPct val="20000"/>
         </a:spcBef>
-        <a:buFont typeface="Arial" panose="020B0604020202020204" pitchFamily="34" charset="0"/>
+        <a:spcAft>
+          <a:spcPts val="600"/>
+        </a:spcAft>
+        <a:buClr>
+          <a:schemeClr val="accent1">
+            <a:lumMod val="75000"/>
+          </a:schemeClr>
+        </a:buClr>
+        <a:buSzPct val="145000"/>
+        <a:buFont typeface="Arial"/>
         <a:buChar char="•"/>
-        <a:defRPr sz="1800" kern="1200">
+        <a:defRPr sz="1600" kern="1200" cap="none">
           <a:solidFill>
             <a:schemeClr val="tx1"/>
           </a:solidFill>
+          <a:effectLst/>
           <a:latin typeface="+mn-lt"/>
           <a:ea typeface="+mn-ea"/>
           <a:cs typeface="+mn-cs"/>
         </a:defRPr>
       </a:lvl4pPr>
-      <a:lvl5pPr marL="2057400" indent="-228600" algn="l" defTabSz="914400" rtl="0" eaLnBrk="1" latinLnBrk="0" hangingPunct="1">
-        <a:lnSpc>
-          <a:spcPct val="90000"/>
-        </a:lnSpc>
+      <a:lvl5pPr marL="2000250" indent="-171450" algn="l" defTabSz="457200" rtl="0" eaLnBrk="1" latinLnBrk="0" hangingPunct="1">
         <a:spcBef>
-          <a:spcPts val="500"/>
+          <a:spcPct val="20000"/>
         </a:spcBef>
-        <a:buFont typeface="Arial" panose="020B0604020202020204" pitchFamily="34" charset="0"/>
+        <a:spcAft>
+          <a:spcPts val="600"/>
+        </a:spcAft>
+        <a:buClr>
+          <a:schemeClr val="accent1">
+            <a:lumMod val="75000"/>
+          </a:schemeClr>
+        </a:buClr>
+        <a:buSzPct val="145000"/>
+        <a:buFont typeface="Arial"/>
         <a:buChar char="•"/>
-        <a:defRPr sz="1800" kern="1200">
+        <a:defRPr sz="1400" kern="1200" cap="none">
           <a:solidFill>
             <a:schemeClr val="tx1"/>
           </a:solidFill>
+          <a:effectLst/>
           <a:latin typeface="+mn-lt"/>
           <a:ea typeface="+mn-ea"/>
           <a:cs typeface="+mn-cs"/>
         </a:defRPr>
       </a:lvl5pPr>
-      <a:lvl6pPr marL="2514600" indent="-228600" algn="l" defTabSz="914400" rtl="0" eaLnBrk="1" latinLnBrk="0" hangingPunct="1">
-        <a:lnSpc>
-          <a:spcPct val="90000"/>
-        </a:lnSpc>
+      <a:lvl6pPr marL="2514600" indent="-228600" algn="l" defTabSz="457200" rtl="0" eaLnBrk="1" latinLnBrk="0" hangingPunct="1">
         <a:spcBef>
-          <a:spcPts val="500"/>
+          <a:spcPct val="20000"/>
         </a:spcBef>
-        <a:buFont typeface="Arial" panose="020B0604020202020204" pitchFamily="34" charset="0"/>
+        <a:spcAft>
+          <a:spcPts val="600"/>
+        </a:spcAft>
+        <a:buClr>
+          <a:schemeClr val="accent1">
+            <a:lumMod val="75000"/>
+          </a:schemeClr>
+        </a:buClr>
+        <a:buSzPct val="145000"/>
+        <a:buFont typeface="Arial"/>
         <a:buChar char="•"/>
-        <a:defRPr sz="1800" kern="1200">
+        <a:defRPr sz="1400" kern="1200" cap="none">
           <a:solidFill>
             <a:schemeClr val="tx1"/>
           </a:solidFill>
+          <a:effectLst/>
           <a:latin typeface="+mn-lt"/>
           <a:ea typeface="+mn-ea"/>
           <a:cs typeface="+mn-cs"/>
         </a:defRPr>
       </a:lvl6pPr>
-      <a:lvl7pPr marL="2971800" indent="-228600" algn="l" defTabSz="914400" rtl="0" eaLnBrk="1" latinLnBrk="0" hangingPunct="1">
-        <a:lnSpc>
-          <a:spcPct val="90000"/>
-        </a:lnSpc>
+      <a:lvl7pPr marL="2971800" indent="-228600" algn="l" defTabSz="457200" rtl="0" eaLnBrk="1" latinLnBrk="0" hangingPunct="1">
         <a:spcBef>
-          <a:spcPts val="500"/>
+          <a:spcPct val="20000"/>
         </a:spcBef>
-        <a:buFont typeface="Arial" panose="020B0604020202020204" pitchFamily="34" charset="0"/>
+        <a:spcAft>
+          <a:spcPts val="600"/>
+        </a:spcAft>
+        <a:buClr>
+          <a:schemeClr val="accent1">
+            <a:lumMod val="75000"/>
+          </a:schemeClr>
+        </a:buClr>
+        <a:buSzPct val="145000"/>
+        <a:buFont typeface="Arial"/>
         <a:buChar char="•"/>
-        <a:defRPr sz="1800" kern="1200">
+        <a:defRPr sz="1400" kern="1200" cap="none">
           <a:solidFill>
             <a:schemeClr val="tx1"/>
           </a:solidFill>
+          <a:effectLst/>
           <a:latin typeface="+mn-lt"/>
           <a:ea typeface="+mn-ea"/>
           <a:cs typeface="+mn-cs"/>
         </a:defRPr>
       </a:lvl7pPr>
-      <a:lvl8pPr marL="3429000" indent="-228600" algn="l" defTabSz="914400" rtl="0" eaLnBrk="1" latinLnBrk="0" hangingPunct="1">
-        <a:lnSpc>
-          <a:spcPct val="90000"/>
-        </a:lnSpc>
+      <a:lvl8pPr marL="3429000" indent="-228600" algn="l" defTabSz="457200" rtl="0" eaLnBrk="1" latinLnBrk="0" hangingPunct="1">
         <a:spcBef>
-          <a:spcPts val="500"/>
+          <a:spcPct val="20000"/>
         </a:spcBef>
-        <a:buFont typeface="Arial" panose="020B0604020202020204" pitchFamily="34" charset="0"/>
+        <a:spcAft>
+          <a:spcPts val="600"/>
+        </a:spcAft>
+        <a:buClr>
+          <a:schemeClr val="accent1">
+            <a:lumMod val="75000"/>
+          </a:schemeClr>
+        </a:buClr>
+        <a:buSzPct val="145000"/>
+        <a:buFont typeface="Arial"/>
         <a:buChar char="•"/>
-        <a:defRPr sz="1800" kern="1200">
+        <a:defRPr sz="1400" kern="1200" cap="none">
           <a:solidFill>
             <a:schemeClr val="tx1"/>
           </a:solidFill>
+          <a:effectLst/>
           <a:latin typeface="+mn-lt"/>
           <a:ea typeface="+mn-ea"/>
           <a:cs typeface="+mn-cs"/>
         </a:defRPr>
       </a:lvl8pPr>
-      <a:lvl9pPr marL="3886200" indent="-228600" algn="l" defTabSz="914400" rtl="0" eaLnBrk="1" latinLnBrk="0" hangingPunct="1">
-        <a:lnSpc>
-          <a:spcPct val="90000"/>
-        </a:lnSpc>
+      <a:lvl9pPr marL="3886200" indent="-228600" algn="l" defTabSz="457200" rtl="0" eaLnBrk="1" latinLnBrk="0" hangingPunct="1">
         <a:spcBef>
-          <a:spcPts val="500"/>
+          <a:spcPct val="20000"/>
         </a:spcBef>
-        <a:buFont typeface="Arial" panose="020B0604020202020204" pitchFamily="34" charset="0"/>
+        <a:spcAft>
+          <a:spcPts val="600"/>
+        </a:spcAft>
+        <a:buClr>
+          <a:schemeClr val="accent1">
+            <a:lumMod val="75000"/>
+          </a:schemeClr>
+        </a:buClr>
+        <a:buSzPct val="145000"/>
+        <a:buFont typeface="Arial"/>
         <a:buChar char="•"/>
-        <a:defRPr sz="1800" kern="1200">
+        <a:defRPr sz="1400" kern="1200" cap="none">
           <a:solidFill>
             <a:schemeClr val="tx1"/>
           </a:solidFill>
+          <a:effectLst/>
           <a:latin typeface="+mn-lt"/>
           <a:ea typeface="+mn-ea"/>
           <a:cs typeface="+mn-cs"/>
@@ -3209,7 +6446,7 @@
       <a:defPPr>
         <a:defRPr lang="en-US"/>
       </a:defPPr>
-      <a:lvl1pPr marL="0" algn="l" defTabSz="914400" rtl="0" eaLnBrk="1" latinLnBrk="0" hangingPunct="1">
+      <a:lvl1pPr marL="0" algn="l" defTabSz="457200" rtl="0" eaLnBrk="1" latinLnBrk="0" hangingPunct="1">
         <a:defRPr sz="1800" kern="1200">
           <a:solidFill>
             <a:schemeClr val="tx1"/>
@@ -3219,7 +6456,7 @@
           <a:cs typeface="+mn-cs"/>
         </a:defRPr>
       </a:lvl1pPr>
-      <a:lvl2pPr marL="457200" algn="l" defTabSz="914400" rtl="0" eaLnBrk="1" latinLnBrk="0" hangingPunct="1">
+      <a:lvl2pPr marL="457200" algn="l" defTabSz="457200" rtl="0" eaLnBrk="1" latinLnBrk="0" hangingPunct="1">
         <a:defRPr sz="1800" kern="1200">
           <a:solidFill>
             <a:schemeClr val="tx1"/>
@@ -3229,7 +6466,7 @@
           <a:cs typeface="+mn-cs"/>
         </a:defRPr>
       </a:lvl2pPr>
-      <a:lvl3pPr marL="914400" algn="l" defTabSz="914400" rtl="0" eaLnBrk="1" latinLnBrk="0" hangingPunct="1">
+      <a:lvl3pPr marL="914400" algn="l" defTabSz="457200" rtl="0" eaLnBrk="1" latinLnBrk="0" hangingPunct="1">
         <a:defRPr sz="1800" kern="1200">
           <a:solidFill>
             <a:schemeClr val="tx1"/>
@@ -3239,7 +6476,7 @@
           <a:cs typeface="+mn-cs"/>
         </a:defRPr>
       </a:lvl3pPr>
-      <a:lvl4pPr marL="1371600" algn="l" defTabSz="914400" rtl="0" eaLnBrk="1" latinLnBrk="0" hangingPunct="1">
+      <a:lvl4pPr marL="1371600" algn="l" defTabSz="457200" rtl="0" eaLnBrk="1" latinLnBrk="0" hangingPunct="1">
         <a:defRPr sz="1800" kern="1200">
           <a:solidFill>
             <a:schemeClr val="tx1"/>
@@ -3249,7 +6486,7 @@
           <a:cs typeface="+mn-cs"/>
         </a:defRPr>
       </a:lvl4pPr>
-      <a:lvl5pPr marL="1828800" algn="l" defTabSz="914400" rtl="0" eaLnBrk="1" latinLnBrk="0" hangingPunct="1">
+      <a:lvl5pPr marL="1828800" algn="l" defTabSz="457200" rtl="0" eaLnBrk="1" latinLnBrk="0" hangingPunct="1">
         <a:defRPr sz="1800" kern="1200">
           <a:solidFill>
             <a:schemeClr val="tx1"/>
@@ -3259,7 +6496,7 @@
           <a:cs typeface="+mn-cs"/>
         </a:defRPr>
       </a:lvl5pPr>
-      <a:lvl6pPr marL="2286000" algn="l" defTabSz="914400" rtl="0" eaLnBrk="1" latinLnBrk="0" hangingPunct="1">
+      <a:lvl6pPr marL="2286000" algn="l" defTabSz="457200" rtl="0" eaLnBrk="1" latinLnBrk="0" hangingPunct="1">
         <a:defRPr sz="1800" kern="1200">
           <a:solidFill>
             <a:schemeClr val="tx1"/>
@@ -3269,7 +6506,7 @@
           <a:cs typeface="+mn-cs"/>
         </a:defRPr>
       </a:lvl6pPr>
-      <a:lvl7pPr marL="2743200" algn="l" defTabSz="914400" rtl="0" eaLnBrk="1" latinLnBrk="0" hangingPunct="1">
+      <a:lvl7pPr marL="2743200" algn="l" defTabSz="457200" rtl="0" eaLnBrk="1" latinLnBrk="0" hangingPunct="1">
         <a:defRPr sz="1800" kern="1200">
           <a:solidFill>
             <a:schemeClr val="tx1"/>
@@ -3279,7 +6516,7 @@
           <a:cs typeface="+mn-cs"/>
         </a:defRPr>
       </a:lvl7pPr>
-      <a:lvl8pPr marL="3200400" algn="l" defTabSz="914400" rtl="0" eaLnBrk="1" latinLnBrk="0" hangingPunct="1">
+      <a:lvl8pPr marL="3200400" algn="l" defTabSz="457200" rtl="0" eaLnBrk="1" latinLnBrk="0" hangingPunct="1">
         <a:defRPr sz="1800" kern="1200">
           <a:solidFill>
             <a:schemeClr val="tx1"/>
@@ -3289,7 +6526,7 @@
           <a:cs typeface="+mn-cs"/>
         </a:defRPr>
       </a:lvl8pPr>
-      <a:lvl9pPr marL="3657600" algn="l" defTabSz="914400" rtl="0" eaLnBrk="1" latinLnBrk="0" hangingPunct="1">
+      <a:lvl9pPr marL="3657600" algn="l" defTabSz="457200" rtl="0" eaLnBrk="1" latinLnBrk="0" hangingPunct="1">
         <a:defRPr sz="1800" kern="1200">
           <a:solidFill>
             <a:schemeClr val="tx1"/>
@@ -3307,6 +6544,27 @@
 <file path=ppt/slides/slide1.xml><?xml version="1.0" encoding="utf-8"?>
 <p:sld xmlns:a="http://schemas.openxmlformats.org/drawingml/2006/main" xmlns:r="http://schemas.openxmlformats.org/officeDocument/2006/relationships" xmlns:p="http://schemas.openxmlformats.org/presentationml/2006/main">
   <p:cSld>
+    <p:bg>
+      <p:bgPr>
+        <a:blipFill rotWithShape="1">
+          <a:blip r:embed="rId2">
+            <a:duotone>
+              <a:schemeClr val="bg2">
+                <a:shade val="76000"/>
+                <a:satMod val="180000"/>
+              </a:schemeClr>
+              <a:schemeClr val="bg2">
+                <a:tint val="80000"/>
+                <a:satMod val="120000"/>
+                <a:lumMod val="180000"/>
+              </a:schemeClr>
+            </a:duotone>
+          </a:blip>
+          <a:stretch/>
+        </a:blipFill>
+        <a:effectLst/>
+      </p:bgPr>
+    </p:bg>
     <p:spTree>
       <p:nvGrpSpPr>
         <p:cNvPr id="1" name=""/>
@@ -3321,6 +6579,845 @@
           <a:chExt cx="0" cy="0"/>
         </a:xfrm>
       </p:grpSpPr>
+      <p:sp useBgFill="1">
+        <p:nvSpPr>
+          <p:cNvPr id="8" name="Rectangle 9">
+            <a:extLst>
+              <a:ext uri="{FF2B5EF4-FFF2-40B4-BE49-F238E27FC236}">
+                <a16:creationId xmlns:a16="http://schemas.microsoft.com/office/drawing/2014/main" id="{4FEB7930-F0D6-4044-8BA9-D730103DBF13}"/>
+              </a:ext>
+              <a:ext uri="{C183D7F6-B498-43B3-948B-1728B52AA6E4}">
+                <adec:decorative xmlns:adec="http://schemas.microsoft.com/office/drawing/2017/decorative" val="1"/>
+              </a:ext>
+            </a:extLst>
+          </p:cNvPr>
+          <p:cNvSpPr>
+            <a:spLocks noGrp="1" noRot="1" noChangeAspect="1" noMove="1" noResize="1" noEditPoints="1" noAdjustHandles="1" noChangeArrowheads="1" noChangeShapeType="1" noTextEdit="1"/>
+          </p:cNvSpPr>
+          <p:nvPr>
+            <p:extLst>
+              <p:ext uri="{386F3935-93C4-4BCD-93E2-E3B085C9AB24}">
+                <p16:designElem xmlns:p16="http://schemas.microsoft.com/office/powerpoint/2015/main" val="1"/>
+              </p:ext>
+            </p:extLst>
+          </p:nvPr>
+        </p:nvSpPr>
+        <p:spPr>
+          <a:xfrm>
+            <a:off x="0" y="0"/>
+            <a:ext cx="12192000" cy="6858000"/>
+          </a:xfrm>
+          <a:prstGeom prst="rect">
+            <a:avLst/>
+          </a:prstGeom>
+          <a:ln>
+            <a:noFill/>
+          </a:ln>
+        </p:spPr>
+        <p:style>
+          <a:lnRef idx="2">
+            <a:schemeClr val="accent1">
+              <a:shade val="50000"/>
+            </a:schemeClr>
+          </a:lnRef>
+          <a:fillRef idx="1">
+            <a:schemeClr val="accent1"/>
+          </a:fillRef>
+          <a:effectRef idx="0">
+            <a:schemeClr val="accent1"/>
+          </a:effectRef>
+          <a:fontRef idx="minor">
+            <a:schemeClr val="lt1"/>
+          </a:fontRef>
+        </p:style>
+        <p:txBody>
+          <a:bodyPr rtlCol="0" anchor="ctr"/>
+          <a:lstStyle/>
+          <a:p>
+            <a:pPr algn="ctr"/>
+            <a:endParaRPr lang="en-US"/>
+          </a:p>
+        </p:txBody>
+      </p:sp>
+      <p:pic>
+        <p:nvPicPr>
+          <p:cNvPr id="5" name="Picture 4" descr="Diagram&#10;&#10;Description automatically generated">
+            <a:extLst>
+              <a:ext uri="{FF2B5EF4-FFF2-40B4-BE49-F238E27FC236}">
+                <a16:creationId xmlns:a16="http://schemas.microsoft.com/office/drawing/2014/main" id="{52BF8C0E-833D-D920-30B8-4171F6E6F79C}"/>
+              </a:ext>
+            </a:extLst>
+          </p:cNvPr>
+          <p:cNvPicPr>
+            <a:picLocks noChangeAspect="1"/>
+          </p:cNvPicPr>
+          <p:nvPr/>
+        </p:nvPicPr>
+        <p:blipFill rotWithShape="1">
+          <a:blip r:embed="rId3"/>
+          <a:srcRect l="37301" t="9091" r="4921" b="-1"/>
+          <a:stretch/>
+        </p:blipFill>
+        <p:spPr>
+          <a:xfrm>
+            <a:off x="20" y="10"/>
+            <a:ext cx="5448280" cy="6857990"/>
+          </a:xfrm>
+          <a:prstGeom prst="rect">
+            <a:avLst/>
+          </a:prstGeom>
+        </p:spPr>
+      </p:pic>
+      <p:grpSp>
+        <p:nvGrpSpPr>
+          <p:cNvPr id="15" name="Group 11">
+            <a:extLst>
+              <a:ext uri="{FF2B5EF4-FFF2-40B4-BE49-F238E27FC236}">
+                <a16:creationId xmlns:a16="http://schemas.microsoft.com/office/drawing/2014/main" id="{3D37B8A0-A486-4042-834D-0C08DD3B4302}"/>
+              </a:ext>
+              <a:ext uri="{C183D7F6-B498-43B3-948B-1728B52AA6E4}">
+                <adec:decorative xmlns:adec="http://schemas.microsoft.com/office/drawing/2017/decorative" val="1"/>
+              </a:ext>
+            </a:extLst>
+          </p:cNvPr>
+          <p:cNvGrpSpPr>
+            <a:grpSpLocks noGrp="1" noUngrp="1" noRot="1" noChangeAspect="1" noMove="1" noResize="1"/>
+          </p:cNvGrpSpPr>
+          <p:nvPr>
+            <p:extLst>
+              <p:ext uri="{386F3935-93C4-4BCD-93E2-E3B085C9AB24}">
+                <p16:designElem xmlns:p16="http://schemas.microsoft.com/office/powerpoint/2015/main" val="1"/>
+              </p:ext>
+            </p:extLst>
+          </p:nvPr>
+        </p:nvGrpSpPr>
+        <p:grpSpPr>
+          <a:xfrm>
+            <a:off x="2836718" y="0"/>
+            <a:ext cx="2611581" cy="6858000"/>
+            <a:chOff x="2836718" y="0"/>
+            <a:chExt cx="2611581" cy="6858000"/>
+          </a:xfrm>
+        </p:grpSpPr>
+        <p:sp useBgFill="1">
+          <p:nvSpPr>
+            <p:cNvPr id="23" name="Rectangle 19">
+              <a:extLst>
+                <a:ext uri="{FF2B5EF4-FFF2-40B4-BE49-F238E27FC236}">
+                  <a16:creationId xmlns:a16="http://schemas.microsoft.com/office/drawing/2014/main" id="{D467C104-5C3F-411A-B2C4-EBFD4228D15A}"/>
+                </a:ext>
+                <a:ext uri="{C183D7F6-B498-43B3-948B-1728B52AA6E4}">
+                  <adec:decorative xmlns:adec="http://schemas.microsoft.com/office/drawing/2017/decorative" val="1"/>
+                </a:ext>
+              </a:extLst>
+            </p:cNvPr>
+            <p:cNvSpPr/>
+            <p:nvPr>
+              <p:extLst>
+                <p:ext uri="{386F3935-93C4-4BCD-93E2-E3B085C9AB24}">
+                  <p16:designElem xmlns:p16="http://schemas.microsoft.com/office/powerpoint/2015/main" val="1"/>
+                </p:ext>
+              </p:extLst>
+            </p:nvPr>
+          </p:nvSpPr>
+          <p:spPr>
+            <a:xfrm>
+              <a:off x="2836718" y="0"/>
+              <a:ext cx="2611581" cy="2554287"/>
+            </a:xfrm>
+            <a:custGeom>
+              <a:avLst/>
+              <a:gdLst>
+                <a:gd name="connsiteX0" fmla="*/ 0 w 2570017"/>
+                <a:gd name="connsiteY0" fmla="*/ 0 h 2554287"/>
+                <a:gd name="connsiteX1" fmla="*/ 2570017 w 2570017"/>
+                <a:gd name="connsiteY1" fmla="*/ 0 h 2554287"/>
+                <a:gd name="connsiteX2" fmla="*/ 2570017 w 2570017"/>
+                <a:gd name="connsiteY2" fmla="*/ 2554287 h 2554287"/>
+                <a:gd name="connsiteX3" fmla="*/ 0 w 2570017"/>
+                <a:gd name="connsiteY3" fmla="*/ 2554287 h 2554287"/>
+                <a:gd name="connsiteX4" fmla="*/ 0 w 2570017"/>
+                <a:gd name="connsiteY4" fmla="*/ 0 h 2554287"/>
+                <a:gd name="connsiteX0" fmla="*/ 904009 w 2570017"/>
+                <a:gd name="connsiteY0" fmla="*/ 0 h 2554287"/>
+                <a:gd name="connsiteX1" fmla="*/ 2570017 w 2570017"/>
+                <a:gd name="connsiteY1" fmla="*/ 0 h 2554287"/>
+                <a:gd name="connsiteX2" fmla="*/ 2570017 w 2570017"/>
+                <a:gd name="connsiteY2" fmla="*/ 2554287 h 2554287"/>
+                <a:gd name="connsiteX3" fmla="*/ 0 w 2570017"/>
+                <a:gd name="connsiteY3" fmla="*/ 2554287 h 2554287"/>
+                <a:gd name="connsiteX4" fmla="*/ 904009 w 2570017"/>
+                <a:gd name="connsiteY4" fmla="*/ 0 h 2554287"/>
+                <a:gd name="connsiteX0" fmla="*/ 644236 w 2570017"/>
+                <a:gd name="connsiteY0" fmla="*/ 10391 h 2554287"/>
+                <a:gd name="connsiteX1" fmla="*/ 2570017 w 2570017"/>
+                <a:gd name="connsiteY1" fmla="*/ 0 h 2554287"/>
+                <a:gd name="connsiteX2" fmla="*/ 2570017 w 2570017"/>
+                <a:gd name="connsiteY2" fmla="*/ 2554287 h 2554287"/>
+                <a:gd name="connsiteX3" fmla="*/ 0 w 2570017"/>
+                <a:gd name="connsiteY3" fmla="*/ 2554287 h 2554287"/>
+                <a:gd name="connsiteX4" fmla="*/ 644236 w 2570017"/>
+                <a:gd name="connsiteY4" fmla="*/ 10391 h 2554287"/>
+                <a:gd name="connsiteX0" fmla="*/ 633845 w 2570017"/>
+                <a:gd name="connsiteY0" fmla="*/ 0 h 2554287"/>
+                <a:gd name="connsiteX1" fmla="*/ 2570017 w 2570017"/>
+                <a:gd name="connsiteY1" fmla="*/ 0 h 2554287"/>
+                <a:gd name="connsiteX2" fmla="*/ 2570017 w 2570017"/>
+                <a:gd name="connsiteY2" fmla="*/ 2554287 h 2554287"/>
+                <a:gd name="connsiteX3" fmla="*/ 0 w 2570017"/>
+                <a:gd name="connsiteY3" fmla="*/ 2554287 h 2554287"/>
+                <a:gd name="connsiteX4" fmla="*/ 633845 w 2570017"/>
+                <a:gd name="connsiteY4" fmla="*/ 0 h 2554287"/>
+                <a:gd name="connsiteX0" fmla="*/ 675409 w 2611581"/>
+                <a:gd name="connsiteY0" fmla="*/ 0 h 2554287"/>
+                <a:gd name="connsiteX1" fmla="*/ 2611581 w 2611581"/>
+                <a:gd name="connsiteY1" fmla="*/ 0 h 2554287"/>
+                <a:gd name="connsiteX2" fmla="*/ 2611581 w 2611581"/>
+                <a:gd name="connsiteY2" fmla="*/ 2554287 h 2554287"/>
+                <a:gd name="connsiteX3" fmla="*/ 0 w 2611581"/>
+                <a:gd name="connsiteY3" fmla="*/ 2554287 h 2554287"/>
+                <a:gd name="connsiteX4" fmla="*/ 675409 w 2611581"/>
+                <a:gd name="connsiteY4" fmla="*/ 0 h 2554287"/>
+              </a:gdLst>
+              <a:ahLst/>
+              <a:cxnLst>
+                <a:cxn ang="0">
+                  <a:pos x="connsiteX0" y="connsiteY0"/>
+                </a:cxn>
+                <a:cxn ang="0">
+                  <a:pos x="connsiteX1" y="connsiteY1"/>
+                </a:cxn>
+                <a:cxn ang="0">
+                  <a:pos x="connsiteX2" y="connsiteY2"/>
+                </a:cxn>
+                <a:cxn ang="0">
+                  <a:pos x="connsiteX3" y="connsiteY3"/>
+                </a:cxn>
+                <a:cxn ang="0">
+                  <a:pos x="connsiteX4" y="connsiteY4"/>
+                </a:cxn>
+              </a:cxnLst>
+              <a:rect l="l" t="t" r="r" b="b"/>
+              <a:pathLst>
+                <a:path w="2611581" h="2554287">
+                  <a:moveTo>
+                    <a:pt x="675409" y="0"/>
+                  </a:moveTo>
+                  <a:lnTo>
+                    <a:pt x="2611581" y="0"/>
+                  </a:lnTo>
+                  <a:lnTo>
+                    <a:pt x="2611581" y="2554287"/>
+                  </a:lnTo>
+                  <a:lnTo>
+                    <a:pt x="0" y="2554287"/>
+                  </a:lnTo>
+                  <a:lnTo>
+                    <a:pt x="675409" y="0"/>
+                  </a:lnTo>
+                  <a:close/>
+                </a:path>
+              </a:pathLst>
+            </a:custGeom>
+            <a:ln>
+              <a:noFill/>
+            </a:ln>
+          </p:spPr>
+          <p:style>
+            <a:lnRef idx="2">
+              <a:schemeClr val="accent1">
+                <a:shade val="50000"/>
+              </a:schemeClr>
+            </a:lnRef>
+            <a:fillRef idx="1">
+              <a:schemeClr val="accent1"/>
+            </a:fillRef>
+            <a:effectRef idx="0">
+              <a:schemeClr val="accent1"/>
+            </a:effectRef>
+            <a:fontRef idx="minor">
+              <a:schemeClr val="lt1"/>
+            </a:fontRef>
+          </p:style>
+          <p:txBody>
+            <a:bodyPr rtlCol="0" anchor="ctr"/>
+            <a:lstStyle/>
+            <a:p>
+              <a:pPr algn="ctr"/>
+              <a:endParaRPr lang="en-US"/>
+            </a:p>
+          </p:txBody>
+        </p:sp>
+        <p:sp useBgFill="1">
+          <p:nvSpPr>
+            <p:cNvPr id="24" name="Rectangle 20">
+              <a:extLst>
+                <a:ext uri="{FF2B5EF4-FFF2-40B4-BE49-F238E27FC236}">
+                  <a16:creationId xmlns:a16="http://schemas.microsoft.com/office/drawing/2014/main" id="{6B04D505-A84F-4973-9090-0F1ACF7ABDF2}"/>
+                </a:ext>
+                <a:ext uri="{C183D7F6-B498-43B3-948B-1728B52AA6E4}">
+                  <adec:decorative xmlns:adec="http://schemas.microsoft.com/office/drawing/2017/decorative" val="1"/>
+                </a:ext>
+              </a:extLst>
+            </p:cNvPr>
+            <p:cNvSpPr/>
+            <p:nvPr>
+              <p:extLst>
+                <p:ext uri="{386F3935-93C4-4BCD-93E2-E3B085C9AB24}">
+                  <p16:designElem xmlns:p16="http://schemas.microsoft.com/office/powerpoint/2015/main" val="1"/>
+                </p:ext>
+              </p:extLst>
+            </p:nvPr>
+          </p:nvSpPr>
+          <p:spPr>
+            <a:xfrm>
+              <a:off x="2836718" y="2554287"/>
+              <a:ext cx="2611581" cy="4303713"/>
+            </a:xfrm>
+            <a:custGeom>
+              <a:avLst/>
+              <a:gdLst>
+                <a:gd name="connsiteX0" fmla="*/ 0 w 2611581"/>
+                <a:gd name="connsiteY0" fmla="*/ 0 h 4303713"/>
+                <a:gd name="connsiteX1" fmla="*/ 2611581 w 2611581"/>
+                <a:gd name="connsiteY1" fmla="*/ 0 h 4303713"/>
+                <a:gd name="connsiteX2" fmla="*/ 2611581 w 2611581"/>
+                <a:gd name="connsiteY2" fmla="*/ 4303713 h 4303713"/>
+                <a:gd name="connsiteX3" fmla="*/ 0 w 2611581"/>
+                <a:gd name="connsiteY3" fmla="*/ 4303713 h 4303713"/>
+                <a:gd name="connsiteX4" fmla="*/ 0 w 2611581"/>
+                <a:gd name="connsiteY4" fmla="*/ 0 h 4303713"/>
+                <a:gd name="connsiteX0" fmla="*/ 0 w 2611581"/>
+                <a:gd name="connsiteY0" fmla="*/ 0 h 4314104"/>
+                <a:gd name="connsiteX1" fmla="*/ 2611581 w 2611581"/>
+                <a:gd name="connsiteY1" fmla="*/ 0 h 4314104"/>
+                <a:gd name="connsiteX2" fmla="*/ 2611581 w 2611581"/>
+                <a:gd name="connsiteY2" fmla="*/ 4303713 h 4314104"/>
+                <a:gd name="connsiteX3" fmla="*/ 1693718 w 2611581"/>
+                <a:gd name="connsiteY3" fmla="*/ 4314104 h 4314104"/>
+                <a:gd name="connsiteX4" fmla="*/ 0 w 2611581"/>
+                <a:gd name="connsiteY4" fmla="*/ 0 h 4314104"/>
+                <a:gd name="connsiteX0" fmla="*/ 0 w 2611581"/>
+                <a:gd name="connsiteY0" fmla="*/ 0 h 4314104"/>
+                <a:gd name="connsiteX1" fmla="*/ 2611581 w 2611581"/>
+                <a:gd name="connsiteY1" fmla="*/ 0 h 4314104"/>
+                <a:gd name="connsiteX2" fmla="*/ 2611581 w 2611581"/>
+                <a:gd name="connsiteY2" fmla="*/ 4303713 h 4314104"/>
+                <a:gd name="connsiteX3" fmla="*/ 1963882 w 2611581"/>
+                <a:gd name="connsiteY3" fmla="*/ 4314104 h 4314104"/>
+                <a:gd name="connsiteX4" fmla="*/ 0 w 2611581"/>
+                <a:gd name="connsiteY4" fmla="*/ 0 h 4314104"/>
+                <a:gd name="connsiteX0" fmla="*/ 0 w 2611581"/>
+                <a:gd name="connsiteY0" fmla="*/ 0 h 4303713"/>
+                <a:gd name="connsiteX1" fmla="*/ 2611581 w 2611581"/>
+                <a:gd name="connsiteY1" fmla="*/ 0 h 4303713"/>
+                <a:gd name="connsiteX2" fmla="*/ 2611581 w 2611581"/>
+                <a:gd name="connsiteY2" fmla="*/ 4303713 h 4303713"/>
+                <a:gd name="connsiteX3" fmla="*/ 2213264 w 2611581"/>
+                <a:gd name="connsiteY3" fmla="*/ 4293322 h 4303713"/>
+                <a:gd name="connsiteX4" fmla="*/ 0 w 2611581"/>
+                <a:gd name="connsiteY4" fmla="*/ 0 h 4303713"/>
+                <a:gd name="connsiteX0" fmla="*/ 0 w 2611581"/>
+                <a:gd name="connsiteY0" fmla="*/ 0 h 4303713"/>
+                <a:gd name="connsiteX1" fmla="*/ 2611581 w 2611581"/>
+                <a:gd name="connsiteY1" fmla="*/ 0 h 4303713"/>
+                <a:gd name="connsiteX2" fmla="*/ 2611581 w 2611581"/>
+                <a:gd name="connsiteY2" fmla="*/ 4303713 h 4303713"/>
+                <a:gd name="connsiteX3" fmla="*/ 2171701 w 2611581"/>
+                <a:gd name="connsiteY3" fmla="*/ 3638695 h 4303713"/>
+                <a:gd name="connsiteX4" fmla="*/ 0 w 2611581"/>
+                <a:gd name="connsiteY4" fmla="*/ 0 h 4303713"/>
+              </a:gdLst>
+              <a:ahLst/>
+              <a:cxnLst>
+                <a:cxn ang="0">
+                  <a:pos x="connsiteX0" y="connsiteY0"/>
+                </a:cxn>
+                <a:cxn ang="0">
+                  <a:pos x="connsiteX1" y="connsiteY1"/>
+                </a:cxn>
+                <a:cxn ang="0">
+                  <a:pos x="connsiteX2" y="connsiteY2"/>
+                </a:cxn>
+                <a:cxn ang="0">
+                  <a:pos x="connsiteX3" y="connsiteY3"/>
+                </a:cxn>
+                <a:cxn ang="0">
+                  <a:pos x="connsiteX4" y="connsiteY4"/>
+                </a:cxn>
+              </a:cxnLst>
+              <a:rect l="l" t="t" r="r" b="b"/>
+              <a:pathLst>
+                <a:path w="2611581" h="4303713">
+                  <a:moveTo>
+                    <a:pt x="0" y="0"/>
+                  </a:moveTo>
+                  <a:lnTo>
+                    <a:pt x="2611581" y="0"/>
+                  </a:lnTo>
+                  <a:lnTo>
+                    <a:pt x="2611581" y="4303713"/>
+                  </a:lnTo>
+                  <a:lnTo>
+                    <a:pt x="2171701" y="3638695"/>
+                  </a:lnTo>
+                  <a:lnTo>
+                    <a:pt x="0" y="0"/>
+                  </a:lnTo>
+                  <a:close/>
+                </a:path>
+              </a:pathLst>
+            </a:custGeom>
+            <a:ln>
+              <a:noFill/>
+            </a:ln>
+          </p:spPr>
+          <p:style>
+            <a:lnRef idx="2">
+              <a:schemeClr val="accent1">
+                <a:shade val="50000"/>
+              </a:schemeClr>
+            </a:lnRef>
+            <a:fillRef idx="1">
+              <a:schemeClr val="accent1"/>
+            </a:fillRef>
+            <a:effectRef idx="0">
+              <a:schemeClr val="accent1"/>
+            </a:effectRef>
+            <a:fontRef idx="minor">
+              <a:schemeClr val="lt1"/>
+            </a:fontRef>
+          </p:style>
+          <p:txBody>
+            <a:bodyPr rtlCol="0" anchor="ctr"/>
+            <a:lstStyle/>
+            <a:p>
+              <a:pPr algn="ctr"/>
+              <a:endParaRPr lang="en-US"/>
+            </a:p>
+          </p:txBody>
+        </p:sp>
+      </p:grpSp>
+      <p:grpSp>
+        <p:nvGrpSpPr>
+          <p:cNvPr id="25" name="Group 15">
+            <a:extLst>
+              <a:ext uri="{FF2B5EF4-FFF2-40B4-BE49-F238E27FC236}">
+                <a16:creationId xmlns:a16="http://schemas.microsoft.com/office/drawing/2014/main" id="{945CE9A4-4A26-4B57-A688-E6D3A8498AB1}"/>
+              </a:ext>
+              <a:ext uri="{C183D7F6-B498-43B3-948B-1728B52AA6E4}">
+                <adec:decorative xmlns:adec="http://schemas.microsoft.com/office/drawing/2017/decorative" val="1"/>
+              </a:ext>
+            </a:extLst>
+          </p:cNvPr>
+          <p:cNvGrpSpPr>
+            <a:grpSpLocks noGrp="1" noUngrp="1" noRot="1" noChangeAspect="1" noMove="1" noResize="1"/>
+          </p:cNvGrpSpPr>
+          <p:nvPr>
+            <p:extLst>
+              <p:ext uri="{386F3935-93C4-4BCD-93E2-E3B085C9AB24}">
+                <p16:designElem xmlns:p16="http://schemas.microsoft.com/office/powerpoint/2015/main" val="1"/>
+              </p:ext>
+            </p:extLst>
+          </p:nvPr>
+        </p:nvGrpSpPr>
+        <p:grpSpPr>
+          <a:xfrm>
+            <a:off x="2959100" y="-4763"/>
+            <a:ext cx="5014912" cy="6862763"/>
+            <a:chOff x="2928938" y="-4763"/>
+            <a:chExt cx="5014912" cy="6862763"/>
+          </a:xfrm>
+        </p:grpSpPr>
+        <p:sp>
+          <p:nvSpPr>
+            <p:cNvPr id="17" name="Freeform 6">
+              <a:extLst>
+                <a:ext uri="{FF2B5EF4-FFF2-40B4-BE49-F238E27FC236}">
+                  <a16:creationId xmlns:a16="http://schemas.microsoft.com/office/drawing/2014/main" id="{1FA9CDC9-B659-42F5-9DA2-70B1A39453BC}"/>
+                </a:ext>
+                <a:ext uri="{C183D7F6-B498-43B3-948B-1728B52AA6E4}">
+                  <adec:decorative xmlns:adec="http://schemas.microsoft.com/office/drawing/2017/decorative" val="1"/>
+                </a:ext>
+              </a:extLst>
+            </p:cNvPr>
+            <p:cNvSpPr/>
+            <p:nvPr>
+              <p:extLst>
+                <p:ext uri="{386F3935-93C4-4BCD-93E2-E3B085C9AB24}">
+                  <p16:designElem xmlns:p16="http://schemas.microsoft.com/office/powerpoint/2015/main" val="1"/>
+                </p:ext>
+              </p:extLst>
+            </p:nvPr>
+          </p:nvSpPr>
+          <p:spPr bwMode="auto">
+            <a:xfrm>
+              <a:off x="3367088" y="-4763"/>
+              <a:ext cx="1063625" cy="2782888"/>
+            </a:xfrm>
+            <a:custGeom>
+              <a:avLst/>
+              <a:gdLst/>
+              <a:ahLst/>
+              <a:cxnLst/>
+              <a:rect l="0" t="0" r="r" b="b"/>
+              <a:pathLst>
+                <a:path w="670" h="1753">
+                  <a:moveTo>
+                    <a:pt x="0" y="1696"/>
+                  </a:moveTo>
+                  <a:lnTo>
+                    <a:pt x="225" y="1753"/>
+                  </a:lnTo>
+                  <a:lnTo>
+                    <a:pt x="670" y="0"/>
+                  </a:lnTo>
+                  <a:lnTo>
+                    <a:pt x="430" y="0"/>
+                  </a:lnTo>
+                  <a:lnTo>
+                    <a:pt x="0" y="1696"/>
+                  </a:lnTo>
+                  <a:close/>
+                </a:path>
+              </a:pathLst>
+            </a:custGeom>
+            <a:solidFill>
+              <a:schemeClr val="accent1"/>
+            </a:solidFill>
+            <a:ln>
+              <a:noFill/>
+            </a:ln>
+          </p:spPr>
+        </p:sp>
+        <p:sp>
+          <p:nvSpPr>
+            <p:cNvPr id="18" name="Freeform 7">
+              <a:extLst>
+                <a:ext uri="{FF2B5EF4-FFF2-40B4-BE49-F238E27FC236}">
+                  <a16:creationId xmlns:a16="http://schemas.microsoft.com/office/drawing/2014/main" id="{C007AF8D-D1A5-4CAC-AE7B-D2A3E72B8799}"/>
+                </a:ext>
+                <a:ext uri="{C183D7F6-B498-43B3-948B-1728B52AA6E4}">
+                  <adec:decorative xmlns:adec="http://schemas.microsoft.com/office/drawing/2017/decorative" val="1"/>
+                </a:ext>
+              </a:extLst>
+            </p:cNvPr>
+            <p:cNvSpPr/>
+            <p:nvPr>
+              <p:extLst>
+                <p:ext uri="{386F3935-93C4-4BCD-93E2-E3B085C9AB24}">
+                  <p16:designElem xmlns:p16="http://schemas.microsoft.com/office/powerpoint/2015/main" val="1"/>
+                </p:ext>
+              </p:extLst>
+            </p:nvPr>
+          </p:nvSpPr>
+          <p:spPr bwMode="auto">
+            <a:xfrm>
+              <a:off x="2928938" y="-4763"/>
+              <a:ext cx="1035050" cy="2673350"/>
+            </a:xfrm>
+            <a:custGeom>
+              <a:avLst/>
+              <a:gdLst/>
+              <a:ahLst/>
+              <a:cxnLst/>
+              <a:rect l="0" t="0" r="r" b="b"/>
+              <a:pathLst>
+                <a:path w="652" h="1684">
+                  <a:moveTo>
+                    <a:pt x="225" y="1684"/>
+                  </a:moveTo>
+                  <a:lnTo>
+                    <a:pt x="652" y="0"/>
+                  </a:lnTo>
+                  <a:lnTo>
+                    <a:pt x="411" y="0"/>
+                  </a:lnTo>
+                  <a:lnTo>
+                    <a:pt x="0" y="1627"/>
+                  </a:lnTo>
+                  <a:lnTo>
+                    <a:pt x="219" y="1681"/>
+                  </a:lnTo>
+                  <a:lnTo>
+                    <a:pt x="225" y="1684"/>
+                  </a:lnTo>
+                  <a:close/>
+                </a:path>
+              </a:pathLst>
+            </a:custGeom>
+            <a:solidFill>
+              <a:schemeClr val="tx1">
+                <a:lumMod val="65000"/>
+                <a:lumOff val="35000"/>
+              </a:schemeClr>
+            </a:solidFill>
+            <a:ln>
+              <a:noFill/>
+            </a:ln>
+          </p:spPr>
+        </p:sp>
+        <p:sp>
+          <p:nvSpPr>
+            <p:cNvPr id="19" name="Freeform 9">
+              <a:extLst>
+                <a:ext uri="{FF2B5EF4-FFF2-40B4-BE49-F238E27FC236}">
+                  <a16:creationId xmlns:a16="http://schemas.microsoft.com/office/drawing/2014/main" id="{096A8434-7327-4C0E-BAAF-F4D86BBDFA51}"/>
+                </a:ext>
+                <a:ext uri="{C183D7F6-B498-43B3-948B-1728B52AA6E4}">
+                  <adec:decorative xmlns:adec="http://schemas.microsoft.com/office/drawing/2017/decorative" val="1"/>
+                </a:ext>
+              </a:extLst>
+            </p:cNvPr>
+            <p:cNvSpPr/>
+            <p:nvPr>
+              <p:extLst>
+                <p:ext uri="{386F3935-93C4-4BCD-93E2-E3B085C9AB24}">
+                  <p16:designElem xmlns:p16="http://schemas.microsoft.com/office/powerpoint/2015/main" val="1"/>
+                </p:ext>
+              </p:extLst>
+            </p:nvPr>
+          </p:nvSpPr>
+          <p:spPr bwMode="auto">
+            <a:xfrm>
+              <a:off x="2928938" y="2582862"/>
+              <a:ext cx="2693987" cy="4275138"/>
+            </a:xfrm>
+            <a:custGeom>
+              <a:avLst/>
+              <a:gdLst/>
+              <a:ahLst/>
+              <a:cxnLst/>
+              <a:rect l="0" t="0" r="r" b="b"/>
+              <a:pathLst>
+                <a:path w="1697" h="2693">
+                  <a:moveTo>
+                    <a:pt x="0" y="0"/>
+                  </a:moveTo>
+                  <a:lnTo>
+                    <a:pt x="1622" y="2693"/>
+                  </a:lnTo>
+                  <a:lnTo>
+                    <a:pt x="1697" y="2693"/>
+                  </a:lnTo>
+                  <a:lnTo>
+                    <a:pt x="0" y="0"/>
+                  </a:lnTo>
+                  <a:close/>
+                </a:path>
+              </a:pathLst>
+            </a:custGeom>
+            <a:solidFill>
+              <a:schemeClr val="tx1">
+                <a:lumMod val="85000"/>
+                <a:lumOff val="15000"/>
+              </a:schemeClr>
+            </a:solidFill>
+            <a:ln>
+              <a:noFill/>
+            </a:ln>
+          </p:spPr>
+        </p:sp>
+        <p:sp>
+          <p:nvSpPr>
+            <p:cNvPr id="20" name="Freeform 10">
+              <a:extLst>
+                <a:ext uri="{FF2B5EF4-FFF2-40B4-BE49-F238E27FC236}">
+                  <a16:creationId xmlns:a16="http://schemas.microsoft.com/office/drawing/2014/main" id="{602C7E10-50F7-489D-8249-9ECB0B456F59}"/>
+                </a:ext>
+                <a:ext uri="{C183D7F6-B498-43B3-948B-1728B52AA6E4}">
+                  <adec:decorative xmlns:adec="http://schemas.microsoft.com/office/drawing/2017/decorative" val="1"/>
+                </a:ext>
+              </a:extLst>
+            </p:cNvPr>
+            <p:cNvSpPr/>
+            <p:nvPr>
+              <p:extLst>
+                <p:ext uri="{386F3935-93C4-4BCD-93E2-E3B085C9AB24}">
+                  <p16:designElem xmlns:p16="http://schemas.microsoft.com/office/powerpoint/2015/main" val="1"/>
+                </p:ext>
+              </p:extLst>
+            </p:nvPr>
+          </p:nvSpPr>
+          <p:spPr bwMode="auto">
+            <a:xfrm>
+              <a:off x="3371850" y="2692400"/>
+              <a:ext cx="3332162" cy="4165600"/>
+            </a:xfrm>
+            <a:custGeom>
+              <a:avLst/>
+              <a:gdLst/>
+              <a:ahLst/>
+              <a:cxnLst/>
+              <a:rect l="0" t="0" r="r" b="b"/>
+              <a:pathLst>
+                <a:path w="2099" h="2624">
+                  <a:moveTo>
+                    <a:pt x="2099" y="2624"/>
+                  </a:moveTo>
+                  <a:lnTo>
+                    <a:pt x="0" y="0"/>
+                  </a:lnTo>
+                  <a:lnTo>
+                    <a:pt x="2021" y="2624"/>
+                  </a:lnTo>
+                  <a:lnTo>
+                    <a:pt x="2099" y="2624"/>
+                  </a:lnTo>
+                  <a:close/>
+                </a:path>
+              </a:pathLst>
+            </a:custGeom>
+            <a:solidFill>
+              <a:schemeClr val="accent1">
+                <a:lumMod val="50000"/>
+              </a:schemeClr>
+            </a:solidFill>
+            <a:ln>
+              <a:noFill/>
+            </a:ln>
+          </p:spPr>
+        </p:sp>
+        <p:sp>
+          <p:nvSpPr>
+            <p:cNvPr id="21" name="Freeform 11">
+              <a:extLst>
+                <a:ext uri="{FF2B5EF4-FFF2-40B4-BE49-F238E27FC236}">
+                  <a16:creationId xmlns:a16="http://schemas.microsoft.com/office/drawing/2014/main" id="{950DCCEA-5572-4095-A960-C569CF69225A}"/>
+                </a:ext>
+                <a:ext uri="{C183D7F6-B498-43B3-948B-1728B52AA6E4}">
+                  <adec:decorative xmlns:adec="http://schemas.microsoft.com/office/drawing/2017/decorative" val="1"/>
+                </a:ext>
+              </a:extLst>
+            </p:cNvPr>
+            <p:cNvSpPr/>
+            <p:nvPr>
+              <p:extLst>
+                <p:ext uri="{386F3935-93C4-4BCD-93E2-E3B085C9AB24}">
+                  <p16:designElem xmlns:p16="http://schemas.microsoft.com/office/powerpoint/2015/main" val="1"/>
+                </p:ext>
+              </p:extLst>
+            </p:nvPr>
+          </p:nvSpPr>
+          <p:spPr bwMode="auto">
+            <a:xfrm>
+              <a:off x="3367088" y="2687637"/>
+              <a:ext cx="4576762" cy="4170363"/>
+            </a:xfrm>
+            <a:custGeom>
+              <a:avLst/>
+              <a:gdLst/>
+              <a:ahLst/>
+              <a:cxnLst/>
+              <a:rect l="0" t="0" r="r" b="b"/>
+              <a:pathLst>
+                <a:path w="2883" h="2627">
+                  <a:moveTo>
+                    <a:pt x="0" y="0"/>
+                  </a:moveTo>
+                  <a:lnTo>
+                    <a:pt x="3" y="3"/>
+                  </a:lnTo>
+                  <a:lnTo>
+                    <a:pt x="2102" y="2627"/>
+                  </a:lnTo>
+                  <a:lnTo>
+                    <a:pt x="2883" y="2627"/>
+                  </a:lnTo>
+                  <a:lnTo>
+                    <a:pt x="225" y="57"/>
+                  </a:lnTo>
+                  <a:lnTo>
+                    <a:pt x="0" y="0"/>
+                  </a:lnTo>
+                  <a:close/>
+                </a:path>
+              </a:pathLst>
+            </a:custGeom>
+            <a:solidFill>
+              <a:schemeClr val="accent1">
+                <a:lumMod val="75000"/>
+              </a:schemeClr>
+            </a:solidFill>
+            <a:ln>
+              <a:noFill/>
+            </a:ln>
+          </p:spPr>
+        </p:sp>
+        <p:sp>
+          <p:nvSpPr>
+            <p:cNvPr id="22" name="Freeform 12">
+              <a:extLst>
+                <a:ext uri="{FF2B5EF4-FFF2-40B4-BE49-F238E27FC236}">
+                  <a16:creationId xmlns:a16="http://schemas.microsoft.com/office/drawing/2014/main" id="{5CDFA5C2-7CC1-4739-B874-1ABBCDECFBF9}"/>
+                </a:ext>
+                <a:ext uri="{C183D7F6-B498-43B3-948B-1728B52AA6E4}">
+                  <adec:decorative xmlns:adec="http://schemas.microsoft.com/office/drawing/2017/decorative" val="1"/>
+                </a:ext>
+              </a:extLst>
+            </p:cNvPr>
+            <p:cNvSpPr/>
+            <p:nvPr>
+              <p:extLst>
+                <p:ext uri="{386F3935-93C4-4BCD-93E2-E3B085C9AB24}">
+                  <p16:designElem xmlns:p16="http://schemas.microsoft.com/office/powerpoint/2015/main" val="1"/>
+                </p:ext>
+              </p:extLst>
+            </p:nvPr>
+          </p:nvSpPr>
+          <p:spPr bwMode="auto">
+            <a:xfrm>
+              <a:off x="2928938" y="2578100"/>
+              <a:ext cx="3584575" cy="4279900"/>
+            </a:xfrm>
+            <a:custGeom>
+              <a:avLst/>
+              <a:gdLst/>
+              <a:ahLst/>
+              <a:cxnLst/>
+              <a:rect l="0" t="0" r="r" b="b"/>
+              <a:pathLst>
+                <a:path w="2258" h="2696">
+                  <a:moveTo>
+                    <a:pt x="2258" y="2696"/>
+                  </a:moveTo>
+                  <a:lnTo>
+                    <a:pt x="264" y="111"/>
+                  </a:lnTo>
+                  <a:lnTo>
+                    <a:pt x="228" y="60"/>
+                  </a:lnTo>
+                  <a:lnTo>
+                    <a:pt x="225" y="57"/>
+                  </a:lnTo>
+                  <a:lnTo>
+                    <a:pt x="0" y="0"/>
+                  </a:lnTo>
+                  <a:lnTo>
+                    <a:pt x="0" y="3"/>
+                  </a:lnTo>
+                  <a:lnTo>
+                    <a:pt x="1697" y="2696"/>
+                  </a:lnTo>
+                  <a:lnTo>
+                    <a:pt x="2258" y="2696"/>
+                  </a:lnTo>
+                  <a:close/>
+                </a:path>
+              </a:pathLst>
+            </a:custGeom>
+            <a:solidFill>
+              <a:schemeClr val="tx1">
+                <a:lumMod val="75000"/>
+                <a:lumOff val="25000"/>
+              </a:schemeClr>
+            </a:solidFill>
+            <a:ln>
+              <a:noFill/>
+            </a:ln>
+          </p:spPr>
+        </p:sp>
+      </p:grpSp>
       <p:sp>
         <p:nvSpPr>
           <p:cNvPr id="2" name="Title 1">
@@ -3337,12 +7434,23 @@
             <p:ph type="ctrTitle"/>
           </p:nvPr>
         </p:nvSpPr>
-        <p:spPr/>
-        <p:txBody>
-          <a:bodyPr/>
+        <p:spPr>
+          <a:xfrm>
+            <a:off x="4978399" y="1380068"/>
+            <a:ext cx="6524623" cy="2616199"/>
+          </a:xfrm>
+        </p:spPr>
+        <p:txBody>
+          <a:bodyPr>
+            <a:normAutofit/>
+          </a:bodyPr>
           <a:lstStyle/>
           <a:p>
-            <a:endParaRPr lang="en-US"/>
+            <a:r>
+              <a:rPr lang="en-US"/>
+              <a:t>ISQA 8150 Research Project</a:t>
+            </a:r>
+            <a:endParaRPr lang="en-US" dirty="0"/>
           </a:p>
         </p:txBody>
       </p:sp>
@@ -3362,12 +7470,22 @@
             <p:ph type="subTitle" idx="1"/>
           </p:nvPr>
         </p:nvSpPr>
-        <p:spPr/>
-        <p:txBody>
-          <a:bodyPr/>
+        <p:spPr>
+          <a:xfrm>
+            <a:off x="6170611" y="3996267"/>
+            <a:ext cx="5332411" cy="1388534"/>
+          </a:xfrm>
+        </p:spPr>
+        <p:txBody>
+          <a:bodyPr>
+            <a:normAutofit/>
+          </a:bodyPr>
           <a:lstStyle/>
           <a:p>
-            <a:endParaRPr lang="en-US"/>
+            <a:r>
+              <a:rPr lang="en-US" dirty="0"/>
+              <a:t>By Joshua Ellis, Alex Daly, and Satwik Chandra</a:t>
+            </a:r>
           </a:p>
         </p:txBody>
       </p:sp>
@@ -3381,13 +7499,1175 @@
   <p:clrMapOvr>
     <a:masterClrMapping/>
   </p:clrMapOvr>
+  <p:timing>
+    <p:tnLst>
+      <p:par>
+        <p:cTn id="1" dur="indefinite" restart="never" nodeType="tmRoot">
+          <p:childTnLst>
+            <p:seq concurrent="1" nextAc="seek">
+              <p:cTn id="2" dur="indefinite" nodeType="mainSeq">
+                <p:childTnLst>
+                  <p:par>
+                    <p:cTn id="3" fill="hold">
+                      <p:stCondLst>
+                        <p:cond delay="indefinite"/>
+                        <p:cond evt="onBegin" delay="0">
+                          <p:tn val="2"/>
+                        </p:cond>
+                      </p:stCondLst>
+                      <p:childTnLst>
+                        <p:par>
+                          <p:cTn id="4" fill="hold">
+                            <p:stCondLst>
+                              <p:cond delay="0"/>
+                            </p:stCondLst>
+                            <p:childTnLst>
+                              <p:par>
+                                <p:cTn id="5" presetID="10" presetClass="entr" presetSubtype="0" fill="hold" grpId="0" nodeType="withEffect">
+                                  <p:stCondLst>
+                                    <p:cond delay="2000"/>
+                                  </p:stCondLst>
+                                  <p:iterate type="lt">
+                                    <p:tmPct val="10000"/>
+                                  </p:iterate>
+                                  <p:childTnLst>
+                                    <p:set>
+                                      <p:cBhvr>
+                                        <p:cTn id="6" dur="1" fill="hold">
+                                          <p:stCondLst>
+                                            <p:cond delay="0"/>
+                                          </p:stCondLst>
+                                        </p:cTn>
+                                        <p:tgtEl>
+                                          <p:spTgt spid="3">
+                                            <p:txEl>
+                                              <p:pRg st="0" end="0"/>
+                                            </p:txEl>
+                                          </p:spTgt>
+                                        </p:tgtEl>
+                                        <p:attrNameLst>
+                                          <p:attrName>style.visibility</p:attrName>
+                                        </p:attrNameLst>
+                                      </p:cBhvr>
+                                      <p:to>
+                                        <p:strVal val="visible"/>
+                                      </p:to>
+                                    </p:set>
+                                    <p:animEffect transition="in" filter="fade">
+                                      <p:cBhvr>
+                                        <p:cTn id="7" dur="400"/>
+                                        <p:tgtEl>
+                                          <p:spTgt spid="3">
+                                            <p:txEl>
+                                              <p:pRg st="0" end="0"/>
+                                            </p:txEl>
+                                          </p:spTgt>
+                                        </p:tgtEl>
+                                      </p:cBhvr>
+                                    </p:animEffect>
+                                  </p:childTnLst>
+                                </p:cTn>
+                              </p:par>
+                              <p:par>
+                                <p:cTn id="8" presetID="10" presetClass="entr" presetSubtype="0" fill="hold" grpId="0" nodeType="withEffect">
+                                  <p:stCondLst>
+                                    <p:cond delay="1000"/>
+                                  </p:stCondLst>
+                                  <p:iterate type="lt">
+                                    <p:tmPct val="10000"/>
+                                  </p:iterate>
+                                  <p:childTnLst>
+                                    <p:set>
+                                      <p:cBhvr>
+                                        <p:cTn id="9" dur="1" fill="hold">
+                                          <p:stCondLst>
+                                            <p:cond delay="0"/>
+                                          </p:stCondLst>
+                                        </p:cTn>
+                                        <p:tgtEl>
+                                          <p:spTgt spid="2"/>
+                                        </p:tgtEl>
+                                        <p:attrNameLst>
+                                          <p:attrName>style.visibility</p:attrName>
+                                        </p:attrNameLst>
+                                      </p:cBhvr>
+                                      <p:to>
+                                        <p:strVal val="visible"/>
+                                      </p:to>
+                                    </p:set>
+                                    <p:animEffect transition="in" filter="fade">
+                                      <p:cBhvr>
+                                        <p:cTn id="10" dur="400"/>
+                                        <p:tgtEl>
+                                          <p:spTgt spid="2"/>
+                                        </p:tgtEl>
+                                      </p:cBhvr>
+                                    </p:animEffect>
+                                  </p:childTnLst>
+                                </p:cTn>
+                              </p:par>
+                            </p:childTnLst>
+                          </p:cTn>
+                        </p:par>
+                      </p:childTnLst>
+                    </p:cTn>
+                  </p:par>
+                </p:childTnLst>
+              </p:cTn>
+              <p:prevCondLst>
+                <p:cond evt="onPrev" delay="0">
+                  <p:tgtEl>
+                    <p:sldTgt/>
+                  </p:tgtEl>
+                </p:cond>
+              </p:prevCondLst>
+              <p:nextCondLst>
+                <p:cond evt="onNext" delay="0">
+                  <p:tgtEl>
+                    <p:sldTgt/>
+                  </p:tgtEl>
+                </p:cond>
+              </p:nextCondLst>
+            </p:seq>
+          </p:childTnLst>
+        </p:cTn>
+      </p:par>
+    </p:tnLst>
+    <p:bldLst>
+      <p:bldP spid="2" grpId="0"/>
+      <p:bldP spid="3" grpId="0" build="p"/>
+    </p:bldLst>
+  </p:timing>
+</p:sld>
+</file>
+
+<file path=ppt/slides/slide2.xml><?xml version="1.0" encoding="utf-8"?>
+<p:sld xmlns:a="http://schemas.openxmlformats.org/drawingml/2006/main" xmlns:r="http://schemas.openxmlformats.org/officeDocument/2006/relationships" xmlns:p="http://schemas.openxmlformats.org/presentationml/2006/main">
+  <p:cSld>
+    <p:spTree>
+      <p:nvGrpSpPr>
+        <p:cNvPr id="1" name=""/>
+        <p:cNvGrpSpPr/>
+        <p:nvPr/>
+      </p:nvGrpSpPr>
+      <p:grpSpPr>
+        <a:xfrm>
+          <a:off x="0" y="0"/>
+          <a:ext cx="0" cy="0"/>
+          <a:chOff x="0" y="0"/>
+          <a:chExt cx="0" cy="0"/>
+        </a:xfrm>
+      </p:grpSpPr>
+      <p:sp>
+        <p:nvSpPr>
+          <p:cNvPr id="2" name="Title 1">
+            <a:extLst>
+              <a:ext uri="{FF2B5EF4-FFF2-40B4-BE49-F238E27FC236}">
+                <a16:creationId xmlns:a16="http://schemas.microsoft.com/office/drawing/2014/main" id="{8005C1A6-65AA-AF17-A929-F7CD27AE197D}"/>
+              </a:ext>
+            </a:extLst>
+          </p:cNvPr>
+          <p:cNvSpPr>
+            <a:spLocks noGrp="1"/>
+          </p:cNvSpPr>
+          <p:nvPr>
+            <p:ph type="title"/>
+          </p:nvPr>
+        </p:nvSpPr>
+        <p:spPr/>
+        <p:txBody>
+          <a:bodyPr/>
+          <a:lstStyle/>
+          <a:p>
+            <a:r>
+              <a:rPr lang="en-US" dirty="0"/>
+              <a:t>Agenda</a:t>
+            </a:r>
+          </a:p>
+        </p:txBody>
+      </p:sp>
+      <p:sp>
+        <p:nvSpPr>
+          <p:cNvPr id="3" name="Content Placeholder 2">
+            <a:extLst>
+              <a:ext uri="{FF2B5EF4-FFF2-40B4-BE49-F238E27FC236}">
+                <a16:creationId xmlns:a16="http://schemas.microsoft.com/office/drawing/2014/main" id="{2CA7B038-8EA6-4308-BD4D-E056055B20CA}"/>
+              </a:ext>
+            </a:extLst>
+          </p:cNvPr>
+          <p:cNvSpPr>
+            <a:spLocks noGrp="1"/>
+          </p:cNvSpPr>
+          <p:nvPr>
+            <p:ph idx="1"/>
+          </p:nvPr>
+        </p:nvSpPr>
+        <p:spPr/>
+        <p:txBody>
+          <a:bodyPr vert="horz" lIns="91440" tIns="45720" rIns="91440" bIns="45720" rtlCol="0" anchor="t">
+            <a:normAutofit/>
+          </a:bodyPr>
+          <a:lstStyle/>
+          <a:p>
+            <a:r>
+              <a:rPr lang="en-US" dirty="0">
+                <a:cs typeface="Calibri" panose="020F0502020204030204"/>
+              </a:rPr>
+              <a:t>Data Explanation</a:t>
+            </a:r>
+          </a:p>
+          <a:p>
+            <a:r>
+              <a:rPr lang="en-US" dirty="0">
+                <a:cs typeface="Calibri" panose="020F0502020204030204"/>
+              </a:rPr>
+              <a:t>Descriptive Analysis</a:t>
+            </a:r>
+          </a:p>
+          <a:p>
+            <a:r>
+              <a:rPr lang="en-US" dirty="0">
+                <a:cs typeface="Calibri" panose="020F0502020204030204"/>
+              </a:rPr>
+              <a:t>Research Question 1 Analysis Method and Findings</a:t>
+            </a:r>
+          </a:p>
+          <a:p>
+            <a:r>
+              <a:rPr lang="en-US" dirty="0">
+                <a:cs typeface="Calibri" panose="020F0502020204030204"/>
+              </a:rPr>
+              <a:t>Research Question 2 Analysis Method and Findings</a:t>
+            </a:r>
+          </a:p>
+          <a:p>
+            <a:r>
+              <a:rPr lang="en-US" dirty="0">
+                <a:cs typeface="Calibri" panose="020F0502020204030204"/>
+              </a:rPr>
+              <a:t>Conclusions</a:t>
+            </a:r>
+          </a:p>
+        </p:txBody>
+      </p:sp>
+    </p:spTree>
+    <p:extLst>
+      <p:ext uri="{BB962C8B-B14F-4D97-AF65-F5344CB8AC3E}">
+        <p14:creationId xmlns:p14="http://schemas.microsoft.com/office/powerpoint/2010/main" val="2532035497"/>
+      </p:ext>
+    </p:extLst>
+  </p:cSld>
+  <p:clrMapOvr>
+    <a:masterClrMapping/>
+  </p:clrMapOvr>
+</p:sld>
+</file>
+
+<file path=ppt/slides/slide3.xml><?xml version="1.0" encoding="utf-8"?>
+<p:sld xmlns:a="http://schemas.openxmlformats.org/drawingml/2006/main" xmlns:r="http://schemas.openxmlformats.org/officeDocument/2006/relationships" xmlns:p="http://schemas.openxmlformats.org/presentationml/2006/main">
+  <p:cSld>
+    <p:spTree>
+      <p:nvGrpSpPr>
+        <p:cNvPr id="1" name=""/>
+        <p:cNvGrpSpPr/>
+        <p:nvPr/>
+      </p:nvGrpSpPr>
+      <p:grpSpPr>
+        <a:xfrm>
+          <a:off x="0" y="0"/>
+          <a:ext cx="0" cy="0"/>
+          <a:chOff x="0" y="0"/>
+          <a:chExt cx="0" cy="0"/>
+        </a:xfrm>
+      </p:grpSpPr>
+      <p:sp>
+        <p:nvSpPr>
+          <p:cNvPr id="2" name="Title 1">
+            <a:extLst>
+              <a:ext uri="{FF2B5EF4-FFF2-40B4-BE49-F238E27FC236}">
+                <a16:creationId xmlns:a16="http://schemas.microsoft.com/office/drawing/2014/main" id="{B198FF85-EA62-67A7-63C0-2C519B85ADC9}"/>
+              </a:ext>
+            </a:extLst>
+          </p:cNvPr>
+          <p:cNvSpPr>
+            <a:spLocks noGrp="1"/>
+          </p:cNvSpPr>
+          <p:nvPr>
+            <p:ph type="title"/>
+          </p:nvPr>
+        </p:nvSpPr>
+        <p:spPr/>
+        <p:txBody>
+          <a:bodyPr/>
+          <a:lstStyle/>
+          <a:p>
+            <a:r>
+              <a:rPr lang="en-US" dirty="0"/>
+              <a:t>Omaha Girls Rock Data</a:t>
+            </a:r>
+          </a:p>
+        </p:txBody>
+      </p:sp>
+      <p:sp>
+        <p:nvSpPr>
+          <p:cNvPr id="3" name="Content Placeholder 2">
+            <a:extLst>
+              <a:ext uri="{FF2B5EF4-FFF2-40B4-BE49-F238E27FC236}">
+                <a16:creationId xmlns:a16="http://schemas.microsoft.com/office/drawing/2014/main" id="{5C55FF53-7AC3-A241-E712-9238BF577646}"/>
+              </a:ext>
+            </a:extLst>
+          </p:cNvPr>
+          <p:cNvSpPr>
+            <a:spLocks noGrp="1"/>
+          </p:cNvSpPr>
+          <p:nvPr>
+            <p:ph idx="1"/>
+          </p:nvPr>
+        </p:nvSpPr>
+        <p:spPr/>
+        <p:txBody>
+          <a:bodyPr/>
+          <a:lstStyle/>
+          <a:p>
+            <a:endParaRPr lang="en-US"/>
+          </a:p>
+        </p:txBody>
+      </p:sp>
+    </p:spTree>
+    <p:extLst>
+      <p:ext uri="{BB962C8B-B14F-4D97-AF65-F5344CB8AC3E}">
+        <p14:creationId xmlns:p14="http://schemas.microsoft.com/office/powerpoint/2010/main" val="3678845139"/>
+      </p:ext>
+    </p:extLst>
+  </p:cSld>
+  <p:clrMapOvr>
+    <a:masterClrMapping/>
+  </p:clrMapOvr>
+</p:sld>
+</file>
+
+<file path=ppt/slides/slide4.xml><?xml version="1.0" encoding="utf-8"?>
+<p:sld xmlns:a="http://schemas.openxmlformats.org/drawingml/2006/main" xmlns:r="http://schemas.openxmlformats.org/officeDocument/2006/relationships" xmlns:p="http://schemas.openxmlformats.org/presentationml/2006/main">
+  <p:cSld>
+    <p:spTree>
+      <p:nvGrpSpPr>
+        <p:cNvPr id="1" name=""/>
+        <p:cNvGrpSpPr/>
+        <p:nvPr/>
+      </p:nvGrpSpPr>
+      <p:grpSpPr>
+        <a:xfrm>
+          <a:off x="0" y="0"/>
+          <a:ext cx="0" cy="0"/>
+          <a:chOff x="0" y="0"/>
+          <a:chExt cx="0" cy="0"/>
+        </a:xfrm>
+      </p:grpSpPr>
+      <p:sp>
+        <p:nvSpPr>
+          <p:cNvPr id="2" name="Title 1">
+            <a:extLst>
+              <a:ext uri="{FF2B5EF4-FFF2-40B4-BE49-F238E27FC236}">
+                <a16:creationId xmlns:a16="http://schemas.microsoft.com/office/drawing/2014/main" id="{D053BB6D-C95D-6580-47FD-DBC4AFC28408}"/>
+              </a:ext>
+            </a:extLst>
+          </p:cNvPr>
+          <p:cNvSpPr>
+            <a:spLocks noGrp="1"/>
+          </p:cNvSpPr>
+          <p:nvPr>
+            <p:ph type="title"/>
+          </p:nvPr>
+        </p:nvSpPr>
+        <p:spPr/>
+        <p:txBody>
+          <a:bodyPr/>
+          <a:lstStyle/>
+          <a:p>
+            <a:r>
+              <a:rPr lang="en-US" dirty="0"/>
+              <a:t>Descriptive Analysis</a:t>
+            </a:r>
+          </a:p>
+        </p:txBody>
+      </p:sp>
+      <p:sp>
+        <p:nvSpPr>
+          <p:cNvPr id="3" name="Content Placeholder 2">
+            <a:extLst>
+              <a:ext uri="{FF2B5EF4-FFF2-40B4-BE49-F238E27FC236}">
+                <a16:creationId xmlns:a16="http://schemas.microsoft.com/office/drawing/2014/main" id="{57890546-A912-FAED-B93C-A6425EA4240A}"/>
+              </a:ext>
+            </a:extLst>
+          </p:cNvPr>
+          <p:cNvSpPr>
+            <a:spLocks noGrp="1"/>
+          </p:cNvSpPr>
+          <p:nvPr>
+            <p:ph idx="1"/>
+          </p:nvPr>
+        </p:nvSpPr>
+        <p:spPr/>
+        <p:txBody>
+          <a:bodyPr/>
+          <a:lstStyle/>
+          <a:p>
+            <a:endParaRPr lang="en-US"/>
+          </a:p>
+        </p:txBody>
+      </p:sp>
+    </p:spTree>
+    <p:extLst>
+      <p:ext uri="{BB962C8B-B14F-4D97-AF65-F5344CB8AC3E}">
+        <p14:creationId xmlns:p14="http://schemas.microsoft.com/office/powerpoint/2010/main" val="2091668939"/>
+      </p:ext>
+    </p:extLst>
+  </p:cSld>
+  <p:clrMapOvr>
+    <a:masterClrMapping/>
+  </p:clrMapOvr>
+</p:sld>
+</file>
+
+<file path=ppt/slides/slide5.xml><?xml version="1.0" encoding="utf-8"?>
+<p:sld xmlns:a="http://schemas.openxmlformats.org/drawingml/2006/main" xmlns:r="http://schemas.openxmlformats.org/officeDocument/2006/relationships" xmlns:p="http://schemas.openxmlformats.org/presentationml/2006/main">
+  <p:cSld>
+    <p:spTree>
+      <p:nvGrpSpPr>
+        <p:cNvPr id="1" name=""/>
+        <p:cNvGrpSpPr/>
+        <p:nvPr/>
+      </p:nvGrpSpPr>
+      <p:grpSpPr>
+        <a:xfrm>
+          <a:off x="0" y="0"/>
+          <a:ext cx="0" cy="0"/>
+          <a:chOff x="0" y="0"/>
+          <a:chExt cx="0" cy="0"/>
+        </a:xfrm>
+      </p:grpSpPr>
+      <p:sp>
+        <p:nvSpPr>
+          <p:cNvPr id="2" name="Title 1">
+            <a:extLst>
+              <a:ext uri="{FF2B5EF4-FFF2-40B4-BE49-F238E27FC236}">
+                <a16:creationId xmlns:a16="http://schemas.microsoft.com/office/drawing/2014/main" id="{7867E369-892A-12FD-CBED-11DF602C00C8}"/>
+              </a:ext>
+            </a:extLst>
+          </p:cNvPr>
+          <p:cNvSpPr>
+            <a:spLocks noGrp="1"/>
+          </p:cNvSpPr>
+          <p:nvPr>
+            <p:ph type="title"/>
+          </p:nvPr>
+        </p:nvSpPr>
+        <p:spPr/>
+        <p:txBody>
+          <a:bodyPr>
+            <a:normAutofit fontScale="90000"/>
+          </a:bodyPr>
+          <a:lstStyle/>
+          <a:p>
+            <a:r>
+              <a:rPr lang="en-US" dirty="0"/>
+              <a:t>Are There Significant Differences in Answer Ratings for Various Outcomes Between the Younger Group and the Older Group?</a:t>
+            </a:r>
+          </a:p>
+        </p:txBody>
+      </p:sp>
+      <p:sp>
+        <p:nvSpPr>
+          <p:cNvPr id="3" name="Content Placeholder 2">
+            <a:extLst>
+              <a:ext uri="{FF2B5EF4-FFF2-40B4-BE49-F238E27FC236}">
+                <a16:creationId xmlns:a16="http://schemas.microsoft.com/office/drawing/2014/main" id="{3D9DE302-848E-A65F-56E5-7AB7E8727057}"/>
+              </a:ext>
+            </a:extLst>
+          </p:cNvPr>
+          <p:cNvSpPr>
+            <a:spLocks noGrp="1"/>
+          </p:cNvSpPr>
+          <p:nvPr>
+            <p:ph idx="1"/>
+          </p:nvPr>
+        </p:nvSpPr>
+        <p:spPr>
+          <a:xfrm>
+            <a:off x="1484310" y="2666999"/>
+            <a:ext cx="10479755" cy="4180754"/>
+          </a:xfrm>
+        </p:spPr>
+        <p:txBody>
+          <a:bodyPr>
+            <a:normAutofit fontScale="92500" lnSpcReduction="20000"/>
+          </a:bodyPr>
+          <a:lstStyle/>
+          <a:p>
+            <a:pPr marL="0" indent="0">
+              <a:buNone/>
+            </a:pPr>
+            <a:r>
+              <a:rPr lang="en-US" dirty="0">
+                <a:ea typeface="+mn-lt"/>
+                <a:cs typeface="+mn-lt"/>
+              </a:rPr>
+              <a:t>We are interested in comparing pretest and posttest results (delta scores) according to the age group of the participants. We would like to know which questions (if any) improved significantly between young and old group participants after the OGR program. Since we are aiming for positive improvements with $\</a:t>
+            </a:r>
+            <a:r>
+              <a:rPr lang="en-US" dirty="0" err="1">
+                <a:ea typeface="+mn-lt"/>
+                <a:cs typeface="+mn-lt"/>
+              </a:rPr>
+              <a:t>mu_d</a:t>
+            </a:r>
+            <a:r>
+              <a:rPr lang="en-US" dirty="0">
+                <a:ea typeface="+mn-lt"/>
+                <a:cs typeface="+mn-lt"/>
+              </a:rPr>
+              <a:t> &gt; 0$, we performed a right-tailed (matched-samples) t-test at the 5% significance level. Since we are performing a right-tailed test, the alternative hypothesis takes the greater condition and the null hypothesis takes the condition below.</a:t>
+            </a:r>
+          </a:p>
+          <a:p>
+            <a:pPr marL="0" indent="0">
+              <a:buNone/>
+            </a:pPr>
+            <a:r>
+              <a:rPr lang="en-US" dirty="0"/>
+              <a:t>                          </a:t>
+            </a:r>
+          </a:p>
+          <a:p>
+            <a:r>
+              <a:rPr lang="en-US" dirty="0"/>
+              <a:t>                  </a:t>
+            </a:r>
+            <a:r>
+              <a:rPr lang="en-US" dirty="0">
+                <a:ea typeface="+mn-lt"/>
+                <a:cs typeface="+mn-lt"/>
+              </a:rPr>
+              <a:t>$H_0: \</a:t>
+            </a:r>
+            <a:r>
+              <a:rPr lang="en-US" dirty="0" err="1">
+                <a:ea typeface="+mn-lt"/>
+                <a:cs typeface="+mn-lt"/>
+              </a:rPr>
+              <a:t>mu_d</a:t>
+            </a:r>
+            <a:r>
+              <a:rPr lang="en-US" dirty="0">
+                <a:ea typeface="+mn-lt"/>
+                <a:cs typeface="+mn-lt"/>
+              </a:rPr>
+              <a:t> \le 0$</a:t>
+            </a:r>
+          </a:p>
+          <a:p>
+            <a:pPr>
+              <a:buClr>
+                <a:srgbClr val="8D1515"/>
+              </a:buClr>
+            </a:pPr>
+            <a:r>
+              <a:rPr lang="en-US" dirty="0">
+                <a:ea typeface="+mn-lt"/>
+                <a:cs typeface="+mn-lt"/>
+              </a:rPr>
+              <a:t>                  $</a:t>
+            </a:r>
+            <a:r>
+              <a:rPr lang="en-US" dirty="0" err="1">
+                <a:ea typeface="+mn-lt"/>
+                <a:cs typeface="+mn-lt"/>
+              </a:rPr>
+              <a:t>H_a</a:t>
+            </a:r>
+            <a:r>
+              <a:rPr lang="en-US" dirty="0">
+                <a:ea typeface="+mn-lt"/>
+                <a:cs typeface="+mn-lt"/>
+              </a:rPr>
+              <a:t>: \</a:t>
+            </a:r>
+            <a:r>
+              <a:rPr lang="en-US" dirty="0" err="1">
+                <a:ea typeface="+mn-lt"/>
+                <a:cs typeface="+mn-lt"/>
+              </a:rPr>
+              <a:t>mu_d</a:t>
+            </a:r>
+            <a:r>
+              <a:rPr lang="en-US" dirty="0">
+                <a:ea typeface="+mn-lt"/>
+                <a:cs typeface="+mn-lt"/>
+              </a:rPr>
+              <a:t> &gt; 0$</a:t>
+            </a:r>
+          </a:p>
+          <a:p>
+            <a:pPr marL="342900" indent="-342900">
+              <a:buClr>
+                <a:srgbClr val="8D1515"/>
+              </a:buClr>
+            </a:pPr>
+            <a:endParaRPr lang="en-US" dirty="0"/>
+          </a:p>
+          <a:p>
+            <a:pPr marL="0" indent="0">
+              <a:buNone/>
+            </a:pPr>
+            <a:r>
+              <a:rPr lang="en-US" dirty="0"/>
+              <a:t>                </a:t>
+            </a:r>
+          </a:p>
+        </p:txBody>
+      </p:sp>
+    </p:spTree>
+    <p:extLst>
+      <p:ext uri="{BB962C8B-B14F-4D97-AF65-F5344CB8AC3E}">
+        <p14:creationId xmlns:p14="http://schemas.microsoft.com/office/powerpoint/2010/main" val="221988739"/>
+      </p:ext>
+    </p:extLst>
+  </p:cSld>
+  <p:clrMapOvr>
+    <a:masterClrMapping/>
+  </p:clrMapOvr>
+</p:sld>
+</file>
+
+<file path=ppt/slides/slide6.xml><?xml version="1.0" encoding="utf-8"?>
+<p:sld xmlns:a="http://schemas.openxmlformats.org/drawingml/2006/main" xmlns:r="http://schemas.openxmlformats.org/officeDocument/2006/relationships" xmlns:p="http://schemas.openxmlformats.org/presentationml/2006/main">
+  <p:cSld>
+    <p:bg>
+      <p:bgPr>
+        <a:blipFill rotWithShape="1">
+          <a:blip r:embed="rId2">
+            <a:duotone>
+              <a:schemeClr val="bg2">
+                <a:shade val="76000"/>
+                <a:satMod val="180000"/>
+              </a:schemeClr>
+              <a:schemeClr val="bg2">
+                <a:tint val="80000"/>
+                <a:satMod val="120000"/>
+                <a:lumMod val="180000"/>
+              </a:schemeClr>
+            </a:duotone>
+          </a:blip>
+          <a:stretch/>
+        </a:blipFill>
+        <a:effectLst/>
+      </p:bgPr>
+    </p:bg>
+    <p:spTree>
+      <p:nvGrpSpPr>
+        <p:cNvPr id="1" name=""/>
+        <p:cNvGrpSpPr/>
+        <p:nvPr/>
+      </p:nvGrpSpPr>
+      <p:grpSpPr>
+        <a:xfrm>
+          <a:off x="0" y="0"/>
+          <a:ext cx="0" cy="0"/>
+          <a:chOff x="0" y="0"/>
+          <a:chExt cx="0" cy="0"/>
+        </a:xfrm>
+      </p:grpSpPr>
+      <p:sp>
+        <p:nvSpPr>
+          <p:cNvPr id="2" name="Title 1">
+            <a:extLst>
+              <a:ext uri="{FF2B5EF4-FFF2-40B4-BE49-F238E27FC236}">
+                <a16:creationId xmlns:a16="http://schemas.microsoft.com/office/drawing/2014/main" id="{78BA59DF-B92E-6CB9-C3BC-F0ADC5C73664}"/>
+              </a:ext>
+            </a:extLst>
+          </p:cNvPr>
+          <p:cNvSpPr>
+            <a:spLocks noGrp="1"/>
+          </p:cNvSpPr>
+          <p:nvPr>
+            <p:ph type="title"/>
+          </p:nvPr>
+        </p:nvSpPr>
+        <p:spPr>
+          <a:xfrm>
+            <a:off x="1484311" y="1081548"/>
+            <a:ext cx="3333495" cy="1504335"/>
+          </a:xfrm>
+        </p:spPr>
+        <p:txBody>
+          <a:bodyPr vert="horz" lIns="91440" tIns="45720" rIns="91440" bIns="45720" rtlCol="0" anchor="ctr">
+            <a:normAutofit/>
+          </a:bodyPr>
+          <a:lstStyle/>
+          <a:p>
+            <a:r>
+              <a:rPr lang="en-US" sz="2800" dirty="0"/>
+              <a:t>Result</a:t>
+            </a:r>
+          </a:p>
+        </p:txBody>
+      </p:sp>
+      <p:sp>
+        <p:nvSpPr>
+          <p:cNvPr id="5" name="TextBox 4">
+            <a:extLst>
+              <a:ext uri="{FF2B5EF4-FFF2-40B4-BE49-F238E27FC236}">
+                <a16:creationId xmlns:a16="http://schemas.microsoft.com/office/drawing/2014/main" id="{3DB26896-F8CF-AE54-94E7-DB0D64145D51}"/>
+              </a:ext>
+            </a:extLst>
+          </p:cNvPr>
+          <p:cNvSpPr txBox="1"/>
+          <p:nvPr/>
+        </p:nvSpPr>
+        <p:spPr>
+          <a:xfrm>
+            <a:off x="1484311" y="2637407"/>
+            <a:ext cx="3999320" cy="2695113"/>
+          </a:xfrm>
+          <a:prstGeom prst="rect">
+            <a:avLst/>
+          </a:prstGeom>
+        </p:spPr>
+        <p:txBody>
+          <a:bodyPr rot="0" spcFirstLastPara="0" vertOverflow="overflow" horzOverflow="overflow" vert="horz" lIns="91440" tIns="45720" rIns="91440" bIns="45720" numCol="1" spcCol="0" rtlCol="0" fromWordArt="0" anchor="t" anchorCtr="0" forceAA="0" compatLnSpc="1">
+            <a:prstTxWarp prst="textNoShape">
+              <a:avLst/>
+            </a:prstTxWarp>
+            <a:noAutofit/>
+          </a:bodyPr>
+          <a:lstStyle/>
+          <a:p>
+            <a:pPr>
+              <a:spcBef>
+                <a:spcPct val="20000"/>
+              </a:spcBef>
+              <a:spcAft>
+                <a:spcPts val="600"/>
+              </a:spcAft>
+              <a:buClr>
+                <a:schemeClr val="accent1">
+                  <a:lumMod val="75000"/>
+                </a:schemeClr>
+              </a:buClr>
+              <a:buSzPct val="145000"/>
+              <a:buFont typeface="Arial"/>
+              <a:buChar char="•"/>
+            </a:pPr>
+            <a:r>
+              <a:rPr lang="en-US" sz="2000" dirty="0"/>
+              <a:t>The table consists of group, question, pre-test mean, post-test mean, test statistic, p-value, and conclusion. All p-values ​​are less than or equal to 0. 05, except question 21 in older  groups. While in younger age groups, questions 1,21,23,25 is significant i.e., p-value for those is less than or equal to 0.05.</a:t>
+            </a:r>
+          </a:p>
+        </p:txBody>
+      </p:sp>
+      <p:pic>
+        <p:nvPicPr>
+          <p:cNvPr id="4" name="Picture 4" descr="A picture containing calendar&#10;&#10;Description automatically generated">
+            <a:extLst>
+              <a:ext uri="{FF2B5EF4-FFF2-40B4-BE49-F238E27FC236}">
+                <a16:creationId xmlns:a16="http://schemas.microsoft.com/office/drawing/2014/main" id="{54DFB9AA-6B4C-47AE-BCE8-199E6C9D8469}"/>
+              </a:ext>
+            </a:extLst>
+          </p:cNvPr>
+          <p:cNvPicPr>
+            <a:picLocks noGrp="1" noChangeAspect="1"/>
+          </p:cNvPicPr>
+          <p:nvPr>
+            <p:ph idx="1"/>
+          </p:nvPr>
+        </p:nvPicPr>
+        <p:blipFill>
+          <a:blip r:embed="rId3"/>
+          <a:stretch>
+            <a:fillRect/>
+          </a:stretch>
+        </p:blipFill>
+        <p:spPr>
+          <a:xfrm>
+            <a:off x="6755531" y="1077896"/>
+            <a:ext cx="4585643" cy="5053050"/>
+          </a:xfrm>
+          <a:prstGeom prst="roundRect">
+            <a:avLst>
+              <a:gd name="adj" fmla="val 4380"/>
+            </a:avLst>
+          </a:prstGeom>
+          <a:ln w="38100">
+            <a:gradFill flip="none" rotWithShape="1">
+              <a:gsLst>
+                <a:gs pos="0">
+                  <a:schemeClr val="bg2"/>
+                </a:gs>
+                <a:gs pos="100000">
+                  <a:schemeClr val="bg2">
+                    <a:lumMod val="75000"/>
+                  </a:schemeClr>
+                </a:gs>
+              </a:gsLst>
+              <a:lin ang="5400000" scaled="0"/>
+              <a:tileRect/>
+            </a:gradFill>
+          </a:ln>
+          <a:effectLst>
+            <a:innerShdw blurRad="57150" dist="38100" dir="14460000">
+              <a:srgbClr val="000000">
+                <a:alpha val="70000"/>
+              </a:srgbClr>
+            </a:innerShdw>
+          </a:effectLst>
+        </p:spPr>
+      </p:pic>
+    </p:spTree>
+    <p:extLst>
+      <p:ext uri="{BB962C8B-B14F-4D97-AF65-F5344CB8AC3E}">
+        <p14:creationId xmlns:p14="http://schemas.microsoft.com/office/powerpoint/2010/main" val="1226312778"/>
+      </p:ext>
+    </p:extLst>
+  </p:cSld>
+  <p:clrMapOvr>
+    <a:masterClrMapping/>
+  </p:clrMapOvr>
+</p:sld>
+</file>
+
+<file path=ppt/slides/slide7.xml><?xml version="1.0" encoding="utf-8"?>
+<p:sld xmlns:a="http://schemas.openxmlformats.org/drawingml/2006/main" xmlns:r="http://schemas.openxmlformats.org/officeDocument/2006/relationships" xmlns:p="http://schemas.openxmlformats.org/presentationml/2006/main">
+  <p:cSld>
+    <p:spTree>
+      <p:nvGrpSpPr>
+        <p:cNvPr id="1" name=""/>
+        <p:cNvGrpSpPr/>
+        <p:nvPr/>
+      </p:nvGrpSpPr>
+      <p:grpSpPr>
+        <a:xfrm>
+          <a:off x="0" y="0"/>
+          <a:ext cx="0" cy="0"/>
+          <a:chOff x="0" y="0"/>
+          <a:chExt cx="0" cy="0"/>
+        </a:xfrm>
+      </p:grpSpPr>
+      <p:sp>
+        <p:nvSpPr>
+          <p:cNvPr id="2" name="Title 1">
+            <a:extLst>
+              <a:ext uri="{FF2B5EF4-FFF2-40B4-BE49-F238E27FC236}">
+                <a16:creationId xmlns:a16="http://schemas.microsoft.com/office/drawing/2014/main" id="{79B3D488-497C-0AE9-BAF8-5D264422ED4E}"/>
+              </a:ext>
+            </a:extLst>
+          </p:cNvPr>
+          <p:cNvSpPr>
+            <a:spLocks noGrp="1"/>
+          </p:cNvSpPr>
+          <p:nvPr>
+            <p:ph type="title"/>
+          </p:nvPr>
+        </p:nvSpPr>
+        <p:spPr>
+          <a:xfrm>
+            <a:off x="1484311" y="1573566"/>
+            <a:ext cx="2531878" cy="361766"/>
+          </a:xfrm>
+        </p:spPr>
+        <p:txBody>
+          <a:bodyPr>
+            <a:normAutofit fontScale="90000"/>
+          </a:bodyPr>
+          <a:lstStyle/>
+          <a:p>
+            <a:r>
+              <a:rPr lang="en-US" dirty="0"/>
+              <a:t>Conclusion:</a:t>
+            </a:r>
+          </a:p>
+        </p:txBody>
+      </p:sp>
+      <p:sp>
+        <p:nvSpPr>
+          <p:cNvPr id="3" name="Content Placeholder 2">
+            <a:extLst>
+              <a:ext uri="{FF2B5EF4-FFF2-40B4-BE49-F238E27FC236}">
+                <a16:creationId xmlns:a16="http://schemas.microsoft.com/office/drawing/2014/main" id="{8F0B9DF0-522E-1207-E6A5-DEA41687F0E2}"/>
+              </a:ext>
+            </a:extLst>
+          </p:cNvPr>
+          <p:cNvSpPr>
+            <a:spLocks noGrp="1"/>
+          </p:cNvSpPr>
+          <p:nvPr>
+            <p:ph idx="1"/>
+          </p:nvPr>
+        </p:nvSpPr>
+        <p:spPr>
+          <a:xfrm>
+            <a:off x="1365942" y="2178728"/>
+            <a:ext cx="10137081" cy="3612472"/>
+          </a:xfrm>
+        </p:spPr>
+        <p:txBody>
+          <a:bodyPr/>
+          <a:lstStyle/>
+          <a:p>
+            <a:r>
+              <a:rPr lang="en-US" dirty="0">
+                <a:ea typeface="+mn-lt"/>
+                <a:cs typeface="+mn-lt"/>
+              </a:rPr>
+              <a:t>In terms of the older group there is an almost all the questions where there is a significant difference between pre-test and post-test mean.</a:t>
+            </a:r>
+            <a:endParaRPr lang="en-US" dirty="0"/>
+          </a:p>
+          <a:p>
+            <a:pPr>
+              <a:buClr>
+                <a:srgbClr val="8D1515"/>
+              </a:buClr>
+            </a:pPr>
+            <a:r>
+              <a:rPr lang="en-US" dirty="0">
+                <a:ea typeface="+mn-lt"/>
+                <a:cs typeface="+mn-lt"/>
+              </a:rPr>
+              <a:t>In the younger group, there is not much difference between the pre-test and post-test except for a few questions.</a:t>
+            </a:r>
+          </a:p>
+          <a:p>
+            <a:pPr>
+              <a:buClr>
+                <a:srgbClr val="8D1515"/>
+              </a:buClr>
+            </a:pPr>
+            <a:r>
+              <a:rPr lang="en-US" dirty="0">
+                <a:ea typeface="+mn-lt"/>
+                <a:cs typeface="+mn-lt"/>
+              </a:rPr>
+              <a:t>Hence the null hypothesis is accepted but not completely.</a:t>
+            </a:r>
+          </a:p>
+        </p:txBody>
+      </p:sp>
+    </p:spTree>
+    <p:extLst>
+      <p:ext uri="{BB962C8B-B14F-4D97-AF65-F5344CB8AC3E}">
+        <p14:creationId xmlns:p14="http://schemas.microsoft.com/office/powerpoint/2010/main" val="2130654067"/>
+      </p:ext>
+    </p:extLst>
+  </p:cSld>
+  <p:clrMapOvr>
+    <a:masterClrMapping/>
+  </p:clrMapOvr>
+</p:sld>
+</file>
+
+<file path=ppt/slides/slide8.xml><?xml version="1.0" encoding="utf-8"?>
+<p:sld xmlns:a="http://schemas.openxmlformats.org/drawingml/2006/main" xmlns:r="http://schemas.openxmlformats.org/officeDocument/2006/relationships" xmlns:p="http://schemas.openxmlformats.org/presentationml/2006/main">
+  <p:cSld>
+    <p:spTree>
+      <p:nvGrpSpPr>
+        <p:cNvPr id="1" name=""/>
+        <p:cNvGrpSpPr/>
+        <p:nvPr/>
+      </p:nvGrpSpPr>
+      <p:grpSpPr>
+        <a:xfrm>
+          <a:off x="0" y="0"/>
+          <a:ext cx="0" cy="0"/>
+          <a:chOff x="0" y="0"/>
+          <a:chExt cx="0" cy="0"/>
+        </a:xfrm>
+      </p:grpSpPr>
+      <p:sp>
+        <p:nvSpPr>
+          <p:cNvPr id="2" name="Title 1">
+            <a:extLst>
+              <a:ext uri="{FF2B5EF4-FFF2-40B4-BE49-F238E27FC236}">
+                <a16:creationId xmlns:a16="http://schemas.microsoft.com/office/drawing/2014/main" id="{0BF3936F-A5F9-7A42-88D9-D65F255245C7}"/>
+              </a:ext>
+            </a:extLst>
+          </p:cNvPr>
+          <p:cNvSpPr>
+            <a:spLocks noGrp="1"/>
+          </p:cNvSpPr>
+          <p:nvPr>
+            <p:ph type="title"/>
+          </p:nvPr>
+        </p:nvSpPr>
+        <p:spPr/>
+        <p:txBody>
+          <a:bodyPr>
+            <a:normAutofit/>
+          </a:bodyPr>
+          <a:lstStyle/>
+          <a:p>
+            <a:r>
+              <a:rPr lang="en-US" sz="3200" dirty="0"/>
+              <a:t>Does the Race/Ethnicity of Participants Influence the Change in Scores for Various Questions Over Time?</a:t>
+            </a:r>
+          </a:p>
+        </p:txBody>
+      </p:sp>
+      <p:sp>
+        <p:nvSpPr>
+          <p:cNvPr id="3" name="Content Placeholder 2">
+            <a:extLst>
+              <a:ext uri="{FF2B5EF4-FFF2-40B4-BE49-F238E27FC236}">
+                <a16:creationId xmlns:a16="http://schemas.microsoft.com/office/drawing/2014/main" id="{CBDFEA35-EC50-22B3-2A1B-8D95F61027A9}"/>
+              </a:ext>
+            </a:extLst>
+          </p:cNvPr>
+          <p:cNvSpPr>
+            <a:spLocks noGrp="1"/>
+          </p:cNvSpPr>
+          <p:nvPr>
+            <p:ph idx="1"/>
+          </p:nvPr>
+        </p:nvSpPr>
+        <p:spPr/>
+        <p:txBody>
+          <a:bodyPr/>
+          <a:lstStyle/>
+          <a:p>
+            <a:r>
+              <a:rPr lang="en-US" dirty="0"/>
+              <a:t>One-Way </a:t>
+            </a:r>
+            <a:r>
+              <a:rPr lang="en-US" dirty="0" err="1"/>
+              <a:t>Anova</a:t>
+            </a:r>
+            <a:r>
+              <a:rPr lang="en-US" dirty="0"/>
+              <a:t> and Fisher’s LSD</a:t>
+            </a:r>
+          </a:p>
+          <a:p>
+            <a:r>
+              <a:rPr lang="en-US" dirty="0"/>
+              <a:t>Hypotheses</a:t>
+            </a:r>
+          </a:p>
+          <a:p>
+            <a:pPr lvl="1"/>
+            <a:r>
+              <a:rPr lang="en-US" dirty="0"/>
+              <a:t>Null</a:t>
+            </a:r>
+          </a:p>
+          <a:p>
+            <a:pPr lvl="1"/>
+            <a:r>
+              <a:rPr lang="en-US" dirty="0"/>
+              <a:t>Alt</a:t>
+            </a:r>
+          </a:p>
+        </p:txBody>
+      </p:sp>
+    </p:spTree>
+    <p:extLst>
+      <p:ext uri="{BB962C8B-B14F-4D97-AF65-F5344CB8AC3E}">
+        <p14:creationId xmlns:p14="http://schemas.microsoft.com/office/powerpoint/2010/main" val="1746589209"/>
+      </p:ext>
+    </p:extLst>
+  </p:cSld>
+  <p:clrMapOvr>
+    <a:masterClrMapping/>
+  </p:clrMapOvr>
+</p:sld>
+</file>
+
+<file path=ppt/slides/slide9.xml><?xml version="1.0" encoding="utf-8"?>
+<p:sld xmlns:a="http://schemas.openxmlformats.org/drawingml/2006/main" xmlns:r="http://schemas.openxmlformats.org/officeDocument/2006/relationships" xmlns:p="http://schemas.openxmlformats.org/presentationml/2006/main">
+  <p:cSld>
+    <p:spTree>
+      <p:nvGrpSpPr>
+        <p:cNvPr id="1" name=""/>
+        <p:cNvGrpSpPr/>
+        <p:nvPr/>
+      </p:nvGrpSpPr>
+      <p:grpSpPr>
+        <a:xfrm>
+          <a:off x="0" y="0"/>
+          <a:ext cx="0" cy="0"/>
+          <a:chOff x="0" y="0"/>
+          <a:chExt cx="0" cy="0"/>
+        </a:xfrm>
+      </p:grpSpPr>
+      <p:sp>
+        <p:nvSpPr>
+          <p:cNvPr id="2" name="Title 1">
+            <a:extLst>
+              <a:ext uri="{FF2B5EF4-FFF2-40B4-BE49-F238E27FC236}">
+                <a16:creationId xmlns:a16="http://schemas.microsoft.com/office/drawing/2014/main" id="{9B91BB3F-EB0C-D80B-9A00-66874CD448AB}"/>
+              </a:ext>
+            </a:extLst>
+          </p:cNvPr>
+          <p:cNvSpPr>
+            <a:spLocks noGrp="1"/>
+          </p:cNvSpPr>
+          <p:nvPr>
+            <p:ph type="title"/>
+          </p:nvPr>
+        </p:nvSpPr>
+        <p:spPr/>
+        <p:txBody>
+          <a:bodyPr/>
+          <a:lstStyle/>
+          <a:p>
+            <a:r>
+              <a:rPr lang="en-US" dirty="0"/>
+              <a:t>Conclusions</a:t>
+            </a:r>
+          </a:p>
+        </p:txBody>
+      </p:sp>
+      <p:sp>
+        <p:nvSpPr>
+          <p:cNvPr id="3" name="Content Placeholder 2">
+            <a:extLst>
+              <a:ext uri="{FF2B5EF4-FFF2-40B4-BE49-F238E27FC236}">
+                <a16:creationId xmlns:a16="http://schemas.microsoft.com/office/drawing/2014/main" id="{CA53DEEB-EDCA-10DD-2160-CC8D87E35558}"/>
+              </a:ext>
+            </a:extLst>
+          </p:cNvPr>
+          <p:cNvSpPr>
+            <a:spLocks noGrp="1"/>
+          </p:cNvSpPr>
+          <p:nvPr>
+            <p:ph idx="1"/>
+          </p:nvPr>
+        </p:nvSpPr>
+        <p:spPr/>
+        <p:txBody>
+          <a:bodyPr/>
+          <a:lstStyle/>
+          <a:p>
+            <a:endParaRPr lang="en-US"/>
+          </a:p>
+        </p:txBody>
+      </p:sp>
+    </p:spTree>
+    <p:extLst>
+      <p:ext uri="{BB962C8B-B14F-4D97-AF65-F5344CB8AC3E}">
+        <p14:creationId xmlns:p14="http://schemas.microsoft.com/office/powerpoint/2010/main" val="2247401716"/>
+      </p:ext>
+    </p:extLst>
+  </p:cSld>
+  <p:clrMapOvr>
+    <a:masterClrMapping/>
+  </p:clrMapOvr>
 </p:sld>
 </file>
 
 <file path=ppt/theme/theme1.xml><?xml version="1.0" encoding="utf-8"?>
-<a:theme xmlns:a="http://schemas.openxmlformats.org/drawingml/2006/main" name="Office Theme">
+<a:theme xmlns:a="http://schemas.openxmlformats.org/drawingml/2006/main" name="Parallax">
   <a:themeElements>
-    <a:clrScheme name="Office">
+    <a:clrScheme name="Parallax">
       <a:dk1>
         <a:sysClr val="windowText" lastClr="000000"/>
       </a:dk1>
@@ -3395,100 +8675,48 @@
         <a:sysClr val="window" lastClr="FFFFFF"/>
       </a:lt1>
       <a:dk2>
-        <a:srgbClr val="44546A"/>
+        <a:srgbClr val="212121"/>
       </a:dk2>
       <a:lt2>
-        <a:srgbClr val="E7E6E6"/>
+        <a:srgbClr val="CDD0D1"/>
       </a:lt2>
       <a:accent1>
-        <a:srgbClr val="4472C4"/>
+        <a:srgbClr val="BC1C1C"/>
       </a:accent1>
       <a:accent2>
-        <a:srgbClr val="ED7D31"/>
+        <a:srgbClr val="F67534"/>
       </a:accent2>
       <a:accent3>
-        <a:srgbClr val="A5A5A5"/>
+        <a:srgbClr val="EAAC35"/>
       </a:accent3>
       <a:accent4>
-        <a:srgbClr val="FFC000"/>
+        <a:srgbClr val="9BAF68"/>
       </a:accent4>
       <a:accent5>
-        <a:srgbClr val="5B9BD5"/>
+        <a:srgbClr val="68B9A6"/>
       </a:accent5>
       <a:accent6>
-        <a:srgbClr val="70AD47"/>
+        <a:srgbClr val="50B1D4"/>
       </a:accent6>
       <a:hlink>
-        <a:srgbClr val="0563C1"/>
+        <a:srgbClr val="E46416"/>
       </a:hlink>
       <a:folHlink>
-        <a:srgbClr val="954F72"/>
+        <a:srgbClr val="EE9340"/>
       </a:folHlink>
     </a:clrScheme>
-    <a:fontScheme name="Office">
+    <a:fontScheme name="Parallax">
       <a:majorFont>
-        <a:latin typeface="Calibri Light" panose="020F0302020204030204"/>
+        <a:latin typeface="Corbel" panose="020B0503020204020204"/>
         <a:ea typeface=""/>
         <a:cs typeface=""/>
-        <a:font script="Jpan" typeface="游ゴシック Light"/>
-        <a:font script="Hang" typeface="맑은 고딕"/>
-        <a:font script="Hans" typeface="等线 Light"/>
+        <a:font script="Jpan" typeface="HGｺﾞｼｯｸM"/>
+        <a:font script="Hang" typeface="HY엽서L"/>
+        <a:font script="Hans" typeface="华文楷体"/>
         <a:font script="Hant" typeface="新細明體"/>
-        <a:font script="Arab" typeface="Times New Roman"/>
-        <a:font script="Hebr" typeface="Times New Roman"/>
-        <a:font script="Thai" typeface="Angsana New"/>
-        <a:font script="Ethi" typeface="Nyala"/>
-        <a:font script="Beng" typeface="Vrinda"/>
-        <a:font script="Gujr" typeface="Shruti"/>
-        <a:font script="Khmr" typeface="MoolBoran"/>
-        <a:font script="Knda" typeface="Tunga"/>
-        <a:font script="Guru" typeface="Raavi"/>
-        <a:font script="Cans" typeface="Euphemia"/>
-        <a:font script="Cher" typeface="Plantagenet Cherokee"/>
-        <a:font script="Yiii" typeface="Microsoft Yi Baiti"/>
-        <a:font script="Tibt" typeface="Microsoft Himalaya"/>
-        <a:font script="Thaa" typeface="MV Boli"/>
-        <a:font script="Deva" typeface="Mangal"/>
-        <a:font script="Telu" typeface="Gautami"/>
-        <a:font script="Taml" typeface="Latha"/>
-        <a:font script="Syrc" typeface="Estrangelo Edessa"/>
-        <a:font script="Orya" typeface="Kalinga"/>
-        <a:font script="Mlym" typeface="Kartika"/>
-        <a:font script="Laoo" typeface="DokChampa"/>
-        <a:font script="Sinh" typeface="Iskoola Pota"/>
-        <a:font script="Mong" typeface="Mongolian Baiti"/>
-        <a:font script="Viet" typeface="Times New Roman"/>
-        <a:font script="Uigh" typeface="Microsoft Uighur"/>
-        <a:font script="Geor" typeface="Sylfaen"/>
-        <a:font script="Armn" typeface="Arial"/>
-        <a:font script="Bugi" typeface="Leelawadee UI"/>
-        <a:font script="Bopo" typeface="Microsoft JhengHei"/>
-        <a:font script="Java" typeface="Javanese Text"/>
-        <a:font script="Lisu" typeface="Segoe UI"/>
-        <a:font script="Mymr" typeface="Myanmar Text"/>
-        <a:font script="Nkoo" typeface="Ebrima"/>
-        <a:font script="Olck" typeface="Nirmala UI"/>
-        <a:font script="Osma" typeface="Ebrima"/>
-        <a:font script="Phag" typeface="Phagspa"/>
-        <a:font script="Syrn" typeface="Estrangelo Edessa"/>
-        <a:font script="Syrj" typeface="Estrangelo Edessa"/>
-        <a:font script="Syre" typeface="Estrangelo Edessa"/>
-        <a:font script="Sora" typeface="Nirmala UI"/>
-        <a:font script="Tale" typeface="Microsoft Tai Le"/>
-        <a:font script="Talu" typeface="Microsoft New Tai Lue"/>
-        <a:font script="Tfng" typeface="Ebrima"/>
-      </a:majorFont>
-      <a:minorFont>
-        <a:latin typeface="Calibri" panose="020F0502020204030204"/>
-        <a:ea typeface=""/>
-        <a:cs typeface=""/>
-        <a:font script="Jpan" typeface="游ゴシック"/>
-        <a:font script="Hang" typeface="맑은 고딕"/>
-        <a:font script="Hans" typeface="等线"/>
-        <a:font script="Hant" typeface="新細明體"/>
-        <a:font script="Arab" typeface="Arial"/>
-        <a:font script="Hebr" typeface="Arial"/>
-        <a:font script="Thai" typeface="Cordia New"/>
+        <a:font script="Arab" typeface="Tahoma"/>
+        <a:font script="Hebr" typeface="Miriam"/>
+        <a:font script="Thai" typeface="DilleniaUPC"/>
         <a:font script="Ethi" typeface="Nyala"/>
         <a:font script="Beng" typeface="Vrinda"/>
         <a:font script="Gujr" typeface="Shruti"/>
@@ -3512,26 +8740,44 @@
         <a:font script="Viet" typeface="Arial"/>
         <a:font script="Uigh" typeface="Microsoft Uighur"/>
         <a:font script="Geor" typeface="Sylfaen"/>
-        <a:font script="Armn" typeface="Arial"/>
-        <a:font script="Bugi" typeface="Leelawadee UI"/>
-        <a:font script="Bopo" typeface="Microsoft JhengHei"/>
-        <a:font script="Java" typeface="Javanese Text"/>
-        <a:font script="Lisu" typeface="Segoe UI"/>
-        <a:font script="Mymr" typeface="Myanmar Text"/>
-        <a:font script="Nkoo" typeface="Ebrima"/>
-        <a:font script="Olck" typeface="Nirmala UI"/>
-        <a:font script="Osma" typeface="Ebrima"/>
-        <a:font script="Phag" typeface="Phagspa"/>
-        <a:font script="Syrn" typeface="Estrangelo Edessa"/>
-        <a:font script="Syrj" typeface="Estrangelo Edessa"/>
-        <a:font script="Syre" typeface="Estrangelo Edessa"/>
-        <a:font script="Sora" typeface="Nirmala UI"/>
-        <a:font script="Tale" typeface="Microsoft Tai Le"/>
-        <a:font script="Talu" typeface="Microsoft New Tai Lue"/>
-        <a:font script="Tfng" typeface="Ebrima"/>
+      </a:majorFont>
+      <a:minorFont>
+        <a:latin typeface="Corbel" panose="020B0503020204020204"/>
+        <a:ea typeface=""/>
+        <a:cs typeface=""/>
+        <a:font script="Jpan" typeface="HGｺﾞｼｯｸM"/>
+        <a:font script="Hang" typeface="HY엽서L"/>
+        <a:font script="Hans" typeface="华文楷体"/>
+        <a:font script="Hant" typeface="新細明體"/>
+        <a:font script="Arab" typeface="Tahoma"/>
+        <a:font script="Hebr" typeface="Miriam"/>
+        <a:font script="Thai" typeface="DilleniaUPC"/>
+        <a:font script="Ethi" typeface="Nyala"/>
+        <a:font script="Beng" typeface="Vrinda"/>
+        <a:font script="Gujr" typeface="Shruti"/>
+        <a:font script="Khmr" typeface="DaunPenh"/>
+        <a:font script="Knda" typeface="Tunga"/>
+        <a:font script="Guru" typeface="Raavi"/>
+        <a:font script="Cans" typeface="Euphemia"/>
+        <a:font script="Cher" typeface="Plantagenet Cherokee"/>
+        <a:font script="Yiii" typeface="Microsoft Yi Baiti"/>
+        <a:font script="Tibt" typeface="Microsoft Himalaya"/>
+        <a:font script="Thaa" typeface="MV Boli"/>
+        <a:font script="Deva" typeface="Mangal"/>
+        <a:font script="Telu" typeface="Gautami"/>
+        <a:font script="Taml" typeface="Latha"/>
+        <a:font script="Syrc" typeface="Estrangelo Edessa"/>
+        <a:font script="Orya" typeface="Kalinga"/>
+        <a:font script="Mlym" typeface="Kartika"/>
+        <a:font script="Laoo" typeface="DokChampa"/>
+        <a:font script="Sinh" typeface="Iskoola Pota"/>
+        <a:font script="Mong" typeface="Mongolian Baiti"/>
+        <a:font script="Viet" typeface="Arial"/>
+        <a:font script="Uigh" typeface="Microsoft Uighur"/>
+        <a:font script="Geor" typeface="Sylfaen"/>
       </a:minorFont>
     </a:fontScheme>
-    <a:fmtScheme name="Office">
+    <a:fmtScheme name="Parallax">
       <a:fillStyleLst>
         <a:solidFill>
           <a:schemeClr val="phClr"/>
@@ -3540,23 +8786,13 @@
           <a:gsLst>
             <a:gs pos="0">
               <a:schemeClr val="phClr">
-                <a:lumMod val="110000"/>
-                <a:satMod val="105000"/>
-                <a:tint val="67000"/>
-              </a:schemeClr>
-            </a:gs>
-            <a:gs pos="50000">
-              <a:schemeClr val="phClr">
-                <a:lumMod val="105000"/>
-                <a:satMod val="103000"/>
-                <a:tint val="73000"/>
+                <a:tint val="60000"/>
+                <a:lumMod val="104000"/>
               </a:schemeClr>
             </a:gs>
             <a:gs pos="100000">
               <a:schemeClr val="phClr">
-                <a:lumMod val="105000"/>
-                <a:satMod val="109000"/>
-                <a:tint val="81000"/>
+                <a:tint val="84000"/>
               </a:schemeClr>
             </a:gs>
           </a:gsLst>
@@ -3566,50 +8802,42 @@
           <a:gsLst>
             <a:gs pos="0">
               <a:schemeClr val="phClr">
-                <a:satMod val="103000"/>
+                <a:tint val="96000"/>
                 <a:lumMod val="102000"/>
-                <a:tint val="94000"/>
-              </a:schemeClr>
-            </a:gs>
-            <a:gs pos="50000">
-              <a:schemeClr val="phClr">
-                <a:satMod val="110000"/>
-                <a:lumMod val="100000"/>
-                <a:shade val="100000"/>
               </a:schemeClr>
             </a:gs>
             <a:gs pos="100000">
               <a:schemeClr val="phClr">
-                <a:lumMod val="99000"/>
-                <a:satMod val="120000"/>
-                <a:shade val="78000"/>
+                <a:shade val="88000"/>
+                <a:lumMod val="94000"/>
               </a:schemeClr>
             </a:gs>
           </a:gsLst>
-          <a:lin ang="5400000" scaled="0"/>
+          <a:path path="circle">
+            <a:fillToRect l="50000" t="100000" r="100000" b="50000"/>
+          </a:path>
         </a:gradFill>
       </a:fillStyleLst>
       <a:lnStyleLst>
-        <a:ln w="6350" cap="flat" cmpd="sng" algn="ctr">
+        <a:ln w="9525" cap="rnd" cmpd="sng" algn="ctr">
+          <a:solidFill>
+            <a:schemeClr val="phClr">
+              <a:tint val="60000"/>
+            </a:schemeClr>
+          </a:solidFill>
+          <a:prstDash val="solid"/>
+        </a:ln>
+        <a:ln w="15875" cap="rnd" cmpd="sng" algn="ctr">
           <a:solidFill>
             <a:schemeClr val="phClr"/>
           </a:solidFill>
           <a:prstDash val="solid"/>
-          <a:miter lim="800000"/>
         </a:ln>
-        <a:ln w="12700" cap="flat" cmpd="sng" algn="ctr">
+        <a:ln w="22225" cap="rnd" cmpd="sng" algn="ctr">
           <a:solidFill>
             <a:schemeClr val="phClr"/>
           </a:solidFill>
           <a:prstDash val="solid"/>
-          <a:miter lim="800000"/>
-        </a:ln>
-        <a:ln w="19050" cap="flat" cmpd="sng" algn="ctr">
-          <a:solidFill>
-            <a:schemeClr val="phClr"/>
-          </a:solidFill>
-          <a:prstDash val="solid"/>
-          <a:miter lim="800000"/>
         </a:ln>
       </a:lnStyleLst>
       <a:effectStyleLst>
@@ -3617,55 +8845,68 @@
           <a:effectLst/>
         </a:effectStyle>
         <a:effectStyle>
-          <a:effectLst/>
+          <a:effectLst>
+            <a:reflection blurRad="12700" stA="26000" endPos="32000" dist="12700" dir="5400000" sy="-100000" rotWithShape="0"/>
+          </a:effectLst>
         </a:effectStyle>
         <a:effectStyle>
           <a:effectLst>
-            <a:outerShdw blurRad="57150" dist="19050" dir="5400000" algn="ctr" rotWithShape="0">
+            <a:outerShdw blurRad="38100" dist="25400" dir="5400000" rotWithShape="0">
               <a:srgbClr val="000000">
-                <a:alpha val="63000"/>
+                <a:alpha val="64000"/>
               </a:srgbClr>
             </a:outerShdw>
           </a:effectLst>
+          <a:scene3d>
+            <a:camera prst="orthographicFront">
+              <a:rot lat="0" lon="0" rev="0"/>
+            </a:camera>
+            <a:lightRig rig="threePt" dir="tl">
+              <a:rot lat="0" lon="0" rev="1200000"/>
+            </a:lightRig>
+          </a:scene3d>
+          <a:sp3d>
+            <a:bevelT w="25400" h="12700"/>
+          </a:sp3d>
         </a:effectStyle>
       </a:effectStyleLst>
       <a:bgFillStyleLst>
         <a:solidFill>
           <a:schemeClr val="phClr"/>
         </a:solidFill>
-        <a:solidFill>
-          <a:schemeClr val="phClr">
-            <a:tint val="95000"/>
-            <a:satMod val="170000"/>
-          </a:schemeClr>
-        </a:solidFill>
         <a:gradFill rotWithShape="1">
           <a:gsLst>
             <a:gs pos="0">
               <a:schemeClr val="phClr">
-                <a:tint val="93000"/>
-                <a:satMod val="150000"/>
-                <a:shade val="98000"/>
-                <a:lumMod val="102000"/>
-              </a:schemeClr>
-            </a:gs>
-            <a:gs pos="50000">
-              <a:schemeClr val="phClr">
-                <a:tint val="98000"/>
-                <a:satMod val="130000"/>
-                <a:shade val="90000"/>
-                <a:lumMod val="103000"/>
+                <a:tint val="90000"/>
+                <a:lumMod val="110000"/>
               </a:schemeClr>
             </a:gs>
             <a:gs pos="100000">
               <a:schemeClr val="phClr">
-                <a:shade val="63000"/>
-                <a:satMod val="120000"/>
+                <a:shade val="64000"/>
+                <a:lumMod val="98000"/>
               </a:schemeClr>
             </a:gs>
           </a:gsLst>
           <a:lin ang="5400000" scaled="0"/>
         </a:gradFill>
+        <a:blipFill rotWithShape="1">
+          <a:blip xmlns:r="http://schemas.openxmlformats.org/officeDocument/2006/relationships" r:embed="rId1">
+            <a:duotone>
+              <a:schemeClr val="phClr">
+                <a:shade val="76000"/>
+                <a:satMod val="180000"/>
+              </a:schemeClr>
+              <a:schemeClr val="phClr">
+                <a:tint val="80000"/>
+                <a:satMod val="120000"/>
+                <a:lumMod val="180000"/>
+              </a:schemeClr>
+            </a:duotone>
+          </a:blip>
+          <a:stretch/>
+        </a:blipFill>
       </a:bgFillStyleLst>
     </a:fmtScheme>
   </a:themeElements>
@@ -3673,7 +8914,7 @@
   <a:extraClrSchemeLst/>
   <a:extLst>
     <a:ext uri="{05A4C25C-085E-4340-85A3-A5531E510DB2}">
-      <thm15:themeFamily xmlns:thm15="http://schemas.microsoft.com/office/thememl/2012/main" name="Office Theme" id="{62F939B6-93AF-4DB8-9C6B-D6C7DFDC589F}" vid="{4A3C46E8-61CC-4603-A589-7422A47A8E4A}"/>
+      <thm15:themeFamily xmlns:thm15="http://schemas.microsoft.com/office/thememl/2012/main" name="Parallax" id="{3388167B-A2EB-4685-9635-1831D9AEF8C4}" vid="{93B4CCAC-FD5A-4D59-B1AC-EAF45910B5A9}"/>
     </a:ext>
   </a:extLst>
 </a:theme>
